--- a/Fully Reversed Poster.pptx
+++ b/Fully Reversed Poster.pptx
@@ -787,11 +787,11 @@
           <c:showPercent val="0"/>
           <c:showBubbleSize val="0"/>
         </c:dLbls>
-        <c:axId val="75531776"/>
-        <c:axId val="75533696"/>
+        <c:axId val="74618368"/>
+        <c:axId val="74620288"/>
       </c:scatterChart>
       <c:valAx>
-        <c:axId val="75531776"/>
+        <c:axId val="74618368"/>
         <c:scaling>
           <c:orientation val="minMax"/>
         </c:scaling>
@@ -820,12 +820,12 @@
         <c:majorTickMark val="out"/>
         <c:minorTickMark val="none"/>
         <c:tickLblPos val="nextTo"/>
-        <c:crossAx val="75533696"/>
+        <c:crossAx val="74620288"/>
         <c:crosses val="autoZero"/>
         <c:crossBetween val="midCat"/>
       </c:valAx>
       <c:valAx>
-        <c:axId val="75533696"/>
+        <c:axId val="74620288"/>
         <c:scaling>
           <c:orientation val="minMax"/>
         </c:scaling>
@@ -856,7 +856,7 @@
         <c:majorTickMark val="out"/>
         <c:minorTickMark val="none"/>
         <c:tickLblPos val="nextTo"/>
-        <c:crossAx val="75531776"/>
+        <c:crossAx val="74618368"/>
         <c:crosses val="autoZero"/>
         <c:crossBetween val="midCat"/>
       </c:valAx>
@@ -1460,11 +1460,11 @@
           <c:showPercent val="0"/>
           <c:showBubbleSize val="0"/>
         </c:dLbls>
-        <c:axId val="155504640"/>
-        <c:axId val="155506560"/>
+        <c:axId val="74925568"/>
+        <c:axId val="74927488"/>
       </c:scatterChart>
       <c:valAx>
-        <c:axId val="155504640"/>
+        <c:axId val="74925568"/>
         <c:scaling>
           <c:orientation val="minMax"/>
         </c:scaling>
@@ -1498,12 +1498,12 @@
         <c:majorTickMark val="none"/>
         <c:minorTickMark val="none"/>
         <c:tickLblPos val="nextTo"/>
-        <c:crossAx val="155506560"/>
+        <c:crossAx val="74927488"/>
         <c:crosses val="autoZero"/>
         <c:crossBetween val="midCat"/>
       </c:valAx>
       <c:valAx>
-        <c:axId val="155506560"/>
+        <c:axId val="74927488"/>
         <c:scaling>
           <c:orientation val="minMax"/>
         </c:scaling>
@@ -1538,7 +1538,7 @@
         <c:majorTickMark val="none"/>
         <c:minorTickMark val="none"/>
         <c:tickLblPos val="nextTo"/>
-        <c:crossAx val="155504640"/>
+        <c:crossAx val="74925568"/>
         <c:crosses val="autoZero"/>
         <c:crossBetween val="midCat"/>
       </c:valAx>
@@ -5594,75 +5594,6 @@
       </p:grpSpPr>
       <p:sp>
         <p:nvSpPr>
-          <p:cNvPr id="16568" name="Text Box 2232"/>
-          <p:cNvSpPr txBox="1">
-            <a:spLocks noChangeArrowheads="1"/>
-          </p:cNvSpPr>
-          <p:nvPr/>
-        </p:nvSpPr>
-        <p:spPr bwMode="auto">
-          <a:xfrm>
-            <a:off x="28729343" y="30151103"/>
-            <a:ext cx="13662245" cy="462733"/>
-          </a:xfrm>
-          <a:prstGeom prst="rect">
-            <a:avLst/>
-          </a:prstGeom>
-          <a:noFill/>
-          <a:ln w="127000" algn="ctr">
-            <a:noFill/>
-            <a:miter lim="800000"/>
-            <a:headEnd/>
-            <a:tailEnd/>
-          </a:ln>
-          <a:effectLst/>
-        </p:spPr>
-        <p:txBody>
-          <a:bodyPr wrap="square" lIns="92498" tIns="46249" rIns="92498" bIns="46249" anchor="t">
-            <a:spAutoFit/>
-          </a:bodyPr>
-          <a:lstStyle/>
-          <a:p>
-            <a:pPr algn="l" defTabSz="4440274">
-              <a:spcBef>
-                <a:spcPts val="0"/>
-              </a:spcBef>
-            </a:pPr>
-            <a:r>
-              <a:rPr lang="en-US" sz="2400" b="1" dirty="0">
-                <a:solidFill>
-                  <a:schemeClr val="tx1"/>
-                </a:solidFill>
-                <a:latin typeface="Times New Roman" pitchFamily="18" charset="0"/>
-                <a:cs typeface="Times New Roman" pitchFamily="18" charset="0"/>
-              </a:rPr>
-              <a:t>9</a:t>
-            </a:r>
-            <a:r>
-              <a:rPr lang="en-US" sz="2400" b="1" dirty="0" smtClean="0">
-                <a:solidFill>
-                  <a:schemeClr val="tx1"/>
-                </a:solidFill>
-                <a:latin typeface="Times New Roman" pitchFamily="18" charset="0"/>
-                <a:cs typeface="Times New Roman" pitchFamily="18" charset="0"/>
-              </a:rPr>
-              <a:t>. REFERENCES</a:t>
-            </a:r>
-            <a:r>
-              <a:rPr lang="en-US" sz="1600" dirty="0" smtClean="0">
-                <a:solidFill>
-                  <a:schemeClr val="tx1"/>
-                </a:solidFill>
-                <a:latin typeface="Times New Roman" pitchFamily="18" charset="0"/>
-                <a:cs typeface="Times New Roman" pitchFamily="18" charset="0"/>
-              </a:rPr>
-              <a:t> </a:t>
-            </a:r>
-          </a:p>
-        </p:txBody>
-      </p:sp>
-      <p:sp>
-        <p:nvSpPr>
           <p:cNvPr id="9980" name="Line 1788"/>
           <p:cNvSpPr>
             <a:spLocks noChangeShapeType="1"/>
@@ -5744,7 +5675,7 @@
         <p:spPr bwMode="auto">
           <a:xfrm>
             <a:off x="958642" y="3134466"/>
-            <a:ext cx="13570870" cy="462733"/>
+            <a:ext cx="13570870" cy="585844"/>
           </a:xfrm>
           <a:prstGeom prst="rect">
             <a:avLst/>
@@ -5770,15 +5701,15 @@
           <a:p>
             <a:pPr algn="just" defTabSz="4440274"/>
             <a:r>
-              <a:rPr lang="en-US" sz="2400" b="1" cap="all" dirty="0" smtClean="0">
+              <a:rPr lang="en-US" sz="3200" b="1" cap="all" dirty="0" smtClean="0">
                 <a:solidFill>
                   <a:schemeClr val="tx1"/>
                 </a:solidFill>
                 <a:latin typeface="Times New Roman" pitchFamily="18" charset="0"/>
               </a:rPr>
-              <a:t>Objectives</a:t>
+              <a:t>1. Objectives</a:t>
             </a:r>
-            <a:endParaRPr lang="en-US" sz="2400" b="1" cap="all" dirty="0">
+            <a:endParaRPr lang="en-US" sz="3200" b="1" cap="all" dirty="0">
               <a:solidFill>
                 <a:schemeClr val="tx1"/>
               </a:solidFill>
@@ -6056,8 +5987,8 @@
         </p:nvSpPr>
         <p:spPr bwMode="auto">
           <a:xfrm flipH="1">
-            <a:off x="28525137" y="3176521"/>
-            <a:ext cx="81084" cy="28703640"/>
+            <a:off x="28525136" y="3041779"/>
+            <a:ext cx="81465" cy="28838382"/>
           </a:xfrm>
           <a:prstGeom prst="line">
             <a:avLst/>
@@ -6080,175 +6011,6 @@
           <a:lstStyle/>
           <a:p>
             <a:endParaRPr lang="en-US"/>
-          </a:p>
-        </p:txBody>
-      </p:sp>
-      <p:sp>
-        <p:nvSpPr>
-          <p:cNvPr id="9988" name="Line 1796"/>
-          <p:cNvSpPr>
-            <a:spLocks noChangeShapeType="1"/>
-          </p:cNvSpPr>
-          <p:nvPr/>
-        </p:nvSpPr>
-        <p:spPr bwMode="auto">
-          <a:xfrm>
-            <a:off x="984131" y="11783329"/>
-            <a:ext cx="13611173" cy="9197"/>
-          </a:xfrm>
-          <a:prstGeom prst="line">
-            <a:avLst/>
-          </a:prstGeom>
-          <a:noFill/>
-          <a:ln w="127000">
-            <a:solidFill>
-              <a:srgbClr val="990000"/>
-            </a:solidFill>
-            <a:round/>
-            <a:headEnd/>
-            <a:tailEnd/>
-          </a:ln>
-          <a:effectLst/>
-        </p:spPr>
-        <p:txBody>
-          <a:bodyPr wrap="square" lIns="92498" tIns="46249" rIns="92498" bIns="46249">
-            <a:spAutoFit/>
-          </a:bodyPr>
-          <a:lstStyle/>
-          <a:p>
-            <a:endParaRPr lang="en-US"/>
-          </a:p>
-        </p:txBody>
-      </p:sp>
-      <p:sp>
-        <p:nvSpPr>
-          <p:cNvPr id="16563" name="Text Box 2227"/>
-          <p:cNvSpPr txBox="1">
-            <a:spLocks noChangeArrowheads="1"/>
-          </p:cNvSpPr>
-          <p:nvPr/>
-        </p:nvSpPr>
-        <p:spPr bwMode="auto">
-          <a:xfrm>
-            <a:off x="28729343" y="27204185"/>
-            <a:ext cx="13689334" cy="739732"/>
-          </a:xfrm>
-          <a:prstGeom prst="rect">
-            <a:avLst/>
-          </a:prstGeom>
-          <a:noFill/>
-          <a:ln w="127000" algn="ctr">
-            <a:noFill/>
-            <a:miter lim="800000"/>
-            <a:headEnd/>
-            <a:tailEnd/>
-          </a:ln>
-          <a:effectLst/>
-        </p:spPr>
-        <p:txBody>
-          <a:bodyPr wrap="square" lIns="92498" tIns="46249" rIns="92498" bIns="46249">
-            <a:spAutoFit/>
-          </a:bodyPr>
-          <a:lstStyle/>
-          <a:p>
-            <a:pPr algn="l" defTabSz="4440274">
-              <a:spcBef>
-                <a:spcPct val="50000"/>
-              </a:spcBef>
-            </a:pPr>
-            <a:r>
-              <a:rPr lang="en-US" sz="2400" b="1" dirty="0">
-                <a:solidFill>
-                  <a:schemeClr val="tx1"/>
-                </a:solidFill>
-                <a:latin typeface="Times New Roman" pitchFamily="18" charset="0"/>
-              </a:rPr>
-              <a:t>7</a:t>
-            </a:r>
-            <a:r>
-              <a:rPr lang="en-US" sz="2400" b="1" dirty="0" smtClean="0">
-                <a:solidFill>
-                  <a:schemeClr val="tx1"/>
-                </a:solidFill>
-                <a:latin typeface="Times New Roman" pitchFamily="18" charset="0"/>
-              </a:rPr>
-              <a:t>. CONCLUSIONS AND FUTURE WORK</a:t>
-            </a:r>
-          </a:p>
-          <a:p>
-            <a:pPr algn="l" defTabSz="4440274">
-              <a:buFont typeface="Arial" pitchFamily="34" charset="0"/>
-              <a:buChar char="•"/>
-            </a:pPr>
-            <a:endParaRPr lang="en-US" sz="1800" dirty="0" smtClean="0">
-              <a:solidFill>
-                <a:schemeClr val="tx1"/>
-              </a:solidFill>
-              <a:latin typeface="Times New Roman" pitchFamily="18" charset="0"/>
-            </a:endParaRPr>
-          </a:p>
-        </p:txBody>
-      </p:sp>
-      <p:sp>
-        <p:nvSpPr>
-          <p:cNvPr id="16564" name="Text Box 2228"/>
-          <p:cNvSpPr txBox="1">
-            <a:spLocks noChangeArrowheads="1"/>
-          </p:cNvSpPr>
-          <p:nvPr/>
-        </p:nvSpPr>
-        <p:spPr bwMode="auto">
-          <a:xfrm>
-            <a:off x="28729343" y="28677794"/>
-            <a:ext cx="13620098" cy="462733"/>
-          </a:xfrm>
-          <a:prstGeom prst="rect">
-            <a:avLst/>
-          </a:prstGeom>
-          <a:noFill/>
-          <a:ln w="127000" algn="ctr">
-            <a:noFill/>
-            <a:miter lim="800000"/>
-            <a:headEnd/>
-            <a:tailEnd/>
-          </a:ln>
-          <a:effectLst/>
-        </p:spPr>
-        <p:txBody>
-          <a:bodyPr wrap="square" lIns="92498" tIns="46249" rIns="92498" bIns="46249">
-            <a:spAutoFit/>
-          </a:bodyPr>
-          <a:lstStyle/>
-          <a:p>
-            <a:pPr algn="l" defTabSz="4440274">
-              <a:spcBef>
-                <a:spcPct val="50000"/>
-              </a:spcBef>
-            </a:pPr>
-            <a:r>
-              <a:rPr lang="en-US" sz="2400" b="1" dirty="0">
-                <a:solidFill>
-                  <a:schemeClr val="tx1"/>
-                </a:solidFill>
-                <a:latin typeface="Times New Roman" pitchFamily="18" charset="0"/>
-              </a:rPr>
-              <a:t>8</a:t>
-            </a:r>
-            <a:r>
-              <a:rPr lang="en-US" sz="2400" b="1" dirty="0" smtClean="0">
-                <a:solidFill>
-                  <a:schemeClr val="tx1"/>
-                </a:solidFill>
-                <a:latin typeface="Times New Roman" pitchFamily="18" charset="0"/>
-              </a:rPr>
-              <a:t>. ACKNOWLEDGEMENTS</a:t>
-            </a:r>
-            <a:endParaRPr lang="en-US" sz="2400" b="1" dirty="0">
-              <a:solidFill>
-                <a:schemeClr val="tx1"/>
-              </a:solidFill>
-              <a:latin typeface="Times New Roman" pitchFamily="18" charset="0"/>
-            </a:endParaRPr>
           </a:p>
         </p:txBody>
       </p:sp>
@@ -6563,8 +6325,8 @@
         </p:nvSpPr>
         <p:spPr>
           <a:xfrm>
-            <a:off x="6280484" y="777427"/>
-            <a:ext cx="32340884" cy="832065"/>
+            <a:off x="9373929" y="1006027"/>
+            <a:ext cx="26153994" cy="1755395"/>
           </a:xfrm>
           <a:prstGeom prst="rect">
             <a:avLst/>
@@ -6578,59 +6340,28 @@
           <a:p>
             <a:pPr defTabSz="4440274"/>
             <a:r>
-              <a:rPr lang="en-US" sz="4800" b="1" cap="small" dirty="0" smtClean="0">
+              <a:rPr lang="en-US" sz="5400" b="1" dirty="0" smtClean="0">
                 <a:effectLst>
                   <a:outerShdw blurRad="38100" dist="38100" dir="2700000" algn="tl">
                     <a:srgbClr val="C0C0C0"/>
                   </a:outerShdw>
                 </a:effectLst>
-                <a:latin typeface="Times New Roman" pitchFamily="18" charset="0"/>
+                <a:latin typeface="Century Schoolbook" pitchFamily="18" charset="0"/>
                 <a:cs typeface="Times New Roman" pitchFamily="18" charset="0"/>
               </a:rPr>
-              <a:t>Fully Reversed Engineering</a:t>
+              <a:t>Fully Reversed </a:t>
             </a:r>
-            <a:endParaRPr lang="en-US" sz="4800" b="1" cap="small" dirty="0">
-              <a:effectLst>
-                <a:outerShdw blurRad="38100" dist="38100" dir="2700000" algn="tl">
-                  <a:srgbClr val="C0C0C0"/>
-                </a:outerShdw>
-              </a:effectLst>
-              <a:latin typeface="Times New Roman" pitchFamily="18" charset="0"/>
-              <a:cs typeface="Times New Roman" pitchFamily="18" charset="0"/>
-            </a:endParaRPr>
-          </a:p>
-        </p:txBody>
-      </p:sp>
-      <p:sp>
-        <p:nvSpPr>
-          <p:cNvPr id="479" name="Rectangle 478"/>
-          <p:cNvSpPr/>
-          <p:nvPr/>
-        </p:nvSpPr>
-        <p:spPr>
-          <a:xfrm>
-            <a:off x="960236" y="5276191"/>
-            <a:ext cx="2573193" cy="489742"/>
-          </a:xfrm>
-          <a:prstGeom prst="rect">
-            <a:avLst/>
-          </a:prstGeom>
-        </p:spPr>
-        <p:txBody>
-          <a:bodyPr wrap="none" lIns="119247" tIns="59623" rIns="119247" bIns="59623">
-            <a:spAutoFit/>
-          </a:bodyPr>
-          <a:lstStyle/>
-          <a:p>
-            <a:pPr marL="596229" indent="-596229" algn="l" defTabSz="4440274"/>
             <a:r>
-              <a:rPr lang="en-US" sz="2400" b="1" cap="all" dirty="0" smtClean="0">
-                <a:solidFill>
-                  <a:schemeClr val="tx1"/>
-                </a:solidFill>
-                <a:latin typeface="Times New Roman" pitchFamily="18" charset="0"/>
+              <a:rPr lang="en-US" sz="5400" b="1" dirty="0" smtClean="0">
+                <a:effectLst>
+                  <a:outerShdw blurRad="38100" dist="38100" dir="2700000" algn="tl">
+                    <a:srgbClr val="C0C0C0"/>
+                  </a:outerShdw>
+                </a:effectLst>
+                <a:latin typeface="Century Schoolbook" pitchFamily="18" charset="0"/>
+                <a:cs typeface="Times New Roman" pitchFamily="18" charset="0"/>
               </a:rPr>
-              <a:t>1. Motivation</a:t>
+              <a:t>Engineering: Streamlining three-dimensional component digitization, modification, and reproduction</a:t>
             </a:r>
           </a:p>
         </p:txBody>
@@ -6676,55 +6407,6 @@
             <a:endParaRPr lang="en-US" sz="1800" dirty="0" smtClean="0">
               <a:latin typeface="Times New Roman" pitchFamily="18" charset="0"/>
               <a:cs typeface="Times New Roman" pitchFamily="18" charset="0"/>
-            </a:endParaRPr>
-          </a:p>
-        </p:txBody>
-      </p:sp>
-      <p:sp>
-        <p:nvSpPr>
-          <p:cNvPr id="633" name="Rectangle 632"/>
-          <p:cNvSpPr/>
-          <p:nvPr/>
-        </p:nvSpPr>
-        <p:spPr>
-          <a:xfrm>
-            <a:off x="1028247" y="12116692"/>
-            <a:ext cx="12900314" cy="489742"/>
-          </a:xfrm>
-          <a:prstGeom prst="rect">
-            <a:avLst/>
-          </a:prstGeom>
-        </p:spPr>
-        <p:txBody>
-          <a:bodyPr wrap="none" lIns="119247" tIns="59623" rIns="119247" bIns="59623">
-            <a:spAutoFit/>
-          </a:bodyPr>
-          <a:lstStyle/>
-          <a:p>
-            <a:pPr marL="596229" indent="-596229" algn="l" defTabSz="4440274"/>
-            <a:r>
-              <a:rPr lang="en-US" sz="2400" b="1" cap="all" dirty="0" smtClean="0">
-                <a:solidFill>
-                  <a:schemeClr val="tx1"/>
-                </a:solidFill>
-                <a:latin typeface="Times New Roman" pitchFamily="18" charset="0"/>
-              </a:rPr>
-              <a:t>2 . </a:t>
-            </a:r>
-            <a:r>
-              <a:rPr lang="en-US" sz="2400" b="1" cap="all" dirty="0" smtClean="0">
-                <a:solidFill>
-                  <a:schemeClr val="tx1"/>
-                </a:solidFill>
-                <a:latin typeface="Times New Roman" pitchFamily="18" charset="0"/>
-              </a:rPr>
-              <a:t>Reflected Binary –Sinusoidal Hybrid: A structured Light Technique.</a:t>
-            </a:r>
-            <a:endParaRPr lang="en-US" sz="2400" b="1" cap="all" dirty="0" smtClean="0">
-              <a:solidFill>
-                <a:schemeClr val="tx1"/>
-              </a:solidFill>
-              <a:latin typeface="Times New Roman" pitchFamily="18" charset="0"/>
             </a:endParaRPr>
           </a:p>
         </p:txBody>
@@ -7528,84 +7210,6 @@
           </a:p>
         </p:txBody>
       </p:sp>
-      <p:cxnSp>
-        <p:nvCxnSpPr>
-          <p:cNvPr id="172" name="Straight Connector 171"/>
-          <p:cNvCxnSpPr/>
-          <p:nvPr/>
-        </p:nvCxnSpPr>
-        <p:spPr bwMode="auto">
-          <a:xfrm>
-            <a:off x="28525138" y="30112097"/>
-            <a:ext cx="14044155" cy="8395"/>
-          </a:xfrm>
-          <a:prstGeom prst="line">
-            <a:avLst/>
-          </a:prstGeom>
-          <a:noFill/>
-          <a:ln w="127000">
-            <a:solidFill>
-              <a:srgbClr val="990000"/>
-            </a:solidFill>
-            <a:round/>
-            <a:headEnd/>
-            <a:tailEnd/>
-          </a:ln>
-          <a:effectLst/>
-        </p:spPr>
-      </p:cxnSp>
-      <p:cxnSp>
-        <p:nvCxnSpPr>
-          <p:cNvPr id="173" name="Straight Connector 172"/>
-          <p:cNvCxnSpPr/>
-          <p:nvPr/>
-        </p:nvCxnSpPr>
-        <p:spPr bwMode="auto">
-          <a:xfrm>
-            <a:off x="28525138" y="27154788"/>
-            <a:ext cx="14008979" cy="30530"/>
-          </a:xfrm>
-          <a:prstGeom prst="line">
-            <a:avLst/>
-          </a:prstGeom>
-          <a:noFill/>
-          <a:ln w="127000">
-            <a:solidFill>
-              <a:srgbClr val="990000"/>
-            </a:solidFill>
-            <a:round/>
-            <a:headEnd/>
-            <a:tailEnd/>
-          </a:ln>
-          <a:effectLst/>
-        </p:spPr>
-      </p:cxnSp>
-      <p:cxnSp>
-        <p:nvCxnSpPr>
-          <p:cNvPr id="174" name="Straight Connector 173"/>
-          <p:cNvCxnSpPr/>
-          <p:nvPr/>
-        </p:nvCxnSpPr>
-        <p:spPr bwMode="auto">
-          <a:xfrm>
-            <a:off x="28525138" y="28589976"/>
-            <a:ext cx="14005570" cy="10056"/>
-          </a:xfrm>
-          <a:prstGeom prst="line">
-            <a:avLst/>
-          </a:prstGeom>
-          <a:noFill/>
-          <a:ln w="127000">
-            <a:solidFill>
-              <a:srgbClr val="990000"/>
-            </a:solidFill>
-            <a:round/>
-            <a:headEnd/>
-            <a:tailEnd/>
-          </a:ln>
-          <a:effectLst/>
-        </p:spPr>
-      </p:cxnSp>
       <p:sp>
         <p:nvSpPr>
           <p:cNvPr id="176" name="Rectangle 175"/>
@@ -7677,43 +7281,6 @@
       </p:sp>
       <p:sp>
         <p:nvSpPr>
-          <p:cNvPr id="178" name="Line 1796"/>
-          <p:cNvSpPr>
-            <a:spLocks noChangeShapeType="1"/>
-          </p:cNvSpPr>
-          <p:nvPr/>
-        </p:nvSpPr>
-        <p:spPr bwMode="auto">
-          <a:xfrm>
-            <a:off x="950686" y="5215302"/>
-            <a:ext cx="13609470" cy="49058"/>
-          </a:xfrm>
-          <a:prstGeom prst="line">
-            <a:avLst/>
-          </a:prstGeom>
-          <a:noFill/>
-          <a:ln w="127000">
-            <a:solidFill>
-              <a:srgbClr val="990000"/>
-            </a:solidFill>
-            <a:round/>
-            <a:headEnd/>
-            <a:tailEnd/>
-          </a:ln>
-          <a:effectLst/>
-        </p:spPr>
-        <p:txBody>
-          <a:bodyPr wrap="square" lIns="92498" tIns="46249" rIns="92498" bIns="46249">
-            <a:spAutoFit/>
-          </a:bodyPr>
-          <a:lstStyle/>
-          <a:p>
-            <a:endParaRPr lang="en-US"/>
-          </a:p>
-        </p:txBody>
-      </p:sp>
-      <p:sp>
-        <p:nvSpPr>
           <p:cNvPr id="175" name="Rectangle 5"/>
           <p:cNvSpPr>
             <a:spLocks noChangeArrowheads="1"/>
@@ -7761,43 +7328,6 @@
       </p:sp>
       <p:sp>
         <p:nvSpPr>
-          <p:cNvPr id="341" name="TextBox 340"/>
-          <p:cNvSpPr txBox="1"/>
-          <p:nvPr/>
-        </p:nvSpPr>
-        <p:spPr>
-          <a:xfrm>
-            <a:off x="960236" y="21614496"/>
-            <a:ext cx="3908943" cy="489742"/>
-          </a:xfrm>
-          <a:prstGeom prst="rect">
-            <a:avLst/>
-          </a:prstGeom>
-          <a:noFill/>
-        </p:spPr>
-        <p:txBody>
-          <a:bodyPr wrap="none" lIns="119247" tIns="59623" rIns="119247" bIns="59623" rtlCol="0">
-            <a:spAutoFit/>
-          </a:bodyPr>
-          <a:lstStyle/>
-          <a:p>
-            <a:pPr algn="l"/>
-            <a:r>
-              <a:rPr lang="en-US" sz="2400" b="1" dirty="0" smtClean="0">
-                <a:latin typeface="Times New Roman" pitchFamily="18" charset="0"/>
-                <a:cs typeface="Times New Roman" pitchFamily="18" charset="0"/>
-              </a:rPr>
-              <a:t>3. SIMULATED TESTING </a:t>
-            </a:r>
-            <a:endParaRPr lang="en-US" sz="2400" b="1" dirty="0">
-              <a:latin typeface="Times New Roman" pitchFamily="18" charset="0"/>
-              <a:cs typeface="Times New Roman" pitchFamily="18" charset="0"/>
-            </a:endParaRPr>
-          </a:p>
-        </p:txBody>
-      </p:sp>
-      <p:sp>
-        <p:nvSpPr>
           <p:cNvPr id="421" name="Rectangle 420"/>
           <p:cNvSpPr/>
           <p:nvPr/>
@@ -7839,51 +7369,14 @@
       </p:sp>
       <p:sp>
         <p:nvSpPr>
-          <p:cNvPr id="495" name="Line 2065"/>
-          <p:cNvSpPr>
-            <a:spLocks noChangeShapeType="1"/>
-          </p:cNvSpPr>
-          <p:nvPr/>
-        </p:nvSpPr>
-        <p:spPr bwMode="auto">
-          <a:xfrm>
-            <a:off x="878632" y="21058663"/>
-            <a:ext cx="13669288" cy="34076"/>
-          </a:xfrm>
-          <a:prstGeom prst="line">
-            <a:avLst/>
-          </a:prstGeom>
-          <a:noFill/>
-          <a:ln w="127000">
-            <a:solidFill>
-              <a:srgbClr val="990000"/>
-            </a:solidFill>
-            <a:round/>
-            <a:headEnd/>
-            <a:tailEnd/>
-          </a:ln>
-          <a:effectLst/>
-        </p:spPr>
-        <p:txBody>
-          <a:bodyPr wrap="square" lIns="92498" tIns="46249" rIns="92498" bIns="46249">
-            <a:spAutoFit/>
-          </a:bodyPr>
-          <a:lstStyle/>
-          <a:p>
-            <a:endParaRPr lang="en-US"/>
-          </a:p>
-        </p:txBody>
-      </p:sp>
-      <p:sp>
-        <p:nvSpPr>
-          <p:cNvPr id="677" name="TextBox 676"/>
+          <p:cNvPr id="3" name="TextBox 2"/>
           <p:cNvSpPr txBox="1"/>
           <p:nvPr/>
         </p:nvSpPr>
         <p:spPr>
           <a:xfrm>
-            <a:off x="14776664" y="3233049"/>
-            <a:ext cx="2380383" cy="489742"/>
+            <a:off x="1028247" y="3716661"/>
+            <a:ext cx="12832303" cy="1569660"/>
           </a:xfrm>
           <a:prstGeom prst="rect">
             <a:avLst/>
@@ -7891,168 +7384,6 @@
           <a:noFill/>
         </p:spPr>
         <p:txBody>
-          <a:bodyPr wrap="none" lIns="119247" tIns="59623" rIns="119247" bIns="59623" rtlCol="0">
-            <a:spAutoFit/>
-          </a:bodyPr>
-          <a:lstStyle/>
-          <a:p>
-            <a:pPr algn="l"/>
-            <a:r>
-              <a:rPr lang="en-US" sz="2400" b="1" dirty="0" smtClean="0">
-                <a:latin typeface="Times New Roman" pitchFamily="18" charset="0"/>
-                <a:cs typeface="Times New Roman" pitchFamily="18" charset="0"/>
-              </a:rPr>
-              <a:t>4. HARDWARE</a:t>
-            </a:r>
-            <a:endParaRPr lang="en-US" sz="2400" b="1" dirty="0">
-              <a:latin typeface="Times New Roman" pitchFamily="18" charset="0"/>
-              <a:cs typeface="Times New Roman" pitchFamily="18" charset="0"/>
-            </a:endParaRPr>
-          </a:p>
-        </p:txBody>
-      </p:sp>
-      <p:sp>
-        <p:nvSpPr>
-          <p:cNvPr id="933" name="TextBox 932"/>
-          <p:cNvSpPr txBox="1"/>
-          <p:nvPr/>
-        </p:nvSpPr>
-        <p:spPr>
-          <a:xfrm>
-            <a:off x="28729343" y="3234490"/>
-            <a:ext cx="1924554" cy="489742"/>
-          </a:xfrm>
-          <a:prstGeom prst="rect">
-            <a:avLst/>
-          </a:prstGeom>
-          <a:noFill/>
-        </p:spPr>
-        <p:txBody>
-          <a:bodyPr wrap="none" lIns="119247" tIns="59623" rIns="119247" bIns="59623" rtlCol="0">
-            <a:spAutoFit/>
-          </a:bodyPr>
-          <a:lstStyle/>
-          <a:p>
-            <a:pPr algn="l"/>
-            <a:r>
-              <a:rPr lang="en-US" sz="2400" b="1" dirty="0" smtClean="0">
-                <a:latin typeface="Times New Roman" pitchFamily="18" charset="0"/>
-                <a:cs typeface="Times New Roman" pitchFamily="18" charset="0"/>
-              </a:rPr>
-              <a:t>6. </a:t>
-            </a:r>
-            <a:r>
-              <a:rPr lang="en-US" sz="2400" b="1" dirty="0" smtClean="0">
-                <a:latin typeface="Times New Roman" pitchFamily="18" charset="0"/>
-                <a:cs typeface="Times New Roman" pitchFamily="18" charset="0"/>
-              </a:rPr>
-              <a:t>RESULTS</a:t>
-            </a:r>
-            <a:endParaRPr lang="en-US" sz="2400" b="1" dirty="0">
-              <a:latin typeface="Times New Roman" pitchFamily="18" charset="0"/>
-              <a:cs typeface="Times New Roman" pitchFamily="18" charset="0"/>
-            </a:endParaRPr>
-          </a:p>
-        </p:txBody>
-      </p:sp>
-      <p:sp>
-        <p:nvSpPr>
-          <p:cNvPr id="977" name="Line 2065"/>
-          <p:cNvSpPr>
-            <a:spLocks noChangeShapeType="1"/>
-          </p:cNvSpPr>
-          <p:nvPr/>
-        </p:nvSpPr>
-        <p:spPr bwMode="auto">
-          <a:xfrm>
-            <a:off x="14595303" y="12218124"/>
-            <a:ext cx="13929835" cy="34076"/>
-          </a:xfrm>
-          <a:prstGeom prst="line">
-            <a:avLst/>
-          </a:prstGeom>
-          <a:noFill/>
-          <a:ln w="127000">
-            <a:solidFill>
-              <a:srgbClr val="990000"/>
-            </a:solidFill>
-            <a:round/>
-            <a:headEnd/>
-            <a:tailEnd/>
-          </a:ln>
-          <a:effectLst/>
-        </p:spPr>
-        <p:txBody>
-          <a:bodyPr wrap="square" lIns="92498" tIns="46249" rIns="92498" bIns="46249">
-            <a:spAutoFit/>
-          </a:bodyPr>
-          <a:lstStyle/>
-          <a:p>
-            <a:endParaRPr lang="en-US"/>
-          </a:p>
-        </p:txBody>
-      </p:sp>
-      <p:sp>
-        <p:nvSpPr>
-          <p:cNvPr id="978" name="TextBox 977"/>
-          <p:cNvSpPr txBox="1"/>
-          <p:nvPr/>
-        </p:nvSpPr>
-        <p:spPr>
-          <a:xfrm>
-            <a:off x="14776664" y="12367369"/>
-            <a:ext cx="3690485" cy="489742"/>
-          </a:xfrm>
-          <a:prstGeom prst="rect">
-            <a:avLst/>
-          </a:prstGeom>
-          <a:noFill/>
-        </p:spPr>
-        <p:txBody>
-          <a:bodyPr wrap="none" lIns="119247" tIns="59623" rIns="119247" bIns="59623" rtlCol="0">
-            <a:spAutoFit/>
-          </a:bodyPr>
-          <a:lstStyle/>
-          <a:p>
-            <a:pPr algn="l"/>
-            <a:r>
-              <a:rPr lang="en-US" sz="2400" b="1" dirty="0" smtClean="0">
-                <a:latin typeface="Times New Roman" pitchFamily="18" charset="0"/>
-                <a:cs typeface="Times New Roman" pitchFamily="18" charset="0"/>
-              </a:rPr>
-              <a:t>5. </a:t>
-            </a:r>
-            <a:r>
-              <a:rPr lang="en-US" sz="2400" b="1" dirty="0" smtClean="0">
-                <a:latin typeface="Times New Roman" pitchFamily="18" charset="0"/>
-                <a:cs typeface="Times New Roman" pitchFamily="18" charset="0"/>
-              </a:rPr>
-              <a:t>SCANNING PROCESS</a:t>
-            </a:r>
-            <a:endParaRPr lang="en-US" sz="2400" b="1" dirty="0">
-              <a:latin typeface="Times New Roman" pitchFamily="18" charset="0"/>
-              <a:cs typeface="Times New Roman" pitchFamily="18" charset="0"/>
-            </a:endParaRPr>
-          </a:p>
-        </p:txBody>
-      </p:sp>
-      <p:sp>
-        <p:nvSpPr>
-          <p:cNvPr id="3" name="TextBox 2"/>
-          <p:cNvSpPr txBox="1"/>
-          <p:nvPr/>
-        </p:nvSpPr>
-        <p:spPr>
-          <a:xfrm>
-            <a:off x="1028247" y="3716661"/>
-            <a:ext cx="12832303" cy="923330"/>
-          </a:xfrm>
-          <a:prstGeom prst="rect">
-            <a:avLst/>
-          </a:prstGeom>
-          <a:noFill/>
-        </p:spPr>
-        <p:txBody>
           <a:bodyPr wrap="square" rtlCol="0">
             <a:spAutoFit/>
           </a:bodyPr>
@@ -8063,7 +7394,9 @@
               <a:buChar char="•"/>
             </a:pPr>
             <a:r>
-              <a:rPr lang="en-US" sz="1800" dirty="0" smtClean="0"/>
+              <a:rPr lang="en-US" sz="2400" dirty="0" smtClean="0">
+                <a:latin typeface="Century Schoolbook" pitchFamily="18" charset="0"/>
+              </a:rPr>
               <a:t>To design a system for rapid digitization of physical objects for the purpose of reverse engineering</a:t>
             </a:r>
           </a:p>
@@ -8073,7 +7406,9 @@
               <a:buChar char="•"/>
             </a:pPr>
             <a:r>
-              <a:rPr lang="en-US" sz="1800" dirty="0" smtClean="0"/>
+              <a:rPr lang="en-US" sz="2400" dirty="0" smtClean="0">
+                <a:latin typeface="Century Schoolbook" pitchFamily="18" charset="0"/>
+              </a:rPr>
               <a:t>To create a low cost alternative for expensive digitization solutions</a:t>
             </a:r>
           </a:p>
@@ -8083,10 +7418,14 @@
               <a:buChar char="•"/>
             </a:pPr>
             <a:r>
-              <a:rPr lang="en-US" sz="1800" dirty="0" smtClean="0"/>
+              <a:rPr lang="en-US" sz="2400" dirty="0" smtClean="0">
+                <a:latin typeface="Century Schoolbook" pitchFamily="18" charset="0"/>
+              </a:rPr>
               <a:t>To create a streamlined process for digitization that requires minimal user interaction</a:t>
             </a:r>
-            <a:endParaRPr lang="en-US" sz="1800" dirty="0"/>
+            <a:endParaRPr lang="en-US" sz="2400" dirty="0">
+              <a:latin typeface="Century Schoolbook" pitchFamily="18" charset="0"/>
+            </a:endParaRPr>
           </a:p>
         </p:txBody>
       </p:sp>
@@ -8099,13 +7438,13 @@
           <p:nvPr>
             <p:extLst>
               <p:ext uri="{D42A27DB-BD31-4B8C-83A1-F6EECF244321}">
-                <p14:modId xmlns:p14="http://schemas.microsoft.com/office/powerpoint/2010/main" val="563215186"/>
+                <p14:modId xmlns:p14="http://schemas.microsoft.com/office/powerpoint/2010/main" val="3447605877"/>
               </p:ext>
             </p:extLst>
           </p:nvPr>
         </p:nvGraphicFramePr>
         <p:xfrm>
-          <a:off x="7533395" y="21373864"/>
+          <a:off x="1221899" y="25452378"/>
           <a:ext cx="6423026" cy="5197475"/>
         </p:xfrm>
         <a:graphic>
@@ -8160,7 +7499,7 @@
         </p:blipFill>
         <p:spPr>
           <a:xfrm>
-            <a:off x="15285545" y="7566564"/>
+            <a:off x="23817429" y="3806109"/>
             <a:ext cx="4579008" cy="3866354"/>
           </a:xfrm>
           <a:prstGeom prst="rect">
@@ -8170,7 +7509,7 @@
       </p:pic>
       <p:pic>
         <p:nvPicPr>
-          <p:cNvPr id="6" name="Picture 5"/>
+          <p:cNvPr id="9" name="Picture 8"/>
           <p:cNvPicPr>
             <a:picLocks noChangeAspect="1"/>
           </p:cNvPicPr>
@@ -8190,8 +7529,8 @@
         </p:blipFill>
         <p:spPr>
           <a:xfrm>
-            <a:off x="14776664" y="13298546"/>
-            <a:ext cx="8771805" cy="9746448"/>
+            <a:off x="11547106" y="19928238"/>
+            <a:ext cx="2790906" cy="2838410"/>
           </a:xfrm>
           <a:prstGeom prst="rect">
             <a:avLst/>
@@ -8200,9 +7539,9 @@
       </p:pic>
       <p:pic>
         <p:nvPicPr>
-          <p:cNvPr id="7" name="Picture 6"/>
+          <p:cNvPr id="1028" name="Picture 4" descr="Click here to retun to homepage"/>
           <p:cNvPicPr>
-            <a:picLocks noChangeAspect="1"/>
+            <a:picLocks noChangeAspect="1" noChangeArrowheads="1"/>
           </p:cNvPicPr>
           <p:nvPr/>
         </p:nvPicPr>
@@ -8214,25 +7553,134 @@
               </a:ext>
             </a:extLst>
           </a:blip>
+          <a:srcRect/>
           <a:stretch>
             <a:fillRect/>
           </a:stretch>
         </p:blipFill>
-        <p:spPr>
+        <p:spPr bwMode="auto">
           <a:xfrm>
-            <a:off x="7478404" y="16474824"/>
-            <a:ext cx="6095239" cy="3809524"/>
+            <a:off x="38859520" y="895897"/>
+            <a:ext cx="3564533" cy="1522541"/>
           </a:xfrm>
           <a:prstGeom prst="rect">
             <a:avLst/>
           </a:prstGeom>
+          <a:noFill/>
+          <a:extLst>
+            <a:ext uri="{909E8E84-426E-40DD-AFC4-6F175D3DCCD1}">
+              <a14:hiddenFill xmlns:a14="http://schemas.microsoft.com/office/drawing/2010/main">
+                <a:solidFill>
+                  <a:srgbClr val="FFFFFF"/>
+                </a:solidFill>
+              </a14:hiddenFill>
+            </a:ext>
+          </a:extLst>
         </p:spPr>
       </p:pic>
+      <p:sp>
+        <p:nvSpPr>
+          <p:cNvPr id="8" name="TextBox 7"/>
+          <p:cNvSpPr txBox="1"/>
+          <p:nvPr/>
+        </p:nvSpPr>
+        <p:spPr>
+          <a:xfrm>
+            <a:off x="1132241" y="6451733"/>
+            <a:ext cx="8241688" cy="4524315"/>
+          </a:xfrm>
+          <a:prstGeom prst="rect">
+            <a:avLst/>
+          </a:prstGeom>
+          <a:noFill/>
+        </p:spPr>
+        <p:txBody>
+          <a:bodyPr wrap="square" rtlCol="0">
+            <a:spAutoFit/>
+          </a:bodyPr>
+          <a:lstStyle/>
+          <a:p>
+            <a:pPr marL="342900" indent="-342900" algn="l">
+              <a:buFont typeface="Arial" pitchFamily="34" charset="0"/>
+              <a:buChar char="•"/>
+            </a:pPr>
+            <a:r>
+              <a:rPr lang="en-US" sz="2400" dirty="0" smtClean="0">
+                <a:latin typeface="Century Schoolbook" pitchFamily="18" charset="0"/>
+              </a:rPr>
+              <a:t>The ability to quickly digitize a part allows a designer to easily reproduce a component for which CAD files are not available, or allows the designer to create accessories for such components.</a:t>
+            </a:r>
+          </a:p>
+          <a:p>
+            <a:pPr marL="342900" indent="-342900" algn="l">
+              <a:buFont typeface="Arial" pitchFamily="34" charset="0"/>
+              <a:buChar char="•"/>
+            </a:pPr>
+            <a:r>
+              <a:rPr lang="en-US" sz="2400" dirty="0" smtClean="0">
+                <a:latin typeface="Century Schoolbook" pitchFamily="18" charset="0"/>
+              </a:rPr>
+              <a:t>For example, Jay Leno uses the </a:t>
+            </a:r>
+            <a:r>
+              <a:rPr lang="en-US" sz="2400" dirty="0" err="1" smtClean="0">
+                <a:latin typeface="Century Schoolbook" pitchFamily="18" charset="0"/>
+              </a:rPr>
+              <a:t>NextEngine</a:t>
+            </a:r>
+            <a:r>
+              <a:rPr lang="en-US" sz="2400" dirty="0" smtClean="0">
+                <a:latin typeface="Century Schoolbook" pitchFamily="18" charset="0"/>
+              </a:rPr>
+              <a:t> 3D scanner to quickly reproduce parts for antique cars whose details have been lost to history.</a:t>
+            </a:r>
+          </a:p>
+          <a:p>
+            <a:pPr marL="342900" indent="-342900" algn="l">
+              <a:buFont typeface="Arial" pitchFamily="34" charset="0"/>
+              <a:buChar char="•"/>
+            </a:pPr>
+            <a:r>
+              <a:rPr lang="en-US" sz="2400" dirty="0" smtClean="0">
+                <a:latin typeface="Century Schoolbook" pitchFamily="18" charset="0"/>
+              </a:rPr>
+              <a:t>However, current scanners on the market are costly—the </a:t>
+            </a:r>
+            <a:r>
+              <a:rPr lang="en-US" sz="2400" dirty="0" err="1" smtClean="0">
+                <a:latin typeface="Century Schoolbook" pitchFamily="18" charset="0"/>
+              </a:rPr>
+              <a:t>NextEngine</a:t>
+            </a:r>
+            <a:r>
+              <a:rPr lang="en-US" sz="2400" dirty="0" smtClean="0">
+                <a:latin typeface="Century Schoolbook" pitchFamily="18" charset="0"/>
+              </a:rPr>
+              <a:t>, for example, costs $2995.</a:t>
+            </a:r>
+          </a:p>
+          <a:p>
+            <a:pPr marL="342900" indent="-342900" algn="l">
+              <a:buFont typeface="Arial" pitchFamily="34" charset="0"/>
+              <a:buChar char="•"/>
+            </a:pPr>
+            <a:r>
+              <a:rPr lang="en-US" sz="2400" dirty="0" smtClean="0">
+                <a:latin typeface="Century Schoolbook" pitchFamily="18" charset="0"/>
+              </a:rPr>
+              <a:t>Therefore, the goal of this project is to build a full field-of-view digitization system at significantly lower cost.</a:t>
+            </a:r>
+            <a:endParaRPr lang="en-US" sz="2400" dirty="0">
+              <a:latin typeface="Century Schoolbook" pitchFamily="18" charset="0"/>
+            </a:endParaRPr>
+          </a:p>
+        </p:txBody>
+      </p:sp>
       <p:pic>
         <p:nvPicPr>
-          <p:cNvPr id="9" name="Picture 8"/>
+          <p:cNvPr id="1030" name="Picture 6" descr="3D Scanner"/>
           <p:cNvPicPr>
-            <a:picLocks noChangeAspect="1"/>
+            <a:picLocks noChangeAspect="1" noChangeArrowheads="1"/>
           </p:cNvPicPr>
           <p:nvPr/>
         </p:nvPicPr>
@@ -8244,20 +7692,4989 @@
               </a:ext>
             </a:extLst>
           </a:blip>
+          <a:srcRect/>
           <a:stretch>
             <a:fillRect/>
           </a:stretch>
         </p:blipFill>
-        <p:spPr>
+        <p:spPr bwMode="auto">
           <a:xfrm>
-            <a:off x="9269935" y="13044009"/>
-            <a:ext cx="3494776" cy="3554261"/>
+            <a:off x="9500119" y="6182320"/>
+            <a:ext cx="4905299" cy="3678974"/>
           </a:xfrm>
           <a:prstGeom prst="rect">
             <a:avLst/>
           </a:prstGeom>
+          <a:noFill/>
+          <a:extLst>
+            <a:ext uri="{909E8E84-426E-40DD-AFC4-6F175D3DCCD1}">
+              <a14:hiddenFill xmlns:a14="http://schemas.microsoft.com/office/drawing/2010/main">
+                <a:solidFill>
+                  <a:srgbClr val="FFFFFF"/>
+                </a:solidFill>
+              </a14:hiddenFill>
+            </a:ext>
+          </a:extLst>
         </p:spPr>
       </p:pic>
+      <p:sp>
+        <p:nvSpPr>
+          <p:cNvPr id="73" name="TextBox 72"/>
+          <p:cNvSpPr txBox="1"/>
+          <p:nvPr/>
+        </p:nvSpPr>
+        <p:spPr>
+          <a:xfrm>
+            <a:off x="7982062" y="25305101"/>
+            <a:ext cx="6423809" cy="1569660"/>
+          </a:xfrm>
+          <a:prstGeom prst="rect">
+            <a:avLst/>
+          </a:prstGeom>
+          <a:noFill/>
+        </p:spPr>
+        <p:txBody>
+          <a:bodyPr wrap="square" rtlCol="0">
+            <a:spAutoFit/>
+          </a:bodyPr>
+          <a:lstStyle/>
+          <a:p>
+            <a:pPr marL="342900" indent="-342900" algn="l">
+              <a:buFont typeface="Arial" pitchFamily="34" charset="0"/>
+              <a:buChar char="•"/>
+            </a:pPr>
+            <a:r>
+              <a:rPr lang="en-US" sz="2400" dirty="0" smtClean="0">
+                <a:latin typeface="Century Schoolbook" pitchFamily="18" charset="0"/>
+              </a:rPr>
+              <a:t>We tested the binary method through simulating using the open-source software POV-Ray.</a:t>
+            </a:r>
+          </a:p>
+          <a:p>
+            <a:pPr marL="342900" indent="-342900" algn="l">
+              <a:buFont typeface="Arial" pitchFamily="34" charset="0"/>
+              <a:buChar char="•"/>
+            </a:pPr>
+            <a:endParaRPr lang="en-US" sz="2400" dirty="0">
+              <a:latin typeface="Century Schoolbook" pitchFamily="18" charset="0"/>
+            </a:endParaRPr>
+          </a:p>
+        </p:txBody>
+      </p:sp>
+      <p:sp>
+        <p:nvSpPr>
+          <p:cNvPr id="74" name="Text Box 1949"/>
+          <p:cNvSpPr txBox="1">
+            <a:spLocks noChangeArrowheads="1"/>
+          </p:cNvSpPr>
+          <p:nvPr/>
+        </p:nvSpPr>
+        <p:spPr bwMode="auto">
+          <a:xfrm>
+            <a:off x="973882" y="5399005"/>
+            <a:ext cx="13551127" cy="585844"/>
+          </a:xfrm>
+          <a:prstGeom prst="rect">
+            <a:avLst/>
+          </a:prstGeom>
+          <a:solidFill>
+            <a:srgbClr val="FF9966">
+              <a:alpha val="46000"/>
+            </a:srgbClr>
+          </a:solidFill>
+          <a:ln w="127000" algn="ctr">
+            <a:noFill/>
+            <a:miter lim="800000"/>
+            <a:headEnd/>
+            <a:tailEnd/>
+          </a:ln>
+          <a:effectLst/>
+        </p:spPr>
+        <p:txBody>
+          <a:bodyPr wrap="square" lIns="92498" tIns="46249" rIns="92498" bIns="46249">
+            <a:spAutoFit/>
+          </a:bodyPr>
+          <a:lstStyle/>
+          <a:p>
+            <a:pPr algn="just" defTabSz="4440274"/>
+            <a:r>
+              <a:rPr lang="en-US" sz="3200" b="1" cap="all" dirty="0" smtClean="0">
+                <a:solidFill>
+                  <a:schemeClr val="tx1"/>
+                </a:solidFill>
+                <a:latin typeface="Times New Roman" pitchFamily="18" charset="0"/>
+              </a:rPr>
+              <a:t>2. Motivation</a:t>
+            </a:r>
+            <a:endParaRPr lang="en-US" sz="3200" b="1" cap="all" dirty="0">
+              <a:solidFill>
+                <a:schemeClr val="tx1"/>
+              </a:solidFill>
+              <a:latin typeface="Times New Roman" pitchFamily="18" charset="0"/>
+            </a:endParaRPr>
+          </a:p>
+        </p:txBody>
+      </p:sp>
+      <p:sp>
+        <p:nvSpPr>
+          <p:cNvPr id="75" name="Line 1789"/>
+          <p:cNvSpPr>
+            <a:spLocks noChangeShapeType="1"/>
+          </p:cNvSpPr>
+          <p:nvPr/>
+        </p:nvSpPr>
+        <p:spPr bwMode="auto">
+          <a:xfrm flipV="1">
+            <a:off x="855729" y="5328761"/>
+            <a:ext cx="13739575" cy="8358"/>
+          </a:xfrm>
+          <a:prstGeom prst="line">
+            <a:avLst/>
+          </a:prstGeom>
+          <a:noFill/>
+          <a:ln w="127000">
+            <a:solidFill>
+              <a:srgbClr val="990000"/>
+            </a:solidFill>
+            <a:round/>
+            <a:headEnd/>
+            <a:tailEnd/>
+          </a:ln>
+          <a:effectLst/>
+        </p:spPr>
+        <p:txBody>
+          <a:bodyPr wrap="square" lIns="92498" tIns="46249" rIns="92498" bIns="46249">
+            <a:spAutoFit/>
+          </a:bodyPr>
+          <a:lstStyle/>
+          <a:p>
+            <a:pPr algn="just"/>
+            <a:endParaRPr lang="en-US" dirty="0"/>
+          </a:p>
+        </p:txBody>
+      </p:sp>
+      <p:sp>
+        <p:nvSpPr>
+          <p:cNvPr id="76" name="Text Box 1949"/>
+          <p:cNvSpPr txBox="1">
+            <a:spLocks noChangeArrowheads="1"/>
+          </p:cNvSpPr>
+          <p:nvPr/>
+        </p:nvSpPr>
+        <p:spPr bwMode="auto">
+          <a:xfrm>
+            <a:off x="971431" y="11847352"/>
+            <a:ext cx="13540878" cy="585844"/>
+          </a:xfrm>
+          <a:prstGeom prst="rect">
+            <a:avLst/>
+          </a:prstGeom>
+          <a:solidFill>
+            <a:srgbClr val="FF9966">
+              <a:alpha val="46000"/>
+            </a:srgbClr>
+          </a:solidFill>
+          <a:ln w="127000" algn="ctr">
+            <a:noFill/>
+            <a:miter lim="800000"/>
+            <a:headEnd/>
+            <a:tailEnd/>
+          </a:ln>
+          <a:effectLst/>
+        </p:spPr>
+        <p:txBody>
+          <a:bodyPr wrap="square" lIns="92498" tIns="46249" rIns="92498" bIns="46249">
+            <a:spAutoFit/>
+          </a:bodyPr>
+          <a:lstStyle/>
+          <a:p>
+            <a:pPr algn="just" defTabSz="4440274"/>
+            <a:r>
+              <a:rPr lang="en-US" sz="3200" b="1" cap="all" dirty="0" smtClean="0">
+                <a:solidFill>
+                  <a:schemeClr val="tx1"/>
+                </a:solidFill>
+                <a:latin typeface="Times New Roman" pitchFamily="18" charset="0"/>
+              </a:rPr>
+              <a:t>3. Structured light reconstruction concept</a:t>
+            </a:r>
+            <a:endParaRPr lang="en-US" sz="3200" b="1" cap="all" dirty="0">
+              <a:solidFill>
+                <a:schemeClr val="tx1"/>
+              </a:solidFill>
+              <a:latin typeface="Times New Roman" pitchFamily="18" charset="0"/>
+            </a:endParaRPr>
+          </a:p>
+        </p:txBody>
+      </p:sp>
+      <p:sp>
+        <p:nvSpPr>
+          <p:cNvPr id="78" name="Line 1789"/>
+          <p:cNvSpPr>
+            <a:spLocks noChangeShapeType="1"/>
+          </p:cNvSpPr>
+          <p:nvPr/>
+        </p:nvSpPr>
+        <p:spPr bwMode="auto">
+          <a:xfrm flipV="1">
+            <a:off x="865254" y="11777912"/>
+            <a:ext cx="13739575" cy="6907"/>
+          </a:xfrm>
+          <a:prstGeom prst="line">
+            <a:avLst/>
+          </a:prstGeom>
+          <a:noFill/>
+          <a:ln w="127000">
+            <a:solidFill>
+              <a:srgbClr val="990000"/>
+            </a:solidFill>
+            <a:round/>
+            <a:headEnd/>
+            <a:tailEnd/>
+          </a:ln>
+          <a:effectLst/>
+        </p:spPr>
+        <p:txBody>
+          <a:bodyPr wrap="square" lIns="92498" tIns="46249" rIns="92498" bIns="46249">
+            <a:spAutoFit/>
+          </a:bodyPr>
+          <a:lstStyle/>
+          <a:p>
+            <a:pPr algn="just"/>
+            <a:endParaRPr lang="en-US" dirty="0"/>
+          </a:p>
+        </p:txBody>
+      </p:sp>
+      <p:sp>
+        <p:nvSpPr>
+          <p:cNvPr id="79" name="Text Box 1949"/>
+          <p:cNvSpPr txBox="1">
+            <a:spLocks noChangeArrowheads="1"/>
+          </p:cNvSpPr>
+          <p:nvPr/>
+        </p:nvSpPr>
+        <p:spPr bwMode="auto">
+          <a:xfrm>
+            <a:off x="936505" y="24566402"/>
+            <a:ext cx="13551127" cy="585844"/>
+          </a:xfrm>
+          <a:prstGeom prst="rect">
+            <a:avLst/>
+          </a:prstGeom>
+          <a:solidFill>
+            <a:srgbClr val="FF9966">
+              <a:alpha val="46000"/>
+            </a:srgbClr>
+          </a:solidFill>
+          <a:ln w="127000" algn="ctr">
+            <a:noFill/>
+            <a:miter lim="800000"/>
+            <a:headEnd/>
+            <a:tailEnd/>
+          </a:ln>
+          <a:effectLst/>
+        </p:spPr>
+        <p:txBody>
+          <a:bodyPr wrap="square" lIns="92498" tIns="46249" rIns="92498" bIns="46249">
+            <a:spAutoFit/>
+          </a:bodyPr>
+          <a:lstStyle/>
+          <a:p>
+            <a:pPr algn="just" defTabSz="4440274"/>
+            <a:r>
+              <a:rPr lang="en-US" sz="3200" b="1" cap="all" dirty="0" smtClean="0">
+                <a:solidFill>
+                  <a:schemeClr val="tx1"/>
+                </a:solidFill>
+                <a:latin typeface="Times New Roman" pitchFamily="18" charset="0"/>
+              </a:rPr>
+              <a:t>4. Testing the concept through simulation</a:t>
+            </a:r>
+            <a:endParaRPr lang="en-US" sz="3200" b="1" cap="all" dirty="0">
+              <a:solidFill>
+                <a:schemeClr val="tx1"/>
+              </a:solidFill>
+              <a:latin typeface="Times New Roman" pitchFamily="18" charset="0"/>
+            </a:endParaRPr>
+          </a:p>
+        </p:txBody>
+      </p:sp>
+      <p:sp>
+        <p:nvSpPr>
+          <p:cNvPr id="80" name="Line 1789"/>
+          <p:cNvSpPr>
+            <a:spLocks noChangeShapeType="1"/>
+          </p:cNvSpPr>
+          <p:nvPr/>
+        </p:nvSpPr>
+        <p:spPr bwMode="auto">
+          <a:xfrm flipV="1">
+            <a:off x="855728" y="24490612"/>
+            <a:ext cx="13739575" cy="6907"/>
+          </a:xfrm>
+          <a:prstGeom prst="line">
+            <a:avLst/>
+          </a:prstGeom>
+          <a:noFill/>
+          <a:ln w="127000">
+            <a:solidFill>
+              <a:srgbClr val="990000"/>
+            </a:solidFill>
+            <a:round/>
+            <a:headEnd/>
+            <a:tailEnd/>
+          </a:ln>
+          <a:effectLst/>
+        </p:spPr>
+        <p:txBody>
+          <a:bodyPr wrap="square" lIns="92498" tIns="46249" rIns="92498" bIns="46249">
+            <a:spAutoFit/>
+          </a:bodyPr>
+          <a:lstStyle/>
+          <a:p>
+            <a:pPr algn="just"/>
+            <a:endParaRPr lang="en-US" dirty="0"/>
+          </a:p>
+        </p:txBody>
+      </p:sp>
+      <p:sp>
+        <p:nvSpPr>
+          <p:cNvPr id="81" name="Text Box 1949"/>
+          <p:cNvSpPr txBox="1">
+            <a:spLocks noChangeArrowheads="1"/>
+          </p:cNvSpPr>
+          <p:nvPr/>
+        </p:nvSpPr>
+        <p:spPr bwMode="auto">
+          <a:xfrm>
+            <a:off x="14662862" y="3138814"/>
+            <a:ext cx="13903006" cy="585844"/>
+          </a:xfrm>
+          <a:prstGeom prst="rect">
+            <a:avLst/>
+          </a:prstGeom>
+          <a:solidFill>
+            <a:srgbClr val="FF9966">
+              <a:alpha val="46000"/>
+            </a:srgbClr>
+          </a:solidFill>
+          <a:ln w="127000" algn="ctr">
+            <a:noFill/>
+            <a:miter lim="800000"/>
+            <a:headEnd/>
+            <a:tailEnd/>
+          </a:ln>
+          <a:effectLst/>
+        </p:spPr>
+        <p:txBody>
+          <a:bodyPr wrap="square" lIns="92498" tIns="46249" rIns="92498" bIns="46249">
+            <a:spAutoFit/>
+          </a:bodyPr>
+          <a:lstStyle/>
+          <a:p>
+            <a:pPr algn="just" defTabSz="4440274"/>
+            <a:r>
+              <a:rPr lang="en-US" sz="3200" b="1" cap="all" dirty="0" smtClean="0">
+                <a:solidFill>
+                  <a:schemeClr val="tx1"/>
+                </a:solidFill>
+                <a:latin typeface="Times New Roman" pitchFamily="18" charset="0"/>
+              </a:rPr>
+              <a:t>5. Hardware</a:t>
+            </a:r>
+            <a:endParaRPr lang="en-US" sz="3200" b="1" cap="all" dirty="0">
+              <a:solidFill>
+                <a:schemeClr val="tx1"/>
+              </a:solidFill>
+              <a:latin typeface="Times New Roman" pitchFamily="18" charset="0"/>
+            </a:endParaRPr>
+          </a:p>
+        </p:txBody>
+      </p:sp>
+      <p:sp>
+        <p:nvSpPr>
+          <p:cNvPr id="84" name="Text Box 1949"/>
+          <p:cNvSpPr txBox="1">
+            <a:spLocks noChangeArrowheads="1"/>
+          </p:cNvSpPr>
+          <p:nvPr/>
+        </p:nvSpPr>
+        <p:spPr bwMode="auto">
+          <a:xfrm>
+            <a:off x="14642727" y="12305736"/>
+            <a:ext cx="13862274" cy="585844"/>
+          </a:xfrm>
+          <a:prstGeom prst="rect">
+            <a:avLst/>
+          </a:prstGeom>
+          <a:solidFill>
+            <a:srgbClr val="FF9966">
+              <a:alpha val="46000"/>
+            </a:srgbClr>
+          </a:solidFill>
+          <a:ln w="127000" algn="ctr">
+            <a:noFill/>
+            <a:miter lim="800000"/>
+            <a:headEnd/>
+            <a:tailEnd/>
+          </a:ln>
+          <a:effectLst/>
+        </p:spPr>
+        <p:txBody>
+          <a:bodyPr wrap="square" lIns="92498" tIns="46249" rIns="92498" bIns="46249">
+            <a:spAutoFit/>
+          </a:bodyPr>
+          <a:lstStyle/>
+          <a:p>
+            <a:pPr algn="just" defTabSz="4440274"/>
+            <a:r>
+              <a:rPr lang="en-US" sz="3200" b="1" cap="all" dirty="0" smtClean="0">
+                <a:solidFill>
+                  <a:schemeClr val="tx1"/>
+                </a:solidFill>
+                <a:latin typeface="Times New Roman" pitchFamily="18" charset="0"/>
+              </a:rPr>
+              <a:t>6. Scanning process</a:t>
+            </a:r>
+            <a:endParaRPr lang="en-US" sz="3200" b="1" cap="all" dirty="0">
+              <a:solidFill>
+                <a:schemeClr val="tx1"/>
+              </a:solidFill>
+              <a:latin typeface="Times New Roman" pitchFamily="18" charset="0"/>
+            </a:endParaRPr>
+          </a:p>
+        </p:txBody>
+      </p:sp>
+      <p:sp>
+        <p:nvSpPr>
+          <p:cNvPr id="85" name="Line 1789"/>
+          <p:cNvSpPr>
+            <a:spLocks noChangeShapeType="1"/>
+          </p:cNvSpPr>
+          <p:nvPr/>
+        </p:nvSpPr>
+        <p:spPr bwMode="auto">
+          <a:xfrm flipV="1">
+            <a:off x="14593012" y="12248223"/>
+            <a:ext cx="14013589" cy="0"/>
+          </a:xfrm>
+          <a:prstGeom prst="line">
+            <a:avLst/>
+          </a:prstGeom>
+          <a:noFill/>
+          <a:ln w="127000">
+            <a:solidFill>
+              <a:srgbClr val="990000"/>
+            </a:solidFill>
+            <a:round/>
+            <a:headEnd/>
+            <a:tailEnd/>
+          </a:ln>
+          <a:effectLst/>
+        </p:spPr>
+        <p:txBody>
+          <a:bodyPr wrap="square" lIns="92498" tIns="46249" rIns="92498" bIns="46249">
+            <a:spAutoFit/>
+          </a:bodyPr>
+          <a:lstStyle/>
+          <a:p>
+            <a:pPr algn="just"/>
+            <a:endParaRPr lang="en-US" dirty="0"/>
+          </a:p>
+        </p:txBody>
+      </p:sp>
+      <p:sp>
+        <p:nvSpPr>
+          <p:cNvPr id="86" name="Text Box 1949"/>
+          <p:cNvSpPr txBox="1">
+            <a:spLocks noChangeArrowheads="1"/>
+          </p:cNvSpPr>
+          <p:nvPr/>
+        </p:nvSpPr>
+        <p:spPr bwMode="auto">
+          <a:xfrm>
+            <a:off x="28700315" y="3138814"/>
+            <a:ext cx="13723738" cy="585844"/>
+          </a:xfrm>
+          <a:prstGeom prst="rect">
+            <a:avLst/>
+          </a:prstGeom>
+          <a:solidFill>
+            <a:srgbClr val="FF9966">
+              <a:alpha val="46000"/>
+            </a:srgbClr>
+          </a:solidFill>
+          <a:ln w="127000" algn="ctr">
+            <a:noFill/>
+            <a:miter lim="800000"/>
+            <a:headEnd/>
+            <a:tailEnd/>
+          </a:ln>
+          <a:effectLst/>
+        </p:spPr>
+        <p:txBody>
+          <a:bodyPr wrap="square" lIns="92498" tIns="46249" rIns="92498" bIns="46249">
+            <a:spAutoFit/>
+          </a:bodyPr>
+          <a:lstStyle/>
+          <a:p>
+            <a:pPr algn="just" defTabSz="4440274"/>
+            <a:r>
+              <a:rPr lang="en-US" sz="3200" b="1" cap="all" dirty="0" smtClean="0">
+                <a:solidFill>
+                  <a:schemeClr val="tx1"/>
+                </a:solidFill>
+                <a:latin typeface="Times New Roman" pitchFamily="18" charset="0"/>
+              </a:rPr>
+              <a:t>7. Results</a:t>
+            </a:r>
+            <a:endParaRPr lang="en-US" sz="3200" b="1" cap="all" dirty="0">
+              <a:solidFill>
+                <a:schemeClr val="tx1"/>
+              </a:solidFill>
+              <a:latin typeface="Times New Roman" pitchFamily="18" charset="0"/>
+            </a:endParaRPr>
+          </a:p>
+        </p:txBody>
+      </p:sp>
+      <p:sp>
+        <p:nvSpPr>
+          <p:cNvPr id="88" name="Text Box 1949"/>
+          <p:cNvSpPr txBox="1">
+            <a:spLocks noChangeArrowheads="1"/>
+          </p:cNvSpPr>
+          <p:nvPr/>
+        </p:nvSpPr>
+        <p:spPr bwMode="auto">
+          <a:xfrm>
+            <a:off x="28678158" y="12649967"/>
+            <a:ext cx="13817452" cy="585844"/>
+          </a:xfrm>
+          <a:prstGeom prst="rect">
+            <a:avLst/>
+          </a:prstGeom>
+          <a:solidFill>
+            <a:srgbClr val="FF9966">
+              <a:alpha val="46000"/>
+            </a:srgbClr>
+          </a:solidFill>
+          <a:ln w="127000" algn="ctr">
+            <a:noFill/>
+            <a:miter lim="800000"/>
+            <a:headEnd/>
+            <a:tailEnd/>
+          </a:ln>
+          <a:effectLst/>
+        </p:spPr>
+        <p:txBody>
+          <a:bodyPr wrap="square" lIns="92498" tIns="46249" rIns="92498" bIns="46249">
+            <a:spAutoFit/>
+          </a:bodyPr>
+          <a:lstStyle/>
+          <a:p>
+            <a:pPr algn="just" defTabSz="4440274"/>
+            <a:r>
+              <a:rPr lang="en-US" sz="3200" b="1" cap="all" dirty="0" smtClean="0">
+                <a:solidFill>
+                  <a:schemeClr val="tx1"/>
+                </a:solidFill>
+                <a:latin typeface="Times New Roman" pitchFamily="18" charset="0"/>
+              </a:rPr>
+              <a:t>8. Conclusions and future work</a:t>
+            </a:r>
+            <a:endParaRPr lang="en-US" sz="3200" b="1" cap="all" dirty="0">
+              <a:solidFill>
+                <a:schemeClr val="tx1"/>
+              </a:solidFill>
+              <a:latin typeface="Times New Roman" pitchFamily="18" charset="0"/>
+            </a:endParaRPr>
+          </a:p>
+        </p:txBody>
+      </p:sp>
+      <p:sp>
+        <p:nvSpPr>
+          <p:cNvPr id="89" name="Text Box 1949"/>
+          <p:cNvSpPr txBox="1">
+            <a:spLocks noChangeArrowheads="1"/>
+          </p:cNvSpPr>
+          <p:nvPr/>
+        </p:nvSpPr>
+        <p:spPr bwMode="auto">
+          <a:xfrm>
+            <a:off x="28593900" y="30178772"/>
+            <a:ext cx="13863787" cy="585844"/>
+          </a:xfrm>
+          <a:prstGeom prst="rect">
+            <a:avLst/>
+          </a:prstGeom>
+          <a:solidFill>
+            <a:srgbClr val="FF9966">
+              <a:alpha val="46000"/>
+            </a:srgbClr>
+          </a:solidFill>
+          <a:ln w="127000" algn="ctr">
+            <a:noFill/>
+            <a:miter lim="800000"/>
+            <a:headEnd/>
+            <a:tailEnd/>
+          </a:ln>
+          <a:effectLst/>
+        </p:spPr>
+        <p:txBody>
+          <a:bodyPr wrap="square" lIns="92498" tIns="46249" rIns="92498" bIns="46249">
+            <a:spAutoFit/>
+          </a:bodyPr>
+          <a:lstStyle/>
+          <a:p>
+            <a:pPr algn="just" defTabSz="4440274"/>
+            <a:r>
+              <a:rPr lang="en-US" sz="3200" b="1" cap="all" dirty="0" smtClean="0">
+                <a:solidFill>
+                  <a:schemeClr val="tx1"/>
+                </a:solidFill>
+                <a:latin typeface="Times New Roman" pitchFamily="18" charset="0"/>
+              </a:rPr>
+              <a:t>10. References</a:t>
+            </a:r>
+          </a:p>
+        </p:txBody>
+      </p:sp>
+      <p:sp>
+        <p:nvSpPr>
+          <p:cNvPr id="90" name="Text Box 1949"/>
+          <p:cNvSpPr txBox="1">
+            <a:spLocks noChangeArrowheads="1"/>
+          </p:cNvSpPr>
+          <p:nvPr/>
+        </p:nvSpPr>
+        <p:spPr bwMode="auto">
+          <a:xfrm>
+            <a:off x="28606601" y="28660357"/>
+            <a:ext cx="13830151" cy="585844"/>
+          </a:xfrm>
+          <a:prstGeom prst="rect">
+            <a:avLst/>
+          </a:prstGeom>
+          <a:solidFill>
+            <a:srgbClr val="FF9966">
+              <a:alpha val="46000"/>
+            </a:srgbClr>
+          </a:solidFill>
+          <a:ln w="127000" algn="ctr">
+            <a:noFill/>
+            <a:miter lim="800000"/>
+            <a:headEnd/>
+            <a:tailEnd/>
+          </a:ln>
+          <a:effectLst/>
+        </p:spPr>
+        <p:txBody>
+          <a:bodyPr wrap="square" lIns="92498" tIns="46249" rIns="92498" bIns="46249">
+            <a:spAutoFit/>
+          </a:bodyPr>
+          <a:lstStyle/>
+          <a:p>
+            <a:pPr algn="just" defTabSz="4440274"/>
+            <a:r>
+              <a:rPr lang="en-US" sz="3200" b="1" cap="all" dirty="0" smtClean="0">
+                <a:solidFill>
+                  <a:schemeClr val="tx1"/>
+                </a:solidFill>
+                <a:latin typeface="Times New Roman" pitchFamily="18" charset="0"/>
+              </a:rPr>
+              <a:t>9. acknowledgements</a:t>
+            </a:r>
+            <a:endParaRPr lang="en-US" sz="3200" b="1" cap="all" dirty="0">
+              <a:solidFill>
+                <a:schemeClr val="tx1"/>
+              </a:solidFill>
+              <a:latin typeface="Times New Roman" pitchFamily="18" charset="0"/>
+            </a:endParaRPr>
+          </a:p>
+        </p:txBody>
+      </p:sp>
+      <p:sp>
+        <p:nvSpPr>
+          <p:cNvPr id="11" name="Rounded Rectangle 10"/>
+          <p:cNvSpPr/>
+          <p:nvPr/>
+        </p:nvSpPr>
+        <p:spPr bwMode="auto">
+          <a:xfrm>
+            <a:off x="3084032" y="12615889"/>
+            <a:ext cx="4717016" cy="1191816"/>
+          </a:xfrm>
+          <a:prstGeom prst="roundRect">
+            <a:avLst/>
+          </a:prstGeom>
+          <a:ln>
+            <a:headEnd type="none" w="med" len="med"/>
+            <a:tailEnd type="none" w="med" len="med"/>
+          </a:ln>
+        </p:spPr>
+        <p:style>
+          <a:lnRef idx="0">
+            <a:schemeClr val="accent1"/>
+          </a:lnRef>
+          <a:fillRef idx="3">
+            <a:schemeClr val="accent1"/>
+          </a:fillRef>
+          <a:effectRef idx="3">
+            <a:schemeClr val="accent1"/>
+          </a:effectRef>
+          <a:fontRef idx="minor">
+            <a:schemeClr val="lt1"/>
+          </a:fontRef>
+        </p:style>
+        <p:txBody>
+          <a:bodyPr vert="horz" wrap="square" lIns="91440" tIns="45720" rIns="91440" bIns="45720" numCol="1" rtlCol="0" anchor="t" anchorCtr="0" compatLnSpc="1">
+            <a:prstTxWarp prst="textNoShape">
+              <a:avLst/>
+            </a:prstTxWarp>
+            <a:spAutoFit/>
+          </a:bodyPr>
+          <a:lstStyle/>
+          <a:p>
+            <a:pPr marL="0" marR="0" indent="0" algn="ctr" defTabSz="4389438" rtl="0" eaLnBrk="1" fontAlgn="base" latinLnBrk="0" hangingPunct="1">
+              <a:lnSpc>
+                <a:spcPct val="100000"/>
+              </a:lnSpc>
+              <a:spcBef>
+                <a:spcPct val="0"/>
+              </a:spcBef>
+              <a:spcAft>
+                <a:spcPct val="0"/>
+              </a:spcAft>
+              <a:buClrTx/>
+              <a:buSzTx/>
+              <a:buFontTx/>
+              <a:buNone/>
+              <a:tabLst/>
+            </a:pPr>
+            <a:r>
+              <a:rPr kumimoji="0" lang="en-US" sz="3200" b="0" i="0" u="none" strike="noStrike" cap="none" normalizeH="0" baseline="0" dirty="0" smtClean="0">
+                <a:ln>
+                  <a:noFill/>
+                </a:ln>
+                <a:solidFill>
+                  <a:schemeClr val="tx2"/>
+                </a:solidFill>
+                <a:effectLst/>
+                <a:latin typeface="Century Schoolbook" pitchFamily="18" charset="0"/>
+                <a:cs typeface="Arial" charset="0"/>
+              </a:rPr>
+              <a:t>Project binary patterns onto object</a:t>
+            </a:r>
+            <a:endParaRPr kumimoji="0" lang="en-US" sz="3200" b="0" i="0" u="none" strike="noStrike" cap="none" normalizeH="0" baseline="0" dirty="0" smtClean="0">
+              <a:ln>
+                <a:noFill/>
+              </a:ln>
+              <a:solidFill>
+                <a:schemeClr val="tx2"/>
+              </a:solidFill>
+              <a:effectLst/>
+              <a:latin typeface="Century Schoolbook" pitchFamily="18" charset="0"/>
+              <a:cs typeface="Arial" charset="0"/>
+            </a:endParaRPr>
+          </a:p>
+        </p:txBody>
+      </p:sp>
+      <p:pic>
+        <p:nvPicPr>
+          <p:cNvPr id="1032" name="Picture 8" descr="https://github.com/ryanthejuggler/fully-reversed/blob/master/img/gray-code-progression.png?raw=true"/>
+          <p:cNvPicPr>
+            <a:picLocks noChangeAspect="1" noChangeArrowheads="1"/>
+          </p:cNvPicPr>
+          <p:nvPr/>
+        </p:nvPicPr>
+        <p:blipFill>
+          <a:blip r:embed="rId11" cstate="print">
+            <a:extLst>
+              <a:ext uri="{28A0092B-C50C-407E-A947-70E740481C1C}">
+                <a14:useLocalDpi xmlns:a14="http://schemas.microsoft.com/office/drawing/2010/main" val="0"/>
+              </a:ext>
+            </a:extLst>
+          </a:blip>
+          <a:srcRect/>
+          <a:stretch>
+            <a:fillRect/>
+          </a:stretch>
+        </p:blipFill>
+        <p:spPr bwMode="auto">
+          <a:xfrm>
+            <a:off x="1014975" y="12529719"/>
+            <a:ext cx="1902396" cy="1277986"/>
+          </a:xfrm>
+          <a:prstGeom prst="rect">
+            <a:avLst/>
+          </a:prstGeom>
+          <a:noFill/>
+          <a:extLst>
+            <a:ext uri="{909E8E84-426E-40DD-AFC4-6F175D3DCCD1}">
+              <a14:hiddenFill xmlns:a14="http://schemas.microsoft.com/office/drawing/2010/main">
+                <a:solidFill>
+                  <a:srgbClr val="FFFFFF"/>
+                </a:solidFill>
+              </a14:hiddenFill>
+            </a:ext>
+          </a:extLst>
+        </p:spPr>
+      </p:pic>
+      <p:sp>
+        <p:nvSpPr>
+          <p:cNvPr id="95" name="Rounded Rectangle 94"/>
+          <p:cNvSpPr/>
+          <p:nvPr/>
+        </p:nvSpPr>
+        <p:spPr bwMode="auto">
+          <a:xfrm>
+            <a:off x="3084032" y="14321315"/>
+            <a:ext cx="4717016" cy="646986"/>
+          </a:xfrm>
+          <a:prstGeom prst="roundRect">
+            <a:avLst/>
+          </a:prstGeom>
+          <a:ln>
+            <a:headEnd type="none" w="med" len="med"/>
+            <a:tailEnd type="none" w="med" len="med"/>
+          </a:ln>
+        </p:spPr>
+        <p:style>
+          <a:lnRef idx="0">
+            <a:schemeClr val="accent1"/>
+          </a:lnRef>
+          <a:fillRef idx="3">
+            <a:schemeClr val="accent1"/>
+          </a:fillRef>
+          <a:effectRef idx="3">
+            <a:schemeClr val="accent1"/>
+          </a:effectRef>
+          <a:fontRef idx="minor">
+            <a:schemeClr val="lt1"/>
+          </a:fontRef>
+        </p:style>
+        <p:txBody>
+          <a:bodyPr vert="horz" wrap="square" lIns="91440" tIns="45720" rIns="91440" bIns="45720" numCol="1" rtlCol="0" anchor="t" anchorCtr="0" compatLnSpc="1">
+            <a:prstTxWarp prst="textNoShape">
+              <a:avLst/>
+            </a:prstTxWarp>
+            <a:spAutoFit/>
+          </a:bodyPr>
+          <a:lstStyle/>
+          <a:p>
+            <a:pPr marL="0" marR="0" indent="0" algn="ctr" defTabSz="4389438" rtl="0" eaLnBrk="1" fontAlgn="base" latinLnBrk="0" hangingPunct="1">
+              <a:lnSpc>
+                <a:spcPct val="100000"/>
+              </a:lnSpc>
+              <a:spcBef>
+                <a:spcPct val="0"/>
+              </a:spcBef>
+              <a:spcAft>
+                <a:spcPct val="0"/>
+              </a:spcAft>
+              <a:buClrTx/>
+              <a:buSzTx/>
+              <a:buFontTx/>
+              <a:buNone/>
+              <a:tabLst/>
+            </a:pPr>
+            <a:r>
+              <a:rPr kumimoji="0" lang="en-US" sz="3200" b="0" i="0" u="none" strike="noStrike" cap="none" normalizeH="0" baseline="0" dirty="0" smtClean="0">
+                <a:ln>
+                  <a:noFill/>
+                </a:ln>
+                <a:solidFill>
+                  <a:schemeClr val="tx2"/>
+                </a:solidFill>
+                <a:effectLst/>
+                <a:latin typeface="Century Schoolbook" pitchFamily="18" charset="0"/>
+                <a:cs typeface="Arial" charset="0"/>
+              </a:rPr>
+              <a:t>Capture patterns</a:t>
+            </a:r>
+            <a:endParaRPr kumimoji="0" lang="en-US" sz="3200" b="0" i="0" u="none" strike="noStrike" cap="none" normalizeH="0" baseline="0" dirty="0" smtClean="0">
+              <a:ln>
+                <a:noFill/>
+              </a:ln>
+              <a:solidFill>
+                <a:schemeClr val="tx2"/>
+              </a:solidFill>
+              <a:effectLst/>
+              <a:latin typeface="Century Schoolbook" pitchFamily="18" charset="0"/>
+              <a:cs typeface="Arial" charset="0"/>
+            </a:endParaRPr>
+          </a:p>
+        </p:txBody>
+      </p:sp>
+      <p:sp>
+        <p:nvSpPr>
+          <p:cNvPr id="96" name="Rounded Rectangle 95"/>
+          <p:cNvSpPr/>
+          <p:nvPr/>
+        </p:nvSpPr>
+        <p:spPr bwMode="auto">
+          <a:xfrm>
+            <a:off x="3084032" y="15451750"/>
+            <a:ext cx="4717016" cy="1191816"/>
+          </a:xfrm>
+          <a:prstGeom prst="roundRect">
+            <a:avLst/>
+          </a:prstGeom>
+          <a:ln>
+            <a:headEnd type="none" w="med" len="med"/>
+            <a:tailEnd type="none" w="med" len="med"/>
+          </a:ln>
+        </p:spPr>
+        <p:style>
+          <a:lnRef idx="0">
+            <a:schemeClr val="accent1"/>
+          </a:lnRef>
+          <a:fillRef idx="3">
+            <a:schemeClr val="accent1"/>
+          </a:fillRef>
+          <a:effectRef idx="3">
+            <a:schemeClr val="accent1"/>
+          </a:effectRef>
+          <a:fontRef idx="minor">
+            <a:schemeClr val="lt1"/>
+          </a:fontRef>
+        </p:style>
+        <p:txBody>
+          <a:bodyPr vert="horz" wrap="square" lIns="91440" tIns="45720" rIns="91440" bIns="45720" numCol="1" rtlCol="0" anchor="t" anchorCtr="0" compatLnSpc="1">
+            <a:prstTxWarp prst="textNoShape">
+              <a:avLst/>
+            </a:prstTxWarp>
+            <a:spAutoFit/>
+          </a:bodyPr>
+          <a:lstStyle/>
+          <a:p>
+            <a:pPr marL="0" marR="0" indent="0" algn="ctr" defTabSz="4389438" rtl="0" eaLnBrk="1" fontAlgn="base" latinLnBrk="0" hangingPunct="1">
+              <a:lnSpc>
+                <a:spcPct val="100000"/>
+              </a:lnSpc>
+              <a:spcBef>
+                <a:spcPct val="0"/>
+              </a:spcBef>
+              <a:spcAft>
+                <a:spcPct val="0"/>
+              </a:spcAft>
+              <a:buClrTx/>
+              <a:buSzTx/>
+              <a:buFontTx/>
+              <a:buNone/>
+              <a:tabLst/>
+            </a:pPr>
+            <a:r>
+              <a:rPr kumimoji="0" lang="en-US" sz="3200" b="0" i="0" u="none" strike="noStrike" cap="none" normalizeH="0" baseline="0" dirty="0" smtClean="0">
+                <a:ln>
+                  <a:noFill/>
+                </a:ln>
+                <a:solidFill>
+                  <a:schemeClr val="tx2"/>
+                </a:solidFill>
+                <a:effectLst/>
+                <a:latin typeface="Century Schoolbook" pitchFamily="18" charset="0"/>
+                <a:cs typeface="Arial" charset="0"/>
+              </a:rPr>
+              <a:t>Calculate difference between images</a:t>
+            </a:r>
+            <a:endParaRPr kumimoji="0" lang="en-US" sz="3200" b="0" i="0" u="none" strike="noStrike" cap="none" normalizeH="0" baseline="0" dirty="0" smtClean="0">
+              <a:ln>
+                <a:noFill/>
+              </a:ln>
+              <a:solidFill>
+                <a:schemeClr val="tx2"/>
+              </a:solidFill>
+              <a:effectLst/>
+              <a:latin typeface="Century Schoolbook" pitchFamily="18" charset="0"/>
+              <a:cs typeface="Arial" charset="0"/>
+            </a:endParaRPr>
+          </a:p>
+        </p:txBody>
+      </p:sp>
+      <p:sp>
+        <p:nvSpPr>
+          <p:cNvPr id="97" name="Rounded Rectangle 96"/>
+          <p:cNvSpPr/>
+          <p:nvPr/>
+        </p:nvSpPr>
+        <p:spPr bwMode="auto">
+          <a:xfrm>
+            <a:off x="3084032" y="17166505"/>
+            <a:ext cx="4717016" cy="646986"/>
+          </a:xfrm>
+          <a:prstGeom prst="roundRect">
+            <a:avLst/>
+          </a:prstGeom>
+          <a:ln>
+            <a:headEnd type="none" w="med" len="med"/>
+            <a:tailEnd type="none" w="med" len="med"/>
+          </a:ln>
+        </p:spPr>
+        <p:style>
+          <a:lnRef idx="0">
+            <a:schemeClr val="accent1"/>
+          </a:lnRef>
+          <a:fillRef idx="3">
+            <a:schemeClr val="accent1"/>
+          </a:fillRef>
+          <a:effectRef idx="3">
+            <a:schemeClr val="accent1"/>
+          </a:effectRef>
+          <a:fontRef idx="minor">
+            <a:schemeClr val="lt1"/>
+          </a:fontRef>
+        </p:style>
+        <p:txBody>
+          <a:bodyPr vert="horz" wrap="square" lIns="91440" tIns="45720" rIns="91440" bIns="45720" numCol="1" rtlCol="0" anchor="t" anchorCtr="0" compatLnSpc="1">
+            <a:prstTxWarp prst="textNoShape">
+              <a:avLst/>
+            </a:prstTxWarp>
+            <a:spAutoFit/>
+          </a:bodyPr>
+          <a:lstStyle/>
+          <a:p>
+            <a:pPr marL="0" marR="0" indent="0" algn="ctr" defTabSz="4389438" rtl="0" eaLnBrk="1" fontAlgn="base" latinLnBrk="0" hangingPunct="1">
+              <a:lnSpc>
+                <a:spcPct val="100000"/>
+              </a:lnSpc>
+              <a:spcBef>
+                <a:spcPct val="0"/>
+              </a:spcBef>
+              <a:spcAft>
+                <a:spcPct val="0"/>
+              </a:spcAft>
+              <a:buClrTx/>
+              <a:buSzTx/>
+              <a:buFontTx/>
+              <a:buNone/>
+              <a:tabLst/>
+            </a:pPr>
+            <a:r>
+              <a:rPr kumimoji="0" lang="en-US" sz="3200" b="0" i="0" u="none" strike="noStrike" cap="none" normalizeH="0" baseline="0" dirty="0" smtClean="0">
+                <a:ln>
+                  <a:noFill/>
+                </a:ln>
+                <a:solidFill>
+                  <a:schemeClr val="tx2"/>
+                </a:solidFill>
+                <a:effectLst/>
+                <a:latin typeface="Century Schoolbook" pitchFamily="18" charset="0"/>
+                <a:cs typeface="Arial" charset="0"/>
+              </a:rPr>
+              <a:t>Compute pixel indices</a:t>
+            </a:r>
+            <a:endParaRPr kumimoji="0" lang="en-US" sz="3200" b="0" i="0" u="none" strike="noStrike" cap="none" normalizeH="0" baseline="0" dirty="0" smtClean="0">
+              <a:ln>
+                <a:noFill/>
+              </a:ln>
+              <a:solidFill>
+                <a:schemeClr val="tx2"/>
+              </a:solidFill>
+              <a:effectLst/>
+              <a:latin typeface="Century Schoolbook" pitchFamily="18" charset="0"/>
+              <a:cs typeface="Arial" charset="0"/>
+            </a:endParaRPr>
+          </a:p>
+        </p:txBody>
+      </p:sp>
+      <p:sp>
+        <p:nvSpPr>
+          <p:cNvPr id="98" name="Rounded Rectangle 97"/>
+          <p:cNvSpPr/>
+          <p:nvPr/>
+        </p:nvSpPr>
+        <p:spPr bwMode="auto">
+          <a:xfrm>
+            <a:off x="8440633" y="12615889"/>
+            <a:ext cx="3807133" cy="1191816"/>
+          </a:xfrm>
+          <a:prstGeom prst="roundRect">
+            <a:avLst/>
+          </a:prstGeom>
+          <a:ln>
+            <a:headEnd type="none" w="med" len="med"/>
+            <a:tailEnd type="none" w="med" len="med"/>
+          </a:ln>
+        </p:spPr>
+        <p:style>
+          <a:lnRef idx="0">
+            <a:schemeClr val="accent1"/>
+          </a:lnRef>
+          <a:fillRef idx="3">
+            <a:schemeClr val="accent1"/>
+          </a:fillRef>
+          <a:effectRef idx="3">
+            <a:schemeClr val="accent1"/>
+          </a:effectRef>
+          <a:fontRef idx="minor">
+            <a:schemeClr val="lt1"/>
+          </a:fontRef>
+        </p:style>
+        <p:txBody>
+          <a:bodyPr vert="horz" wrap="square" lIns="91440" tIns="45720" rIns="91440" bIns="45720" numCol="1" rtlCol="0" anchor="t" anchorCtr="0" compatLnSpc="1">
+            <a:prstTxWarp prst="textNoShape">
+              <a:avLst/>
+            </a:prstTxWarp>
+            <a:spAutoFit/>
+          </a:bodyPr>
+          <a:lstStyle/>
+          <a:p>
+            <a:pPr marL="0" marR="0" indent="0" algn="ctr" defTabSz="4389438" rtl="0" eaLnBrk="1" fontAlgn="base" latinLnBrk="0" hangingPunct="1">
+              <a:lnSpc>
+                <a:spcPct val="100000"/>
+              </a:lnSpc>
+              <a:spcBef>
+                <a:spcPct val="0"/>
+              </a:spcBef>
+              <a:spcAft>
+                <a:spcPct val="0"/>
+              </a:spcAft>
+              <a:buClrTx/>
+              <a:buSzTx/>
+              <a:buFontTx/>
+              <a:buNone/>
+              <a:tabLst/>
+            </a:pPr>
+            <a:r>
+              <a:rPr kumimoji="0" lang="en-US" sz="3200" b="0" i="0" u="none" strike="noStrike" cap="none" normalizeH="0" baseline="0" dirty="0" smtClean="0">
+                <a:ln>
+                  <a:noFill/>
+                </a:ln>
+                <a:solidFill>
+                  <a:schemeClr val="tx2"/>
+                </a:solidFill>
+                <a:effectLst/>
+                <a:latin typeface="Century Schoolbook" pitchFamily="18" charset="0"/>
+                <a:cs typeface="Arial" charset="0"/>
+              </a:rPr>
+              <a:t>Project sinusoidal fringes</a:t>
+            </a:r>
+            <a:r>
+              <a:rPr kumimoji="0" lang="en-US" sz="3200" b="0" i="0" u="none" strike="noStrike" cap="none" normalizeH="0" dirty="0" smtClean="0">
+                <a:ln>
+                  <a:noFill/>
+                </a:ln>
+                <a:solidFill>
+                  <a:schemeClr val="tx2"/>
+                </a:solidFill>
+                <a:effectLst/>
+                <a:latin typeface="Century Schoolbook" pitchFamily="18" charset="0"/>
+                <a:cs typeface="Arial" charset="0"/>
+              </a:rPr>
+              <a:t> onto object</a:t>
+            </a:r>
+            <a:endParaRPr kumimoji="0" lang="en-US" sz="3200" b="0" i="0" u="none" strike="noStrike" cap="none" normalizeH="0" baseline="0" dirty="0" smtClean="0">
+              <a:ln>
+                <a:noFill/>
+              </a:ln>
+              <a:solidFill>
+                <a:schemeClr val="tx2"/>
+              </a:solidFill>
+              <a:effectLst/>
+              <a:latin typeface="Century Schoolbook" pitchFamily="18" charset="0"/>
+              <a:cs typeface="Arial" charset="0"/>
+            </a:endParaRPr>
+          </a:p>
+        </p:txBody>
+      </p:sp>
+      <p:sp>
+        <p:nvSpPr>
+          <p:cNvPr id="100" name="Right Arrow 99"/>
+          <p:cNvSpPr/>
+          <p:nvPr/>
+        </p:nvSpPr>
+        <p:spPr bwMode="auto">
+          <a:xfrm rot="5400000">
+            <a:off x="5252975" y="13740832"/>
+            <a:ext cx="379130" cy="688462"/>
+          </a:xfrm>
+          <a:prstGeom prst="rightArrow">
+            <a:avLst>
+              <a:gd name="adj1" fmla="val 50000"/>
+              <a:gd name="adj2" fmla="val 70964"/>
+            </a:avLst>
+          </a:prstGeom>
+          <a:solidFill>
+            <a:srgbClr val="990000"/>
+          </a:solidFill>
+          <a:ln w="127000" cap="flat" cmpd="sng" algn="ctr">
+            <a:noFill/>
+            <a:prstDash val="solid"/>
+            <a:round/>
+            <a:headEnd type="none" w="med" len="med"/>
+            <a:tailEnd type="none" w="med" len="med"/>
+          </a:ln>
+          <a:effectLst/>
+        </p:spPr>
+        <p:txBody>
+          <a:bodyPr vert="horz" wrap="square" lIns="91440" tIns="45720" rIns="91440" bIns="45720" numCol="1" rtlCol="0" anchor="t" anchorCtr="0" compatLnSpc="1">
+            <a:prstTxWarp prst="textNoShape">
+              <a:avLst/>
+            </a:prstTxWarp>
+            <a:spAutoFit/>
+          </a:bodyPr>
+          <a:lstStyle/>
+          <a:p>
+            <a:pPr marL="0" marR="0" indent="0" algn="ctr" defTabSz="4389438" rtl="0" eaLnBrk="1" fontAlgn="base" latinLnBrk="0" hangingPunct="1">
+              <a:lnSpc>
+                <a:spcPct val="100000"/>
+              </a:lnSpc>
+              <a:spcBef>
+                <a:spcPct val="0"/>
+              </a:spcBef>
+              <a:spcAft>
+                <a:spcPct val="0"/>
+              </a:spcAft>
+              <a:buClrTx/>
+              <a:buSzTx/>
+              <a:buFontTx/>
+              <a:buNone/>
+              <a:tabLst/>
+            </a:pPr>
+            <a:endParaRPr kumimoji="0" lang="en-US" sz="8600" b="0" i="0" u="none" strike="noStrike" cap="none" normalizeH="0" baseline="0" smtClean="0">
+              <a:ln>
+                <a:noFill/>
+              </a:ln>
+              <a:solidFill>
+                <a:schemeClr val="tx2"/>
+              </a:solidFill>
+              <a:effectLst/>
+              <a:latin typeface="Tahoma" pitchFamily="34" charset="0"/>
+              <a:cs typeface="Arial" charset="0"/>
+            </a:endParaRPr>
+          </a:p>
+        </p:txBody>
+      </p:sp>
+      <p:sp>
+        <p:nvSpPr>
+          <p:cNvPr id="101" name="Right Arrow 100"/>
+          <p:cNvSpPr/>
+          <p:nvPr/>
+        </p:nvSpPr>
+        <p:spPr bwMode="auto">
+          <a:xfrm rot="5400000">
+            <a:off x="5252975" y="14903440"/>
+            <a:ext cx="379130" cy="688462"/>
+          </a:xfrm>
+          <a:prstGeom prst="rightArrow">
+            <a:avLst>
+              <a:gd name="adj1" fmla="val 50000"/>
+              <a:gd name="adj2" fmla="val 70964"/>
+            </a:avLst>
+          </a:prstGeom>
+          <a:solidFill>
+            <a:srgbClr val="990000"/>
+          </a:solidFill>
+          <a:ln w="127000" cap="flat" cmpd="sng" algn="ctr">
+            <a:noFill/>
+            <a:prstDash val="solid"/>
+            <a:round/>
+            <a:headEnd type="none" w="med" len="med"/>
+            <a:tailEnd type="none" w="med" len="med"/>
+          </a:ln>
+          <a:effectLst/>
+        </p:spPr>
+        <p:txBody>
+          <a:bodyPr vert="horz" wrap="square" lIns="91440" tIns="45720" rIns="91440" bIns="45720" numCol="1" rtlCol="0" anchor="t" anchorCtr="0" compatLnSpc="1">
+            <a:prstTxWarp prst="textNoShape">
+              <a:avLst/>
+            </a:prstTxWarp>
+            <a:spAutoFit/>
+          </a:bodyPr>
+          <a:lstStyle/>
+          <a:p>
+            <a:pPr marL="0" marR="0" indent="0" algn="ctr" defTabSz="4389438" rtl="0" eaLnBrk="1" fontAlgn="base" latinLnBrk="0" hangingPunct="1">
+              <a:lnSpc>
+                <a:spcPct val="100000"/>
+              </a:lnSpc>
+              <a:spcBef>
+                <a:spcPct val="0"/>
+              </a:spcBef>
+              <a:spcAft>
+                <a:spcPct val="0"/>
+              </a:spcAft>
+              <a:buClrTx/>
+              <a:buSzTx/>
+              <a:buFontTx/>
+              <a:buNone/>
+              <a:tabLst/>
+            </a:pPr>
+            <a:endParaRPr kumimoji="0" lang="en-US" sz="8600" b="0" i="0" u="none" strike="noStrike" cap="none" normalizeH="0" baseline="0" smtClean="0">
+              <a:ln>
+                <a:noFill/>
+              </a:ln>
+              <a:solidFill>
+                <a:schemeClr val="tx2"/>
+              </a:solidFill>
+              <a:effectLst/>
+              <a:latin typeface="Tahoma" pitchFamily="34" charset="0"/>
+              <a:cs typeface="Arial" charset="0"/>
+            </a:endParaRPr>
+          </a:p>
+        </p:txBody>
+      </p:sp>
+      <p:sp>
+        <p:nvSpPr>
+          <p:cNvPr id="102" name="Right Arrow 101"/>
+          <p:cNvSpPr/>
+          <p:nvPr/>
+        </p:nvSpPr>
+        <p:spPr bwMode="auto">
+          <a:xfrm rot="5400000">
+            <a:off x="5252975" y="16575068"/>
+            <a:ext cx="379130" cy="688462"/>
+          </a:xfrm>
+          <a:prstGeom prst="rightArrow">
+            <a:avLst>
+              <a:gd name="adj1" fmla="val 50000"/>
+              <a:gd name="adj2" fmla="val 70964"/>
+            </a:avLst>
+          </a:prstGeom>
+          <a:solidFill>
+            <a:srgbClr val="990000"/>
+          </a:solidFill>
+          <a:ln w="127000" cap="flat" cmpd="sng" algn="ctr">
+            <a:noFill/>
+            <a:prstDash val="solid"/>
+            <a:round/>
+            <a:headEnd type="none" w="med" len="med"/>
+            <a:tailEnd type="none" w="med" len="med"/>
+          </a:ln>
+          <a:effectLst/>
+        </p:spPr>
+        <p:txBody>
+          <a:bodyPr vert="horz" wrap="square" lIns="91440" tIns="45720" rIns="91440" bIns="45720" numCol="1" rtlCol="0" anchor="t" anchorCtr="0" compatLnSpc="1">
+            <a:prstTxWarp prst="textNoShape">
+              <a:avLst/>
+            </a:prstTxWarp>
+            <a:spAutoFit/>
+          </a:bodyPr>
+          <a:lstStyle/>
+          <a:p>
+            <a:pPr marL="0" marR="0" indent="0" algn="ctr" defTabSz="4389438" rtl="0" eaLnBrk="1" fontAlgn="base" latinLnBrk="0" hangingPunct="1">
+              <a:lnSpc>
+                <a:spcPct val="100000"/>
+              </a:lnSpc>
+              <a:spcBef>
+                <a:spcPct val="0"/>
+              </a:spcBef>
+              <a:spcAft>
+                <a:spcPct val="0"/>
+              </a:spcAft>
+              <a:buClrTx/>
+              <a:buSzTx/>
+              <a:buFontTx/>
+              <a:buNone/>
+              <a:tabLst/>
+            </a:pPr>
+            <a:endParaRPr kumimoji="0" lang="en-US" sz="8600" b="0" i="0" u="none" strike="noStrike" cap="none" normalizeH="0" baseline="0" smtClean="0">
+              <a:ln>
+                <a:noFill/>
+              </a:ln>
+              <a:solidFill>
+                <a:schemeClr val="tx2"/>
+              </a:solidFill>
+              <a:effectLst/>
+              <a:latin typeface="Tahoma" pitchFamily="34" charset="0"/>
+              <a:cs typeface="Arial" charset="0"/>
+            </a:endParaRPr>
+          </a:p>
+        </p:txBody>
+      </p:sp>
+      <p:sp>
+        <p:nvSpPr>
+          <p:cNvPr id="103" name="Right Arrow 102"/>
+          <p:cNvSpPr/>
+          <p:nvPr/>
+        </p:nvSpPr>
+        <p:spPr bwMode="auto">
+          <a:xfrm>
+            <a:off x="7901833" y="12891580"/>
+            <a:ext cx="379130" cy="688462"/>
+          </a:xfrm>
+          <a:prstGeom prst="rightArrow">
+            <a:avLst>
+              <a:gd name="adj1" fmla="val 50000"/>
+              <a:gd name="adj2" fmla="val 70964"/>
+            </a:avLst>
+          </a:prstGeom>
+          <a:solidFill>
+            <a:srgbClr val="990000"/>
+          </a:solidFill>
+          <a:ln w="127000" cap="flat" cmpd="sng" algn="ctr">
+            <a:noFill/>
+            <a:prstDash val="solid"/>
+            <a:round/>
+            <a:headEnd type="none" w="med" len="med"/>
+            <a:tailEnd type="none" w="med" len="med"/>
+          </a:ln>
+          <a:effectLst/>
+        </p:spPr>
+        <p:txBody>
+          <a:bodyPr vert="horz" wrap="square" lIns="91440" tIns="45720" rIns="91440" bIns="45720" numCol="1" rtlCol="0" anchor="t" anchorCtr="0" compatLnSpc="1">
+            <a:prstTxWarp prst="textNoShape">
+              <a:avLst/>
+            </a:prstTxWarp>
+            <a:spAutoFit/>
+          </a:bodyPr>
+          <a:lstStyle/>
+          <a:p>
+            <a:pPr marL="0" marR="0" indent="0" algn="ctr" defTabSz="4389438" rtl="0" eaLnBrk="1" fontAlgn="base" latinLnBrk="0" hangingPunct="1">
+              <a:lnSpc>
+                <a:spcPct val="100000"/>
+              </a:lnSpc>
+              <a:spcBef>
+                <a:spcPct val="0"/>
+              </a:spcBef>
+              <a:spcAft>
+                <a:spcPct val="0"/>
+              </a:spcAft>
+              <a:buClrTx/>
+              <a:buSzTx/>
+              <a:buFontTx/>
+              <a:buNone/>
+              <a:tabLst/>
+            </a:pPr>
+            <a:endParaRPr kumimoji="0" lang="en-US" sz="8600" b="0" i="0" u="none" strike="noStrike" cap="none" normalizeH="0" baseline="0" smtClean="0">
+              <a:ln>
+                <a:noFill/>
+              </a:ln>
+              <a:solidFill>
+                <a:schemeClr val="tx2"/>
+              </a:solidFill>
+              <a:effectLst/>
+              <a:latin typeface="Tahoma" pitchFamily="34" charset="0"/>
+              <a:cs typeface="Arial" charset="0"/>
+            </a:endParaRPr>
+          </a:p>
+        </p:txBody>
+      </p:sp>
+      <p:sp>
+        <p:nvSpPr>
+          <p:cNvPr id="104" name="Rounded Rectangle 103"/>
+          <p:cNvSpPr/>
+          <p:nvPr/>
+        </p:nvSpPr>
+        <p:spPr bwMode="auto">
+          <a:xfrm>
+            <a:off x="8440632" y="14321315"/>
+            <a:ext cx="3807134" cy="646986"/>
+          </a:xfrm>
+          <a:prstGeom prst="roundRect">
+            <a:avLst/>
+          </a:prstGeom>
+          <a:ln>
+            <a:headEnd type="none" w="med" len="med"/>
+            <a:tailEnd type="none" w="med" len="med"/>
+          </a:ln>
+        </p:spPr>
+        <p:style>
+          <a:lnRef idx="0">
+            <a:schemeClr val="accent1"/>
+          </a:lnRef>
+          <a:fillRef idx="3">
+            <a:schemeClr val="accent1"/>
+          </a:fillRef>
+          <a:effectRef idx="3">
+            <a:schemeClr val="accent1"/>
+          </a:effectRef>
+          <a:fontRef idx="minor">
+            <a:schemeClr val="lt1"/>
+          </a:fontRef>
+        </p:style>
+        <p:txBody>
+          <a:bodyPr vert="horz" wrap="square" lIns="91440" tIns="45720" rIns="91440" bIns="45720" numCol="1" rtlCol="0" anchor="t" anchorCtr="0" compatLnSpc="1">
+            <a:prstTxWarp prst="textNoShape">
+              <a:avLst/>
+            </a:prstTxWarp>
+            <a:spAutoFit/>
+          </a:bodyPr>
+          <a:lstStyle/>
+          <a:p>
+            <a:pPr marL="0" marR="0" indent="0" algn="ctr" defTabSz="4389438" rtl="0" eaLnBrk="1" fontAlgn="base" latinLnBrk="0" hangingPunct="1">
+              <a:lnSpc>
+                <a:spcPct val="100000"/>
+              </a:lnSpc>
+              <a:spcBef>
+                <a:spcPct val="0"/>
+              </a:spcBef>
+              <a:spcAft>
+                <a:spcPct val="0"/>
+              </a:spcAft>
+              <a:buClrTx/>
+              <a:buSzTx/>
+              <a:buFontTx/>
+              <a:buNone/>
+              <a:tabLst/>
+            </a:pPr>
+            <a:r>
+              <a:rPr kumimoji="0" lang="en-US" sz="3200" b="0" i="0" u="none" strike="noStrike" cap="none" normalizeH="0" baseline="0" dirty="0" smtClean="0">
+                <a:ln>
+                  <a:noFill/>
+                </a:ln>
+                <a:solidFill>
+                  <a:schemeClr val="tx2"/>
+                </a:solidFill>
+                <a:effectLst/>
+                <a:latin typeface="Century Schoolbook" pitchFamily="18" charset="0"/>
+                <a:cs typeface="Arial" charset="0"/>
+              </a:rPr>
+              <a:t>Capture patterns</a:t>
+            </a:r>
+            <a:endParaRPr kumimoji="0" lang="en-US" sz="3200" b="0" i="0" u="none" strike="noStrike" cap="none" normalizeH="0" baseline="0" dirty="0" smtClean="0">
+              <a:ln>
+                <a:noFill/>
+              </a:ln>
+              <a:solidFill>
+                <a:schemeClr val="tx2"/>
+              </a:solidFill>
+              <a:effectLst/>
+              <a:latin typeface="Century Schoolbook" pitchFamily="18" charset="0"/>
+              <a:cs typeface="Arial" charset="0"/>
+            </a:endParaRPr>
+          </a:p>
+        </p:txBody>
+      </p:sp>
+      <p:sp>
+        <p:nvSpPr>
+          <p:cNvPr id="105" name="Rounded Rectangle 104"/>
+          <p:cNvSpPr/>
+          <p:nvPr/>
+        </p:nvSpPr>
+        <p:spPr bwMode="auto">
+          <a:xfrm>
+            <a:off x="8440632" y="15451750"/>
+            <a:ext cx="3807134" cy="646986"/>
+          </a:xfrm>
+          <a:prstGeom prst="roundRect">
+            <a:avLst/>
+          </a:prstGeom>
+          <a:ln>
+            <a:headEnd type="none" w="med" len="med"/>
+            <a:tailEnd type="none" w="med" len="med"/>
+          </a:ln>
+        </p:spPr>
+        <p:style>
+          <a:lnRef idx="0">
+            <a:schemeClr val="accent1"/>
+          </a:lnRef>
+          <a:fillRef idx="3">
+            <a:schemeClr val="accent1"/>
+          </a:fillRef>
+          <a:effectRef idx="3">
+            <a:schemeClr val="accent1"/>
+          </a:effectRef>
+          <a:fontRef idx="minor">
+            <a:schemeClr val="lt1"/>
+          </a:fontRef>
+        </p:style>
+        <p:txBody>
+          <a:bodyPr vert="horz" wrap="square" lIns="91440" tIns="45720" rIns="91440" bIns="45720" numCol="1" rtlCol="0" anchor="t" anchorCtr="0" compatLnSpc="1">
+            <a:prstTxWarp prst="textNoShape">
+              <a:avLst/>
+            </a:prstTxWarp>
+            <a:spAutoFit/>
+          </a:bodyPr>
+          <a:lstStyle/>
+          <a:p>
+            <a:pPr marL="0" marR="0" indent="0" algn="ctr" defTabSz="4389438" rtl="0" eaLnBrk="1" fontAlgn="base" latinLnBrk="0" hangingPunct="1">
+              <a:lnSpc>
+                <a:spcPct val="100000"/>
+              </a:lnSpc>
+              <a:spcBef>
+                <a:spcPct val="0"/>
+              </a:spcBef>
+              <a:spcAft>
+                <a:spcPct val="0"/>
+              </a:spcAft>
+              <a:buClrTx/>
+              <a:buSzTx/>
+              <a:buFontTx/>
+              <a:buNone/>
+              <a:tabLst/>
+            </a:pPr>
+            <a:r>
+              <a:rPr kumimoji="0" lang="en-US" sz="3200" b="0" i="0" u="none" strike="noStrike" cap="none" normalizeH="0" baseline="0" dirty="0" smtClean="0">
+                <a:ln>
+                  <a:noFill/>
+                </a:ln>
+                <a:solidFill>
+                  <a:schemeClr val="tx2"/>
+                </a:solidFill>
+                <a:effectLst/>
+                <a:latin typeface="Century Schoolbook" pitchFamily="18" charset="0"/>
+                <a:cs typeface="Arial" charset="0"/>
+              </a:rPr>
+              <a:t>Calculate phase</a:t>
+            </a:r>
+            <a:endParaRPr kumimoji="0" lang="en-US" sz="3200" b="0" i="0" u="none" strike="noStrike" cap="none" normalizeH="0" baseline="0" dirty="0" smtClean="0">
+              <a:ln>
+                <a:noFill/>
+              </a:ln>
+              <a:solidFill>
+                <a:schemeClr val="tx2"/>
+              </a:solidFill>
+              <a:effectLst/>
+              <a:latin typeface="Century Schoolbook" pitchFamily="18" charset="0"/>
+              <a:cs typeface="Arial" charset="0"/>
+            </a:endParaRPr>
+          </a:p>
+        </p:txBody>
+      </p:sp>
+      <p:sp>
+        <p:nvSpPr>
+          <p:cNvPr id="106" name="Right Arrow 105"/>
+          <p:cNvSpPr/>
+          <p:nvPr/>
+        </p:nvSpPr>
+        <p:spPr bwMode="auto">
+          <a:xfrm rot="5400000">
+            <a:off x="10154634" y="13740832"/>
+            <a:ext cx="379130" cy="688462"/>
+          </a:xfrm>
+          <a:prstGeom prst="rightArrow">
+            <a:avLst>
+              <a:gd name="adj1" fmla="val 50000"/>
+              <a:gd name="adj2" fmla="val 70964"/>
+            </a:avLst>
+          </a:prstGeom>
+          <a:solidFill>
+            <a:srgbClr val="990000"/>
+          </a:solidFill>
+          <a:ln w="127000" cap="flat" cmpd="sng" algn="ctr">
+            <a:noFill/>
+            <a:prstDash val="solid"/>
+            <a:round/>
+            <a:headEnd type="none" w="med" len="med"/>
+            <a:tailEnd type="none" w="med" len="med"/>
+          </a:ln>
+          <a:effectLst/>
+        </p:spPr>
+        <p:txBody>
+          <a:bodyPr vert="horz" wrap="square" lIns="91440" tIns="45720" rIns="91440" bIns="45720" numCol="1" rtlCol="0" anchor="t" anchorCtr="0" compatLnSpc="1">
+            <a:prstTxWarp prst="textNoShape">
+              <a:avLst/>
+            </a:prstTxWarp>
+            <a:spAutoFit/>
+          </a:bodyPr>
+          <a:lstStyle/>
+          <a:p>
+            <a:pPr marL="0" marR="0" indent="0" algn="ctr" defTabSz="4389438" rtl="0" eaLnBrk="1" fontAlgn="base" latinLnBrk="0" hangingPunct="1">
+              <a:lnSpc>
+                <a:spcPct val="100000"/>
+              </a:lnSpc>
+              <a:spcBef>
+                <a:spcPct val="0"/>
+              </a:spcBef>
+              <a:spcAft>
+                <a:spcPct val="0"/>
+              </a:spcAft>
+              <a:buClrTx/>
+              <a:buSzTx/>
+              <a:buFontTx/>
+              <a:buNone/>
+              <a:tabLst/>
+            </a:pPr>
+            <a:endParaRPr kumimoji="0" lang="en-US" sz="8600" b="0" i="0" u="none" strike="noStrike" cap="none" normalizeH="0" baseline="0" smtClean="0">
+              <a:ln>
+                <a:noFill/>
+              </a:ln>
+              <a:solidFill>
+                <a:schemeClr val="tx2"/>
+              </a:solidFill>
+              <a:effectLst/>
+              <a:latin typeface="Tahoma" pitchFamily="34" charset="0"/>
+              <a:cs typeface="Arial" charset="0"/>
+            </a:endParaRPr>
+          </a:p>
+        </p:txBody>
+      </p:sp>
+      <p:sp>
+        <p:nvSpPr>
+          <p:cNvPr id="107" name="Right Arrow 106"/>
+          <p:cNvSpPr/>
+          <p:nvPr/>
+        </p:nvSpPr>
+        <p:spPr bwMode="auto">
+          <a:xfrm rot="5400000">
+            <a:off x="10154634" y="14903440"/>
+            <a:ext cx="379130" cy="688462"/>
+          </a:xfrm>
+          <a:prstGeom prst="rightArrow">
+            <a:avLst>
+              <a:gd name="adj1" fmla="val 50000"/>
+              <a:gd name="adj2" fmla="val 70964"/>
+            </a:avLst>
+          </a:prstGeom>
+          <a:solidFill>
+            <a:srgbClr val="990000"/>
+          </a:solidFill>
+          <a:ln w="127000" cap="flat" cmpd="sng" algn="ctr">
+            <a:noFill/>
+            <a:prstDash val="solid"/>
+            <a:round/>
+            <a:headEnd type="none" w="med" len="med"/>
+            <a:tailEnd type="none" w="med" len="med"/>
+          </a:ln>
+          <a:effectLst/>
+        </p:spPr>
+        <p:txBody>
+          <a:bodyPr vert="horz" wrap="square" lIns="91440" tIns="45720" rIns="91440" bIns="45720" numCol="1" rtlCol="0" anchor="t" anchorCtr="0" compatLnSpc="1">
+            <a:prstTxWarp prst="textNoShape">
+              <a:avLst/>
+            </a:prstTxWarp>
+            <a:spAutoFit/>
+          </a:bodyPr>
+          <a:lstStyle/>
+          <a:p>
+            <a:pPr marL="0" marR="0" indent="0" algn="ctr" defTabSz="4389438" rtl="0" eaLnBrk="1" fontAlgn="base" latinLnBrk="0" hangingPunct="1">
+              <a:lnSpc>
+                <a:spcPct val="100000"/>
+              </a:lnSpc>
+              <a:spcBef>
+                <a:spcPct val="0"/>
+              </a:spcBef>
+              <a:spcAft>
+                <a:spcPct val="0"/>
+              </a:spcAft>
+              <a:buClrTx/>
+              <a:buSzTx/>
+              <a:buFontTx/>
+              <a:buNone/>
+              <a:tabLst/>
+            </a:pPr>
+            <a:endParaRPr kumimoji="0" lang="en-US" sz="8600" b="0" i="0" u="none" strike="noStrike" cap="none" normalizeH="0" baseline="0" smtClean="0">
+              <a:ln>
+                <a:noFill/>
+              </a:ln>
+              <a:solidFill>
+                <a:schemeClr val="tx2"/>
+              </a:solidFill>
+              <a:effectLst/>
+              <a:latin typeface="Tahoma" pitchFamily="34" charset="0"/>
+              <a:cs typeface="Arial" charset="0"/>
+            </a:endParaRPr>
+          </a:p>
+        </p:txBody>
+      </p:sp>
+      <p:sp>
+        <p:nvSpPr>
+          <p:cNvPr id="108" name="Rounded Rectangle 107"/>
+          <p:cNvSpPr/>
+          <p:nvPr/>
+        </p:nvSpPr>
+        <p:spPr bwMode="auto">
+          <a:xfrm>
+            <a:off x="8440633" y="16634675"/>
+            <a:ext cx="3807134" cy="1191816"/>
+          </a:xfrm>
+          <a:prstGeom prst="roundRect">
+            <a:avLst/>
+          </a:prstGeom>
+          <a:ln>
+            <a:headEnd type="none" w="med" len="med"/>
+            <a:tailEnd type="none" w="med" len="med"/>
+          </a:ln>
+        </p:spPr>
+        <p:style>
+          <a:lnRef idx="0">
+            <a:schemeClr val="accent1"/>
+          </a:lnRef>
+          <a:fillRef idx="3">
+            <a:schemeClr val="accent1"/>
+          </a:fillRef>
+          <a:effectRef idx="3">
+            <a:schemeClr val="accent1"/>
+          </a:effectRef>
+          <a:fontRef idx="minor">
+            <a:schemeClr val="lt1"/>
+          </a:fontRef>
+        </p:style>
+        <p:txBody>
+          <a:bodyPr vert="horz" wrap="square" lIns="91440" tIns="45720" rIns="91440" bIns="45720" numCol="1" rtlCol="0" anchor="t" anchorCtr="0" compatLnSpc="1">
+            <a:prstTxWarp prst="textNoShape">
+              <a:avLst/>
+            </a:prstTxWarp>
+            <a:spAutoFit/>
+          </a:bodyPr>
+          <a:lstStyle/>
+          <a:p>
+            <a:pPr marL="0" marR="0" indent="0" algn="ctr" defTabSz="4389438" rtl="0" eaLnBrk="1" fontAlgn="base" latinLnBrk="0" hangingPunct="1">
+              <a:lnSpc>
+                <a:spcPct val="100000"/>
+              </a:lnSpc>
+              <a:spcBef>
+                <a:spcPct val="0"/>
+              </a:spcBef>
+              <a:spcAft>
+                <a:spcPct val="0"/>
+              </a:spcAft>
+              <a:buClrTx/>
+              <a:buSzTx/>
+              <a:buFontTx/>
+              <a:buNone/>
+              <a:tabLst/>
+            </a:pPr>
+            <a:r>
+              <a:rPr kumimoji="0" lang="en-US" sz="3200" b="0" i="0" u="none" strike="noStrike" cap="none" normalizeH="0" baseline="0" dirty="0" smtClean="0">
+                <a:ln>
+                  <a:noFill/>
+                </a:ln>
+                <a:solidFill>
+                  <a:schemeClr val="tx2"/>
+                </a:solidFill>
+                <a:effectLst/>
+                <a:latin typeface="Century Schoolbook" pitchFamily="18" charset="0"/>
+                <a:cs typeface="Arial" charset="0"/>
+              </a:rPr>
+              <a:t>Convert phase to</a:t>
+            </a:r>
+            <a:r>
+              <a:rPr kumimoji="0" lang="en-US" sz="3200" b="0" i="0" u="none" strike="noStrike" cap="none" normalizeH="0" dirty="0" smtClean="0">
+                <a:ln>
+                  <a:noFill/>
+                </a:ln>
+                <a:solidFill>
+                  <a:schemeClr val="tx2"/>
+                </a:solidFill>
+                <a:effectLst/>
+                <a:latin typeface="Century Schoolbook" pitchFamily="18" charset="0"/>
+                <a:cs typeface="Arial" charset="0"/>
+              </a:rPr>
+              <a:t> pixel indices</a:t>
+            </a:r>
+            <a:endParaRPr kumimoji="0" lang="en-US" sz="3200" b="0" i="0" u="none" strike="noStrike" cap="none" normalizeH="0" baseline="0" dirty="0" smtClean="0">
+              <a:ln>
+                <a:noFill/>
+              </a:ln>
+              <a:solidFill>
+                <a:schemeClr val="tx2"/>
+              </a:solidFill>
+              <a:effectLst/>
+              <a:latin typeface="Century Schoolbook" pitchFamily="18" charset="0"/>
+              <a:cs typeface="Arial" charset="0"/>
+            </a:endParaRPr>
+          </a:p>
+        </p:txBody>
+      </p:sp>
+      <p:sp>
+        <p:nvSpPr>
+          <p:cNvPr id="109" name="Right Arrow 108"/>
+          <p:cNvSpPr/>
+          <p:nvPr/>
+        </p:nvSpPr>
+        <p:spPr bwMode="auto">
+          <a:xfrm rot="5400000">
+            <a:off x="17260235" y="17142400"/>
+            <a:ext cx="379130" cy="688462"/>
+          </a:xfrm>
+          <a:prstGeom prst="rightArrow">
+            <a:avLst>
+              <a:gd name="adj1" fmla="val 50000"/>
+              <a:gd name="adj2" fmla="val 70964"/>
+            </a:avLst>
+          </a:prstGeom>
+          <a:solidFill>
+            <a:srgbClr val="990000"/>
+          </a:solidFill>
+          <a:ln w="127000" cap="flat" cmpd="sng" algn="ctr">
+            <a:noFill/>
+            <a:prstDash val="solid"/>
+            <a:round/>
+            <a:headEnd type="none" w="med" len="med"/>
+            <a:tailEnd type="none" w="med" len="med"/>
+          </a:ln>
+          <a:effectLst/>
+        </p:spPr>
+        <p:txBody>
+          <a:bodyPr vert="horz" wrap="square" lIns="91440" tIns="45720" rIns="91440" bIns="45720" numCol="1" rtlCol="0" anchor="t" anchorCtr="0" compatLnSpc="1">
+            <a:prstTxWarp prst="textNoShape">
+              <a:avLst/>
+            </a:prstTxWarp>
+            <a:spAutoFit/>
+          </a:bodyPr>
+          <a:lstStyle/>
+          <a:p>
+            <a:pPr marL="0" marR="0" indent="0" algn="ctr" defTabSz="4389438" rtl="0" eaLnBrk="1" fontAlgn="base" latinLnBrk="0" hangingPunct="1">
+              <a:lnSpc>
+                <a:spcPct val="100000"/>
+              </a:lnSpc>
+              <a:spcBef>
+                <a:spcPct val="0"/>
+              </a:spcBef>
+              <a:spcAft>
+                <a:spcPct val="0"/>
+              </a:spcAft>
+              <a:buClrTx/>
+              <a:buSzTx/>
+              <a:buFontTx/>
+              <a:buNone/>
+              <a:tabLst/>
+            </a:pPr>
+            <a:endParaRPr kumimoji="0" lang="en-US" sz="8600" b="0" i="0" u="none" strike="noStrike" cap="none" normalizeH="0" baseline="0" smtClean="0">
+              <a:ln>
+                <a:noFill/>
+              </a:ln>
+              <a:solidFill>
+                <a:schemeClr val="tx2"/>
+              </a:solidFill>
+              <a:effectLst/>
+              <a:latin typeface="Tahoma" pitchFamily="34" charset="0"/>
+              <a:cs typeface="Arial" charset="0"/>
+            </a:endParaRPr>
+          </a:p>
+        </p:txBody>
+      </p:sp>
+      <p:sp>
+        <p:nvSpPr>
+          <p:cNvPr id="112" name="Rounded Rectangle 111"/>
+          <p:cNvSpPr/>
+          <p:nvPr/>
+        </p:nvSpPr>
+        <p:spPr bwMode="auto">
+          <a:xfrm>
+            <a:off x="3903719" y="18929991"/>
+            <a:ext cx="7475490" cy="1191816"/>
+          </a:xfrm>
+          <a:prstGeom prst="roundRect">
+            <a:avLst/>
+          </a:prstGeom>
+          <a:ln>
+            <a:headEnd type="none" w="med" len="med"/>
+            <a:tailEnd type="none" w="med" len="med"/>
+          </a:ln>
+        </p:spPr>
+        <p:style>
+          <a:lnRef idx="0">
+            <a:schemeClr val="accent1"/>
+          </a:lnRef>
+          <a:fillRef idx="3">
+            <a:schemeClr val="accent1"/>
+          </a:fillRef>
+          <a:effectRef idx="3">
+            <a:schemeClr val="accent1"/>
+          </a:effectRef>
+          <a:fontRef idx="minor">
+            <a:schemeClr val="lt1"/>
+          </a:fontRef>
+        </p:style>
+        <p:txBody>
+          <a:bodyPr vert="horz" wrap="square" lIns="91440" tIns="45720" rIns="91440" bIns="45720" numCol="1" rtlCol="0" anchor="t" anchorCtr="0" compatLnSpc="1">
+            <a:prstTxWarp prst="textNoShape">
+              <a:avLst/>
+            </a:prstTxWarp>
+            <a:spAutoFit/>
+          </a:bodyPr>
+          <a:lstStyle/>
+          <a:p>
+            <a:pPr marL="0" marR="0" indent="0" algn="ctr" defTabSz="4389438" rtl="0" eaLnBrk="1" fontAlgn="base" latinLnBrk="0" hangingPunct="1">
+              <a:lnSpc>
+                <a:spcPct val="100000"/>
+              </a:lnSpc>
+              <a:spcBef>
+                <a:spcPct val="0"/>
+              </a:spcBef>
+              <a:spcAft>
+                <a:spcPct val="0"/>
+              </a:spcAft>
+              <a:buClrTx/>
+              <a:buSzTx/>
+              <a:buFontTx/>
+              <a:buNone/>
+              <a:tabLst/>
+            </a:pPr>
+            <a:r>
+              <a:rPr kumimoji="0" lang="en-US" sz="3200" b="0" i="0" u="none" strike="noStrike" cap="none" normalizeH="0" baseline="0" dirty="0" smtClean="0">
+                <a:ln>
+                  <a:noFill/>
+                </a:ln>
+                <a:solidFill>
+                  <a:schemeClr val="tx2"/>
+                </a:solidFill>
+                <a:effectLst/>
+                <a:latin typeface="Century Schoolbook" pitchFamily="18" charset="0"/>
+                <a:cs typeface="Arial" charset="0"/>
+              </a:rPr>
+              <a:t>Calculate angle between optical axis of projector and</a:t>
+            </a:r>
+            <a:r>
+              <a:rPr kumimoji="0" lang="en-US" sz="3200" b="0" i="0" u="none" strike="noStrike" cap="none" normalizeH="0" dirty="0" smtClean="0">
+                <a:ln>
+                  <a:noFill/>
+                </a:ln>
+                <a:solidFill>
+                  <a:schemeClr val="tx2"/>
+                </a:solidFill>
+                <a:effectLst/>
+                <a:latin typeface="Century Schoolbook" pitchFamily="18" charset="0"/>
+                <a:cs typeface="Arial" charset="0"/>
+              </a:rPr>
+              <a:t> each point on object</a:t>
+            </a:r>
+            <a:endParaRPr kumimoji="0" lang="en-US" sz="3200" b="0" i="0" u="none" strike="noStrike" cap="none" normalizeH="0" baseline="0" dirty="0" smtClean="0">
+              <a:ln>
+                <a:noFill/>
+              </a:ln>
+              <a:solidFill>
+                <a:schemeClr val="tx2"/>
+              </a:solidFill>
+              <a:effectLst/>
+              <a:latin typeface="Century Schoolbook" pitchFamily="18" charset="0"/>
+              <a:cs typeface="Arial" charset="0"/>
+            </a:endParaRPr>
+          </a:p>
+        </p:txBody>
+      </p:sp>
+      <p:sp>
+        <p:nvSpPr>
+          <p:cNvPr id="113" name="Right Arrow 112"/>
+          <p:cNvSpPr/>
+          <p:nvPr/>
+        </p:nvSpPr>
+        <p:spPr bwMode="auto">
+          <a:xfrm rot="5400000">
+            <a:off x="4983011" y="18053545"/>
+            <a:ext cx="919058" cy="688462"/>
+          </a:xfrm>
+          <a:prstGeom prst="rightArrow">
+            <a:avLst>
+              <a:gd name="adj1" fmla="val 50000"/>
+              <a:gd name="adj2" fmla="val 45665"/>
+            </a:avLst>
+          </a:prstGeom>
+          <a:solidFill>
+            <a:srgbClr val="990000"/>
+          </a:solidFill>
+          <a:ln w="127000" cap="flat" cmpd="sng" algn="ctr">
+            <a:noFill/>
+            <a:prstDash val="solid"/>
+            <a:round/>
+            <a:headEnd type="none" w="med" len="med"/>
+            <a:tailEnd type="none" w="med" len="med"/>
+          </a:ln>
+          <a:effectLst/>
+        </p:spPr>
+        <p:txBody>
+          <a:bodyPr vert="horz" wrap="square" lIns="91440" tIns="45720" rIns="91440" bIns="45720" numCol="1" rtlCol="0" anchor="t" anchorCtr="0" compatLnSpc="1">
+            <a:prstTxWarp prst="textNoShape">
+              <a:avLst/>
+            </a:prstTxWarp>
+            <a:spAutoFit/>
+          </a:bodyPr>
+          <a:lstStyle/>
+          <a:p>
+            <a:pPr marL="0" marR="0" indent="0" algn="ctr" defTabSz="4389438" rtl="0" eaLnBrk="1" fontAlgn="base" latinLnBrk="0" hangingPunct="1">
+              <a:lnSpc>
+                <a:spcPct val="100000"/>
+              </a:lnSpc>
+              <a:spcBef>
+                <a:spcPct val="0"/>
+              </a:spcBef>
+              <a:spcAft>
+                <a:spcPct val="0"/>
+              </a:spcAft>
+              <a:buClrTx/>
+              <a:buSzTx/>
+              <a:buFontTx/>
+              <a:buNone/>
+              <a:tabLst/>
+            </a:pPr>
+            <a:endParaRPr kumimoji="0" lang="en-US" sz="8600" b="0" i="0" u="none" strike="noStrike" cap="none" normalizeH="0" baseline="0" smtClean="0">
+              <a:ln>
+                <a:noFill/>
+              </a:ln>
+              <a:solidFill>
+                <a:schemeClr val="tx2"/>
+              </a:solidFill>
+              <a:effectLst/>
+              <a:latin typeface="Tahoma" pitchFamily="34" charset="0"/>
+              <a:cs typeface="Arial" charset="0"/>
+            </a:endParaRPr>
+          </a:p>
+        </p:txBody>
+      </p:sp>
+      <p:sp>
+        <p:nvSpPr>
+          <p:cNvPr id="114" name="Right Arrow 113"/>
+          <p:cNvSpPr/>
+          <p:nvPr/>
+        </p:nvSpPr>
+        <p:spPr bwMode="auto">
+          <a:xfrm rot="5400000">
+            <a:off x="9901955" y="18069469"/>
+            <a:ext cx="919058" cy="688462"/>
+          </a:xfrm>
+          <a:prstGeom prst="rightArrow">
+            <a:avLst>
+              <a:gd name="adj1" fmla="val 50000"/>
+              <a:gd name="adj2" fmla="val 45665"/>
+            </a:avLst>
+          </a:prstGeom>
+          <a:solidFill>
+            <a:srgbClr val="990000"/>
+          </a:solidFill>
+          <a:ln w="127000" cap="flat" cmpd="sng" algn="ctr">
+            <a:noFill/>
+            <a:prstDash val="solid"/>
+            <a:round/>
+            <a:headEnd type="none" w="med" len="med"/>
+            <a:tailEnd type="none" w="med" len="med"/>
+          </a:ln>
+          <a:effectLst/>
+        </p:spPr>
+        <p:txBody>
+          <a:bodyPr vert="horz" wrap="square" lIns="91440" tIns="45720" rIns="91440" bIns="45720" numCol="1" rtlCol="0" anchor="t" anchorCtr="0" compatLnSpc="1">
+            <a:prstTxWarp prst="textNoShape">
+              <a:avLst/>
+            </a:prstTxWarp>
+            <a:spAutoFit/>
+          </a:bodyPr>
+          <a:lstStyle/>
+          <a:p>
+            <a:pPr marL="0" marR="0" indent="0" algn="ctr" defTabSz="4389438" rtl="0" eaLnBrk="1" fontAlgn="base" latinLnBrk="0" hangingPunct="1">
+              <a:lnSpc>
+                <a:spcPct val="100000"/>
+              </a:lnSpc>
+              <a:spcBef>
+                <a:spcPct val="0"/>
+              </a:spcBef>
+              <a:spcAft>
+                <a:spcPct val="0"/>
+              </a:spcAft>
+              <a:buClrTx/>
+              <a:buSzTx/>
+              <a:buFontTx/>
+              <a:buNone/>
+              <a:tabLst/>
+            </a:pPr>
+            <a:endParaRPr kumimoji="0" lang="en-US" sz="8600" b="0" i="0" u="none" strike="noStrike" cap="none" normalizeH="0" baseline="0" smtClean="0">
+              <a:ln>
+                <a:noFill/>
+              </a:ln>
+              <a:solidFill>
+                <a:schemeClr val="tx2"/>
+              </a:solidFill>
+              <a:effectLst/>
+              <a:latin typeface="Tahoma" pitchFamily="34" charset="0"/>
+              <a:cs typeface="Arial" charset="0"/>
+            </a:endParaRPr>
+          </a:p>
+        </p:txBody>
+      </p:sp>
+      <p:sp>
+        <p:nvSpPr>
+          <p:cNvPr id="115" name="Rounded Rectangle 114"/>
+          <p:cNvSpPr/>
+          <p:nvPr/>
+        </p:nvSpPr>
+        <p:spPr bwMode="auto">
+          <a:xfrm>
+            <a:off x="3903719" y="20751535"/>
+            <a:ext cx="7475490" cy="1191816"/>
+          </a:xfrm>
+          <a:prstGeom prst="roundRect">
+            <a:avLst/>
+          </a:prstGeom>
+          <a:ln>
+            <a:headEnd type="none" w="med" len="med"/>
+            <a:tailEnd type="none" w="med" len="med"/>
+          </a:ln>
+        </p:spPr>
+        <p:style>
+          <a:lnRef idx="0">
+            <a:schemeClr val="accent1"/>
+          </a:lnRef>
+          <a:fillRef idx="3">
+            <a:schemeClr val="accent1"/>
+          </a:fillRef>
+          <a:effectRef idx="3">
+            <a:schemeClr val="accent1"/>
+          </a:effectRef>
+          <a:fontRef idx="minor">
+            <a:schemeClr val="lt1"/>
+          </a:fontRef>
+        </p:style>
+        <p:txBody>
+          <a:bodyPr vert="horz" wrap="square" lIns="91440" tIns="45720" rIns="91440" bIns="45720" numCol="1" rtlCol="0" anchor="t" anchorCtr="0" compatLnSpc="1">
+            <a:prstTxWarp prst="textNoShape">
+              <a:avLst/>
+            </a:prstTxWarp>
+            <a:spAutoFit/>
+          </a:bodyPr>
+          <a:lstStyle/>
+          <a:p>
+            <a:pPr marL="0" marR="0" indent="0" algn="ctr" defTabSz="4389438" rtl="0" eaLnBrk="1" fontAlgn="base" latinLnBrk="0" hangingPunct="1">
+              <a:lnSpc>
+                <a:spcPct val="100000"/>
+              </a:lnSpc>
+              <a:spcBef>
+                <a:spcPct val="0"/>
+              </a:spcBef>
+              <a:spcAft>
+                <a:spcPct val="0"/>
+              </a:spcAft>
+              <a:buClrTx/>
+              <a:buSzTx/>
+              <a:buFontTx/>
+              <a:buNone/>
+              <a:tabLst/>
+            </a:pPr>
+            <a:r>
+              <a:rPr kumimoji="0" lang="en-US" sz="3200" b="0" i="0" u="none" strike="noStrike" cap="none" normalizeH="0" baseline="0" dirty="0" smtClean="0">
+                <a:ln>
+                  <a:noFill/>
+                </a:ln>
+                <a:solidFill>
+                  <a:schemeClr val="tx2"/>
+                </a:solidFill>
+                <a:effectLst/>
+                <a:latin typeface="Century Schoolbook" pitchFamily="18" charset="0"/>
+                <a:cs typeface="Arial" charset="0"/>
+              </a:rPr>
+              <a:t>Use camera/projector geometry to recover point cloud</a:t>
+            </a:r>
+            <a:endParaRPr kumimoji="0" lang="en-US" sz="3200" b="0" i="0" u="none" strike="noStrike" cap="none" normalizeH="0" baseline="0" dirty="0" smtClean="0">
+              <a:ln>
+                <a:noFill/>
+              </a:ln>
+              <a:solidFill>
+                <a:schemeClr val="tx2"/>
+              </a:solidFill>
+              <a:effectLst/>
+              <a:latin typeface="Century Schoolbook" pitchFamily="18" charset="0"/>
+              <a:cs typeface="Arial" charset="0"/>
+            </a:endParaRPr>
+          </a:p>
+        </p:txBody>
+      </p:sp>
+      <p:sp>
+        <p:nvSpPr>
+          <p:cNvPr id="116" name="Rounded Rectangle 115"/>
+          <p:cNvSpPr/>
+          <p:nvPr/>
+        </p:nvSpPr>
+        <p:spPr bwMode="auto">
+          <a:xfrm>
+            <a:off x="3903719" y="22582890"/>
+            <a:ext cx="7475490" cy="646986"/>
+          </a:xfrm>
+          <a:prstGeom prst="roundRect">
+            <a:avLst/>
+          </a:prstGeom>
+          <a:ln>
+            <a:headEnd type="none" w="med" len="med"/>
+            <a:tailEnd type="none" w="med" len="med"/>
+          </a:ln>
+        </p:spPr>
+        <p:style>
+          <a:lnRef idx="0">
+            <a:schemeClr val="accent1"/>
+          </a:lnRef>
+          <a:fillRef idx="3">
+            <a:schemeClr val="accent1"/>
+          </a:fillRef>
+          <a:effectRef idx="3">
+            <a:schemeClr val="accent1"/>
+          </a:effectRef>
+          <a:fontRef idx="minor">
+            <a:schemeClr val="lt1"/>
+          </a:fontRef>
+        </p:style>
+        <p:txBody>
+          <a:bodyPr vert="horz" wrap="square" lIns="91440" tIns="45720" rIns="91440" bIns="45720" numCol="1" rtlCol="0" anchor="t" anchorCtr="0" compatLnSpc="1">
+            <a:prstTxWarp prst="textNoShape">
+              <a:avLst/>
+            </a:prstTxWarp>
+            <a:spAutoFit/>
+          </a:bodyPr>
+          <a:lstStyle/>
+          <a:p>
+            <a:pPr marL="0" marR="0" indent="0" algn="ctr" defTabSz="4389438" rtl="0" eaLnBrk="1" fontAlgn="base" latinLnBrk="0" hangingPunct="1">
+              <a:lnSpc>
+                <a:spcPct val="100000"/>
+              </a:lnSpc>
+              <a:spcBef>
+                <a:spcPct val="0"/>
+              </a:spcBef>
+              <a:spcAft>
+                <a:spcPct val="0"/>
+              </a:spcAft>
+              <a:buClrTx/>
+              <a:buSzTx/>
+              <a:buFontTx/>
+              <a:buNone/>
+              <a:tabLst/>
+            </a:pPr>
+            <a:r>
+              <a:rPr kumimoji="0" lang="en-US" sz="3200" b="0" i="0" u="none" strike="noStrike" cap="none" normalizeH="0" baseline="0" dirty="0" smtClean="0">
+                <a:ln>
+                  <a:noFill/>
+                </a:ln>
+                <a:solidFill>
+                  <a:schemeClr val="tx2"/>
+                </a:solidFill>
+                <a:effectLst/>
+                <a:latin typeface="Century Schoolbook" pitchFamily="18" charset="0"/>
+                <a:cs typeface="Arial" charset="0"/>
+              </a:rPr>
+              <a:t>Create mesh from point cloud</a:t>
+            </a:r>
+            <a:endParaRPr kumimoji="0" lang="en-US" sz="3200" b="0" i="0" u="none" strike="noStrike" cap="none" normalizeH="0" baseline="0" dirty="0" smtClean="0">
+              <a:ln>
+                <a:noFill/>
+              </a:ln>
+              <a:solidFill>
+                <a:schemeClr val="tx2"/>
+              </a:solidFill>
+              <a:effectLst/>
+              <a:latin typeface="Century Schoolbook" pitchFamily="18" charset="0"/>
+              <a:cs typeface="Arial" charset="0"/>
+            </a:endParaRPr>
+          </a:p>
+        </p:txBody>
+      </p:sp>
+      <p:sp>
+        <p:nvSpPr>
+          <p:cNvPr id="117" name="Right Arrow 116"/>
+          <p:cNvSpPr/>
+          <p:nvPr/>
+        </p:nvSpPr>
+        <p:spPr bwMode="auto">
+          <a:xfrm rot="5400000">
+            <a:off x="7570129" y="20080269"/>
+            <a:ext cx="379130" cy="688462"/>
+          </a:xfrm>
+          <a:prstGeom prst="rightArrow">
+            <a:avLst>
+              <a:gd name="adj1" fmla="val 50000"/>
+              <a:gd name="adj2" fmla="val 70964"/>
+            </a:avLst>
+          </a:prstGeom>
+          <a:solidFill>
+            <a:srgbClr val="990000"/>
+          </a:solidFill>
+          <a:ln w="127000" cap="flat" cmpd="sng" algn="ctr">
+            <a:noFill/>
+            <a:prstDash val="solid"/>
+            <a:round/>
+            <a:headEnd type="none" w="med" len="med"/>
+            <a:tailEnd type="none" w="med" len="med"/>
+          </a:ln>
+          <a:effectLst/>
+        </p:spPr>
+        <p:txBody>
+          <a:bodyPr vert="horz" wrap="square" lIns="91440" tIns="45720" rIns="91440" bIns="45720" numCol="1" rtlCol="0" anchor="t" anchorCtr="0" compatLnSpc="1">
+            <a:prstTxWarp prst="textNoShape">
+              <a:avLst/>
+            </a:prstTxWarp>
+            <a:spAutoFit/>
+          </a:bodyPr>
+          <a:lstStyle/>
+          <a:p>
+            <a:pPr marL="0" marR="0" indent="0" algn="ctr" defTabSz="4389438" rtl="0" eaLnBrk="1" fontAlgn="base" latinLnBrk="0" hangingPunct="1">
+              <a:lnSpc>
+                <a:spcPct val="100000"/>
+              </a:lnSpc>
+              <a:spcBef>
+                <a:spcPct val="0"/>
+              </a:spcBef>
+              <a:spcAft>
+                <a:spcPct val="0"/>
+              </a:spcAft>
+              <a:buClrTx/>
+              <a:buSzTx/>
+              <a:buFontTx/>
+              <a:buNone/>
+              <a:tabLst/>
+            </a:pPr>
+            <a:endParaRPr kumimoji="0" lang="en-US" sz="8600" b="0" i="0" u="none" strike="noStrike" cap="none" normalizeH="0" baseline="0" smtClean="0">
+              <a:ln>
+                <a:noFill/>
+              </a:ln>
+              <a:solidFill>
+                <a:schemeClr val="tx2"/>
+              </a:solidFill>
+              <a:effectLst/>
+              <a:latin typeface="Tahoma" pitchFamily="34" charset="0"/>
+              <a:cs typeface="Arial" charset="0"/>
+            </a:endParaRPr>
+          </a:p>
+        </p:txBody>
+      </p:sp>
+      <p:sp>
+        <p:nvSpPr>
+          <p:cNvPr id="118" name="Right Arrow 117"/>
+          <p:cNvSpPr/>
+          <p:nvPr/>
+        </p:nvSpPr>
+        <p:spPr bwMode="auto">
+          <a:xfrm rot="5400000">
+            <a:off x="7584644" y="21916327"/>
+            <a:ext cx="379130" cy="688462"/>
+          </a:xfrm>
+          <a:prstGeom prst="rightArrow">
+            <a:avLst>
+              <a:gd name="adj1" fmla="val 50000"/>
+              <a:gd name="adj2" fmla="val 70964"/>
+            </a:avLst>
+          </a:prstGeom>
+          <a:solidFill>
+            <a:srgbClr val="990000"/>
+          </a:solidFill>
+          <a:ln w="127000" cap="flat" cmpd="sng" algn="ctr">
+            <a:noFill/>
+            <a:prstDash val="solid"/>
+            <a:round/>
+            <a:headEnd type="none" w="med" len="med"/>
+            <a:tailEnd type="none" w="med" len="med"/>
+          </a:ln>
+          <a:effectLst/>
+        </p:spPr>
+        <p:txBody>
+          <a:bodyPr vert="horz" wrap="square" lIns="91440" tIns="45720" rIns="91440" bIns="45720" numCol="1" rtlCol="0" anchor="t" anchorCtr="0" compatLnSpc="1">
+            <a:prstTxWarp prst="textNoShape">
+              <a:avLst/>
+            </a:prstTxWarp>
+            <a:spAutoFit/>
+          </a:bodyPr>
+          <a:lstStyle/>
+          <a:p>
+            <a:pPr marL="0" marR="0" indent="0" algn="ctr" defTabSz="4389438" rtl="0" eaLnBrk="1" fontAlgn="base" latinLnBrk="0" hangingPunct="1">
+              <a:lnSpc>
+                <a:spcPct val="100000"/>
+              </a:lnSpc>
+              <a:spcBef>
+                <a:spcPct val="0"/>
+              </a:spcBef>
+              <a:spcAft>
+                <a:spcPct val="0"/>
+              </a:spcAft>
+              <a:buClrTx/>
+              <a:buSzTx/>
+              <a:buFontTx/>
+              <a:buNone/>
+              <a:tabLst/>
+            </a:pPr>
+            <a:endParaRPr kumimoji="0" lang="en-US" sz="8600" b="0" i="0" u="none" strike="noStrike" cap="none" normalizeH="0" baseline="0" smtClean="0">
+              <a:ln>
+                <a:noFill/>
+              </a:ln>
+              <a:solidFill>
+                <a:schemeClr val="tx2"/>
+              </a:solidFill>
+              <a:effectLst/>
+              <a:latin typeface="Tahoma" pitchFamily="34" charset="0"/>
+              <a:cs typeface="Arial" charset="0"/>
+            </a:endParaRPr>
+          </a:p>
+        </p:txBody>
+      </p:sp>
+      <p:pic>
+        <p:nvPicPr>
+          <p:cNvPr id="14" name="Picture 10" descr="https://github.com/ryanthejuggler/fully-reversed/blob/master/img/triangulation-3d.png?raw=true"/>
+          <p:cNvPicPr>
+            <a:picLocks noChangeAspect="1" noChangeArrowheads="1"/>
+          </p:cNvPicPr>
+          <p:nvPr/>
+        </p:nvPicPr>
+        <p:blipFill>
+          <a:blip r:embed="rId12" cstate="print">
+            <a:extLst>
+              <a:ext uri="{28A0092B-C50C-407E-A947-70E740481C1C}">
+                <a14:useLocalDpi xmlns:a14="http://schemas.microsoft.com/office/drawing/2010/main" val="0"/>
+              </a:ext>
+            </a:extLst>
+          </a:blip>
+          <a:srcRect/>
+          <a:stretch>
+            <a:fillRect/>
+          </a:stretch>
+        </p:blipFill>
+        <p:spPr bwMode="auto">
+          <a:xfrm>
+            <a:off x="1219326" y="17954171"/>
+            <a:ext cx="2478276" cy="3531059"/>
+          </a:xfrm>
+          <a:prstGeom prst="rect">
+            <a:avLst/>
+          </a:prstGeom>
+          <a:noFill/>
+          <a:extLst>
+            <a:ext uri="{909E8E84-426E-40DD-AFC4-6F175D3DCCD1}">
+              <a14:hiddenFill xmlns:a14="http://schemas.microsoft.com/office/drawing/2010/main">
+                <a:solidFill>
+                  <a:srgbClr val="FFFFFF"/>
+                </a:solidFill>
+              </a14:hiddenFill>
+            </a:ext>
+          </a:extLst>
+        </p:spPr>
+      </p:pic>
+      <p:pic>
+        <p:nvPicPr>
+          <p:cNvPr id="17" name="Picture 12" descr="https://github.com/ryanthejuggler/fully-reversed/blob/master/img/sinusoid.png?raw=true"/>
+          <p:cNvPicPr>
+            <a:picLocks noChangeAspect="1" noChangeArrowheads="1"/>
+          </p:cNvPicPr>
+          <p:nvPr/>
+        </p:nvPicPr>
+        <p:blipFill>
+          <a:blip r:embed="rId13" cstate="print">
+            <a:extLst>
+              <a:ext uri="{28A0092B-C50C-407E-A947-70E740481C1C}">
+                <a14:useLocalDpi xmlns:a14="http://schemas.microsoft.com/office/drawing/2010/main" val="0"/>
+              </a:ext>
+            </a:extLst>
+          </a:blip>
+          <a:srcRect/>
+          <a:stretch>
+            <a:fillRect/>
+          </a:stretch>
+        </p:blipFill>
+        <p:spPr bwMode="auto">
+          <a:xfrm>
+            <a:off x="12402258" y="12615889"/>
+            <a:ext cx="2003160" cy="1191816"/>
+          </a:xfrm>
+          <a:prstGeom prst="rect">
+            <a:avLst/>
+          </a:prstGeom>
+          <a:noFill/>
+          <a:extLst>
+            <a:ext uri="{909E8E84-426E-40DD-AFC4-6F175D3DCCD1}">
+              <a14:hiddenFill xmlns:a14="http://schemas.microsoft.com/office/drawing/2010/main">
+                <a:solidFill>
+                  <a:srgbClr val="FFFFFF"/>
+                </a:solidFill>
+              </a14:hiddenFill>
+            </a:ext>
+          </a:extLst>
+        </p:spPr>
+      </p:pic>
+      <p:sp>
+        <p:nvSpPr>
+          <p:cNvPr id="121" name="TextBox 120"/>
+          <p:cNvSpPr txBox="1"/>
+          <p:nvPr/>
+        </p:nvSpPr>
+        <p:spPr>
+          <a:xfrm>
+            <a:off x="14776663" y="7841244"/>
+            <a:ext cx="13619773" cy="2862322"/>
+          </a:xfrm>
+          <a:prstGeom prst="rect">
+            <a:avLst/>
+          </a:prstGeom>
+          <a:noFill/>
+        </p:spPr>
+        <p:txBody>
+          <a:bodyPr wrap="square" rtlCol="0">
+            <a:spAutoFit/>
+          </a:bodyPr>
+          <a:lstStyle/>
+          <a:p>
+            <a:pPr algn="l"/>
+            <a:r>
+              <a:rPr lang="en-US" sz="3600" dirty="0" smtClean="0">
+                <a:latin typeface="Century Schoolbook" pitchFamily="18" charset="0"/>
+              </a:rPr>
+              <a:t>Cameras: 2 </a:t>
+            </a:r>
+            <a:r>
+              <a:rPr lang="en-US" sz="3600" dirty="0" smtClean="0"/>
+              <a:t>× </a:t>
+            </a:r>
+            <a:r>
+              <a:rPr lang="en-US" sz="3600" dirty="0" smtClean="0">
+                <a:latin typeface="Century Schoolbook" pitchFamily="18" charset="0"/>
+              </a:rPr>
+              <a:t>Logitech C905 Webcam			$100</a:t>
+            </a:r>
+          </a:p>
+          <a:p>
+            <a:pPr algn="l"/>
+            <a:r>
+              <a:rPr lang="en-US" sz="3600" dirty="0" smtClean="0">
+                <a:latin typeface="Century Schoolbook" pitchFamily="18" charset="0"/>
+              </a:rPr>
+              <a:t>Projector: 1 </a:t>
+            </a:r>
+            <a:r>
+              <a:rPr lang="en-US" sz="3600" dirty="0"/>
+              <a:t>× </a:t>
+            </a:r>
+            <a:r>
+              <a:rPr lang="en-US" sz="3600" dirty="0" err="1" smtClean="0">
+                <a:latin typeface="Century Schoolbook" pitchFamily="18" charset="0"/>
+              </a:rPr>
+              <a:t>Optoma</a:t>
+            </a:r>
+            <a:r>
+              <a:rPr lang="en-US" sz="3600" dirty="0" smtClean="0">
+                <a:latin typeface="Century Schoolbook" pitchFamily="18" charset="0"/>
+              </a:rPr>
+              <a:t> PK201 Pico				$250</a:t>
+            </a:r>
+          </a:p>
+          <a:p>
+            <a:pPr algn="l"/>
+            <a:r>
+              <a:rPr lang="en-US" sz="3600" dirty="0" smtClean="0">
+                <a:latin typeface="Century Schoolbook" pitchFamily="18" charset="0"/>
+              </a:rPr>
+              <a:t>Parts: Rapid-prototyped from ABS				$  10</a:t>
+            </a:r>
+          </a:p>
+          <a:p>
+            <a:pPr algn="l"/>
+            <a:r>
+              <a:rPr lang="en-US" sz="3600" u="sng" dirty="0" smtClean="0">
+                <a:latin typeface="Century Schoolbook" pitchFamily="18" charset="0"/>
+              </a:rPr>
+              <a:t>Beam: Aluminum L-beam						$    6</a:t>
+            </a:r>
+          </a:p>
+          <a:p>
+            <a:pPr algn="l"/>
+            <a:r>
+              <a:rPr lang="en-US" sz="3600" dirty="0" smtClean="0">
+                <a:latin typeface="Century Schoolbook" pitchFamily="18" charset="0"/>
+              </a:rPr>
+              <a:t>Total cost:									$366</a:t>
+            </a:r>
+          </a:p>
+        </p:txBody>
+      </p:sp>
+      <p:sp>
+        <p:nvSpPr>
+          <p:cNvPr id="123" name="TextBox 122"/>
+          <p:cNvSpPr txBox="1"/>
+          <p:nvPr/>
+        </p:nvSpPr>
+        <p:spPr>
+          <a:xfrm>
+            <a:off x="14834592" y="3900565"/>
+            <a:ext cx="5940340" cy="1569660"/>
+          </a:xfrm>
+          <a:prstGeom prst="rect">
+            <a:avLst/>
+          </a:prstGeom>
+          <a:noFill/>
+        </p:spPr>
+        <p:txBody>
+          <a:bodyPr wrap="square" rtlCol="0">
+            <a:spAutoFit/>
+          </a:bodyPr>
+          <a:lstStyle/>
+          <a:p>
+            <a:r>
+              <a:rPr lang="en-US" sz="3200" b="1" dirty="0" smtClean="0">
+                <a:effectLst>
+                  <a:outerShdw blurRad="38100" dist="38100" dir="2700000" algn="tl">
+                    <a:srgbClr val="000000">
+                      <a:alpha val="43137"/>
+                    </a:srgbClr>
+                  </a:outerShdw>
+                </a:effectLst>
+                <a:latin typeface="Century Schoolbook" pitchFamily="18" charset="0"/>
+              </a:rPr>
+              <a:t>Logitech C905 Webcam</a:t>
+            </a:r>
+          </a:p>
+          <a:p>
+            <a:r>
+              <a:rPr lang="en-US" sz="3200" dirty="0">
+                <a:latin typeface="Century Schoolbook" pitchFamily="18" charset="0"/>
+              </a:rPr>
+              <a:t>2 MP, 2.8</a:t>
+            </a:r>
+            <a:r>
+              <a:rPr lang="el-GR" sz="3200" dirty="0">
+                <a:latin typeface="Century Schoolbook" pitchFamily="18" charset="0"/>
+              </a:rPr>
+              <a:t>μ</a:t>
+            </a:r>
+            <a:r>
+              <a:rPr lang="en-US" sz="3200" dirty="0">
+                <a:latin typeface="Century Schoolbook" pitchFamily="18" charset="0"/>
+              </a:rPr>
+              <a:t>m cell size, 50 mm min. focal </a:t>
+            </a:r>
+            <a:r>
+              <a:rPr lang="en-US" sz="3200" dirty="0" smtClean="0">
+                <a:latin typeface="Century Schoolbook" pitchFamily="18" charset="0"/>
+              </a:rPr>
+              <a:t>length</a:t>
+            </a:r>
+            <a:endParaRPr lang="en-US" sz="3200" dirty="0">
+              <a:latin typeface="Century Schoolbook" pitchFamily="18" charset="0"/>
+            </a:endParaRPr>
+          </a:p>
+        </p:txBody>
+      </p:sp>
+      <p:sp>
+        <p:nvSpPr>
+          <p:cNvPr id="125" name="TextBox 124"/>
+          <p:cNvSpPr txBox="1"/>
+          <p:nvPr/>
+        </p:nvSpPr>
+        <p:spPr>
+          <a:xfrm>
+            <a:off x="14578324" y="5687755"/>
+            <a:ext cx="6452876" cy="1569660"/>
+          </a:xfrm>
+          <a:prstGeom prst="rect">
+            <a:avLst/>
+          </a:prstGeom>
+          <a:noFill/>
+        </p:spPr>
+        <p:txBody>
+          <a:bodyPr wrap="square" rtlCol="0">
+            <a:spAutoFit/>
+          </a:bodyPr>
+          <a:lstStyle/>
+          <a:p>
+            <a:r>
+              <a:rPr lang="en-US" sz="3200" b="1" dirty="0" err="1" smtClean="0">
+                <a:effectLst>
+                  <a:outerShdw blurRad="38100" dist="38100" dir="2700000" algn="tl">
+                    <a:srgbClr val="000000">
+                      <a:alpha val="43137"/>
+                    </a:srgbClr>
+                  </a:outerShdw>
+                </a:effectLst>
+                <a:latin typeface="Century Schoolbook" pitchFamily="18" charset="0"/>
+              </a:rPr>
+              <a:t>Optoma</a:t>
+            </a:r>
+            <a:r>
+              <a:rPr lang="en-US" sz="3200" b="1" dirty="0" smtClean="0">
+                <a:effectLst>
+                  <a:outerShdw blurRad="38100" dist="38100" dir="2700000" algn="tl">
+                    <a:srgbClr val="000000">
+                      <a:alpha val="43137"/>
+                    </a:srgbClr>
+                  </a:outerShdw>
+                </a:effectLst>
+                <a:latin typeface="Century Schoolbook" pitchFamily="18" charset="0"/>
+              </a:rPr>
+              <a:t> PK201 Projector</a:t>
+            </a:r>
+          </a:p>
+          <a:p>
+            <a:r>
+              <a:rPr lang="en-US" sz="3200" dirty="0" smtClean="0">
+                <a:latin typeface="Century Schoolbook" pitchFamily="18" charset="0"/>
+              </a:rPr>
+              <a:t>854 </a:t>
+            </a:r>
+            <a:r>
+              <a:rPr lang="en-US" sz="3200" dirty="0" err="1" smtClean="0">
+                <a:latin typeface="Century Schoolbook" pitchFamily="18" charset="0"/>
+              </a:rPr>
+              <a:t>px</a:t>
+            </a:r>
+            <a:r>
+              <a:rPr lang="en-US" sz="3200" dirty="0" smtClean="0">
+                <a:latin typeface="Century Schoolbook" pitchFamily="18" charset="0"/>
+              </a:rPr>
+              <a:t> horizontal resolution, DLP projection, throw ratio 2.2</a:t>
+            </a:r>
+            <a:endParaRPr lang="en-US" sz="3200" dirty="0">
+              <a:latin typeface="Century Schoolbook" pitchFamily="18" charset="0"/>
+            </a:endParaRPr>
+          </a:p>
+        </p:txBody>
+      </p:sp>
+      <p:pic>
+        <p:nvPicPr>
+          <p:cNvPr id="1039" name="Picture 15" descr="https://github.com/ryanthejuggler/fully-reversed/blob/master/img/webcam.jpg?raw=true"/>
+          <p:cNvPicPr>
+            <a:picLocks noChangeAspect="1" noChangeArrowheads="1"/>
+          </p:cNvPicPr>
+          <p:nvPr/>
+        </p:nvPicPr>
+        <p:blipFill rotWithShape="1">
+          <a:blip r:embed="rId14">
+            <a:extLst>
+              <a:ext uri="{28A0092B-C50C-407E-A947-70E740481C1C}">
+                <a14:useLocalDpi xmlns:a14="http://schemas.microsoft.com/office/drawing/2010/main" val="0"/>
+              </a:ext>
+            </a:extLst>
+          </a:blip>
+          <a:srcRect l="16157" r="20625"/>
+          <a:stretch/>
+        </p:blipFill>
+        <p:spPr bwMode="auto">
+          <a:xfrm>
+            <a:off x="20900571" y="3806109"/>
+            <a:ext cx="1059544" cy="1675994"/>
+          </a:xfrm>
+          <a:prstGeom prst="rect">
+            <a:avLst/>
+          </a:prstGeom>
+          <a:noFill/>
+          <a:extLst>
+            <a:ext uri="{909E8E84-426E-40DD-AFC4-6F175D3DCCD1}">
+              <a14:hiddenFill xmlns:a14="http://schemas.microsoft.com/office/drawing/2010/main">
+                <a:solidFill>
+                  <a:srgbClr val="FFFFFF"/>
+                </a:solidFill>
+              </a14:hiddenFill>
+            </a:ext>
+          </a:extLst>
+        </p:spPr>
+      </p:pic>
+      <p:pic>
+        <p:nvPicPr>
+          <p:cNvPr id="1041" name="Picture 17" descr="https://github.com/ryanthejuggler/fully-reversed/blob/master/img/projector.jpg?raw=true"/>
+          <p:cNvPicPr>
+            <a:picLocks noChangeAspect="1" noChangeArrowheads="1"/>
+          </p:cNvPicPr>
+          <p:nvPr/>
+        </p:nvPicPr>
+        <p:blipFill>
+          <a:blip r:embed="rId15" cstate="print">
+            <a:extLst>
+              <a:ext uri="{BEBA8EAE-BF5A-486C-A8C5-ECC9F3942E4B}">
+                <a14:imgProps xmlns:a14="http://schemas.microsoft.com/office/drawing/2010/main">
+                  <a14:imgLayer r:embed="rId16">
+                    <a14:imgEffect>
+                      <a14:backgroundRemoval t="8136" b="91977" l="5867" r="93667"/>
+                    </a14:imgEffect>
+                  </a14:imgLayer>
+                </a14:imgProps>
+              </a:ext>
+              <a:ext uri="{28A0092B-C50C-407E-A947-70E740481C1C}">
+                <a14:useLocalDpi xmlns:a14="http://schemas.microsoft.com/office/drawing/2010/main" val="0"/>
+              </a:ext>
+            </a:extLst>
+          </a:blip>
+          <a:srcRect/>
+          <a:stretch>
+            <a:fillRect/>
+          </a:stretch>
+        </p:blipFill>
+        <p:spPr bwMode="auto">
+          <a:xfrm>
+            <a:off x="20436570" y="5681676"/>
+            <a:ext cx="2816225" cy="1661573"/>
+          </a:xfrm>
+          <a:prstGeom prst="rect">
+            <a:avLst/>
+          </a:prstGeom>
+          <a:noFill/>
+          <a:extLst>
+            <a:ext uri="{909E8E84-426E-40DD-AFC4-6F175D3DCCD1}">
+              <a14:hiddenFill xmlns:a14="http://schemas.microsoft.com/office/drawing/2010/main">
+                <a:solidFill>
+                  <a:srgbClr val="FFFFFF"/>
+                </a:solidFill>
+              </a14:hiddenFill>
+            </a:ext>
+          </a:extLst>
+        </p:spPr>
+      </p:pic>
+      <p:sp>
+        <p:nvSpPr>
+          <p:cNvPr id="128" name="Right Arrow 127"/>
+          <p:cNvSpPr/>
+          <p:nvPr/>
+        </p:nvSpPr>
+        <p:spPr bwMode="auto">
+          <a:xfrm>
+            <a:off x="23169339" y="4341164"/>
+            <a:ext cx="379130" cy="688462"/>
+          </a:xfrm>
+          <a:prstGeom prst="rightArrow">
+            <a:avLst>
+              <a:gd name="adj1" fmla="val 50000"/>
+              <a:gd name="adj2" fmla="val 70964"/>
+            </a:avLst>
+          </a:prstGeom>
+          <a:solidFill>
+            <a:srgbClr val="990000"/>
+          </a:solidFill>
+          <a:ln w="127000" cap="flat" cmpd="sng" algn="ctr">
+            <a:noFill/>
+            <a:prstDash val="solid"/>
+            <a:round/>
+            <a:headEnd type="none" w="med" len="med"/>
+            <a:tailEnd type="none" w="med" len="med"/>
+          </a:ln>
+          <a:effectLst/>
+        </p:spPr>
+        <p:txBody>
+          <a:bodyPr vert="horz" wrap="square" lIns="91440" tIns="45720" rIns="91440" bIns="45720" numCol="1" rtlCol="0" anchor="t" anchorCtr="0" compatLnSpc="1">
+            <a:prstTxWarp prst="textNoShape">
+              <a:avLst/>
+            </a:prstTxWarp>
+            <a:spAutoFit/>
+          </a:bodyPr>
+          <a:lstStyle/>
+          <a:p>
+            <a:pPr marL="0" marR="0" indent="0" algn="ctr" defTabSz="4389438" rtl="0" eaLnBrk="1" fontAlgn="base" latinLnBrk="0" hangingPunct="1">
+              <a:lnSpc>
+                <a:spcPct val="100000"/>
+              </a:lnSpc>
+              <a:spcBef>
+                <a:spcPct val="0"/>
+              </a:spcBef>
+              <a:spcAft>
+                <a:spcPct val="0"/>
+              </a:spcAft>
+              <a:buClrTx/>
+              <a:buSzTx/>
+              <a:buFontTx/>
+              <a:buNone/>
+              <a:tabLst/>
+            </a:pPr>
+            <a:endParaRPr kumimoji="0" lang="en-US" sz="8600" b="0" i="0" u="none" strike="noStrike" cap="none" normalizeH="0" baseline="0" smtClean="0">
+              <a:ln>
+                <a:noFill/>
+              </a:ln>
+              <a:solidFill>
+                <a:schemeClr val="tx2"/>
+              </a:solidFill>
+              <a:effectLst/>
+              <a:latin typeface="Tahoma" pitchFamily="34" charset="0"/>
+              <a:cs typeface="Arial" charset="0"/>
+            </a:endParaRPr>
+          </a:p>
+        </p:txBody>
+      </p:sp>
+      <p:sp>
+        <p:nvSpPr>
+          <p:cNvPr id="129" name="Right Arrow 128"/>
+          <p:cNvSpPr/>
+          <p:nvPr/>
+        </p:nvSpPr>
+        <p:spPr bwMode="auto">
+          <a:xfrm>
+            <a:off x="23162085" y="6090104"/>
+            <a:ext cx="379130" cy="688462"/>
+          </a:xfrm>
+          <a:prstGeom prst="rightArrow">
+            <a:avLst>
+              <a:gd name="adj1" fmla="val 50000"/>
+              <a:gd name="adj2" fmla="val 70964"/>
+            </a:avLst>
+          </a:prstGeom>
+          <a:solidFill>
+            <a:srgbClr val="990000"/>
+          </a:solidFill>
+          <a:ln w="127000" cap="flat" cmpd="sng" algn="ctr">
+            <a:noFill/>
+            <a:prstDash val="solid"/>
+            <a:round/>
+            <a:headEnd type="none" w="med" len="med"/>
+            <a:tailEnd type="none" w="med" len="med"/>
+          </a:ln>
+          <a:effectLst/>
+        </p:spPr>
+        <p:txBody>
+          <a:bodyPr vert="horz" wrap="square" lIns="91440" tIns="45720" rIns="91440" bIns="45720" numCol="1" rtlCol="0" anchor="t" anchorCtr="0" compatLnSpc="1">
+            <a:prstTxWarp prst="textNoShape">
+              <a:avLst/>
+            </a:prstTxWarp>
+            <a:spAutoFit/>
+          </a:bodyPr>
+          <a:lstStyle/>
+          <a:p>
+            <a:pPr marL="0" marR="0" indent="0" algn="ctr" defTabSz="4389438" rtl="0" eaLnBrk="1" fontAlgn="base" latinLnBrk="0" hangingPunct="1">
+              <a:lnSpc>
+                <a:spcPct val="100000"/>
+              </a:lnSpc>
+              <a:spcBef>
+                <a:spcPct val="0"/>
+              </a:spcBef>
+              <a:spcAft>
+                <a:spcPct val="0"/>
+              </a:spcAft>
+              <a:buClrTx/>
+              <a:buSzTx/>
+              <a:buFontTx/>
+              <a:buNone/>
+              <a:tabLst/>
+            </a:pPr>
+            <a:endParaRPr kumimoji="0" lang="en-US" sz="8600" b="0" i="0" u="none" strike="noStrike" cap="none" normalizeH="0" baseline="0" smtClean="0">
+              <a:ln>
+                <a:noFill/>
+              </a:ln>
+              <a:solidFill>
+                <a:schemeClr val="tx2"/>
+              </a:solidFill>
+              <a:effectLst/>
+              <a:latin typeface="Tahoma" pitchFamily="34" charset="0"/>
+              <a:cs typeface="Arial" charset="0"/>
+            </a:endParaRPr>
+          </a:p>
+        </p:txBody>
+      </p:sp>
+      <p:grpSp>
+        <p:nvGrpSpPr>
+          <p:cNvPr id="24" name="Group 23"/>
+          <p:cNvGrpSpPr/>
+          <p:nvPr/>
+        </p:nvGrpSpPr>
+        <p:grpSpPr>
+          <a:xfrm>
+            <a:off x="15259050" y="13580042"/>
+            <a:ext cx="4381500" cy="3528822"/>
+            <a:chOff x="15259050" y="13580042"/>
+            <a:chExt cx="4381500" cy="3528822"/>
+          </a:xfrm>
+        </p:grpSpPr>
+        <p:sp>
+          <p:nvSpPr>
+            <p:cNvPr id="20" name="Rounded Rectangle 19"/>
+            <p:cNvSpPr/>
+            <p:nvPr/>
+          </p:nvSpPr>
+          <p:spPr bwMode="auto">
+            <a:xfrm>
+              <a:off x="15259050" y="13580042"/>
+              <a:ext cx="4381500" cy="3528822"/>
+            </a:xfrm>
+            <a:prstGeom prst="roundRect">
+              <a:avLst/>
+            </a:prstGeom>
+            <a:ln>
+              <a:headEnd type="none" w="med" len="med"/>
+              <a:tailEnd type="none" w="med" len="med"/>
+            </a:ln>
+          </p:spPr>
+          <p:style>
+            <a:lnRef idx="0">
+              <a:schemeClr val="accent3"/>
+            </a:lnRef>
+            <a:fillRef idx="3">
+              <a:schemeClr val="accent3"/>
+            </a:fillRef>
+            <a:effectRef idx="3">
+              <a:schemeClr val="accent3"/>
+            </a:effectRef>
+            <a:fontRef idx="minor">
+              <a:schemeClr val="lt1"/>
+            </a:fontRef>
+          </p:style>
+          <p:txBody>
+            <a:bodyPr vert="horz" wrap="square" lIns="91440" tIns="45720" rIns="91440" bIns="45720" numCol="1" rtlCol="0" anchor="t" anchorCtr="0" compatLnSpc="1">
+              <a:prstTxWarp prst="textNoShape">
+                <a:avLst/>
+              </a:prstTxWarp>
+              <a:spAutoFit/>
+            </a:bodyPr>
+            <a:lstStyle/>
+            <a:p>
+              <a:pPr marL="0" marR="0" indent="0" algn="ctr" defTabSz="4389438" rtl="0" eaLnBrk="1" fontAlgn="base" latinLnBrk="0" hangingPunct="1">
+                <a:lnSpc>
+                  <a:spcPct val="100000"/>
+                </a:lnSpc>
+                <a:spcBef>
+                  <a:spcPct val="0"/>
+                </a:spcBef>
+                <a:spcAft>
+                  <a:spcPct val="0"/>
+                </a:spcAft>
+                <a:buClrTx/>
+                <a:buSzTx/>
+                <a:buFontTx/>
+                <a:buNone/>
+                <a:tabLst/>
+              </a:pPr>
+              <a:endParaRPr kumimoji="0" lang="en-US" sz="8600" b="0" i="0" u="none" strike="noStrike" cap="none" normalizeH="0" baseline="0" smtClean="0">
+                <a:ln>
+                  <a:noFill/>
+                </a:ln>
+                <a:solidFill>
+                  <a:schemeClr val="tx2"/>
+                </a:solidFill>
+                <a:effectLst/>
+                <a:latin typeface="Tahoma" pitchFamily="34" charset="0"/>
+                <a:cs typeface="Arial" charset="0"/>
+              </a:endParaRPr>
+            </a:p>
+          </p:txBody>
+        </p:sp>
+        <p:sp>
+          <p:nvSpPr>
+            <p:cNvPr id="130" name="Rounded Rectangle 129"/>
+            <p:cNvSpPr/>
+            <p:nvPr/>
+          </p:nvSpPr>
+          <p:spPr bwMode="auto">
+            <a:xfrm>
+              <a:off x="15654076" y="14312728"/>
+              <a:ext cx="3567374" cy="510778"/>
+            </a:xfrm>
+            <a:prstGeom prst="roundRect">
+              <a:avLst/>
+            </a:prstGeom>
+            <a:ln>
+              <a:headEnd type="none" w="med" len="med"/>
+              <a:tailEnd type="none" w="med" len="med"/>
+            </a:ln>
+          </p:spPr>
+          <p:style>
+            <a:lnRef idx="0">
+              <a:schemeClr val="accent1"/>
+            </a:lnRef>
+            <a:fillRef idx="3">
+              <a:schemeClr val="accent1"/>
+            </a:fillRef>
+            <a:effectRef idx="3">
+              <a:schemeClr val="accent1"/>
+            </a:effectRef>
+            <a:fontRef idx="minor">
+              <a:schemeClr val="lt1"/>
+            </a:fontRef>
+          </p:style>
+          <p:txBody>
+            <a:bodyPr vert="horz" wrap="square" lIns="91440" tIns="45720" rIns="91440" bIns="45720" numCol="1" rtlCol="0" anchor="t" anchorCtr="0" compatLnSpc="1">
+              <a:prstTxWarp prst="textNoShape">
+                <a:avLst/>
+              </a:prstTxWarp>
+              <a:spAutoFit/>
+            </a:bodyPr>
+            <a:lstStyle/>
+            <a:p>
+              <a:pPr marL="0" marR="0" indent="0" algn="ctr" defTabSz="4389438" rtl="0" eaLnBrk="1" fontAlgn="base" latinLnBrk="0" hangingPunct="1">
+                <a:lnSpc>
+                  <a:spcPct val="100000"/>
+                </a:lnSpc>
+                <a:spcBef>
+                  <a:spcPct val="0"/>
+                </a:spcBef>
+                <a:spcAft>
+                  <a:spcPct val="0"/>
+                </a:spcAft>
+                <a:buClrTx/>
+                <a:buSzTx/>
+                <a:buFontTx/>
+                <a:buNone/>
+                <a:tabLst/>
+              </a:pPr>
+              <a:r>
+                <a:rPr kumimoji="0" lang="en-US" sz="2400" b="0" i="0" u="none" strike="noStrike" cap="none" normalizeH="0" baseline="0" dirty="0" smtClean="0">
+                  <a:ln>
+                    <a:noFill/>
+                  </a:ln>
+                  <a:solidFill>
+                    <a:schemeClr val="tx2"/>
+                  </a:solidFill>
+                  <a:effectLst/>
+                  <a:latin typeface="Century Schoolbook" pitchFamily="18" charset="0"/>
+                  <a:cs typeface="Arial" charset="0"/>
+                </a:rPr>
+                <a:t>Position equipment</a:t>
+              </a:r>
+              <a:endParaRPr kumimoji="0" lang="en-US" sz="2400" b="0" i="0" u="none" strike="noStrike" cap="none" normalizeH="0" baseline="0" dirty="0" smtClean="0">
+                <a:ln>
+                  <a:noFill/>
+                </a:ln>
+                <a:solidFill>
+                  <a:schemeClr val="tx2"/>
+                </a:solidFill>
+                <a:effectLst/>
+                <a:latin typeface="Century Schoolbook" pitchFamily="18" charset="0"/>
+                <a:cs typeface="Arial" charset="0"/>
+              </a:endParaRPr>
+            </a:p>
+          </p:txBody>
+        </p:sp>
+        <p:sp>
+          <p:nvSpPr>
+            <p:cNvPr id="131" name="Rounded Rectangle 130"/>
+            <p:cNvSpPr/>
+            <p:nvPr/>
+          </p:nvSpPr>
+          <p:spPr bwMode="auto">
+            <a:xfrm>
+              <a:off x="15654076" y="15234748"/>
+              <a:ext cx="3567374" cy="510778"/>
+            </a:xfrm>
+            <a:prstGeom prst="roundRect">
+              <a:avLst/>
+            </a:prstGeom>
+            <a:ln>
+              <a:headEnd type="none" w="med" len="med"/>
+              <a:tailEnd type="none" w="med" len="med"/>
+            </a:ln>
+          </p:spPr>
+          <p:style>
+            <a:lnRef idx="0">
+              <a:schemeClr val="accent1"/>
+            </a:lnRef>
+            <a:fillRef idx="3">
+              <a:schemeClr val="accent1"/>
+            </a:fillRef>
+            <a:effectRef idx="3">
+              <a:schemeClr val="accent1"/>
+            </a:effectRef>
+            <a:fontRef idx="minor">
+              <a:schemeClr val="lt1"/>
+            </a:fontRef>
+          </p:style>
+          <p:txBody>
+            <a:bodyPr vert="horz" wrap="square" lIns="91440" tIns="45720" rIns="91440" bIns="45720" numCol="1" rtlCol="0" anchor="t" anchorCtr="0" compatLnSpc="1">
+              <a:prstTxWarp prst="textNoShape">
+                <a:avLst/>
+              </a:prstTxWarp>
+              <a:spAutoFit/>
+            </a:bodyPr>
+            <a:lstStyle/>
+            <a:p>
+              <a:pPr marL="0" marR="0" indent="0" algn="ctr" defTabSz="4389438" rtl="0" eaLnBrk="1" fontAlgn="base" latinLnBrk="0" hangingPunct="1">
+                <a:lnSpc>
+                  <a:spcPct val="100000"/>
+                </a:lnSpc>
+                <a:spcBef>
+                  <a:spcPct val="0"/>
+                </a:spcBef>
+                <a:spcAft>
+                  <a:spcPct val="0"/>
+                </a:spcAft>
+                <a:buClrTx/>
+                <a:buSzTx/>
+                <a:buFontTx/>
+                <a:buNone/>
+                <a:tabLst/>
+              </a:pPr>
+              <a:r>
+                <a:rPr kumimoji="0" lang="en-US" sz="2400" b="0" i="0" u="none" strike="noStrike" cap="none" normalizeH="0" baseline="0" dirty="0" smtClean="0">
+                  <a:ln>
+                    <a:noFill/>
+                  </a:ln>
+                  <a:solidFill>
+                    <a:schemeClr val="tx2"/>
+                  </a:solidFill>
+                  <a:effectLst/>
+                  <a:latin typeface="Century Schoolbook" pitchFamily="18" charset="0"/>
+                  <a:cs typeface="Arial" charset="0"/>
+                </a:rPr>
+                <a:t>Camera calibration</a:t>
+              </a:r>
+              <a:endParaRPr kumimoji="0" lang="en-US" sz="2400" b="0" i="0" u="none" strike="noStrike" cap="none" normalizeH="0" baseline="0" dirty="0" smtClean="0">
+                <a:ln>
+                  <a:noFill/>
+                </a:ln>
+                <a:solidFill>
+                  <a:schemeClr val="tx2"/>
+                </a:solidFill>
+                <a:effectLst/>
+                <a:latin typeface="Century Schoolbook" pitchFamily="18" charset="0"/>
+                <a:cs typeface="Arial" charset="0"/>
+              </a:endParaRPr>
+            </a:p>
+          </p:txBody>
+        </p:sp>
+        <p:sp>
+          <p:nvSpPr>
+            <p:cNvPr id="132" name="Rounded Rectangle 131"/>
+            <p:cNvSpPr/>
+            <p:nvPr/>
+          </p:nvSpPr>
+          <p:spPr bwMode="auto">
+            <a:xfrm>
+              <a:off x="15654076" y="16198678"/>
+              <a:ext cx="3567374" cy="510778"/>
+            </a:xfrm>
+            <a:prstGeom prst="roundRect">
+              <a:avLst/>
+            </a:prstGeom>
+            <a:ln>
+              <a:headEnd type="none" w="med" len="med"/>
+              <a:tailEnd type="none" w="med" len="med"/>
+            </a:ln>
+          </p:spPr>
+          <p:style>
+            <a:lnRef idx="0">
+              <a:schemeClr val="accent1"/>
+            </a:lnRef>
+            <a:fillRef idx="3">
+              <a:schemeClr val="accent1"/>
+            </a:fillRef>
+            <a:effectRef idx="3">
+              <a:schemeClr val="accent1"/>
+            </a:effectRef>
+            <a:fontRef idx="minor">
+              <a:schemeClr val="lt1"/>
+            </a:fontRef>
+          </p:style>
+          <p:txBody>
+            <a:bodyPr vert="horz" wrap="square" lIns="91440" tIns="45720" rIns="91440" bIns="45720" numCol="1" rtlCol="0" anchor="t" anchorCtr="0" compatLnSpc="1">
+              <a:prstTxWarp prst="textNoShape">
+                <a:avLst/>
+              </a:prstTxWarp>
+              <a:spAutoFit/>
+            </a:bodyPr>
+            <a:lstStyle/>
+            <a:p>
+              <a:pPr marL="0" marR="0" indent="0" algn="ctr" defTabSz="4389438" rtl="0" eaLnBrk="1" fontAlgn="base" latinLnBrk="0" hangingPunct="1">
+                <a:lnSpc>
+                  <a:spcPct val="100000"/>
+                </a:lnSpc>
+                <a:spcBef>
+                  <a:spcPct val="0"/>
+                </a:spcBef>
+                <a:spcAft>
+                  <a:spcPct val="0"/>
+                </a:spcAft>
+                <a:buClrTx/>
+                <a:buSzTx/>
+                <a:buFontTx/>
+                <a:buNone/>
+                <a:tabLst/>
+              </a:pPr>
+              <a:r>
+                <a:rPr kumimoji="0" lang="en-US" sz="2400" b="0" i="0" u="none" strike="noStrike" cap="none" normalizeH="0" baseline="0" dirty="0" smtClean="0">
+                  <a:ln>
+                    <a:noFill/>
+                  </a:ln>
+                  <a:solidFill>
+                    <a:schemeClr val="tx2"/>
+                  </a:solidFill>
+                  <a:effectLst/>
+                  <a:latin typeface="Century Schoolbook" pitchFamily="18" charset="0"/>
+                  <a:cs typeface="Arial" charset="0"/>
+                </a:rPr>
+                <a:t>Projector calibration</a:t>
+              </a:r>
+              <a:endParaRPr kumimoji="0" lang="en-US" sz="2400" b="0" i="0" u="none" strike="noStrike" cap="none" normalizeH="0" baseline="0" dirty="0" smtClean="0">
+                <a:ln>
+                  <a:noFill/>
+                </a:ln>
+                <a:solidFill>
+                  <a:schemeClr val="tx2"/>
+                </a:solidFill>
+                <a:effectLst/>
+                <a:latin typeface="Century Schoolbook" pitchFamily="18" charset="0"/>
+                <a:cs typeface="Arial" charset="0"/>
+              </a:endParaRPr>
+            </a:p>
+          </p:txBody>
+        </p:sp>
+        <p:sp>
+          <p:nvSpPr>
+            <p:cNvPr id="19" name="TextBox 18"/>
+            <p:cNvSpPr txBox="1"/>
+            <p:nvPr/>
+          </p:nvSpPr>
+          <p:spPr>
+            <a:xfrm>
+              <a:off x="15259050" y="13609748"/>
+              <a:ext cx="4381500" cy="584775"/>
+            </a:xfrm>
+            <a:prstGeom prst="rect">
+              <a:avLst/>
+            </a:prstGeom>
+            <a:noFill/>
+          </p:spPr>
+          <p:txBody>
+            <a:bodyPr wrap="square" rtlCol="0">
+              <a:spAutoFit/>
+            </a:bodyPr>
+            <a:lstStyle/>
+            <a:p>
+              <a:r>
+                <a:rPr lang="en-US" sz="3200" dirty="0" smtClean="0">
+                  <a:latin typeface="Century Schoolbook" pitchFamily="18" charset="0"/>
+                </a:rPr>
+                <a:t>Setup</a:t>
+              </a:r>
+              <a:endParaRPr lang="en-US" sz="3200" dirty="0">
+                <a:latin typeface="Century Schoolbook" pitchFamily="18" charset="0"/>
+              </a:endParaRPr>
+            </a:p>
+          </p:txBody>
+        </p:sp>
+        <p:sp>
+          <p:nvSpPr>
+            <p:cNvPr id="22" name="Isosceles Triangle 21"/>
+            <p:cNvSpPr/>
+            <p:nvPr/>
+          </p:nvSpPr>
+          <p:spPr bwMode="auto">
+            <a:xfrm flipV="1">
+              <a:off x="17025316" y="14968301"/>
+              <a:ext cx="848968" cy="151156"/>
+            </a:xfrm>
+            <a:prstGeom prst="triangle">
+              <a:avLst/>
+            </a:prstGeom>
+            <a:solidFill>
+              <a:srgbClr val="990000"/>
+            </a:solidFill>
+            <a:ln w="127000" cap="flat" cmpd="sng" algn="ctr">
+              <a:noFill/>
+              <a:prstDash val="solid"/>
+              <a:round/>
+              <a:headEnd type="none" w="med" len="med"/>
+              <a:tailEnd type="none" w="med" len="med"/>
+            </a:ln>
+            <a:effectLst/>
+          </p:spPr>
+          <p:txBody>
+            <a:bodyPr vert="horz" wrap="square" lIns="91440" tIns="45720" rIns="91440" bIns="45720" numCol="1" rtlCol="0" anchor="t" anchorCtr="0" compatLnSpc="1">
+              <a:prstTxWarp prst="textNoShape">
+                <a:avLst/>
+              </a:prstTxWarp>
+              <a:spAutoFit/>
+            </a:bodyPr>
+            <a:lstStyle/>
+            <a:p>
+              <a:pPr marL="0" marR="0" indent="0" algn="ctr" defTabSz="4389438" rtl="0" eaLnBrk="1" fontAlgn="base" latinLnBrk="0" hangingPunct="1">
+                <a:lnSpc>
+                  <a:spcPct val="100000"/>
+                </a:lnSpc>
+                <a:spcBef>
+                  <a:spcPct val="0"/>
+                </a:spcBef>
+                <a:spcAft>
+                  <a:spcPct val="0"/>
+                </a:spcAft>
+                <a:buClrTx/>
+                <a:buSzTx/>
+                <a:buFontTx/>
+                <a:buNone/>
+                <a:tabLst/>
+              </a:pPr>
+              <a:endParaRPr kumimoji="0" lang="en-US" sz="8600" b="0" i="0" u="none" strike="noStrike" cap="none" normalizeH="0" baseline="0" smtClean="0">
+                <a:ln>
+                  <a:noFill/>
+                </a:ln>
+                <a:solidFill>
+                  <a:schemeClr val="tx2"/>
+                </a:solidFill>
+                <a:effectLst/>
+                <a:latin typeface="Tahoma" pitchFamily="34" charset="0"/>
+                <a:cs typeface="Arial" charset="0"/>
+              </a:endParaRPr>
+            </a:p>
+          </p:txBody>
+        </p:sp>
+        <p:sp>
+          <p:nvSpPr>
+            <p:cNvPr id="138" name="Isosceles Triangle 137"/>
+            <p:cNvSpPr/>
+            <p:nvPr/>
+          </p:nvSpPr>
+          <p:spPr bwMode="auto">
+            <a:xfrm flipV="1">
+              <a:off x="17025316" y="15896502"/>
+              <a:ext cx="848968" cy="151156"/>
+            </a:xfrm>
+            <a:prstGeom prst="triangle">
+              <a:avLst/>
+            </a:prstGeom>
+            <a:solidFill>
+              <a:srgbClr val="990000"/>
+            </a:solidFill>
+            <a:ln w="127000" cap="flat" cmpd="sng" algn="ctr">
+              <a:noFill/>
+              <a:prstDash val="solid"/>
+              <a:round/>
+              <a:headEnd type="none" w="med" len="med"/>
+              <a:tailEnd type="none" w="med" len="med"/>
+            </a:ln>
+            <a:effectLst/>
+          </p:spPr>
+          <p:txBody>
+            <a:bodyPr vert="horz" wrap="square" lIns="91440" tIns="45720" rIns="91440" bIns="45720" numCol="1" rtlCol="0" anchor="t" anchorCtr="0" compatLnSpc="1">
+              <a:prstTxWarp prst="textNoShape">
+                <a:avLst/>
+              </a:prstTxWarp>
+              <a:spAutoFit/>
+            </a:bodyPr>
+            <a:lstStyle/>
+            <a:p>
+              <a:pPr marL="0" marR="0" indent="0" algn="ctr" defTabSz="4389438" rtl="0" eaLnBrk="1" fontAlgn="base" latinLnBrk="0" hangingPunct="1">
+                <a:lnSpc>
+                  <a:spcPct val="100000"/>
+                </a:lnSpc>
+                <a:spcBef>
+                  <a:spcPct val="0"/>
+                </a:spcBef>
+                <a:spcAft>
+                  <a:spcPct val="0"/>
+                </a:spcAft>
+                <a:buClrTx/>
+                <a:buSzTx/>
+                <a:buFontTx/>
+                <a:buNone/>
+                <a:tabLst/>
+              </a:pPr>
+              <a:endParaRPr kumimoji="0" lang="en-US" sz="8600" b="0" i="0" u="none" strike="noStrike" cap="none" normalizeH="0" baseline="0" smtClean="0">
+                <a:ln>
+                  <a:noFill/>
+                </a:ln>
+                <a:solidFill>
+                  <a:schemeClr val="tx2"/>
+                </a:solidFill>
+                <a:effectLst/>
+                <a:latin typeface="Tahoma" pitchFamily="34" charset="0"/>
+                <a:cs typeface="Arial" charset="0"/>
+              </a:endParaRPr>
+            </a:p>
+          </p:txBody>
+        </p:sp>
+      </p:grpSp>
+      <p:grpSp>
+        <p:nvGrpSpPr>
+          <p:cNvPr id="27" name="Group 26"/>
+          <p:cNvGrpSpPr/>
+          <p:nvPr/>
+        </p:nvGrpSpPr>
+        <p:grpSpPr>
+          <a:xfrm>
+            <a:off x="15259050" y="17993360"/>
+            <a:ext cx="4381500" cy="4189479"/>
+            <a:chOff x="15259050" y="18393410"/>
+            <a:chExt cx="4381500" cy="4189479"/>
+          </a:xfrm>
+        </p:grpSpPr>
+        <p:sp>
+          <p:nvSpPr>
+            <p:cNvPr id="149" name="Rounded Rectangle 148"/>
+            <p:cNvSpPr/>
+            <p:nvPr/>
+          </p:nvSpPr>
+          <p:spPr bwMode="auto">
+            <a:xfrm>
+              <a:off x="15259050" y="18393410"/>
+              <a:ext cx="4381500" cy="4189479"/>
+            </a:xfrm>
+            <a:prstGeom prst="roundRect">
+              <a:avLst/>
+            </a:prstGeom>
+            <a:ln>
+              <a:headEnd type="none" w="med" len="med"/>
+              <a:tailEnd type="none" w="med" len="med"/>
+            </a:ln>
+          </p:spPr>
+          <p:style>
+            <a:lnRef idx="0">
+              <a:schemeClr val="accent3"/>
+            </a:lnRef>
+            <a:fillRef idx="3">
+              <a:schemeClr val="accent3"/>
+            </a:fillRef>
+            <a:effectRef idx="3">
+              <a:schemeClr val="accent3"/>
+            </a:effectRef>
+            <a:fontRef idx="minor">
+              <a:schemeClr val="lt1"/>
+            </a:fontRef>
+          </p:style>
+          <p:txBody>
+            <a:bodyPr vert="horz" wrap="square" lIns="91440" tIns="45720" rIns="91440" bIns="45720" numCol="1" rtlCol="0" anchor="t" anchorCtr="0" compatLnSpc="1">
+              <a:prstTxWarp prst="textNoShape">
+                <a:avLst/>
+              </a:prstTxWarp>
+              <a:spAutoFit/>
+            </a:bodyPr>
+            <a:lstStyle/>
+            <a:p>
+              <a:pPr marL="0" marR="0" indent="0" algn="ctr" defTabSz="4389438" rtl="0" eaLnBrk="1" fontAlgn="base" latinLnBrk="0" hangingPunct="1">
+                <a:lnSpc>
+                  <a:spcPct val="100000"/>
+                </a:lnSpc>
+                <a:spcBef>
+                  <a:spcPct val="0"/>
+                </a:spcBef>
+                <a:spcAft>
+                  <a:spcPct val="0"/>
+                </a:spcAft>
+                <a:buClrTx/>
+                <a:buSzTx/>
+                <a:buFontTx/>
+                <a:buNone/>
+                <a:tabLst/>
+              </a:pPr>
+              <a:endParaRPr kumimoji="0" lang="en-US" sz="8600" b="0" i="0" u="none" strike="noStrike" cap="none" normalizeH="0" baseline="0" smtClean="0">
+                <a:ln>
+                  <a:noFill/>
+                </a:ln>
+                <a:solidFill>
+                  <a:schemeClr val="tx2"/>
+                </a:solidFill>
+                <a:effectLst/>
+                <a:latin typeface="Tahoma" pitchFamily="34" charset="0"/>
+                <a:cs typeface="Arial" charset="0"/>
+              </a:endParaRPr>
+            </a:p>
+          </p:txBody>
+        </p:sp>
+        <p:sp>
+          <p:nvSpPr>
+            <p:cNvPr id="153" name="TextBox 152"/>
+            <p:cNvSpPr txBox="1"/>
+            <p:nvPr/>
+          </p:nvSpPr>
+          <p:spPr>
+            <a:xfrm>
+              <a:off x="15259050" y="18428677"/>
+              <a:ext cx="4381500" cy="694255"/>
+            </a:xfrm>
+            <a:prstGeom prst="rect">
+              <a:avLst/>
+            </a:prstGeom>
+            <a:noFill/>
+          </p:spPr>
+          <p:txBody>
+            <a:bodyPr wrap="square" rtlCol="0">
+              <a:spAutoFit/>
+            </a:bodyPr>
+            <a:lstStyle/>
+            <a:p>
+              <a:r>
+                <a:rPr lang="en-US" sz="3200" dirty="0" smtClean="0">
+                  <a:latin typeface="Century Schoolbook" pitchFamily="18" charset="0"/>
+                </a:rPr>
+                <a:t>Single view</a:t>
+              </a:r>
+              <a:endParaRPr lang="en-US" sz="3200" dirty="0">
+                <a:latin typeface="Century Schoolbook" pitchFamily="18" charset="0"/>
+              </a:endParaRPr>
+            </a:p>
+          </p:txBody>
+        </p:sp>
+        <p:sp>
+          <p:nvSpPr>
+            <p:cNvPr id="150" name="Rounded Rectangle 149"/>
+            <p:cNvSpPr/>
+            <p:nvPr/>
+          </p:nvSpPr>
+          <p:spPr bwMode="auto">
+            <a:xfrm>
+              <a:off x="15654076" y="19107047"/>
+              <a:ext cx="3567374" cy="510778"/>
+            </a:xfrm>
+            <a:prstGeom prst="roundRect">
+              <a:avLst/>
+            </a:prstGeom>
+            <a:ln>
+              <a:headEnd type="none" w="med" len="med"/>
+              <a:tailEnd type="none" w="med" len="med"/>
+            </a:ln>
+          </p:spPr>
+          <p:style>
+            <a:lnRef idx="0">
+              <a:schemeClr val="accent1"/>
+            </a:lnRef>
+            <a:fillRef idx="3">
+              <a:schemeClr val="accent1"/>
+            </a:fillRef>
+            <a:effectRef idx="3">
+              <a:schemeClr val="accent1"/>
+            </a:effectRef>
+            <a:fontRef idx="minor">
+              <a:schemeClr val="lt1"/>
+            </a:fontRef>
+          </p:style>
+          <p:txBody>
+            <a:bodyPr vert="horz" wrap="square" lIns="91440" tIns="45720" rIns="91440" bIns="45720" numCol="1" rtlCol="0" anchor="t" anchorCtr="0" compatLnSpc="1">
+              <a:prstTxWarp prst="textNoShape">
+                <a:avLst/>
+              </a:prstTxWarp>
+              <a:spAutoFit/>
+            </a:bodyPr>
+            <a:lstStyle/>
+            <a:p>
+              <a:pPr marL="0" marR="0" indent="0" algn="ctr" defTabSz="4389438" rtl="0" eaLnBrk="1" fontAlgn="base" latinLnBrk="0" hangingPunct="1">
+                <a:lnSpc>
+                  <a:spcPct val="100000"/>
+                </a:lnSpc>
+                <a:spcBef>
+                  <a:spcPct val="0"/>
+                </a:spcBef>
+                <a:spcAft>
+                  <a:spcPct val="0"/>
+                </a:spcAft>
+                <a:buClrTx/>
+                <a:buSzTx/>
+                <a:buFontTx/>
+                <a:buNone/>
+                <a:tabLst/>
+              </a:pPr>
+              <a:r>
+                <a:rPr kumimoji="0" lang="en-US" sz="2400" b="0" i="0" u="none" strike="noStrike" cap="none" normalizeH="0" baseline="0" dirty="0" smtClean="0">
+                  <a:ln>
+                    <a:noFill/>
+                  </a:ln>
+                  <a:solidFill>
+                    <a:schemeClr val="tx2"/>
+                  </a:solidFill>
+                  <a:effectLst/>
+                  <a:latin typeface="Century Schoolbook" pitchFamily="18" charset="0"/>
+                  <a:cs typeface="Arial" charset="0"/>
+                </a:rPr>
+                <a:t>Data acquisition</a:t>
+              </a:r>
+              <a:endParaRPr kumimoji="0" lang="en-US" sz="2400" b="0" i="0" u="none" strike="noStrike" cap="none" normalizeH="0" baseline="0" dirty="0" smtClean="0">
+                <a:ln>
+                  <a:noFill/>
+                </a:ln>
+                <a:solidFill>
+                  <a:schemeClr val="tx2"/>
+                </a:solidFill>
+                <a:effectLst/>
+                <a:latin typeface="Century Schoolbook" pitchFamily="18" charset="0"/>
+                <a:cs typeface="Arial" charset="0"/>
+              </a:endParaRPr>
+            </a:p>
+          </p:txBody>
+        </p:sp>
+        <p:sp>
+          <p:nvSpPr>
+            <p:cNvPr id="151" name="Rounded Rectangle 150"/>
+            <p:cNvSpPr/>
+            <p:nvPr/>
+          </p:nvSpPr>
+          <p:spPr bwMode="auto">
+            <a:xfrm>
+              <a:off x="15654076" y="20086217"/>
+              <a:ext cx="3567374" cy="919401"/>
+            </a:xfrm>
+            <a:prstGeom prst="roundRect">
+              <a:avLst/>
+            </a:prstGeom>
+            <a:ln>
+              <a:headEnd type="none" w="med" len="med"/>
+              <a:tailEnd type="none" w="med" len="med"/>
+            </a:ln>
+          </p:spPr>
+          <p:style>
+            <a:lnRef idx="0">
+              <a:schemeClr val="accent1"/>
+            </a:lnRef>
+            <a:fillRef idx="3">
+              <a:schemeClr val="accent1"/>
+            </a:fillRef>
+            <a:effectRef idx="3">
+              <a:schemeClr val="accent1"/>
+            </a:effectRef>
+            <a:fontRef idx="minor">
+              <a:schemeClr val="lt1"/>
+            </a:fontRef>
+          </p:style>
+          <p:txBody>
+            <a:bodyPr vert="horz" wrap="square" lIns="91440" tIns="45720" rIns="91440" bIns="45720" numCol="1" rtlCol="0" anchor="t" anchorCtr="0" compatLnSpc="1">
+              <a:prstTxWarp prst="textNoShape">
+                <a:avLst/>
+              </a:prstTxWarp>
+              <a:spAutoFit/>
+            </a:bodyPr>
+            <a:lstStyle/>
+            <a:p>
+              <a:pPr marL="0" marR="0" indent="0" algn="ctr" defTabSz="4389438" rtl="0" eaLnBrk="1" fontAlgn="base" latinLnBrk="0" hangingPunct="1">
+                <a:lnSpc>
+                  <a:spcPct val="100000"/>
+                </a:lnSpc>
+                <a:spcBef>
+                  <a:spcPct val="0"/>
+                </a:spcBef>
+                <a:spcAft>
+                  <a:spcPct val="0"/>
+                </a:spcAft>
+                <a:buClrTx/>
+                <a:buSzTx/>
+                <a:buFontTx/>
+                <a:buNone/>
+                <a:tabLst/>
+              </a:pPr>
+              <a:r>
+                <a:rPr kumimoji="0" lang="en-US" sz="2400" b="0" i="0" u="none" strike="noStrike" cap="none" normalizeH="0" baseline="0" dirty="0" smtClean="0">
+                  <a:ln>
+                    <a:noFill/>
+                  </a:ln>
+                  <a:solidFill>
+                    <a:schemeClr val="tx2"/>
+                  </a:solidFill>
+                  <a:effectLst/>
+                  <a:latin typeface="Century Schoolbook" pitchFamily="18" charset="0"/>
+                  <a:cs typeface="Arial" charset="0"/>
+                </a:rPr>
+                <a:t>Decoding and triangulation</a:t>
+              </a:r>
+              <a:endParaRPr kumimoji="0" lang="en-US" sz="2400" b="0" i="0" u="none" strike="noStrike" cap="none" normalizeH="0" baseline="0" dirty="0" smtClean="0">
+                <a:ln>
+                  <a:noFill/>
+                </a:ln>
+                <a:solidFill>
+                  <a:schemeClr val="tx2"/>
+                </a:solidFill>
+                <a:effectLst/>
+                <a:latin typeface="Century Schoolbook" pitchFamily="18" charset="0"/>
+                <a:cs typeface="Arial" charset="0"/>
+              </a:endParaRPr>
+            </a:p>
+          </p:txBody>
+        </p:sp>
+        <p:sp>
+          <p:nvSpPr>
+            <p:cNvPr id="152" name="Rounded Rectangle 151"/>
+            <p:cNvSpPr/>
+            <p:nvPr/>
+          </p:nvSpPr>
+          <p:spPr bwMode="auto">
+            <a:xfrm>
+              <a:off x="15654076" y="21507347"/>
+              <a:ext cx="3567374" cy="510778"/>
+            </a:xfrm>
+            <a:prstGeom prst="roundRect">
+              <a:avLst/>
+            </a:prstGeom>
+            <a:ln>
+              <a:headEnd type="none" w="med" len="med"/>
+              <a:tailEnd type="none" w="med" len="med"/>
+            </a:ln>
+          </p:spPr>
+          <p:style>
+            <a:lnRef idx="0">
+              <a:schemeClr val="accent1"/>
+            </a:lnRef>
+            <a:fillRef idx="3">
+              <a:schemeClr val="accent1"/>
+            </a:fillRef>
+            <a:effectRef idx="3">
+              <a:schemeClr val="accent1"/>
+            </a:effectRef>
+            <a:fontRef idx="minor">
+              <a:schemeClr val="lt1"/>
+            </a:fontRef>
+          </p:style>
+          <p:txBody>
+            <a:bodyPr vert="horz" wrap="square" lIns="91440" tIns="45720" rIns="91440" bIns="45720" numCol="1" rtlCol="0" anchor="t" anchorCtr="0" compatLnSpc="1">
+              <a:prstTxWarp prst="textNoShape">
+                <a:avLst/>
+              </a:prstTxWarp>
+              <a:spAutoFit/>
+            </a:bodyPr>
+            <a:lstStyle/>
+            <a:p>
+              <a:pPr marL="0" marR="0" indent="0" algn="ctr" defTabSz="4389438" rtl="0" eaLnBrk="1" fontAlgn="base" latinLnBrk="0" hangingPunct="1">
+                <a:lnSpc>
+                  <a:spcPct val="100000"/>
+                </a:lnSpc>
+                <a:spcBef>
+                  <a:spcPct val="0"/>
+                </a:spcBef>
+                <a:spcAft>
+                  <a:spcPct val="0"/>
+                </a:spcAft>
+                <a:buClrTx/>
+                <a:buSzTx/>
+                <a:buFontTx/>
+                <a:buNone/>
+                <a:tabLst/>
+              </a:pPr>
+              <a:r>
+                <a:rPr kumimoji="0" lang="en-US" sz="2400" b="0" i="0" u="none" strike="noStrike" cap="none" normalizeH="0" baseline="0" dirty="0" smtClean="0">
+                  <a:ln>
+                    <a:noFill/>
+                  </a:ln>
+                  <a:solidFill>
+                    <a:schemeClr val="tx2"/>
+                  </a:solidFill>
+                  <a:effectLst/>
+                  <a:latin typeface="Century Schoolbook" pitchFamily="18" charset="0"/>
+                  <a:cs typeface="Arial" charset="0"/>
+                </a:rPr>
+                <a:t>Point cloud</a:t>
+              </a:r>
+              <a:endParaRPr kumimoji="0" lang="en-US" sz="2400" b="0" i="0" u="none" strike="noStrike" cap="none" normalizeH="0" baseline="0" dirty="0" smtClean="0">
+                <a:ln>
+                  <a:noFill/>
+                </a:ln>
+                <a:solidFill>
+                  <a:schemeClr val="tx2"/>
+                </a:solidFill>
+                <a:effectLst/>
+                <a:latin typeface="Century Schoolbook" pitchFamily="18" charset="0"/>
+                <a:cs typeface="Arial" charset="0"/>
+              </a:endParaRPr>
+            </a:p>
+          </p:txBody>
+        </p:sp>
+        <p:sp>
+          <p:nvSpPr>
+            <p:cNvPr id="154" name="Isosceles Triangle 153"/>
+            <p:cNvSpPr/>
+            <p:nvPr/>
+          </p:nvSpPr>
+          <p:spPr bwMode="auto">
+            <a:xfrm flipV="1">
+              <a:off x="17025316" y="19819770"/>
+              <a:ext cx="848968" cy="151156"/>
+            </a:xfrm>
+            <a:prstGeom prst="triangle">
+              <a:avLst/>
+            </a:prstGeom>
+            <a:solidFill>
+              <a:srgbClr val="990000"/>
+            </a:solidFill>
+            <a:ln w="127000" cap="flat" cmpd="sng" algn="ctr">
+              <a:noFill/>
+              <a:prstDash val="solid"/>
+              <a:round/>
+              <a:headEnd type="none" w="med" len="med"/>
+              <a:tailEnd type="none" w="med" len="med"/>
+            </a:ln>
+            <a:effectLst/>
+          </p:spPr>
+          <p:txBody>
+            <a:bodyPr vert="horz" wrap="square" lIns="91440" tIns="45720" rIns="91440" bIns="45720" numCol="1" rtlCol="0" anchor="t" anchorCtr="0" compatLnSpc="1">
+              <a:prstTxWarp prst="textNoShape">
+                <a:avLst/>
+              </a:prstTxWarp>
+              <a:spAutoFit/>
+            </a:bodyPr>
+            <a:lstStyle/>
+            <a:p>
+              <a:pPr marL="0" marR="0" indent="0" algn="ctr" defTabSz="4389438" rtl="0" eaLnBrk="1" fontAlgn="base" latinLnBrk="0" hangingPunct="1">
+                <a:lnSpc>
+                  <a:spcPct val="100000"/>
+                </a:lnSpc>
+                <a:spcBef>
+                  <a:spcPct val="0"/>
+                </a:spcBef>
+                <a:spcAft>
+                  <a:spcPct val="0"/>
+                </a:spcAft>
+                <a:buClrTx/>
+                <a:buSzTx/>
+                <a:buFontTx/>
+                <a:buNone/>
+                <a:tabLst/>
+              </a:pPr>
+              <a:endParaRPr kumimoji="0" lang="en-US" sz="8600" b="0" i="0" u="none" strike="noStrike" cap="none" normalizeH="0" baseline="0" smtClean="0">
+                <a:ln>
+                  <a:noFill/>
+                </a:ln>
+                <a:solidFill>
+                  <a:schemeClr val="tx2"/>
+                </a:solidFill>
+                <a:effectLst/>
+                <a:latin typeface="Tahoma" pitchFamily="34" charset="0"/>
+                <a:cs typeface="Arial" charset="0"/>
+              </a:endParaRPr>
+            </a:p>
+          </p:txBody>
+        </p:sp>
+        <p:sp>
+          <p:nvSpPr>
+            <p:cNvPr id="155" name="Isosceles Triangle 154"/>
+            <p:cNvSpPr/>
+            <p:nvPr/>
+          </p:nvSpPr>
+          <p:spPr bwMode="auto">
+            <a:xfrm flipV="1">
+              <a:off x="17025316" y="21167071"/>
+              <a:ext cx="848968" cy="151156"/>
+            </a:xfrm>
+            <a:prstGeom prst="triangle">
+              <a:avLst/>
+            </a:prstGeom>
+            <a:solidFill>
+              <a:srgbClr val="990000"/>
+            </a:solidFill>
+            <a:ln w="127000" cap="flat" cmpd="sng" algn="ctr">
+              <a:noFill/>
+              <a:prstDash val="solid"/>
+              <a:round/>
+              <a:headEnd type="none" w="med" len="med"/>
+              <a:tailEnd type="none" w="med" len="med"/>
+            </a:ln>
+            <a:effectLst/>
+          </p:spPr>
+          <p:txBody>
+            <a:bodyPr vert="horz" wrap="square" lIns="91440" tIns="45720" rIns="91440" bIns="45720" numCol="1" rtlCol="0" anchor="t" anchorCtr="0" compatLnSpc="1">
+              <a:prstTxWarp prst="textNoShape">
+                <a:avLst/>
+              </a:prstTxWarp>
+              <a:spAutoFit/>
+            </a:bodyPr>
+            <a:lstStyle/>
+            <a:p>
+              <a:pPr marL="0" marR="0" indent="0" algn="ctr" defTabSz="4389438" rtl="0" eaLnBrk="1" fontAlgn="base" latinLnBrk="0" hangingPunct="1">
+                <a:lnSpc>
+                  <a:spcPct val="100000"/>
+                </a:lnSpc>
+                <a:spcBef>
+                  <a:spcPct val="0"/>
+                </a:spcBef>
+                <a:spcAft>
+                  <a:spcPct val="0"/>
+                </a:spcAft>
+                <a:buClrTx/>
+                <a:buSzTx/>
+                <a:buFontTx/>
+                <a:buNone/>
+                <a:tabLst/>
+              </a:pPr>
+              <a:endParaRPr kumimoji="0" lang="en-US" sz="8600" b="0" i="0" u="none" strike="noStrike" cap="none" normalizeH="0" baseline="0" smtClean="0">
+                <a:ln>
+                  <a:noFill/>
+                </a:ln>
+                <a:solidFill>
+                  <a:schemeClr val="tx2"/>
+                </a:solidFill>
+                <a:effectLst/>
+                <a:latin typeface="Tahoma" pitchFamily="34" charset="0"/>
+                <a:cs typeface="Arial" charset="0"/>
+              </a:endParaRPr>
+            </a:p>
+          </p:txBody>
+        </p:sp>
+      </p:grpSp>
+      <p:grpSp>
+        <p:nvGrpSpPr>
+          <p:cNvPr id="158" name="Group 157"/>
+          <p:cNvGrpSpPr/>
+          <p:nvPr/>
+        </p:nvGrpSpPr>
+        <p:grpSpPr>
+          <a:xfrm>
+            <a:off x="20573093" y="17954171"/>
+            <a:ext cx="4381500" cy="4189479"/>
+            <a:chOff x="15259050" y="18393410"/>
+            <a:chExt cx="4381500" cy="4189479"/>
+          </a:xfrm>
+        </p:grpSpPr>
+        <p:sp>
+          <p:nvSpPr>
+            <p:cNvPr id="159" name="Rounded Rectangle 158"/>
+            <p:cNvSpPr/>
+            <p:nvPr/>
+          </p:nvSpPr>
+          <p:spPr bwMode="auto">
+            <a:xfrm>
+              <a:off x="15259050" y="18393410"/>
+              <a:ext cx="4381500" cy="4189479"/>
+            </a:xfrm>
+            <a:prstGeom prst="roundRect">
+              <a:avLst/>
+            </a:prstGeom>
+            <a:ln>
+              <a:headEnd type="none" w="med" len="med"/>
+              <a:tailEnd type="none" w="med" len="med"/>
+            </a:ln>
+          </p:spPr>
+          <p:style>
+            <a:lnRef idx="0">
+              <a:schemeClr val="accent3"/>
+            </a:lnRef>
+            <a:fillRef idx="3">
+              <a:schemeClr val="accent3"/>
+            </a:fillRef>
+            <a:effectRef idx="3">
+              <a:schemeClr val="accent3"/>
+            </a:effectRef>
+            <a:fontRef idx="minor">
+              <a:schemeClr val="lt1"/>
+            </a:fontRef>
+          </p:style>
+          <p:txBody>
+            <a:bodyPr vert="horz" wrap="square" lIns="91440" tIns="45720" rIns="91440" bIns="45720" numCol="1" rtlCol="0" anchor="t" anchorCtr="0" compatLnSpc="1">
+              <a:prstTxWarp prst="textNoShape">
+                <a:avLst/>
+              </a:prstTxWarp>
+              <a:spAutoFit/>
+            </a:bodyPr>
+            <a:lstStyle/>
+            <a:p>
+              <a:pPr marL="0" marR="0" indent="0" algn="ctr" defTabSz="4389438" rtl="0" eaLnBrk="1" fontAlgn="base" latinLnBrk="0" hangingPunct="1">
+                <a:lnSpc>
+                  <a:spcPct val="100000"/>
+                </a:lnSpc>
+                <a:spcBef>
+                  <a:spcPct val="0"/>
+                </a:spcBef>
+                <a:spcAft>
+                  <a:spcPct val="0"/>
+                </a:spcAft>
+                <a:buClrTx/>
+                <a:buSzTx/>
+                <a:buFontTx/>
+                <a:buNone/>
+                <a:tabLst/>
+              </a:pPr>
+              <a:endParaRPr kumimoji="0" lang="en-US" sz="8600" b="0" i="0" u="none" strike="noStrike" cap="none" normalizeH="0" baseline="0" smtClean="0">
+                <a:ln>
+                  <a:noFill/>
+                </a:ln>
+                <a:solidFill>
+                  <a:schemeClr val="tx2"/>
+                </a:solidFill>
+                <a:effectLst/>
+                <a:latin typeface="Tahoma" pitchFamily="34" charset="0"/>
+                <a:cs typeface="Arial" charset="0"/>
+              </a:endParaRPr>
+            </a:p>
+          </p:txBody>
+        </p:sp>
+        <p:sp>
+          <p:nvSpPr>
+            <p:cNvPr id="160" name="TextBox 159"/>
+            <p:cNvSpPr txBox="1"/>
+            <p:nvPr/>
+          </p:nvSpPr>
+          <p:spPr>
+            <a:xfrm>
+              <a:off x="15259050" y="18428677"/>
+              <a:ext cx="4381500" cy="584775"/>
+            </a:xfrm>
+            <a:prstGeom prst="rect">
+              <a:avLst/>
+            </a:prstGeom>
+            <a:noFill/>
+          </p:spPr>
+          <p:txBody>
+            <a:bodyPr wrap="square" rtlCol="0">
+              <a:spAutoFit/>
+            </a:bodyPr>
+            <a:lstStyle/>
+            <a:p>
+              <a:r>
+                <a:rPr lang="en-US" sz="3200" dirty="0" smtClean="0">
+                  <a:latin typeface="Century Schoolbook" pitchFamily="18" charset="0"/>
+                </a:rPr>
+                <a:t>Combine views</a:t>
+              </a:r>
+              <a:endParaRPr lang="en-US" sz="3200" dirty="0">
+                <a:latin typeface="Century Schoolbook" pitchFamily="18" charset="0"/>
+              </a:endParaRPr>
+            </a:p>
+          </p:txBody>
+        </p:sp>
+        <p:sp>
+          <p:nvSpPr>
+            <p:cNvPr id="161" name="Rounded Rectangle 160"/>
+            <p:cNvSpPr/>
+            <p:nvPr/>
+          </p:nvSpPr>
+          <p:spPr bwMode="auto">
+            <a:xfrm>
+              <a:off x="15654076" y="19107047"/>
+              <a:ext cx="3567374" cy="510778"/>
+            </a:xfrm>
+            <a:prstGeom prst="roundRect">
+              <a:avLst/>
+            </a:prstGeom>
+            <a:ln>
+              <a:headEnd type="none" w="med" len="med"/>
+              <a:tailEnd type="none" w="med" len="med"/>
+            </a:ln>
+          </p:spPr>
+          <p:style>
+            <a:lnRef idx="0">
+              <a:schemeClr val="accent1"/>
+            </a:lnRef>
+            <a:fillRef idx="3">
+              <a:schemeClr val="accent1"/>
+            </a:fillRef>
+            <a:effectRef idx="3">
+              <a:schemeClr val="accent1"/>
+            </a:effectRef>
+            <a:fontRef idx="minor">
+              <a:schemeClr val="lt1"/>
+            </a:fontRef>
+          </p:style>
+          <p:txBody>
+            <a:bodyPr vert="horz" wrap="square" lIns="91440" tIns="45720" rIns="91440" bIns="45720" numCol="1" rtlCol="0" anchor="t" anchorCtr="0" compatLnSpc="1">
+              <a:prstTxWarp prst="textNoShape">
+                <a:avLst/>
+              </a:prstTxWarp>
+              <a:spAutoFit/>
+            </a:bodyPr>
+            <a:lstStyle/>
+            <a:p>
+              <a:pPr marL="0" marR="0" indent="0" algn="ctr" defTabSz="4389438" rtl="0" eaLnBrk="1" fontAlgn="base" latinLnBrk="0" hangingPunct="1">
+                <a:lnSpc>
+                  <a:spcPct val="100000"/>
+                </a:lnSpc>
+                <a:spcBef>
+                  <a:spcPct val="0"/>
+                </a:spcBef>
+                <a:spcAft>
+                  <a:spcPct val="0"/>
+                </a:spcAft>
+                <a:buClrTx/>
+                <a:buSzTx/>
+                <a:buFontTx/>
+                <a:buNone/>
+                <a:tabLst/>
+              </a:pPr>
+              <a:r>
+                <a:rPr kumimoji="0" lang="en-US" sz="2400" b="0" i="0" u="none" strike="noStrike" cap="none" normalizeH="0" baseline="0" dirty="0" smtClean="0">
+                  <a:ln>
+                    <a:noFill/>
+                  </a:ln>
+                  <a:solidFill>
+                    <a:schemeClr val="tx2"/>
+                  </a:solidFill>
+                  <a:effectLst/>
+                  <a:latin typeface="Century Schoolbook" pitchFamily="18" charset="0"/>
+                  <a:cs typeface="Arial" charset="0"/>
+                </a:rPr>
+                <a:t>Reposition object</a:t>
+              </a:r>
+              <a:endParaRPr kumimoji="0" lang="en-US" sz="2400" b="0" i="0" u="none" strike="noStrike" cap="none" normalizeH="0" baseline="0" dirty="0" smtClean="0">
+                <a:ln>
+                  <a:noFill/>
+                </a:ln>
+                <a:solidFill>
+                  <a:schemeClr val="tx2"/>
+                </a:solidFill>
+                <a:effectLst/>
+                <a:latin typeface="Century Schoolbook" pitchFamily="18" charset="0"/>
+                <a:cs typeface="Arial" charset="0"/>
+              </a:endParaRPr>
+            </a:p>
+          </p:txBody>
+        </p:sp>
+        <p:sp>
+          <p:nvSpPr>
+            <p:cNvPr id="162" name="Rounded Rectangle 161"/>
+            <p:cNvSpPr/>
+            <p:nvPr/>
+          </p:nvSpPr>
+          <p:spPr bwMode="auto">
+            <a:xfrm>
+              <a:off x="15654076" y="20086217"/>
+              <a:ext cx="3567374" cy="919401"/>
+            </a:xfrm>
+            <a:prstGeom prst="roundRect">
+              <a:avLst/>
+            </a:prstGeom>
+            <a:ln>
+              <a:headEnd type="none" w="med" len="med"/>
+              <a:tailEnd type="none" w="med" len="med"/>
+            </a:ln>
+          </p:spPr>
+          <p:style>
+            <a:lnRef idx="0">
+              <a:schemeClr val="accent1"/>
+            </a:lnRef>
+            <a:fillRef idx="3">
+              <a:schemeClr val="accent1"/>
+            </a:fillRef>
+            <a:effectRef idx="3">
+              <a:schemeClr val="accent1"/>
+            </a:effectRef>
+            <a:fontRef idx="minor">
+              <a:schemeClr val="lt1"/>
+            </a:fontRef>
+          </p:style>
+          <p:txBody>
+            <a:bodyPr vert="horz" wrap="square" lIns="91440" tIns="45720" rIns="91440" bIns="45720" numCol="1" rtlCol="0" anchor="t" anchorCtr="0" compatLnSpc="1">
+              <a:prstTxWarp prst="textNoShape">
+                <a:avLst/>
+              </a:prstTxWarp>
+              <a:spAutoFit/>
+            </a:bodyPr>
+            <a:lstStyle/>
+            <a:p>
+              <a:pPr marL="0" marR="0" indent="0" algn="ctr" defTabSz="4389438" rtl="0" eaLnBrk="1" fontAlgn="base" latinLnBrk="0" hangingPunct="1">
+                <a:lnSpc>
+                  <a:spcPct val="100000"/>
+                </a:lnSpc>
+                <a:spcBef>
+                  <a:spcPct val="0"/>
+                </a:spcBef>
+                <a:spcAft>
+                  <a:spcPct val="0"/>
+                </a:spcAft>
+                <a:buClrTx/>
+                <a:buSzTx/>
+                <a:buFontTx/>
+                <a:buNone/>
+                <a:tabLst/>
+              </a:pPr>
+              <a:r>
+                <a:rPr kumimoji="0" lang="en-US" sz="2400" b="0" i="0" u="none" strike="noStrike" cap="none" normalizeH="0" baseline="0" dirty="0" smtClean="0">
+                  <a:ln>
+                    <a:noFill/>
+                  </a:ln>
+                  <a:solidFill>
+                    <a:schemeClr val="tx2"/>
+                  </a:solidFill>
+                  <a:effectLst/>
+                  <a:latin typeface="Century Schoolbook" pitchFamily="18" charset="0"/>
+                  <a:cs typeface="Arial" charset="0"/>
+                </a:rPr>
+                <a:t>Calculate new orientation</a:t>
+              </a:r>
+              <a:endParaRPr kumimoji="0" lang="en-US" sz="2400" b="0" i="0" u="none" strike="noStrike" cap="none" normalizeH="0" baseline="0" dirty="0" smtClean="0">
+                <a:ln>
+                  <a:noFill/>
+                </a:ln>
+                <a:solidFill>
+                  <a:schemeClr val="tx2"/>
+                </a:solidFill>
+                <a:effectLst/>
+                <a:latin typeface="Century Schoolbook" pitchFamily="18" charset="0"/>
+                <a:cs typeface="Arial" charset="0"/>
+              </a:endParaRPr>
+            </a:p>
+          </p:txBody>
+        </p:sp>
+        <p:sp>
+          <p:nvSpPr>
+            <p:cNvPr id="163" name="Rounded Rectangle 162"/>
+            <p:cNvSpPr/>
+            <p:nvPr/>
+          </p:nvSpPr>
+          <p:spPr bwMode="auto">
+            <a:xfrm>
+              <a:off x="15654076" y="21507347"/>
+              <a:ext cx="3567374" cy="510778"/>
+            </a:xfrm>
+            <a:prstGeom prst="roundRect">
+              <a:avLst/>
+            </a:prstGeom>
+            <a:ln>
+              <a:headEnd type="none" w="med" len="med"/>
+              <a:tailEnd type="none" w="med" len="med"/>
+            </a:ln>
+          </p:spPr>
+          <p:style>
+            <a:lnRef idx="0">
+              <a:schemeClr val="accent1"/>
+            </a:lnRef>
+            <a:fillRef idx="3">
+              <a:schemeClr val="accent1"/>
+            </a:fillRef>
+            <a:effectRef idx="3">
+              <a:schemeClr val="accent1"/>
+            </a:effectRef>
+            <a:fontRef idx="minor">
+              <a:schemeClr val="lt1"/>
+            </a:fontRef>
+          </p:style>
+          <p:txBody>
+            <a:bodyPr vert="horz" wrap="square" lIns="91440" tIns="45720" rIns="91440" bIns="45720" numCol="1" rtlCol="0" anchor="t" anchorCtr="0" compatLnSpc="1">
+              <a:prstTxWarp prst="textNoShape">
+                <a:avLst/>
+              </a:prstTxWarp>
+              <a:spAutoFit/>
+            </a:bodyPr>
+            <a:lstStyle/>
+            <a:p>
+              <a:pPr marL="0" marR="0" indent="0" algn="ctr" defTabSz="4389438" rtl="0" eaLnBrk="1" fontAlgn="base" latinLnBrk="0" hangingPunct="1">
+                <a:lnSpc>
+                  <a:spcPct val="100000"/>
+                </a:lnSpc>
+                <a:spcBef>
+                  <a:spcPct val="0"/>
+                </a:spcBef>
+                <a:spcAft>
+                  <a:spcPct val="0"/>
+                </a:spcAft>
+                <a:buClrTx/>
+                <a:buSzTx/>
+                <a:buFontTx/>
+                <a:buNone/>
+                <a:tabLst/>
+              </a:pPr>
+              <a:r>
+                <a:rPr kumimoji="0" lang="en-US" sz="2400" b="0" i="0" u="none" strike="noStrike" cap="none" normalizeH="0" baseline="0" dirty="0" smtClean="0">
+                  <a:ln>
+                    <a:noFill/>
+                  </a:ln>
+                  <a:solidFill>
+                    <a:schemeClr val="tx2"/>
+                  </a:solidFill>
+                  <a:effectLst/>
+                  <a:latin typeface="Century Schoolbook" pitchFamily="18" charset="0"/>
+                  <a:cs typeface="Arial" charset="0"/>
+                </a:rPr>
+                <a:t>Align point clouds</a:t>
+              </a:r>
+              <a:endParaRPr kumimoji="0" lang="en-US" sz="2400" b="0" i="0" u="none" strike="noStrike" cap="none" normalizeH="0" baseline="0" dirty="0" smtClean="0">
+                <a:ln>
+                  <a:noFill/>
+                </a:ln>
+                <a:solidFill>
+                  <a:schemeClr val="tx2"/>
+                </a:solidFill>
+                <a:effectLst/>
+                <a:latin typeface="Century Schoolbook" pitchFamily="18" charset="0"/>
+                <a:cs typeface="Arial" charset="0"/>
+              </a:endParaRPr>
+            </a:p>
+          </p:txBody>
+        </p:sp>
+        <p:sp>
+          <p:nvSpPr>
+            <p:cNvPr id="164" name="Isosceles Triangle 163"/>
+            <p:cNvSpPr/>
+            <p:nvPr/>
+          </p:nvSpPr>
+          <p:spPr bwMode="auto">
+            <a:xfrm flipV="1">
+              <a:off x="17025316" y="19819770"/>
+              <a:ext cx="848968" cy="151156"/>
+            </a:xfrm>
+            <a:prstGeom prst="triangle">
+              <a:avLst/>
+            </a:prstGeom>
+            <a:solidFill>
+              <a:srgbClr val="990000"/>
+            </a:solidFill>
+            <a:ln w="127000" cap="flat" cmpd="sng" algn="ctr">
+              <a:noFill/>
+              <a:prstDash val="solid"/>
+              <a:round/>
+              <a:headEnd type="none" w="med" len="med"/>
+              <a:tailEnd type="none" w="med" len="med"/>
+            </a:ln>
+            <a:effectLst/>
+          </p:spPr>
+          <p:txBody>
+            <a:bodyPr vert="horz" wrap="square" lIns="91440" tIns="45720" rIns="91440" bIns="45720" numCol="1" rtlCol="0" anchor="t" anchorCtr="0" compatLnSpc="1">
+              <a:prstTxWarp prst="textNoShape">
+                <a:avLst/>
+              </a:prstTxWarp>
+              <a:spAutoFit/>
+            </a:bodyPr>
+            <a:lstStyle/>
+            <a:p>
+              <a:pPr marL="0" marR="0" indent="0" algn="ctr" defTabSz="4389438" rtl="0" eaLnBrk="1" fontAlgn="base" latinLnBrk="0" hangingPunct="1">
+                <a:lnSpc>
+                  <a:spcPct val="100000"/>
+                </a:lnSpc>
+                <a:spcBef>
+                  <a:spcPct val="0"/>
+                </a:spcBef>
+                <a:spcAft>
+                  <a:spcPct val="0"/>
+                </a:spcAft>
+                <a:buClrTx/>
+                <a:buSzTx/>
+                <a:buFontTx/>
+                <a:buNone/>
+                <a:tabLst/>
+              </a:pPr>
+              <a:endParaRPr kumimoji="0" lang="en-US" sz="8600" b="0" i="0" u="none" strike="noStrike" cap="none" normalizeH="0" baseline="0" smtClean="0">
+                <a:ln>
+                  <a:noFill/>
+                </a:ln>
+                <a:solidFill>
+                  <a:schemeClr val="tx2"/>
+                </a:solidFill>
+                <a:effectLst/>
+                <a:latin typeface="Tahoma" pitchFamily="34" charset="0"/>
+                <a:cs typeface="Arial" charset="0"/>
+              </a:endParaRPr>
+            </a:p>
+          </p:txBody>
+        </p:sp>
+        <p:sp>
+          <p:nvSpPr>
+            <p:cNvPr id="165" name="Isosceles Triangle 164"/>
+            <p:cNvSpPr/>
+            <p:nvPr/>
+          </p:nvSpPr>
+          <p:spPr bwMode="auto">
+            <a:xfrm flipV="1">
+              <a:off x="17025316" y="21167071"/>
+              <a:ext cx="848968" cy="151156"/>
+            </a:xfrm>
+            <a:prstGeom prst="triangle">
+              <a:avLst/>
+            </a:prstGeom>
+            <a:solidFill>
+              <a:srgbClr val="990000"/>
+            </a:solidFill>
+            <a:ln w="127000" cap="flat" cmpd="sng" algn="ctr">
+              <a:noFill/>
+              <a:prstDash val="solid"/>
+              <a:round/>
+              <a:headEnd type="none" w="med" len="med"/>
+              <a:tailEnd type="none" w="med" len="med"/>
+            </a:ln>
+            <a:effectLst/>
+          </p:spPr>
+          <p:txBody>
+            <a:bodyPr vert="horz" wrap="square" lIns="91440" tIns="45720" rIns="91440" bIns="45720" numCol="1" rtlCol="0" anchor="t" anchorCtr="0" compatLnSpc="1">
+              <a:prstTxWarp prst="textNoShape">
+                <a:avLst/>
+              </a:prstTxWarp>
+              <a:spAutoFit/>
+            </a:bodyPr>
+            <a:lstStyle/>
+            <a:p>
+              <a:pPr marL="0" marR="0" indent="0" algn="ctr" defTabSz="4389438" rtl="0" eaLnBrk="1" fontAlgn="base" latinLnBrk="0" hangingPunct="1">
+                <a:lnSpc>
+                  <a:spcPct val="100000"/>
+                </a:lnSpc>
+                <a:spcBef>
+                  <a:spcPct val="0"/>
+                </a:spcBef>
+                <a:spcAft>
+                  <a:spcPct val="0"/>
+                </a:spcAft>
+                <a:buClrTx/>
+                <a:buSzTx/>
+                <a:buFontTx/>
+                <a:buNone/>
+                <a:tabLst/>
+              </a:pPr>
+              <a:endParaRPr kumimoji="0" lang="en-US" sz="8600" b="0" i="0" u="none" strike="noStrike" cap="none" normalizeH="0" baseline="0" smtClean="0">
+                <a:ln>
+                  <a:noFill/>
+                </a:ln>
+                <a:solidFill>
+                  <a:schemeClr val="tx2"/>
+                </a:solidFill>
+                <a:effectLst/>
+                <a:latin typeface="Tahoma" pitchFamily="34" charset="0"/>
+                <a:cs typeface="Arial" charset="0"/>
+              </a:endParaRPr>
+            </a:p>
+          </p:txBody>
+        </p:sp>
+      </p:grpSp>
+      <p:sp>
+        <p:nvSpPr>
+          <p:cNvPr id="166" name="Right Arrow 165"/>
+          <p:cNvSpPr/>
+          <p:nvPr/>
+        </p:nvSpPr>
+        <p:spPr bwMode="auto">
+          <a:xfrm rot="10800000">
+            <a:off x="19884658" y="20407304"/>
+            <a:ext cx="379130" cy="688462"/>
+          </a:xfrm>
+          <a:prstGeom prst="rightArrow">
+            <a:avLst>
+              <a:gd name="adj1" fmla="val 50000"/>
+              <a:gd name="adj2" fmla="val 70964"/>
+            </a:avLst>
+          </a:prstGeom>
+          <a:solidFill>
+            <a:srgbClr val="990000"/>
+          </a:solidFill>
+          <a:ln w="127000" cap="flat" cmpd="sng" algn="ctr">
+            <a:noFill/>
+            <a:prstDash val="solid"/>
+            <a:round/>
+            <a:headEnd type="none" w="med" len="med"/>
+            <a:tailEnd type="none" w="med" len="med"/>
+          </a:ln>
+          <a:effectLst/>
+        </p:spPr>
+        <p:txBody>
+          <a:bodyPr vert="horz" wrap="square" lIns="91440" tIns="45720" rIns="91440" bIns="45720" numCol="1" rtlCol="0" anchor="t" anchorCtr="0" compatLnSpc="1">
+            <a:prstTxWarp prst="textNoShape">
+              <a:avLst/>
+            </a:prstTxWarp>
+            <a:spAutoFit/>
+          </a:bodyPr>
+          <a:lstStyle/>
+          <a:p>
+            <a:pPr marL="0" marR="0" indent="0" algn="ctr" defTabSz="4389438" rtl="0" eaLnBrk="1" fontAlgn="base" latinLnBrk="0" hangingPunct="1">
+              <a:lnSpc>
+                <a:spcPct val="100000"/>
+              </a:lnSpc>
+              <a:spcBef>
+                <a:spcPct val="0"/>
+              </a:spcBef>
+              <a:spcAft>
+                <a:spcPct val="0"/>
+              </a:spcAft>
+              <a:buClrTx/>
+              <a:buSzTx/>
+              <a:buFontTx/>
+              <a:buNone/>
+              <a:tabLst/>
+            </a:pPr>
+            <a:endParaRPr kumimoji="0" lang="en-US" sz="8600" b="0" i="0" u="none" strike="noStrike" cap="none" normalizeH="0" baseline="0" smtClean="0">
+              <a:ln>
+                <a:noFill/>
+              </a:ln>
+              <a:solidFill>
+                <a:schemeClr val="tx2"/>
+              </a:solidFill>
+              <a:effectLst/>
+              <a:latin typeface="Tahoma" pitchFamily="34" charset="0"/>
+              <a:cs typeface="Arial" charset="0"/>
+            </a:endParaRPr>
+          </a:p>
+        </p:txBody>
+      </p:sp>
+      <p:sp>
+        <p:nvSpPr>
+          <p:cNvPr id="167" name="Right Arrow 166"/>
+          <p:cNvSpPr/>
+          <p:nvPr/>
+        </p:nvSpPr>
+        <p:spPr bwMode="auto">
+          <a:xfrm rot="10800000" flipH="1">
+            <a:off x="19918677" y="19075489"/>
+            <a:ext cx="379130" cy="688462"/>
+          </a:xfrm>
+          <a:prstGeom prst="rightArrow">
+            <a:avLst>
+              <a:gd name="adj1" fmla="val 50000"/>
+              <a:gd name="adj2" fmla="val 70964"/>
+            </a:avLst>
+          </a:prstGeom>
+          <a:solidFill>
+            <a:srgbClr val="990000"/>
+          </a:solidFill>
+          <a:ln w="127000" cap="flat" cmpd="sng" algn="ctr">
+            <a:noFill/>
+            <a:prstDash val="solid"/>
+            <a:round/>
+            <a:headEnd type="none" w="med" len="med"/>
+            <a:tailEnd type="none" w="med" len="med"/>
+          </a:ln>
+          <a:effectLst/>
+        </p:spPr>
+        <p:txBody>
+          <a:bodyPr vert="horz" wrap="square" lIns="91440" tIns="45720" rIns="91440" bIns="45720" numCol="1" rtlCol="0" anchor="t" anchorCtr="0" compatLnSpc="1">
+            <a:prstTxWarp prst="textNoShape">
+              <a:avLst/>
+            </a:prstTxWarp>
+            <a:spAutoFit/>
+          </a:bodyPr>
+          <a:lstStyle/>
+          <a:p>
+            <a:pPr marL="0" marR="0" indent="0" algn="ctr" defTabSz="4389438" rtl="0" eaLnBrk="1" fontAlgn="base" latinLnBrk="0" hangingPunct="1">
+              <a:lnSpc>
+                <a:spcPct val="100000"/>
+              </a:lnSpc>
+              <a:spcBef>
+                <a:spcPct val="0"/>
+              </a:spcBef>
+              <a:spcAft>
+                <a:spcPct val="0"/>
+              </a:spcAft>
+              <a:buClrTx/>
+              <a:buSzTx/>
+              <a:buFontTx/>
+              <a:buNone/>
+              <a:tabLst/>
+            </a:pPr>
+            <a:endParaRPr kumimoji="0" lang="en-US" sz="8600" b="0" i="0" u="none" strike="noStrike" cap="none" normalizeH="0" baseline="0" smtClean="0">
+              <a:ln>
+                <a:noFill/>
+              </a:ln>
+              <a:solidFill>
+                <a:schemeClr val="tx2"/>
+              </a:solidFill>
+              <a:effectLst/>
+              <a:latin typeface="Tahoma" pitchFamily="34" charset="0"/>
+              <a:cs typeface="Arial" charset="0"/>
+            </a:endParaRPr>
+          </a:p>
+        </p:txBody>
+      </p:sp>
+      <p:grpSp>
+        <p:nvGrpSpPr>
+          <p:cNvPr id="168" name="Group 167"/>
+          <p:cNvGrpSpPr/>
+          <p:nvPr/>
+        </p:nvGrpSpPr>
+        <p:grpSpPr>
+          <a:xfrm>
+            <a:off x="21932049" y="23064570"/>
+            <a:ext cx="1609166" cy="773123"/>
+            <a:chOff x="15259050" y="18393410"/>
+            <a:chExt cx="4381500" cy="4189479"/>
+          </a:xfrm>
+        </p:grpSpPr>
+        <p:sp>
+          <p:nvSpPr>
+            <p:cNvPr id="169" name="Rounded Rectangle 168"/>
+            <p:cNvSpPr/>
+            <p:nvPr/>
+          </p:nvSpPr>
+          <p:spPr bwMode="auto">
+            <a:xfrm>
+              <a:off x="15259050" y="18393410"/>
+              <a:ext cx="4381500" cy="4189479"/>
+            </a:xfrm>
+            <a:prstGeom prst="roundRect">
+              <a:avLst/>
+            </a:prstGeom>
+            <a:ln>
+              <a:headEnd type="none" w="med" len="med"/>
+              <a:tailEnd type="none" w="med" len="med"/>
+            </a:ln>
+          </p:spPr>
+          <p:style>
+            <a:lnRef idx="0">
+              <a:schemeClr val="accent3"/>
+            </a:lnRef>
+            <a:fillRef idx="3">
+              <a:schemeClr val="accent3"/>
+            </a:fillRef>
+            <a:effectRef idx="3">
+              <a:schemeClr val="accent3"/>
+            </a:effectRef>
+            <a:fontRef idx="minor">
+              <a:schemeClr val="lt1"/>
+            </a:fontRef>
+          </p:style>
+          <p:txBody>
+            <a:bodyPr vert="horz" wrap="square" lIns="91440" tIns="45720" rIns="91440" bIns="45720" numCol="1" rtlCol="0" anchor="t" anchorCtr="0" compatLnSpc="1">
+              <a:prstTxWarp prst="textNoShape">
+                <a:avLst/>
+              </a:prstTxWarp>
+              <a:spAutoFit/>
+            </a:bodyPr>
+            <a:lstStyle/>
+            <a:p>
+              <a:pPr marL="0" marR="0" indent="0" algn="ctr" defTabSz="4389438" rtl="0" eaLnBrk="1" fontAlgn="base" latinLnBrk="0" hangingPunct="1">
+                <a:lnSpc>
+                  <a:spcPct val="100000"/>
+                </a:lnSpc>
+                <a:spcBef>
+                  <a:spcPct val="0"/>
+                </a:spcBef>
+                <a:spcAft>
+                  <a:spcPct val="0"/>
+                </a:spcAft>
+                <a:buClrTx/>
+                <a:buSzTx/>
+                <a:buFontTx/>
+                <a:buNone/>
+                <a:tabLst/>
+              </a:pPr>
+              <a:endParaRPr kumimoji="0" lang="en-US" sz="8600" b="0" i="0" u="none" strike="noStrike" cap="none" normalizeH="0" baseline="0" smtClean="0">
+                <a:ln>
+                  <a:noFill/>
+                </a:ln>
+                <a:solidFill>
+                  <a:schemeClr val="tx2"/>
+                </a:solidFill>
+                <a:effectLst/>
+                <a:latin typeface="Tahoma" pitchFamily="34" charset="0"/>
+                <a:cs typeface="Arial" charset="0"/>
+              </a:endParaRPr>
+            </a:p>
+          </p:txBody>
+        </p:sp>
+        <p:sp>
+          <p:nvSpPr>
+            <p:cNvPr id="170" name="TextBox 169"/>
+            <p:cNvSpPr txBox="1"/>
+            <p:nvPr/>
+          </p:nvSpPr>
+          <p:spPr>
+            <a:xfrm>
+              <a:off x="15259050" y="18428678"/>
+              <a:ext cx="4381500" cy="1503518"/>
+            </a:xfrm>
+            <a:prstGeom prst="rect">
+              <a:avLst/>
+            </a:prstGeom>
+            <a:noFill/>
+          </p:spPr>
+          <p:txBody>
+            <a:bodyPr wrap="square" rtlCol="0">
+              <a:spAutoFit/>
+            </a:bodyPr>
+            <a:lstStyle/>
+            <a:p>
+              <a:r>
+                <a:rPr lang="en-US" sz="3200" dirty="0" smtClean="0">
+                  <a:latin typeface="Century Schoolbook" pitchFamily="18" charset="0"/>
+                </a:rPr>
+                <a:t>Mesh</a:t>
+              </a:r>
+            </a:p>
+          </p:txBody>
+        </p:sp>
+      </p:grpSp>
+      <p:sp>
+        <p:nvSpPr>
+          <p:cNvPr id="182" name="Right Arrow 181"/>
+          <p:cNvSpPr/>
+          <p:nvPr/>
+        </p:nvSpPr>
+        <p:spPr bwMode="auto">
+          <a:xfrm rot="5400000">
+            <a:off x="22554321" y="22232852"/>
+            <a:ext cx="379130" cy="688462"/>
+          </a:xfrm>
+          <a:prstGeom prst="rightArrow">
+            <a:avLst>
+              <a:gd name="adj1" fmla="val 50000"/>
+              <a:gd name="adj2" fmla="val 70964"/>
+            </a:avLst>
+          </a:prstGeom>
+          <a:solidFill>
+            <a:srgbClr val="990000"/>
+          </a:solidFill>
+          <a:ln w="127000" cap="flat" cmpd="sng" algn="ctr">
+            <a:noFill/>
+            <a:prstDash val="solid"/>
+            <a:round/>
+            <a:headEnd type="none" w="med" len="med"/>
+            <a:tailEnd type="none" w="med" len="med"/>
+          </a:ln>
+          <a:effectLst/>
+        </p:spPr>
+        <p:txBody>
+          <a:bodyPr vert="horz" wrap="square" lIns="91440" tIns="45720" rIns="91440" bIns="45720" numCol="1" rtlCol="0" anchor="t" anchorCtr="0" compatLnSpc="1">
+            <a:prstTxWarp prst="textNoShape">
+              <a:avLst/>
+            </a:prstTxWarp>
+            <a:spAutoFit/>
+          </a:bodyPr>
+          <a:lstStyle/>
+          <a:p>
+            <a:pPr marL="0" marR="0" indent="0" algn="ctr" defTabSz="4389438" rtl="0" eaLnBrk="1" fontAlgn="base" latinLnBrk="0" hangingPunct="1">
+              <a:lnSpc>
+                <a:spcPct val="100000"/>
+              </a:lnSpc>
+              <a:spcBef>
+                <a:spcPct val="0"/>
+              </a:spcBef>
+              <a:spcAft>
+                <a:spcPct val="0"/>
+              </a:spcAft>
+              <a:buClrTx/>
+              <a:buSzTx/>
+              <a:buFontTx/>
+              <a:buNone/>
+              <a:tabLst/>
+            </a:pPr>
+            <a:endParaRPr kumimoji="0" lang="en-US" sz="8600" b="0" i="0" u="none" strike="noStrike" cap="none" normalizeH="0" baseline="0" smtClean="0">
+              <a:ln>
+                <a:noFill/>
+              </a:ln>
+              <a:solidFill>
+                <a:schemeClr val="tx2"/>
+              </a:solidFill>
+              <a:effectLst/>
+              <a:latin typeface="Tahoma" pitchFamily="34" charset="0"/>
+              <a:cs typeface="Arial" charset="0"/>
+            </a:endParaRPr>
+          </a:p>
+        </p:txBody>
+      </p:sp>
+      <p:sp>
+        <p:nvSpPr>
+          <p:cNvPr id="183" name="Line 1789"/>
+          <p:cNvSpPr>
+            <a:spLocks noChangeShapeType="1"/>
+          </p:cNvSpPr>
+          <p:nvPr/>
+        </p:nvSpPr>
+        <p:spPr bwMode="auto">
+          <a:xfrm flipV="1">
+            <a:off x="28540879" y="12649967"/>
+            <a:ext cx="14013589" cy="0"/>
+          </a:xfrm>
+          <a:prstGeom prst="line">
+            <a:avLst/>
+          </a:prstGeom>
+          <a:noFill/>
+          <a:ln w="127000">
+            <a:solidFill>
+              <a:srgbClr val="990000"/>
+            </a:solidFill>
+            <a:round/>
+            <a:headEnd/>
+            <a:tailEnd/>
+          </a:ln>
+          <a:effectLst/>
+        </p:spPr>
+        <p:txBody>
+          <a:bodyPr wrap="square" lIns="92498" tIns="46249" rIns="92498" bIns="46249">
+            <a:spAutoFit/>
+          </a:bodyPr>
+          <a:lstStyle/>
+          <a:p>
+            <a:pPr algn="just"/>
+            <a:endParaRPr lang="en-US" dirty="0"/>
+          </a:p>
+        </p:txBody>
+      </p:sp>
+      <p:sp>
+        <p:nvSpPr>
+          <p:cNvPr id="184" name="Line 1789"/>
+          <p:cNvSpPr>
+            <a:spLocks noChangeShapeType="1"/>
+          </p:cNvSpPr>
+          <p:nvPr/>
+        </p:nvSpPr>
+        <p:spPr bwMode="auto">
+          <a:xfrm flipV="1">
+            <a:off x="28521128" y="28678427"/>
+            <a:ext cx="14013589" cy="0"/>
+          </a:xfrm>
+          <a:prstGeom prst="line">
+            <a:avLst/>
+          </a:prstGeom>
+          <a:noFill/>
+          <a:ln w="127000">
+            <a:solidFill>
+              <a:srgbClr val="990000"/>
+            </a:solidFill>
+            <a:round/>
+            <a:headEnd/>
+            <a:tailEnd/>
+          </a:ln>
+          <a:effectLst/>
+        </p:spPr>
+        <p:txBody>
+          <a:bodyPr wrap="square" lIns="92498" tIns="46249" rIns="92498" bIns="46249">
+            <a:spAutoFit/>
+          </a:bodyPr>
+          <a:lstStyle/>
+          <a:p>
+            <a:pPr algn="just"/>
+            <a:endParaRPr lang="en-US" dirty="0"/>
+          </a:p>
+        </p:txBody>
+      </p:sp>
+      <p:sp>
+        <p:nvSpPr>
+          <p:cNvPr id="185" name="Line 1789"/>
+          <p:cNvSpPr>
+            <a:spLocks noChangeShapeType="1"/>
+          </p:cNvSpPr>
+          <p:nvPr/>
+        </p:nvSpPr>
+        <p:spPr bwMode="auto">
+          <a:xfrm flipV="1">
+            <a:off x="28482021" y="30178772"/>
+            <a:ext cx="14013589" cy="0"/>
+          </a:xfrm>
+          <a:prstGeom prst="line">
+            <a:avLst/>
+          </a:prstGeom>
+          <a:noFill/>
+          <a:ln w="127000">
+            <a:solidFill>
+              <a:srgbClr val="990000"/>
+            </a:solidFill>
+            <a:round/>
+            <a:headEnd/>
+            <a:tailEnd/>
+          </a:ln>
+          <a:effectLst/>
+        </p:spPr>
+        <p:txBody>
+          <a:bodyPr wrap="square" lIns="92498" tIns="46249" rIns="92498" bIns="46249">
+            <a:spAutoFit/>
+          </a:bodyPr>
+          <a:lstStyle/>
+          <a:p>
+            <a:pPr algn="just"/>
+            <a:endParaRPr lang="en-US" dirty="0"/>
+          </a:p>
+        </p:txBody>
+      </p:sp>
     </p:spTree>
     <p:extLst>
       <p:ext uri="{BB962C8B-B14F-4D97-AF65-F5344CB8AC3E}">

--- a/Fully Reversed Poster.pptx
+++ b/Fully Reversed Poster.pptx
@@ -168,747 +168,14 @@
               <a:defRPr/>
             </a:pPr>
             <a:r>
-              <a:rPr lang="en-US"/>
-              <a:t>Fitted</a:t>
-            </a:r>
-            <a:r>
-              <a:rPr lang="en-US" baseline="0"/>
-              <a:t> Radii of Cross-Sections</a:t>
-            </a:r>
-            <a:endParaRPr lang="en-US"/>
-          </a:p>
-        </c:rich>
-      </c:tx>
-      <c:layout/>
-      <c:overlay val="0"/>
-    </c:title>
-    <c:autoTitleDeleted val="0"/>
-    <c:plotArea>
-      <c:layout/>
-      <c:scatterChart>
-        <c:scatterStyle val="lineMarker"/>
-        <c:varyColors val="0"/>
-        <c:ser>
-          <c:idx val="0"/>
-          <c:order val="0"/>
-          <c:tx>
-            <c:v>z-axis</c:v>
-          </c:tx>
-          <c:spPr>
-            <a:ln w="28575">
-              <a:noFill/>
-            </a:ln>
-          </c:spPr>
-          <c:xVal>
-            <c:numRef>
-              <c:f>Sheet1!$B$2:$AK$2</c:f>
-              <c:numCache>
-                <c:formatCode>General</c:formatCode>
-                <c:ptCount val="36"/>
-                <c:pt idx="0">
-                  <c:v>5</c:v>
-                </c:pt>
-                <c:pt idx="1">
-                  <c:v>10</c:v>
-                </c:pt>
-                <c:pt idx="2">
-                  <c:v>15</c:v>
-                </c:pt>
-                <c:pt idx="3">
-                  <c:v>20</c:v>
-                </c:pt>
-                <c:pt idx="4">
-                  <c:v>25</c:v>
-                </c:pt>
-                <c:pt idx="5">
-                  <c:v>30</c:v>
-                </c:pt>
-                <c:pt idx="6">
-                  <c:v>35</c:v>
-                </c:pt>
-                <c:pt idx="7">
-                  <c:v>40</c:v>
-                </c:pt>
-                <c:pt idx="8">
-                  <c:v>45</c:v>
-                </c:pt>
-                <c:pt idx="9">
-                  <c:v>50</c:v>
-                </c:pt>
-                <c:pt idx="10">
-                  <c:v>55</c:v>
-                </c:pt>
-                <c:pt idx="11">
-                  <c:v>60</c:v>
-                </c:pt>
-                <c:pt idx="12">
-                  <c:v>65</c:v>
-                </c:pt>
-                <c:pt idx="13">
-                  <c:v>70</c:v>
-                </c:pt>
-                <c:pt idx="14">
-                  <c:v>75</c:v>
-                </c:pt>
-                <c:pt idx="15">
-                  <c:v>80</c:v>
-                </c:pt>
-                <c:pt idx="16">
-                  <c:v>85</c:v>
-                </c:pt>
-                <c:pt idx="17">
-                  <c:v>90</c:v>
-                </c:pt>
-                <c:pt idx="18">
-                  <c:v>95</c:v>
-                </c:pt>
-                <c:pt idx="19">
-                  <c:v>100</c:v>
-                </c:pt>
-                <c:pt idx="20">
-                  <c:v>105</c:v>
-                </c:pt>
-                <c:pt idx="21">
-                  <c:v>110</c:v>
-                </c:pt>
-                <c:pt idx="22">
-                  <c:v>115</c:v>
-                </c:pt>
-                <c:pt idx="23">
-                  <c:v>120</c:v>
-                </c:pt>
-                <c:pt idx="24">
-                  <c:v>125</c:v>
-                </c:pt>
-                <c:pt idx="25">
-                  <c:v>130</c:v>
-                </c:pt>
-                <c:pt idx="26">
-                  <c:v>135</c:v>
-                </c:pt>
-                <c:pt idx="27">
-                  <c:v>140</c:v>
-                </c:pt>
-                <c:pt idx="28">
-                  <c:v>145</c:v>
-                </c:pt>
-                <c:pt idx="29">
-                  <c:v>150</c:v>
-                </c:pt>
-                <c:pt idx="30">
-                  <c:v>155</c:v>
-                </c:pt>
-                <c:pt idx="31">
-                  <c:v>160</c:v>
-                </c:pt>
-                <c:pt idx="32">
-                  <c:v>165</c:v>
-                </c:pt>
-                <c:pt idx="33">
-                  <c:v>170</c:v>
-                </c:pt>
-                <c:pt idx="34">
-                  <c:v>175</c:v>
-                </c:pt>
-                <c:pt idx="35">
-                  <c:v>180</c:v>
-                </c:pt>
-              </c:numCache>
-            </c:numRef>
-          </c:xVal>
-          <c:yVal>
-            <c:numRef>
-              <c:f>Sheet1!$B$3:$AK$3</c:f>
-              <c:numCache>
-                <c:formatCode>General</c:formatCode>
-                <c:ptCount val="36"/>
-                <c:pt idx="0">
-                  <c:v>0.150001175093191</c:v>
-                </c:pt>
-                <c:pt idx="1">
-                  <c:v>0.15000127211630701</c:v>
-                </c:pt>
-                <c:pt idx="2">
-                  <c:v>0.149959403962757</c:v>
-                </c:pt>
-                <c:pt idx="3">
-                  <c:v>0.149990948388082</c:v>
-                </c:pt>
-                <c:pt idx="4">
-                  <c:v>0.15000962405165399</c:v>
-                </c:pt>
-                <c:pt idx="5">
-                  <c:v>0.149985139636233</c:v>
-                </c:pt>
-                <c:pt idx="6">
-                  <c:v>0.149998001568032</c:v>
-                </c:pt>
-                <c:pt idx="7">
-                  <c:v>0.150021468502719</c:v>
-                </c:pt>
-                <c:pt idx="8">
-                  <c:v>0.14994675489596301</c:v>
-                </c:pt>
-                <c:pt idx="9">
-                  <c:v>0.149996031743623</c:v>
-                </c:pt>
-                <c:pt idx="10">
-                  <c:v>0.14998230459053599</c:v>
-                </c:pt>
-                <c:pt idx="11">
-                  <c:v>0.15002340232307401</c:v>
-                </c:pt>
-                <c:pt idx="12">
-                  <c:v>0.15001066312540401</c:v>
-                </c:pt>
-                <c:pt idx="13">
-                  <c:v>0.150049555241657</c:v>
-                </c:pt>
-                <c:pt idx="14">
-                  <c:v>0.15001225778449201</c:v>
-                </c:pt>
-                <c:pt idx="15">
-                  <c:v>0.149997084219294</c:v>
-                </c:pt>
-                <c:pt idx="16">
-                  <c:v>0.14996908011381099</c:v>
-                </c:pt>
-                <c:pt idx="17">
-                  <c:v>0.15000404656532701</c:v>
-                </c:pt>
-                <c:pt idx="18">
-                  <c:v>0.14995311269558501</c:v>
-                </c:pt>
-                <c:pt idx="19">
-                  <c:v>0.15000377871843701</c:v>
-                </c:pt>
-                <c:pt idx="20">
-                  <c:v>0.14997527018368301</c:v>
-                </c:pt>
-                <c:pt idx="21">
-                  <c:v>0.150000615991567</c:v>
-                </c:pt>
-                <c:pt idx="22">
-                  <c:v>0.15001389359497599</c:v>
-                </c:pt>
-                <c:pt idx="23">
-                  <c:v>0.15004954297112699</c:v>
-                </c:pt>
-                <c:pt idx="24">
-                  <c:v>0.15000559307689501</c:v>
-                </c:pt>
-                <c:pt idx="25">
-                  <c:v>0.15003274224535801</c:v>
-                </c:pt>
-                <c:pt idx="26">
-                  <c:v>0.149973441055721</c:v>
-                </c:pt>
-                <c:pt idx="27">
-                  <c:v>0.14999726933221399</c:v>
-                </c:pt>
-                <c:pt idx="28">
-                  <c:v>0.149945456682617</c:v>
-                </c:pt>
-                <c:pt idx="29">
-                  <c:v>0.15001745284763701</c:v>
-                </c:pt>
-                <c:pt idx="30">
-                  <c:v>0.14999804593625901</c:v>
-                </c:pt>
-                <c:pt idx="31">
-                  <c:v>0.14998946519510001</c:v>
-                </c:pt>
-                <c:pt idx="32">
-                  <c:v>0.15000329007124799</c:v>
-                </c:pt>
-                <c:pt idx="33">
-                  <c:v>0.149994651944278</c:v>
-                </c:pt>
-                <c:pt idx="34">
-                  <c:v>0.14995880316337401</c:v>
-                </c:pt>
-                <c:pt idx="35">
-                  <c:v>0.14999920728649099</c:v>
-                </c:pt>
-              </c:numCache>
-            </c:numRef>
-          </c:yVal>
-          <c:smooth val="0"/>
-        </c:ser>
-        <c:ser>
-          <c:idx val="1"/>
-          <c:order val="1"/>
-          <c:tx>
-            <c:v>y-axis</c:v>
-          </c:tx>
-          <c:spPr>
-            <a:ln w="28575">
-              <a:noFill/>
-            </a:ln>
-          </c:spPr>
-          <c:xVal>
-            <c:numRef>
-              <c:f>Sheet1!$N$2:$AG$2</c:f>
-              <c:numCache>
-                <c:formatCode>General</c:formatCode>
-                <c:ptCount val="20"/>
-                <c:pt idx="0">
-                  <c:v>65</c:v>
-                </c:pt>
-                <c:pt idx="1">
-                  <c:v>70</c:v>
-                </c:pt>
-                <c:pt idx="2">
-                  <c:v>75</c:v>
-                </c:pt>
-                <c:pt idx="3">
-                  <c:v>80</c:v>
-                </c:pt>
-                <c:pt idx="4">
-                  <c:v>85</c:v>
-                </c:pt>
-                <c:pt idx="5">
-                  <c:v>90</c:v>
-                </c:pt>
-                <c:pt idx="6">
-                  <c:v>95</c:v>
-                </c:pt>
-                <c:pt idx="7">
-                  <c:v>100</c:v>
-                </c:pt>
-                <c:pt idx="8">
-                  <c:v>105</c:v>
-                </c:pt>
-                <c:pt idx="9">
-                  <c:v>110</c:v>
-                </c:pt>
-                <c:pt idx="10">
-                  <c:v>115</c:v>
-                </c:pt>
-                <c:pt idx="11">
-                  <c:v>120</c:v>
-                </c:pt>
-                <c:pt idx="12">
-                  <c:v>125</c:v>
-                </c:pt>
-                <c:pt idx="13">
-                  <c:v>130</c:v>
-                </c:pt>
-                <c:pt idx="14">
-                  <c:v>135</c:v>
-                </c:pt>
-                <c:pt idx="15">
-                  <c:v>140</c:v>
-                </c:pt>
-                <c:pt idx="16">
-                  <c:v>145</c:v>
-                </c:pt>
-                <c:pt idx="17">
-                  <c:v>150</c:v>
-                </c:pt>
-                <c:pt idx="18">
-                  <c:v>155</c:v>
-                </c:pt>
-                <c:pt idx="19">
-                  <c:v>160</c:v>
-                </c:pt>
-              </c:numCache>
-            </c:numRef>
-          </c:xVal>
-          <c:yVal>
-            <c:numRef>
-              <c:f>Sheet1!$N$4:$AG$4</c:f>
-              <c:numCache>
-                <c:formatCode>General</c:formatCode>
-                <c:ptCount val="20"/>
-                <c:pt idx="0">
-                  <c:v>0.14990159278019299</c:v>
-                </c:pt>
-                <c:pt idx="1">
-                  <c:v>0.15000241070533599</c:v>
-                </c:pt>
-                <c:pt idx="2">
-                  <c:v>0.14999325382295201</c:v>
-                </c:pt>
-                <c:pt idx="3">
-                  <c:v>0.15003279154317201</c:v>
-                </c:pt>
-                <c:pt idx="4">
-                  <c:v>0.15000271748358099</c:v>
-                </c:pt>
-                <c:pt idx="5">
-                  <c:v>0.14999312193474101</c:v>
-                </c:pt>
-                <c:pt idx="6">
-                  <c:v>0.150001175093191</c:v>
-                </c:pt>
-                <c:pt idx="7">
-                  <c:v>0.15001148722206201</c:v>
-                </c:pt>
-                <c:pt idx="8">
-                  <c:v>0.14996899004436301</c:v>
-                </c:pt>
-                <c:pt idx="9">
-                  <c:v>0.15000271582950001</c:v>
-                </c:pt>
-                <c:pt idx="10">
-                  <c:v>0.15002426550912901</c:v>
-                </c:pt>
-                <c:pt idx="11">
-                  <c:v>0.14998781454086599</c:v>
-                </c:pt>
-                <c:pt idx="12">
-                  <c:v>0.14999362467329599</c:v>
-                </c:pt>
-                <c:pt idx="13">
-                  <c:v>0.15000934952940101</c:v>
-                </c:pt>
-                <c:pt idx="14">
-                  <c:v>0.15001897895257699</c:v>
-                </c:pt>
-                <c:pt idx="15">
-                  <c:v>0.150048192212866</c:v>
-                </c:pt>
-                <c:pt idx="16">
-                  <c:v>0.149986376804016</c:v>
-                </c:pt>
-                <c:pt idx="17">
-                  <c:v>0.15008232071349401</c:v>
-                </c:pt>
-                <c:pt idx="18">
-                  <c:v>0.15044454595603901</c:v>
-                </c:pt>
-                <c:pt idx="19">
-                  <c:v>0.151125769928798</c:v>
-                </c:pt>
-              </c:numCache>
-            </c:numRef>
-          </c:yVal>
-          <c:smooth val="0"/>
-        </c:ser>
-        <c:ser>
-          <c:idx val="2"/>
-          <c:order val="2"/>
-          <c:tx>
-            <c:v>x-axis</c:v>
-          </c:tx>
-          <c:spPr>
-            <a:ln w="28575">
-              <a:noFill/>
-            </a:ln>
-          </c:spPr>
-          <c:xVal>
-            <c:numRef>
-              <c:f>Sheet1!$G$2:$AG$2</c:f>
-              <c:numCache>
-                <c:formatCode>General</c:formatCode>
-                <c:ptCount val="27"/>
-                <c:pt idx="0">
-                  <c:v>30</c:v>
-                </c:pt>
-                <c:pt idx="1">
-                  <c:v>35</c:v>
-                </c:pt>
-                <c:pt idx="2">
-                  <c:v>40</c:v>
-                </c:pt>
-                <c:pt idx="3">
-                  <c:v>45</c:v>
-                </c:pt>
-                <c:pt idx="4">
-                  <c:v>50</c:v>
-                </c:pt>
-                <c:pt idx="5">
-                  <c:v>55</c:v>
-                </c:pt>
-                <c:pt idx="6">
-                  <c:v>60</c:v>
-                </c:pt>
-                <c:pt idx="7">
-                  <c:v>65</c:v>
-                </c:pt>
-                <c:pt idx="8">
-                  <c:v>70</c:v>
-                </c:pt>
-                <c:pt idx="9">
-                  <c:v>75</c:v>
-                </c:pt>
-                <c:pt idx="10">
-                  <c:v>80</c:v>
-                </c:pt>
-                <c:pt idx="11">
-                  <c:v>85</c:v>
-                </c:pt>
-                <c:pt idx="12">
-                  <c:v>90</c:v>
-                </c:pt>
-                <c:pt idx="13">
-                  <c:v>95</c:v>
-                </c:pt>
-                <c:pt idx="14">
-                  <c:v>100</c:v>
-                </c:pt>
-                <c:pt idx="15">
-                  <c:v>105</c:v>
-                </c:pt>
-                <c:pt idx="16">
-                  <c:v>110</c:v>
-                </c:pt>
-                <c:pt idx="17">
-                  <c:v>115</c:v>
-                </c:pt>
-                <c:pt idx="18">
-                  <c:v>120</c:v>
-                </c:pt>
-                <c:pt idx="19">
-                  <c:v>125</c:v>
-                </c:pt>
-                <c:pt idx="20">
-                  <c:v>130</c:v>
-                </c:pt>
-                <c:pt idx="21">
-                  <c:v>135</c:v>
-                </c:pt>
-                <c:pt idx="22">
-                  <c:v>140</c:v>
-                </c:pt>
-                <c:pt idx="23">
-                  <c:v>145</c:v>
-                </c:pt>
-                <c:pt idx="24">
-                  <c:v>150</c:v>
-                </c:pt>
-                <c:pt idx="25">
-                  <c:v>155</c:v>
-                </c:pt>
-                <c:pt idx="26">
-                  <c:v>160</c:v>
-                </c:pt>
-              </c:numCache>
-            </c:numRef>
-          </c:xVal>
-          <c:yVal>
-            <c:numRef>
-              <c:f>Sheet1!$G$5:$AG$5</c:f>
-              <c:numCache>
-                <c:formatCode>0.00E+00</c:formatCode>
-                <c:ptCount val="27"/>
-                <c:pt idx="0" formatCode="General">
-                  <c:v>0.14976291131144701</c:v>
-                </c:pt>
-                <c:pt idx="1">
-                  <c:v>0.15015683987327999</c:v>
-                </c:pt>
-                <c:pt idx="2">
-                  <c:v>0.150273650099361</c:v>
-                </c:pt>
-                <c:pt idx="3">
-                  <c:v>0.14999667326663099</c:v>
-                </c:pt>
-                <c:pt idx="4">
-                  <c:v>0.15012571285007301</c:v>
-                </c:pt>
-                <c:pt idx="5">
-                  <c:v>0.15003003231663001</c:v>
-                </c:pt>
-                <c:pt idx="6">
-                  <c:v>0.14999360400765199</c:v>
-                </c:pt>
-                <c:pt idx="7">
-                  <c:v>0.149977783470915</c:v>
-                </c:pt>
-                <c:pt idx="8">
-                  <c:v>0.14999008537918701</c:v>
-                </c:pt>
-                <c:pt idx="9">
-                  <c:v>0.150007632471376</c:v>
-                </c:pt>
-                <c:pt idx="10">
-                  <c:v>0.14996649308776699</c:v>
-                </c:pt>
-                <c:pt idx="11">
-                  <c:v>0.149970933115775</c:v>
-                </c:pt>
-                <c:pt idx="12">
-                  <c:v>0.15001773219922501</c:v>
-                </c:pt>
-                <c:pt idx="13">
-                  <c:v>0.14995311269558501</c:v>
-                </c:pt>
-                <c:pt idx="14">
-                  <c:v>0.15001812739938999</c:v>
-                </c:pt>
-                <c:pt idx="15">
-                  <c:v>0.14997946818027</c:v>
-                </c:pt>
-                <c:pt idx="16">
-                  <c:v>0.14996594447143899</c:v>
-                </c:pt>
-                <c:pt idx="17">
-                  <c:v>0.15000755077043801</c:v>
-                </c:pt>
-                <c:pt idx="18">
-                  <c:v>0.149985257389949</c:v>
-                </c:pt>
-                <c:pt idx="19">
-                  <c:v>0.14997479159360799</c:v>
-                </c:pt>
-                <c:pt idx="20">
-                  <c:v>0.150011727450309</c:v>
-                </c:pt>
-                <c:pt idx="21">
-                  <c:v>0.150010754217793</c:v>
-                </c:pt>
-                <c:pt idx="22">
-                  <c:v>0.150138773603047</c:v>
-                </c:pt>
-                <c:pt idx="23">
-                  <c:v>0.14999174087880399</c:v>
-                </c:pt>
-                <c:pt idx="24">
-                  <c:v>0.15027284524884299</c:v>
-                </c:pt>
-                <c:pt idx="25">
-                  <c:v>0.15055048252849301</c:v>
-                </c:pt>
-                <c:pt idx="26" formatCode="General">
-                  <c:v>0.14781167462946099</c:v>
-                </c:pt>
-              </c:numCache>
-            </c:numRef>
-          </c:yVal>
-          <c:smooth val="0"/>
-        </c:ser>
-        <c:dLbls>
-          <c:showLegendKey val="0"/>
-          <c:showVal val="0"/>
-          <c:showCatName val="0"/>
-          <c:showSerName val="0"/>
-          <c:showPercent val="0"/>
-          <c:showBubbleSize val="0"/>
-        </c:dLbls>
-        <c:axId val="74618368"/>
-        <c:axId val="74620288"/>
-      </c:scatterChart>
-      <c:valAx>
-        <c:axId val="74618368"/>
-        <c:scaling>
-          <c:orientation val="minMax"/>
-        </c:scaling>
-        <c:delete val="0"/>
-        <c:axPos val="b"/>
-        <c:title>
-          <c:tx>
-            <c:rich>
-              <a:bodyPr/>
-              <a:lstStyle/>
-              <a:p>
-                <a:pPr>
-                  <a:defRPr/>
-                </a:pPr>
-                <a:r>
-                  <a:rPr lang="en-US"/>
-                  <a:t>Angle Rotated (degrees)</a:t>
-                </a:r>
-              </a:p>
-            </c:rich>
-          </c:tx>
-          <c:layout/>
-          <c:overlay val="0"/>
-        </c:title>
-        <c:numFmt formatCode="General" sourceLinked="1"/>
-        <c:majorTickMark val="out"/>
-        <c:minorTickMark val="none"/>
-        <c:tickLblPos val="nextTo"/>
-        <c:crossAx val="74620288"/>
-        <c:crosses val="autoZero"/>
-        <c:crossBetween val="midCat"/>
-      </c:valAx>
-      <c:valAx>
-        <c:axId val="74620288"/>
-        <c:scaling>
-          <c:orientation val="minMax"/>
-        </c:scaling>
-        <c:delete val="0"/>
-        <c:axPos val="l"/>
-        <c:majorGridlines/>
-        <c:minorGridlines/>
-        <c:title>
-          <c:tx>
-            <c:rich>
-              <a:bodyPr rot="-5400000" vert="horz"/>
-              <a:lstStyle/>
-              <a:p>
-                <a:pPr>
-                  <a:defRPr/>
-                </a:pPr>
-                <a:r>
-                  <a:rPr lang="en-US"/>
-                  <a:t>Radius (m)</a:t>
-                </a:r>
-              </a:p>
-            </c:rich>
-          </c:tx>
-          <c:layout/>
-          <c:overlay val="0"/>
-        </c:title>
-        <c:numFmt formatCode="General" sourceLinked="1"/>
-        <c:majorTickMark val="out"/>
-        <c:minorTickMark val="none"/>
-        <c:tickLblPos val="nextTo"/>
-        <c:crossAx val="74618368"/>
-        <c:crosses val="autoZero"/>
-        <c:crossBetween val="midCat"/>
-      </c:valAx>
-    </c:plotArea>
-    <c:legend>
-      <c:legendPos val="r"/>
-      <c:layout/>
-      <c:overlay val="0"/>
-    </c:legend>
-    <c:plotVisOnly val="1"/>
-    <c:dispBlanksAs val="gap"/>
-    <c:showDLblsOverMax val="0"/>
-  </c:chart>
-  <c:externalData r:id="rId2">
-    <c:autoUpdate val="0"/>
-  </c:externalData>
-</c:chartSpace>
-</file>
-
-<file path=ppt/charts/chart2.xml><?xml version="1.0" encoding="utf-8"?>
-<c:chartSpace xmlns:c="http://schemas.openxmlformats.org/drawingml/2006/chart" xmlns:a="http://schemas.openxmlformats.org/drawingml/2006/main" xmlns:r="http://schemas.openxmlformats.org/officeDocument/2006/relationships">
-  <c:date1904 val="0"/>
-  <c:lang val="en-US"/>
-  <c:roundedCorners val="0"/>
-  <mc:AlternateContent xmlns:mc="http://schemas.openxmlformats.org/markup-compatibility/2006">
-    <mc:Choice xmlns:c14="http://schemas.microsoft.com/office/drawing/2007/8/2/chart" Requires="c14">
-      <c14:style val="102"/>
-    </mc:Choice>
-    <mc:Fallback>
-      <c:style val="2"/>
-    </mc:Fallback>
-  </mc:AlternateContent>
-  <c:clrMapOvr bg1="lt1" tx1="dk1" bg2="lt2" tx2="dk2" accent1="accent1" accent2="accent2" accent3="accent3" accent4="accent4" accent5="accent5" accent6="accent6" hlink="hlink" folHlink="folHlink"/>
-  <c:chart>
-    <c:title>
-      <c:tx>
-        <c:rich>
-          <a:bodyPr/>
-          <a:lstStyle/>
-          <a:p>
-            <a:pPr>
-              <a:defRPr/>
-            </a:pPr>
-            <a:r>
-              <a:rPr lang="en-US"/>
+              <a:rPr lang="en-US" sz="2400"/>
               <a:t>Fitted Radii after removal</a:t>
             </a:r>
             <a:r>
-              <a:rPr lang="en-US" baseline="0"/>
+              <a:rPr lang="en-US" sz="2400" baseline="0"/>
               <a:t> of outliers</a:t>
             </a:r>
-            <a:endParaRPr lang="en-US"/>
+            <a:endParaRPr lang="en-US" sz="2400"/>
           </a:p>
         </c:rich>
       </c:tx>
@@ -1460,11 +727,11 @@
           <c:showPercent val="0"/>
           <c:showBubbleSize val="0"/>
         </c:dLbls>
-        <c:axId val="74925568"/>
-        <c:axId val="74927488"/>
+        <c:axId val="74979200"/>
+        <c:axId val="74985472"/>
       </c:scatterChart>
       <c:valAx>
-        <c:axId val="74925568"/>
+        <c:axId val="74979200"/>
         <c:scaling>
           <c:orientation val="minMax"/>
         </c:scaling>
@@ -1480,12 +747,16 @@
                   <a:defRPr/>
                 </a:pPr>
                 <a:r>
-                  <a:rPr lang="en-US"/>
+                  <a:rPr lang="en-US" sz="1800"/>
                   <a:t>Angle</a:t>
                 </a:r>
                 <a:r>
+                  <a:rPr lang="en-US" sz="1800" baseline="0"/>
+                  <a:t> (degrees</a:t>
+                </a:r>
+                <a:r>
                   <a:rPr lang="en-US" baseline="0"/>
-                  <a:t> (degrees)</a:t>
+                  <a:t>)</a:t>
                 </a:r>
                 <a:endParaRPr lang="en-US"/>
               </a:p>
@@ -1498,12 +769,22 @@
         <c:majorTickMark val="none"/>
         <c:minorTickMark val="none"/>
         <c:tickLblPos val="nextTo"/>
-        <c:crossAx val="74927488"/>
+        <c:txPr>
+          <a:bodyPr/>
+          <a:lstStyle/>
+          <a:p>
+            <a:pPr>
+              <a:defRPr sz="1800"/>
+            </a:pPr>
+            <a:endParaRPr lang="en-US"/>
+          </a:p>
+        </c:txPr>
+        <c:crossAx val="74985472"/>
         <c:crosses val="autoZero"/>
         <c:crossBetween val="midCat"/>
       </c:valAx>
       <c:valAx>
-        <c:axId val="74927488"/>
+        <c:axId val="74985472"/>
         <c:scaling>
           <c:orientation val="minMax"/>
         </c:scaling>
@@ -1517,17 +798,17 @@
               <a:lstStyle/>
               <a:p>
                 <a:pPr>
-                  <a:defRPr/>
+                  <a:defRPr sz="1800"/>
                 </a:pPr>
                 <a:r>
-                  <a:rPr lang="en-US"/>
+                  <a:rPr lang="en-US" sz="1800"/>
                   <a:t>Radius</a:t>
                 </a:r>
                 <a:r>
-                  <a:rPr lang="en-US" baseline="0"/>
+                  <a:rPr lang="en-US" sz="1800" baseline="0"/>
                   <a:t> (m)</a:t>
                 </a:r>
-                <a:endParaRPr lang="en-US"/>
+                <a:endParaRPr lang="en-US" sz="1800"/>
               </a:p>
             </c:rich>
           </c:tx>
@@ -1538,7 +819,17 @@
         <c:majorTickMark val="none"/>
         <c:minorTickMark val="none"/>
         <c:tickLblPos val="nextTo"/>
-        <c:crossAx val="74925568"/>
+        <c:txPr>
+          <a:bodyPr/>
+          <a:lstStyle/>
+          <a:p>
+            <a:pPr>
+              <a:defRPr sz="1800"/>
+            </a:pPr>
+            <a:endParaRPr lang="en-US"/>
+          </a:p>
+        </c:txPr>
+        <c:crossAx val="74979200"/>
         <c:crosses val="autoZero"/>
         <c:crossBetween val="midCat"/>
       </c:valAx>
@@ -5592,6 +4883,252 @@
           <a:chExt cx="0" cy="0"/>
         </a:xfrm>
       </p:grpSpPr>
+      <p:pic>
+        <p:nvPicPr>
+          <p:cNvPr id="4" name="Picture 3"/>
+          <p:cNvPicPr>
+            <a:picLocks noChangeAspect="1"/>
+          </p:cNvPicPr>
+          <p:nvPr/>
+        </p:nvPicPr>
+        <p:blipFill>
+          <a:blip r:embed="rId3">
+            <a:extLst>
+              <a:ext uri="{28A0092B-C50C-407E-A947-70E740481C1C}">
+                <a14:useLocalDpi xmlns:a14="http://schemas.microsoft.com/office/drawing/2010/main" val="0"/>
+              </a:ext>
+            </a:extLst>
+          </a:blip>
+          <a:stretch>
+            <a:fillRect/>
+          </a:stretch>
+        </p:blipFill>
+        <p:spPr>
+          <a:xfrm>
+            <a:off x="23966075" y="12928527"/>
+            <a:ext cx="4579008" cy="3866354"/>
+          </a:xfrm>
+          <a:prstGeom prst="rect">
+            <a:avLst/>
+          </a:prstGeom>
+        </p:spPr>
+      </p:pic>
+      <p:sp>
+        <p:nvSpPr>
+          <p:cNvPr id="76" name="Text Box 1949"/>
+          <p:cNvSpPr txBox="1">
+            <a:spLocks noChangeArrowheads="1"/>
+          </p:cNvSpPr>
+          <p:nvPr/>
+        </p:nvSpPr>
+        <p:spPr bwMode="auto">
+          <a:xfrm>
+            <a:off x="944594" y="13267342"/>
+            <a:ext cx="13712891" cy="585844"/>
+          </a:xfrm>
+          <a:prstGeom prst="rect">
+            <a:avLst/>
+          </a:prstGeom>
+          <a:solidFill>
+            <a:srgbClr val="FF9966">
+              <a:alpha val="46000"/>
+            </a:srgbClr>
+          </a:solidFill>
+          <a:ln w="127000" algn="ctr">
+            <a:noFill/>
+            <a:miter lim="800000"/>
+            <a:headEnd/>
+            <a:tailEnd/>
+          </a:ln>
+          <a:effectLst/>
+        </p:spPr>
+        <p:txBody>
+          <a:bodyPr wrap="square" lIns="92498" tIns="46249" rIns="92498" bIns="46249">
+            <a:spAutoFit/>
+          </a:bodyPr>
+          <a:lstStyle/>
+          <a:p>
+            <a:pPr algn="just" defTabSz="4440274"/>
+            <a:r>
+              <a:rPr lang="en-US" sz="3200" b="1" cap="all" dirty="0" smtClean="0">
+                <a:solidFill>
+                  <a:schemeClr val="tx1"/>
+                </a:solidFill>
+                <a:latin typeface="Times New Roman" pitchFamily="18" charset="0"/>
+              </a:rPr>
+              <a:t>3. Structured light reconstruction concept</a:t>
+            </a:r>
+            <a:endParaRPr lang="en-US" sz="3200" b="1" cap="all" dirty="0">
+              <a:solidFill>
+                <a:schemeClr val="tx1"/>
+              </a:solidFill>
+              <a:latin typeface="Times New Roman" pitchFamily="18" charset="0"/>
+            </a:endParaRPr>
+          </a:p>
+        </p:txBody>
+      </p:sp>
+      <p:sp>
+        <p:nvSpPr>
+          <p:cNvPr id="84" name="Text Box 1949"/>
+          <p:cNvSpPr txBox="1">
+            <a:spLocks noChangeArrowheads="1"/>
+          </p:cNvSpPr>
+          <p:nvPr/>
+        </p:nvSpPr>
+        <p:spPr bwMode="auto">
+          <a:xfrm>
+            <a:off x="14642727" y="19810114"/>
+            <a:ext cx="13862274" cy="585844"/>
+          </a:xfrm>
+          <a:prstGeom prst="rect">
+            <a:avLst/>
+          </a:prstGeom>
+          <a:solidFill>
+            <a:srgbClr val="FF9966">
+              <a:alpha val="46000"/>
+            </a:srgbClr>
+          </a:solidFill>
+          <a:ln w="127000" algn="ctr">
+            <a:noFill/>
+            <a:miter lim="800000"/>
+            <a:headEnd/>
+            <a:tailEnd/>
+          </a:ln>
+          <a:effectLst/>
+        </p:spPr>
+        <p:txBody>
+          <a:bodyPr wrap="square" lIns="92498" tIns="46249" rIns="92498" bIns="46249">
+            <a:spAutoFit/>
+          </a:bodyPr>
+          <a:lstStyle/>
+          <a:p>
+            <a:pPr algn="just" defTabSz="4440274"/>
+            <a:r>
+              <a:rPr lang="en-US" sz="3200" b="1" cap="all" dirty="0" smtClean="0">
+                <a:solidFill>
+                  <a:schemeClr val="tx1"/>
+                </a:solidFill>
+                <a:latin typeface="Times New Roman" pitchFamily="18" charset="0"/>
+              </a:rPr>
+              <a:t>6. Scanning process</a:t>
+            </a:r>
+            <a:endParaRPr lang="en-US" sz="3200" b="1" cap="all" dirty="0">
+              <a:solidFill>
+                <a:schemeClr val="tx1"/>
+              </a:solidFill>
+              <a:latin typeface="Times New Roman" pitchFamily="18" charset="0"/>
+            </a:endParaRPr>
+          </a:p>
+        </p:txBody>
+      </p:sp>
+      <p:sp>
+        <p:nvSpPr>
+          <p:cNvPr id="88" name="Text Box 1949"/>
+          <p:cNvSpPr txBox="1">
+            <a:spLocks noChangeArrowheads="1"/>
+          </p:cNvSpPr>
+          <p:nvPr/>
+        </p:nvSpPr>
+        <p:spPr bwMode="auto">
+          <a:xfrm>
+            <a:off x="28544311" y="12649967"/>
+            <a:ext cx="13951299" cy="585844"/>
+          </a:xfrm>
+          <a:prstGeom prst="rect">
+            <a:avLst/>
+          </a:prstGeom>
+          <a:solidFill>
+            <a:srgbClr val="FF9966">
+              <a:alpha val="46000"/>
+            </a:srgbClr>
+          </a:solidFill>
+          <a:ln w="127000" algn="ctr">
+            <a:noFill/>
+            <a:miter lim="800000"/>
+            <a:headEnd/>
+            <a:tailEnd/>
+          </a:ln>
+          <a:effectLst/>
+        </p:spPr>
+        <p:txBody>
+          <a:bodyPr wrap="square" lIns="92498" tIns="46249" rIns="92498" bIns="46249">
+            <a:spAutoFit/>
+          </a:bodyPr>
+          <a:lstStyle/>
+          <a:p>
+            <a:pPr algn="just" defTabSz="4440274"/>
+            <a:r>
+              <a:rPr lang="en-US" sz="3200" b="1" cap="all" dirty="0" smtClean="0">
+                <a:solidFill>
+                  <a:schemeClr val="tx1"/>
+                </a:solidFill>
+                <a:latin typeface="Times New Roman" pitchFamily="18" charset="0"/>
+              </a:rPr>
+              <a:t>8. Conclusions and future work</a:t>
+            </a:r>
+            <a:endParaRPr lang="en-US" sz="3200" b="1" cap="all" dirty="0">
+              <a:solidFill>
+                <a:schemeClr val="tx1"/>
+              </a:solidFill>
+              <a:latin typeface="Times New Roman" pitchFamily="18" charset="0"/>
+            </a:endParaRPr>
+          </a:p>
+        </p:txBody>
+      </p:sp>
+      <p:sp>
+        <p:nvSpPr>
+          <p:cNvPr id="81" name="Text Box 1949"/>
+          <p:cNvSpPr txBox="1">
+            <a:spLocks noChangeArrowheads="1"/>
+          </p:cNvSpPr>
+          <p:nvPr/>
+        </p:nvSpPr>
+        <p:spPr bwMode="auto">
+          <a:xfrm>
+            <a:off x="14703595" y="12340122"/>
+            <a:ext cx="13903006" cy="585844"/>
+          </a:xfrm>
+          <a:prstGeom prst="rect">
+            <a:avLst/>
+          </a:prstGeom>
+          <a:solidFill>
+            <a:srgbClr val="FF9966">
+              <a:alpha val="46000"/>
+            </a:srgbClr>
+          </a:solidFill>
+          <a:ln w="127000" algn="ctr">
+            <a:noFill/>
+            <a:miter lim="800000"/>
+            <a:headEnd/>
+            <a:tailEnd/>
+          </a:ln>
+          <a:effectLst/>
+        </p:spPr>
+        <p:txBody>
+          <a:bodyPr wrap="square" lIns="92498" tIns="46249" rIns="92498" bIns="46249">
+            <a:spAutoFit/>
+          </a:bodyPr>
+          <a:lstStyle/>
+          <a:p>
+            <a:pPr algn="just" defTabSz="4440274"/>
+            <a:r>
+              <a:rPr lang="en-US" sz="3200" b="1" cap="all" dirty="0" smtClean="0">
+                <a:solidFill>
+                  <a:schemeClr val="tx1"/>
+                </a:solidFill>
+                <a:latin typeface="Times New Roman" pitchFamily="18" charset="0"/>
+              </a:rPr>
+              <a:t>5. Hardware</a:t>
+            </a:r>
+            <a:endParaRPr lang="en-US" sz="3200" b="1" cap="all" dirty="0">
+              <a:solidFill>
+                <a:schemeClr val="tx1"/>
+              </a:solidFill>
+              <a:latin typeface="Times New Roman" pitchFamily="18" charset="0"/>
+            </a:endParaRPr>
+          </a:p>
+        </p:txBody>
+      </p:sp>
       <p:sp>
         <p:nvSpPr>
           <p:cNvPr id="9980" name="Line 1788"/>
@@ -5601,9 +5138,9 @@
           <p:nvPr/>
         </p:nvSpPr>
         <p:spPr bwMode="auto">
-          <a:xfrm flipH="1">
-            <a:off x="14525009" y="3098803"/>
-            <a:ext cx="70295" cy="28781357"/>
+          <a:xfrm>
+            <a:off x="14597273" y="4921631"/>
+            <a:ext cx="87049" cy="26958529"/>
           </a:xfrm>
           <a:prstGeom prst="line">
             <a:avLst/>
@@ -5674,7 +5211,7 @@
         </p:nvSpPr>
         <p:spPr bwMode="auto">
           <a:xfrm>
-            <a:off x="958642" y="3134466"/>
+            <a:off x="999375" y="4989051"/>
             <a:ext cx="13570870" cy="585844"/>
           </a:xfrm>
           <a:prstGeom prst="rect">
@@ -5727,7 +5264,7 @@
           <p:nvPr/>
         </p:nvPicPr>
         <p:blipFill>
-          <a:blip r:embed="rId3" cstate="print"/>
+          <a:blip r:embed="rId4" cstate="print"/>
           <a:srcRect l="6177" t="6903" r="6480" b="14189"/>
           <a:stretch>
             <a:fillRect/>
@@ -5949,7 +5486,7 @@
         </p:nvSpPr>
         <p:spPr bwMode="auto">
           <a:xfrm flipV="1">
-            <a:off x="960010" y="3041779"/>
+            <a:off x="1000743" y="4896364"/>
             <a:ext cx="41535601" cy="25267"/>
           </a:xfrm>
           <a:prstGeom prst="line">
@@ -5987,8 +5524,8 @@
         </p:nvSpPr>
         <p:spPr bwMode="auto">
           <a:xfrm flipH="1">
-            <a:off x="28525136" y="3041779"/>
-            <a:ext cx="81465" cy="28838382"/>
+            <a:off x="28482021" y="4921630"/>
+            <a:ext cx="124580" cy="26972641"/>
           </a:xfrm>
           <a:prstGeom prst="line">
             <a:avLst/>
@@ -6023,7 +5560,7 @@
           <p:nvPr/>
         </p:nvPicPr>
         <p:blipFill>
-          <a:blip r:embed="rId4" cstate="print"/>
+          <a:blip r:embed="rId5" cstate="print"/>
           <a:srcRect/>
           <a:stretch>
             <a:fillRect/>
@@ -6349,19 +5886,7 @@
                 <a:latin typeface="Century Schoolbook" pitchFamily="18" charset="0"/>
                 <a:cs typeface="Times New Roman" pitchFamily="18" charset="0"/>
               </a:rPr>
-              <a:t>Fully Reversed </a:t>
-            </a:r>
-            <a:r>
-              <a:rPr lang="en-US" sz="5400" b="1" dirty="0" smtClean="0">
-                <a:effectLst>
-                  <a:outerShdw blurRad="38100" dist="38100" dir="2700000" algn="tl">
-                    <a:srgbClr val="C0C0C0"/>
-                  </a:outerShdw>
-                </a:effectLst>
-                <a:latin typeface="Century Schoolbook" pitchFamily="18" charset="0"/>
-                <a:cs typeface="Times New Roman" pitchFamily="18" charset="0"/>
-              </a:rPr>
-              <a:t>Engineering: Streamlining three-dimensional component digitization, modification, and reproduction</a:t>
+              <a:t>Fully Reversed Engineering: Streamlining three-dimensional component digitization, modification, and reproduction</a:t>
             </a:r>
           </a:p>
         </p:txBody>
@@ -7375,7 +6900,7 @@
         </p:nvSpPr>
         <p:spPr>
           <a:xfrm>
-            <a:off x="1028247" y="3716661"/>
+            <a:off x="1068980" y="5571246"/>
             <a:ext cx="12832303" cy="1569660"/>
           </a:xfrm>
           <a:prstGeom prst="rect">
@@ -7429,64 +6954,16 @@
           </a:p>
         </p:txBody>
       </p:sp>
-      <p:graphicFrame>
-        <p:nvGraphicFramePr>
-          <p:cNvPr id="91" name="Chart 90"/>
-          <p:cNvGraphicFramePr>
-            <a:graphicFrameLocks/>
-          </p:cNvGraphicFramePr>
-          <p:nvPr>
-            <p:extLst>
-              <p:ext uri="{D42A27DB-BD31-4B8C-83A1-F6EECF244321}">
-                <p14:modId xmlns:p14="http://schemas.microsoft.com/office/powerpoint/2010/main" val="3447605877"/>
-              </p:ext>
-            </p:extLst>
-          </p:nvPr>
-        </p:nvGraphicFramePr>
-        <p:xfrm>
-          <a:off x="1221899" y="25452378"/>
-          <a:ext cx="6423026" cy="5197475"/>
-        </p:xfrm>
-        <a:graphic>
-          <a:graphicData uri="http://schemas.openxmlformats.org/drawingml/2006/chart">
-            <c:chart xmlns:c="http://schemas.openxmlformats.org/drawingml/2006/chart" xmlns:r="http://schemas.openxmlformats.org/officeDocument/2006/relationships" r:id="rId5"/>
-          </a:graphicData>
-        </a:graphic>
-      </p:graphicFrame>
-      <p:graphicFrame>
-        <p:nvGraphicFramePr>
-          <p:cNvPr id="93" name="Chart 92"/>
-          <p:cNvGraphicFramePr>
-            <a:graphicFrameLocks/>
-          </p:cNvGraphicFramePr>
-          <p:nvPr>
-            <p:extLst>
-              <p:ext uri="{D42A27DB-BD31-4B8C-83A1-F6EECF244321}">
-                <p14:modId xmlns:p14="http://schemas.microsoft.com/office/powerpoint/2010/main" val="2058108898"/>
-              </p:ext>
-            </p:extLst>
-          </p:nvPr>
-        </p:nvGraphicFramePr>
-        <p:xfrm>
-          <a:off x="7707400" y="26924708"/>
-          <a:ext cx="6153150" cy="2743200"/>
-        </p:xfrm>
-        <a:graphic>
-          <a:graphicData uri="http://schemas.openxmlformats.org/drawingml/2006/chart">
-            <c:chart xmlns:c="http://schemas.openxmlformats.org/drawingml/2006/chart" xmlns:r="http://schemas.openxmlformats.org/officeDocument/2006/relationships" r:id="rId6"/>
-          </a:graphicData>
-        </a:graphic>
-      </p:graphicFrame>
       <p:pic>
         <p:nvPicPr>
-          <p:cNvPr id="4" name="Picture 3"/>
+          <p:cNvPr id="9" name="Picture 8"/>
           <p:cNvPicPr>
             <a:picLocks noChangeAspect="1"/>
           </p:cNvPicPr>
           <p:nvPr/>
         </p:nvPicPr>
         <p:blipFill>
-          <a:blip r:embed="rId7">
+          <a:blip r:embed="rId6">
             <a:extLst>
               <a:ext uri="{28A0092B-C50C-407E-A947-70E740481C1C}">
                 <a14:useLocalDpi xmlns:a14="http://schemas.microsoft.com/office/drawing/2010/main" val="0"/>
@@ -7499,37 +6976,7 @@
         </p:blipFill>
         <p:spPr>
           <a:xfrm>
-            <a:off x="23817429" y="3806109"/>
-            <a:ext cx="4579008" cy="3866354"/>
-          </a:xfrm>
-          <a:prstGeom prst="rect">
-            <a:avLst/>
-          </a:prstGeom>
-        </p:spPr>
-      </p:pic>
-      <p:pic>
-        <p:nvPicPr>
-          <p:cNvPr id="9" name="Picture 8"/>
-          <p:cNvPicPr>
-            <a:picLocks noChangeAspect="1"/>
-          </p:cNvPicPr>
-          <p:nvPr/>
-        </p:nvPicPr>
-        <p:blipFill>
-          <a:blip r:embed="rId8">
-            <a:extLst>
-              <a:ext uri="{28A0092B-C50C-407E-A947-70E740481C1C}">
-                <a14:useLocalDpi xmlns:a14="http://schemas.microsoft.com/office/drawing/2010/main" val="0"/>
-              </a:ext>
-            </a:extLst>
-          </a:blip>
-          <a:stretch>
-            <a:fillRect/>
-          </a:stretch>
-        </p:blipFill>
-        <p:spPr>
-          <a:xfrm>
-            <a:off x="11547106" y="19928238"/>
+            <a:off x="11614863" y="21348229"/>
             <a:ext cx="2790906" cy="2838410"/>
           </a:xfrm>
           <a:prstGeom prst="rect">
@@ -7546,7 +6993,7 @@
           <p:nvPr/>
         </p:nvPicPr>
         <p:blipFill>
-          <a:blip r:embed="rId9">
+          <a:blip r:embed="rId7">
             <a:extLst>
               <a:ext uri="{28A0092B-C50C-407E-A947-70E740481C1C}">
                 <a14:useLocalDpi xmlns:a14="http://schemas.microsoft.com/office/drawing/2010/main" val="0"/>
@@ -7586,8 +7033,8 @@
         </p:nvSpPr>
         <p:spPr>
           <a:xfrm>
-            <a:off x="1132241" y="6451733"/>
-            <a:ext cx="8241688" cy="4524315"/>
+            <a:off x="1132241" y="8021807"/>
+            <a:ext cx="12769042" cy="3416320"/>
           </a:xfrm>
           <a:prstGeom prst="rect">
             <a:avLst/>
@@ -7665,10 +7112,22 @@
               <a:buChar char="•"/>
             </a:pPr>
             <a:r>
+              <a:rPr lang="en-US" sz="2400" dirty="0">
+                <a:latin typeface="Century Schoolbook" pitchFamily="18" charset="0"/>
+              </a:rPr>
+              <a:t>T</a:t>
+            </a:r>
+            <a:r>
               <a:rPr lang="en-US" sz="2400" dirty="0" smtClean="0">
                 <a:latin typeface="Century Schoolbook" pitchFamily="18" charset="0"/>
               </a:rPr>
-              <a:t>Therefore, the goal of this project is to build a full field-of-view digitization system at significantly lower cost.</a:t>
+              <a:t>he </a:t>
+            </a:r>
+            <a:r>
+              <a:rPr lang="en-US" sz="2400" dirty="0" smtClean="0">
+                <a:latin typeface="Century Schoolbook" pitchFamily="18" charset="0"/>
+              </a:rPr>
+              <a:t>goal of this project is to build a full field-of-view digitization system at significantly lower cost.</a:t>
             </a:r>
             <a:endParaRPr lang="en-US" sz="2400" dirty="0">
               <a:latin typeface="Century Schoolbook" pitchFamily="18" charset="0"/>
@@ -7676,47 +7135,6 @@
           </a:p>
         </p:txBody>
       </p:sp>
-      <p:pic>
-        <p:nvPicPr>
-          <p:cNvPr id="1030" name="Picture 6" descr="3D Scanner"/>
-          <p:cNvPicPr>
-            <a:picLocks noChangeAspect="1" noChangeArrowheads="1"/>
-          </p:cNvPicPr>
-          <p:nvPr/>
-        </p:nvPicPr>
-        <p:blipFill>
-          <a:blip r:embed="rId10">
-            <a:extLst>
-              <a:ext uri="{28A0092B-C50C-407E-A947-70E740481C1C}">
-                <a14:useLocalDpi xmlns:a14="http://schemas.microsoft.com/office/drawing/2010/main" val="0"/>
-              </a:ext>
-            </a:extLst>
-          </a:blip>
-          <a:srcRect/>
-          <a:stretch>
-            <a:fillRect/>
-          </a:stretch>
-        </p:blipFill>
-        <p:spPr bwMode="auto">
-          <a:xfrm>
-            <a:off x="9500119" y="6182320"/>
-            <a:ext cx="4905299" cy="3678974"/>
-          </a:xfrm>
-          <a:prstGeom prst="rect">
-            <a:avLst/>
-          </a:prstGeom>
-          <a:noFill/>
-          <a:extLst>
-            <a:ext uri="{909E8E84-426E-40DD-AFC4-6F175D3DCCD1}">
-              <a14:hiddenFill xmlns:a14="http://schemas.microsoft.com/office/drawing/2010/main">
-                <a:solidFill>
-                  <a:srgbClr val="FFFFFF"/>
-                </a:solidFill>
-              </a14:hiddenFill>
-            </a:ext>
-          </a:extLst>
-        </p:spPr>
-      </p:pic>
       <p:sp>
         <p:nvSpPr>
           <p:cNvPr id="73" name="TextBox 72"/>
@@ -7725,8 +7143,8 @@
         </p:nvSpPr>
         <p:spPr>
           <a:xfrm>
-            <a:off x="7982062" y="25305101"/>
-            <a:ext cx="6423809" cy="1569660"/>
+            <a:off x="15352818" y="5636368"/>
+            <a:ext cx="11630421" cy="1569660"/>
           </a:xfrm>
           <a:prstGeom prst="rect">
             <a:avLst/>
@@ -7747,8 +7165,32 @@
               <a:rPr lang="en-US" sz="2400" dirty="0" smtClean="0">
                 <a:latin typeface="Century Schoolbook" pitchFamily="18" charset="0"/>
               </a:rPr>
-              <a:t>We tested the binary method through simulating using the open-source software POV-Ray.</a:t>
+              <a:t>We tested the binary method through simulating using the open-source software POV-Ray</a:t>
             </a:r>
+            <a:r>
+              <a:rPr lang="en-US" sz="2400" dirty="0" smtClean="0">
+                <a:latin typeface="Century Schoolbook" pitchFamily="18" charset="0"/>
+              </a:rPr>
+              <a:t>.</a:t>
+            </a:r>
+            <a:endParaRPr lang="en-US" sz="2400" dirty="0">
+              <a:latin typeface="Century Schoolbook" pitchFamily="18" charset="0"/>
+            </a:endParaRPr>
+          </a:p>
+          <a:p>
+            <a:pPr marL="342900" indent="-342900" algn="l">
+              <a:buFont typeface="Arial" pitchFamily="34" charset="0"/>
+              <a:buChar char="•"/>
+            </a:pPr>
+            <a:r>
+              <a:rPr lang="en-US" sz="2400" dirty="0" smtClean="0">
+                <a:latin typeface="Century Schoolbook" pitchFamily="18" charset="0"/>
+              </a:rPr>
+              <a:t>A sphere was scanned and radii were fitted to cross sections of the point cloud.</a:t>
+            </a:r>
+            <a:endParaRPr lang="en-US" sz="2400" dirty="0" smtClean="0">
+              <a:latin typeface="Century Schoolbook" pitchFamily="18" charset="0"/>
+            </a:endParaRPr>
           </a:p>
           <a:p>
             <a:pPr marL="342900" indent="-342900" algn="l">
@@ -7771,7 +7213,7 @@
         </p:nvSpPr>
         <p:spPr bwMode="auto">
           <a:xfrm>
-            <a:off x="973882" y="5399005"/>
+            <a:off x="1014615" y="7253590"/>
             <a:ext cx="13551127" cy="585844"/>
           </a:xfrm>
           <a:prstGeom prst="rect">
@@ -7825,7 +7267,7 @@
         </p:nvSpPr>
         <p:spPr bwMode="auto">
           <a:xfrm flipV="1">
-            <a:off x="855729" y="5328761"/>
+            <a:off x="896462" y="7183346"/>
             <a:ext cx="13739575" cy="8358"/>
           </a:xfrm>
           <a:prstGeom prst="line">
@@ -7855,7 +7297,83 @@
       </p:sp>
       <p:sp>
         <p:nvSpPr>
-          <p:cNvPr id="76" name="Text Box 1949"/>
+          <p:cNvPr id="78" name="Line 1789"/>
+          <p:cNvSpPr>
+            <a:spLocks noChangeShapeType="1"/>
+          </p:cNvSpPr>
+          <p:nvPr/>
+        </p:nvSpPr>
+        <p:spPr bwMode="auto">
+          <a:xfrm flipV="1">
+            <a:off x="933011" y="13197903"/>
+            <a:ext cx="13739575" cy="6907"/>
+          </a:xfrm>
+          <a:prstGeom prst="line">
+            <a:avLst/>
+          </a:prstGeom>
+          <a:noFill/>
+          <a:ln w="127000">
+            <a:solidFill>
+              <a:srgbClr val="990000"/>
+            </a:solidFill>
+            <a:round/>
+            <a:headEnd/>
+            <a:tailEnd/>
+          </a:ln>
+          <a:effectLst/>
+        </p:spPr>
+        <p:txBody>
+          <a:bodyPr wrap="square" lIns="92498" tIns="46249" rIns="92498" bIns="46249">
+            <a:spAutoFit/>
+          </a:bodyPr>
+          <a:lstStyle/>
+          <a:p>
+            <a:pPr algn="just"/>
+            <a:endParaRPr lang="en-US" dirty="0"/>
+          </a:p>
+        </p:txBody>
+      </p:sp>
+      <p:sp>
+        <p:nvSpPr>
+          <p:cNvPr id="85" name="Line 1789"/>
+          <p:cNvSpPr>
+            <a:spLocks noChangeShapeType="1"/>
+          </p:cNvSpPr>
+          <p:nvPr/>
+        </p:nvSpPr>
+        <p:spPr bwMode="auto">
+          <a:xfrm flipV="1">
+            <a:off x="14593012" y="19752601"/>
+            <a:ext cx="14013589" cy="0"/>
+          </a:xfrm>
+          <a:prstGeom prst="line">
+            <a:avLst/>
+          </a:prstGeom>
+          <a:noFill/>
+          <a:ln w="127000">
+            <a:solidFill>
+              <a:srgbClr val="990000"/>
+            </a:solidFill>
+            <a:round/>
+            <a:headEnd/>
+            <a:tailEnd/>
+          </a:ln>
+          <a:effectLst/>
+        </p:spPr>
+        <p:txBody>
+          <a:bodyPr wrap="square" lIns="92498" tIns="46249" rIns="92498" bIns="46249">
+            <a:spAutoFit/>
+          </a:bodyPr>
+          <a:lstStyle/>
+          <a:p>
+            <a:pPr algn="just"/>
+            <a:endParaRPr lang="en-US" dirty="0"/>
+          </a:p>
+        </p:txBody>
+      </p:sp>
+      <p:sp>
+        <p:nvSpPr>
+          <p:cNvPr id="86" name="Text Box 1949"/>
           <p:cNvSpPr txBox="1">
             <a:spLocks noChangeArrowheads="1"/>
           </p:cNvSpPr>
@@ -7863,8 +7381,8 @@
         </p:nvSpPr>
         <p:spPr bwMode="auto">
           <a:xfrm>
-            <a:off x="971431" y="11847352"/>
-            <a:ext cx="13540878" cy="585844"/>
+            <a:off x="28646455" y="4989051"/>
+            <a:ext cx="13811232" cy="590192"/>
           </a:xfrm>
           <a:prstGeom prst="rect">
             <a:avLst/>
@@ -7896,391 +7414,7 @@
                 </a:solidFill>
                 <a:latin typeface="Times New Roman" pitchFamily="18" charset="0"/>
               </a:rPr>
-              <a:t>3. Structured light reconstruction concept</a:t>
-            </a:r>
-            <a:endParaRPr lang="en-US" sz="3200" b="1" cap="all" dirty="0">
-              <a:solidFill>
-                <a:schemeClr val="tx1"/>
-              </a:solidFill>
-              <a:latin typeface="Times New Roman" pitchFamily="18" charset="0"/>
-            </a:endParaRPr>
-          </a:p>
-        </p:txBody>
-      </p:sp>
-      <p:sp>
-        <p:nvSpPr>
-          <p:cNvPr id="78" name="Line 1789"/>
-          <p:cNvSpPr>
-            <a:spLocks noChangeShapeType="1"/>
-          </p:cNvSpPr>
-          <p:nvPr/>
-        </p:nvSpPr>
-        <p:spPr bwMode="auto">
-          <a:xfrm flipV="1">
-            <a:off x="865254" y="11777912"/>
-            <a:ext cx="13739575" cy="6907"/>
-          </a:xfrm>
-          <a:prstGeom prst="line">
-            <a:avLst/>
-          </a:prstGeom>
-          <a:noFill/>
-          <a:ln w="127000">
-            <a:solidFill>
-              <a:srgbClr val="990000"/>
-            </a:solidFill>
-            <a:round/>
-            <a:headEnd/>
-            <a:tailEnd/>
-          </a:ln>
-          <a:effectLst/>
-        </p:spPr>
-        <p:txBody>
-          <a:bodyPr wrap="square" lIns="92498" tIns="46249" rIns="92498" bIns="46249">
-            <a:spAutoFit/>
-          </a:bodyPr>
-          <a:lstStyle/>
-          <a:p>
-            <a:pPr algn="just"/>
-            <a:endParaRPr lang="en-US" dirty="0"/>
-          </a:p>
-        </p:txBody>
-      </p:sp>
-      <p:sp>
-        <p:nvSpPr>
-          <p:cNvPr id="79" name="Text Box 1949"/>
-          <p:cNvSpPr txBox="1">
-            <a:spLocks noChangeArrowheads="1"/>
-          </p:cNvSpPr>
-          <p:nvPr/>
-        </p:nvSpPr>
-        <p:spPr bwMode="auto">
-          <a:xfrm>
-            <a:off x="936505" y="24566402"/>
-            <a:ext cx="13551127" cy="585844"/>
-          </a:xfrm>
-          <a:prstGeom prst="rect">
-            <a:avLst/>
-          </a:prstGeom>
-          <a:solidFill>
-            <a:srgbClr val="FF9966">
-              <a:alpha val="46000"/>
-            </a:srgbClr>
-          </a:solidFill>
-          <a:ln w="127000" algn="ctr">
-            <a:noFill/>
-            <a:miter lim="800000"/>
-            <a:headEnd/>
-            <a:tailEnd/>
-          </a:ln>
-          <a:effectLst/>
-        </p:spPr>
-        <p:txBody>
-          <a:bodyPr wrap="square" lIns="92498" tIns="46249" rIns="92498" bIns="46249">
-            <a:spAutoFit/>
-          </a:bodyPr>
-          <a:lstStyle/>
-          <a:p>
-            <a:pPr algn="just" defTabSz="4440274"/>
-            <a:r>
-              <a:rPr lang="en-US" sz="3200" b="1" cap="all" dirty="0" smtClean="0">
-                <a:solidFill>
-                  <a:schemeClr val="tx1"/>
-                </a:solidFill>
-                <a:latin typeface="Times New Roman" pitchFamily="18" charset="0"/>
-              </a:rPr>
-              <a:t>4. Testing the concept through simulation</a:t>
-            </a:r>
-            <a:endParaRPr lang="en-US" sz="3200" b="1" cap="all" dirty="0">
-              <a:solidFill>
-                <a:schemeClr val="tx1"/>
-              </a:solidFill>
-              <a:latin typeface="Times New Roman" pitchFamily="18" charset="0"/>
-            </a:endParaRPr>
-          </a:p>
-        </p:txBody>
-      </p:sp>
-      <p:sp>
-        <p:nvSpPr>
-          <p:cNvPr id="80" name="Line 1789"/>
-          <p:cNvSpPr>
-            <a:spLocks noChangeShapeType="1"/>
-          </p:cNvSpPr>
-          <p:nvPr/>
-        </p:nvSpPr>
-        <p:spPr bwMode="auto">
-          <a:xfrm flipV="1">
-            <a:off x="855728" y="24490612"/>
-            <a:ext cx="13739575" cy="6907"/>
-          </a:xfrm>
-          <a:prstGeom prst="line">
-            <a:avLst/>
-          </a:prstGeom>
-          <a:noFill/>
-          <a:ln w="127000">
-            <a:solidFill>
-              <a:srgbClr val="990000"/>
-            </a:solidFill>
-            <a:round/>
-            <a:headEnd/>
-            <a:tailEnd/>
-          </a:ln>
-          <a:effectLst/>
-        </p:spPr>
-        <p:txBody>
-          <a:bodyPr wrap="square" lIns="92498" tIns="46249" rIns="92498" bIns="46249">
-            <a:spAutoFit/>
-          </a:bodyPr>
-          <a:lstStyle/>
-          <a:p>
-            <a:pPr algn="just"/>
-            <a:endParaRPr lang="en-US" dirty="0"/>
-          </a:p>
-        </p:txBody>
-      </p:sp>
-      <p:sp>
-        <p:nvSpPr>
-          <p:cNvPr id="81" name="Text Box 1949"/>
-          <p:cNvSpPr txBox="1">
-            <a:spLocks noChangeArrowheads="1"/>
-          </p:cNvSpPr>
-          <p:nvPr/>
-        </p:nvSpPr>
-        <p:spPr bwMode="auto">
-          <a:xfrm>
-            <a:off x="14662862" y="3138814"/>
-            <a:ext cx="13903006" cy="585844"/>
-          </a:xfrm>
-          <a:prstGeom prst="rect">
-            <a:avLst/>
-          </a:prstGeom>
-          <a:solidFill>
-            <a:srgbClr val="FF9966">
-              <a:alpha val="46000"/>
-            </a:srgbClr>
-          </a:solidFill>
-          <a:ln w="127000" algn="ctr">
-            <a:noFill/>
-            <a:miter lim="800000"/>
-            <a:headEnd/>
-            <a:tailEnd/>
-          </a:ln>
-          <a:effectLst/>
-        </p:spPr>
-        <p:txBody>
-          <a:bodyPr wrap="square" lIns="92498" tIns="46249" rIns="92498" bIns="46249">
-            <a:spAutoFit/>
-          </a:bodyPr>
-          <a:lstStyle/>
-          <a:p>
-            <a:pPr algn="just" defTabSz="4440274"/>
-            <a:r>
-              <a:rPr lang="en-US" sz="3200" b="1" cap="all" dirty="0" smtClean="0">
-                <a:solidFill>
-                  <a:schemeClr val="tx1"/>
-                </a:solidFill>
-                <a:latin typeface="Times New Roman" pitchFamily="18" charset="0"/>
-              </a:rPr>
-              <a:t>5. Hardware</a:t>
-            </a:r>
-            <a:endParaRPr lang="en-US" sz="3200" b="1" cap="all" dirty="0">
-              <a:solidFill>
-                <a:schemeClr val="tx1"/>
-              </a:solidFill>
-              <a:latin typeface="Times New Roman" pitchFamily="18" charset="0"/>
-            </a:endParaRPr>
-          </a:p>
-        </p:txBody>
-      </p:sp>
-      <p:sp>
-        <p:nvSpPr>
-          <p:cNvPr id="84" name="Text Box 1949"/>
-          <p:cNvSpPr txBox="1">
-            <a:spLocks noChangeArrowheads="1"/>
-          </p:cNvSpPr>
-          <p:nvPr/>
-        </p:nvSpPr>
-        <p:spPr bwMode="auto">
-          <a:xfrm>
-            <a:off x="14642727" y="12305736"/>
-            <a:ext cx="13862274" cy="585844"/>
-          </a:xfrm>
-          <a:prstGeom prst="rect">
-            <a:avLst/>
-          </a:prstGeom>
-          <a:solidFill>
-            <a:srgbClr val="FF9966">
-              <a:alpha val="46000"/>
-            </a:srgbClr>
-          </a:solidFill>
-          <a:ln w="127000" algn="ctr">
-            <a:noFill/>
-            <a:miter lim="800000"/>
-            <a:headEnd/>
-            <a:tailEnd/>
-          </a:ln>
-          <a:effectLst/>
-        </p:spPr>
-        <p:txBody>
-          <a:bodyPr wrap="square" lIns="92498" tIns="46249" rIns="92498" bIns="46249">
-            <a:spAutoFit/>
-          </a:bodyPr>
-          <a:lstStyle/>
-          <a:p>
-            <a:pPr algn="just" defTabSz="4440274"/>
-            <a:r>
-              <a:rPr lang="en-US" sz="3200" b="1" cap="all" dirty="0" smtClean="0">
-                <a:solidFill>
-                  <a:schemeClr val="tx1"/>
-                </a:solidFill>
-                <a:latin typeface="Times New Roman" pitchFamily="18" charset="0"/>
-              </a:rPr>
-              <a:t>6. Scanning process</a:t>
-            </a:r>
-            <a:endParaRPr lang="en-US" sz="3200" b="1" cap="all" dirty="0">
-              <a:solidFill>
-                <a:schemeClr val="tx1"/>
-              </a:solidFill>
-              <a:latin typeface="Times New Roman" pitchFamily="18" charset="0"/>
-            </a:endParaRPr>
-          </a:p>
-        </p:txBody>
-      </p:sp>
-      <p:sp>
-        <p:nvSpPr>
-          <p:cNvPr id="85" name="Line 1789"/>
-          <p:cNvSpPr>
-            <a:spLocks noChangeShapeType="1"/>
-          </p:cNvSpPr>
-          <p:nvPr/>
-        </p:nvSpPr>
-        <p:spPr bwMode="auto">
-          <a:xfrm flipV="1">
-            <a:off x="14593012" y="12248223"/>
-            <a:ext cx="14013589" cy="0"/>
-          </a:xfrm>
-          <a:prstGeom prst="line">
-            <a:avLst/>
-          </a:prstGeom>
-          <a:noFill/>
-          <a:ln w="127000">
-            <a:solidFill>
-              <a:srgbClr val="990000"/>
-            </a:solidFill>
-            <a:round/>
-            <a:headEnd/>
-            <a:tailEnd/>
-          </a:ln>
-          <a:effectLst/>
-        </p:spPr>
-        <p:txBody>
-          <a:bodyPr wrap="square" lIns="92498" tIns="46249" rIns="92498" bIns="46249">
-            <a:spAutoFit/>
-          </a:bodyPr>
-          <a:lstStyle/>
-          <a:p>
-            <a:pPr algn="just"/>
-            <a:endParaRPr lang="en-US" dirty="0"/>
-          </a:p>
-        </p:txBody>
-      </p:sp>
-      <p:sp>
-        <p:nvSpPr>
-          <p:cNvPr id="86" name="Text Box 1949"/>
-          <p:cNvSpPr txBox="1">
-            <a:spLocks noChangeArrowheads="1"/>
-          </p:cNvSpPr>
-          <p:nvPr/>
-        </p:nvSpPr>
-        <p:spPr bwMode="auto">
-          <a:xfrm>
-            <a:off x="28700315" y="3138814"/>
-            <a:ext cx="13723738" cy="585844"/>
-          </a:xfrm>
-          <a:prstGeom prst="rect">
-            <a:avLst/>
-          </a:prstGeom>
-          <a:solidFill>
-            <a:srgbClr val="FF9966">
-              <a:alpha val="46000"/>
-            </a:srgbClr>
-          </a:solidFill>
-          <a:ln w="127000" algn="ctr">
-            <a:noFill/>
-            <a:miter lim="800000"/>
-            <a:headEnd/>
-            <a:tailEnd/>
-          </a:ln>
-          <a:effectLst/>
-        </p:spPr>
-        <p:txBody>
-          <a:bodyPr wrap="square" lIns="92498" tIns="46249" rIns="92498" bIns="46249">
-            <a:spAutoFit/>
-          </a:bodyPr>
-          <a:lstStyle/>
-          <a:p>
-            <a:pPr algn="just" defTabSz="4440274"/>
-            <a:r>
-              <a:rPr lang="en-US" sz="3200" b="1" cap="all" dirty="0" smtClean="0">
-                <a:solidFill>
-                  <a:schemeClr val="tx1"/>
-                </a:solidFill>
-                <a:latin typeface="Times New Roman" pitchFamily="18" charset="0"/>
-              </a:rPr>
               <a:t>7. Results</a:t>
-            </a:r>
-            <a:endParaRPr lang="en-US" sz="3200" b="1" cap="all" dirty="0">
-              <a:solidFill>
-                <a:schemeClr val="tx1"/>
-              </a:solidFill>
-              <a:latin typeface="Times New Roman" pitchFamily="18" charset="0"/>
-            </a:endParaRPr>
-          </a:p>
-        </p:txBody>
-      </p:sp>
-      <p:sp>
-        <p:nvSpPr>
-          <p:cNvPr id="88" name="Text Box 1949"/>
-          <p:cNvSpPr txBox="1">
-            <a:spLocks noChangeArrowheads="1"/>
-          </p:cNvSpPr>
-          <p:nvPr/>
-        </p:nvSpPr>
-        <p:spPr bwMode="auto">
-          <a:xfrm>
-            <a:off x="28678158" y="12649967"/>
-            <a:ext cx="13817452" cy="585844"/>
-          </a:xfrm>
-          <a:prstGeom prst="rect">
-            <a:avLst/>
-          </a:prstGeom>
-          <a:solidFill>
-            <a:srgbClr val="FF9966">
-              <a:alpha val="46000"/>
-            </a:srgbClr>
-          </a:solidFill>
-          <a:ln w="127000" algn="ctr">
-            <a:noFill/>
-            <a:miter lim="800000"/>
-            <a:headEnd/>
-            <a:tailEnd/>
-          </a:ln>
-          <a:effectLst/>
-        </p:spPr>
-        <p:txBody>
-          <a:bodyPr wrap="square" lIns="92498" tIns="46249" rIns="92498" bIns="46249">
-            <a:spAutoFit/>
-          </a:bodyPr>
-          <a:lstStyle/>
-          <a:p>
-            <a:pPr algn="just" defTabSz="4440274"/>
-            <a:r>
-              <a:rPr lang="en-US" sz="3200" b="1" cap="all" dirty="0" smtClean="0">
-                <a:solidFill>
-                  <a:schemeClr val="tx1"/>
-                </a:solidFill>
-                <a:latin typeface="Times New Roman" pitchFamily="18" charset="0"/>
-              </a:rPr>
-              <a:t>8. Conclusions and future work</a:t>
             </a:r>
             <a:endParaRPr lang="en-US" sz="3200" b="1" cap="all" dirty="0">
               <a:solidFill>
@@ -8401,7 +7535,7 @@
         </p:nvSpPr>
         <p:spPr bwMode="auto">
           <a:xfrm>
-            <a:off x="3084032" y="12615889"/>
+            <a:off x="3151789" y="14035880"/>
             <a:ext cx="4717016" cy="1191816"/>
           </a:xfrm>
           <a:prstGeom prst="roundRect">
@@ -8465,17 +7599,6 @@
               </a:rPr>
               <a:t>Project binary patterns onto object</a:t>
             </a:r>
-            <a:endParaRPr kumimoji="0" lang="en-US" sz="3200" b="0" i="0" u="none" strike="noStrike" cap="none" normalizeH="0" baseline="0" dirty="0" smtClean="0">
-              <a:ln>
-                <a:noFill/>
-              </a:ln>
-              <a:solidFill>
-                <a:schemeClr val="tx2"/>
-              </a:solidFill>
-              <a:effectLst/>
-              <a:latin typeface="Century Schoolbook" pitchFamily="18" charset="0"/>
-              <a:cs typeface="Arial" charset="0"/>
-            </a:endParaRPr>
           </a:p>
         </p:txBody>
       </p:sp>
@@ -8488,7 +7611,7 @@
           <p:nvPr/>
         </p:nvPicPr>
         <p:blipFill>
-          <a:blip r:embed="rId11" cstate="print">
+          <a:blip r:embed="rId8" cstate="print">
             <a:extLst>
               <a:ext uri="{28A0092B-C50C-407E-A947-70E740481C1C}">
                 <a14:useLocalDpi xmlns:a14="http://schemas.microsoft.com/office/drawing/2010/main" val="0"/>
@@ -8502,7 +7625,7 @@
         </p:blipFill>
         <p:spPr bwMode="auto">
           <a:xfrm>
-            <a:off x="1014975" y="12529719"/>
+            <a:off x="1082732" y="13949710"/>
             <a:ext cx="1902396" cy="1277986"/>
           </a:xfrm>
           <a:prstGeom prst="rect">
@@ -8528,7 +7651,7 @@
         </p:nvSpPr>
         <p:spPr bwMode="auto">
           <a:xfrm>
-            <a:off x="3084032" y="14321315"/>
+            <a:off x="3151789" y="15741306"/>
             <a:ext cx="4717016" cy="646986"/>
           </a:xfrm>
           <a:prstGeom prst="roundRect">
@@ -8592,17 +7715,6 @@
               </a:rPr>
               <a:t>Capture patterns</a:t>
             </a:r>
-            <a:endParaRPr kumimoji="0" lang="en-US" sz="3200" b="0" i="0" u="none" strike="noStrike" cap="none" normalizeH="0" baseline="0" dirty="0" smtClean="0">
-              <a:ln>
-                <a:noFill/>
-              </a:ln>
-              <a:solidFill>
-                <a:schemeClr val="tx2"/>
-              </a:solidFill>
-              <a:effectLst/>
-              <a:latin typeface="Century Schoolbook" pitchFamily="18" charset="0"/>
-              <a:cs typeface="Arial" charset="0"/>
-            </a:endParaRPr>
           </a:p>
         </p:txBody>
       </p:sp>
@@ -8614,7 +7726,7 @@
         </p:nvSpPr>
         <p:spPr bwMode="auto">
           <a:xfrm>
-            <a:off x="3084032" y="15451750"/>
+            <a:off x="3151789" y="16871741"/>
             <a:ext cx="4717016" cy="1191816"/>
           </a:xfrm>
           <a:prstGeom prst="roundRect">
@@ -8678,17 +7790,6 @@
               </a:rPr>
               <a:t>Calculate difference between images</a:t>
             </a:r>
-            <a:endParaRPr kumimoji="0" lang="en-US" sz="3200" b="0" i="0" u="none" strike="noStrike" cap="none" normalizeH="0" baseline="0" dirty="0" smtClean="0">
-              <a:ln>
-                <a:noFill/>
-              </a:ln>
-              <a:solidFill>
-                <a:schemeClr val="tx2"/>
-              </a:solidFill>
-              <a:effectLst/>
-              <a:latin typeface="Century Schoolbook" pitchFamily="18" charset="0"/>
-              <a:cs typeface="Arial" charset="0"/>
-            </a:endParaRPr>
           </a:p>
         </p:txBody>
       </p:sp>
@@ -8700,7 +7801,7 @@
         </p:nvSpPr>
         <p:spPr bwMode="auto">
           <a:xfrm>
-            <a:off x="3084032" y="17166505"/>
+            <a:off x="3151789" y="18586496"/>
             <a:ext cx="4717016" cy="646986"/>
           </a:xfrm>
           <a:prstGeom prst="roundRect">
@@ -8764,17 +7865,6 @@
               </a:rPr>
               <a:t>Compute pixel indices</a:t>
             </a:r>
-            <a:endParaRPr kumimoji="0" lang="en-US" sz="3200" b="0" i="0" u="none" strike="noStrike" cap="none" normalizeH="0" baseline="0" dirty="0" smtClean="0">
-              <a:ln>
-                <a:noFill/>
-              </a:ln>
-              <a:solidFill>
-                <a:schemeClr val="tx2"/>
-              </a:solidFill>
-              <a:effectLst/>
-              <a:latin typeface="Century Schoolbook" pitchFamily="18" charset="0"/>
-              <a:cs typeface="Arial" charset="0"/>
-            </a:endParaRPr>
           </a:p>
         </p:txBody>
       </p:sp>
@@ -8786,7 +7876,7 @@
         </p:nvSpPr>
         <p:spPr bwMode="auto">
           <a:xfrm>
-            <a:off x="8440633" y="12615889"/>
+            <a:off x="8508390" y="14035880"/>
             <a:ext cx="3807133" cy="1191816"/>
           </a:xfrm>
           <a:prstGeom prst="roundRect">
@@ -8886,7 +7976,7 @@
         </p:nvSpPr>
         <p:spPr bwMode="auto">
           <a:xfrm rot="5400000">
-            <a:off x="5252975" y="13740832"/>
+            <a:off x="5320732" y="15160823"/>
             <a:ext cx="379130" cy="688462"/>
           </a:xfrm>
           <a:prstGeom prst="rightArrow">
@@ -8954,7 +8044,7 @@
         </p:nvSpPr>
         <p:spPr bwMode="auto">
           <a:xfrm rot="5400000">
-            <a:off x="5252975" y="14903440"/>
+            <a:off x="5320732" y="16323431"/>
             <a:ext cx="379130" cy="688462"/>
           </a:xfrm>
           <a:prstGeom prst="rightArrow">
@@ -9022,7 +8112,7 @@
         </p:nvSpPr>
         <p:spPr bwMode="auto">
           <a:xfrm rot="5400000">
-            <a:off x="5252975" y="16575068"/>
+            <a:off x="5320732" y="17995059"/>
             <a:ext cx="379130" cy="688462"/>
           </a:xfrm>
           <a:prstGeom prst="rightArrow">
@@ -9090,7 +8180,7 @@
         </p:nvSpPr>
         <p:spPr bwMode="auto">
           <a:xfrm>
-            <a:off x="7901833" y="12891580"/>
+            <a:off x="7969590" y="14311571"/>
             <a:ext cx="379130" cy="688462"/>
           </a:xfrm>
           <a:prstGeom prst="rightArrow">
@@ -9158,7 +8248,7 @@
         </p:nvSpPr>
         <p:spPr bwMode="auto">
           <a:xfrm>
-            <a:off x="8440632" y="14321315"/>
+            <a:off x="8508389" y="15741306"/>
             <a:ext cx="3807134" cy="646986"/>
           </a:xfrm>
           <a:prstGeom prst="roundRect">
@@ -9222,17 +8312,6 @@
               </a:rPr>
               <a:t>Capture patterns</a:t>
             </a:r>
-            <a:endParaRPr kumimoji="0" lang="en-US" sz="3200" b="0" i="0" u="none" strike="noStrike" cap="none" normalizeH="0" baseline="0" dirty="0" smtClean="0">
-              <a:ln>
-                <a:noFill/>
-              </a:ln>
-              <a:solidFill>
-                <a:schemeClr val="tx2"/>
-              </a:solidFill>
-              <a:effectLst/>
-              <a:latin typeface="Century Schoolbook" pitchFamily="18" charset="0"/>
-              <a:cs typeface="Arial" charset="0"/>
-            </a:endParaRPr>
           </a:p>
         </p:txBody>
       </p:sp>
@@ -9244,7 +8323,7 @@
         </p:nvSpPr>
         <p:spPr bwMode="auto">
           <a:xfrm>
-            <a:off x="8440632" y="15451750"/>
+            <a:off x="8508389" y="16871741"/>
             <a:ext cx="3807134" cy="646986"/>
           </a:xfrm>
           <a:prstGeom prst="roundRect">
@@ -9308,17 +8387,6 @@
               </a:rPr>
               <a:t>Calculate phase</a:t>
             </a:r>
-            <a:endParaRPr kumimoji="0" lang="en-US" sz="3200" b="0" i="0" u="none" strike="noStrike" cap="none" normalizeH="0" baseline="0" dirty="0" smtClean="0">
-              <a:ln>
-                <a:noFill/>
-              </a:ln>
-              <a:solidFill>
-                <a:schemeClr val="tx2"/>
-              </a:solidFill>
-              <a:effectLst/>
-              <a:latin typeface="Century Schoolbook" pitchFamily="18" charset="0"/>
-              <a:cs typeface="Arial" charset="0"/>
-            </a:endParaRPr>
           </a:p>
         </p:txBody>
       </p:sp>
@@ -9330,7 +8398,7 @@
         </p:nvSpPr>
         <p:spPr bwMode="auto">
           <a:xfrm rot="5400000">
-            <a:off x="10154634" y="13740832"/>
+            <a:off x="10222391" y="15160823"/>
             <a:ext cx="379130" cy="688462"/>
           </a:xfrm>
           <a:prstGeom prst="rightArrow">
@@ -9398,7 +8466,7 @@
         </p:nvSpPr>
         <p:spPr bwMode="auto">
           <a:xfrm rot="5400000">
-            <a:off x="10154634" y="14903440"/>
+            <a:off x="10222391" y="16323431"/>
             <a:ext cx="379130" cy="688462"/>
           </a:xfrm>
           <a:prstGeom prst="rightArrow">
@@ -9466,7 +8534,7 @@
         </p:nvSpPr>
         <p:spPr bwMode="auto">
           <a:xfrm>
-            <a:off x="8440633" y="16634675"/>
+            <a:off x="8508390" y="18054666"/>
             <a:ext cx="3807134" cy="1191816"/>
           </a:xfrm>
           <a:prstGeom prst="roundRect">
@@ -9560,81 +8628,13 @@
       </p:sp>
       <p:sp>
         <p:nvSpPr>
-          <p:cNvPr id="109" name="Right Arrow 108"/>
-          <p:cNvSpPr/>
-          <p:nvPr/>
-        </p:nvSpPr>
-        <p:spPr bwMode="auto">
-          <a:xfrm rot="5400000">
-            <a:off x="17260235" y="17142400"/>
-            <a:ext cx="379130" cy="688462"/>
-          </a:xfrm>
-          <a:prstGeom prst="rightArrow">
-            <a:avLst>
-              <a:gd name="adj1" fmla="val 50000"/>
-              <a:gd name="adj2" fmla="val 70964"/>
-            </a:avLst>
-          </a:prstGeom>
-          <a:solidFill>
-            <a:srgbClr val="990000"/>
-          </a:solidFill>
-          <a:ln w="127000" cap="flat" cmpd="sng" algn="ctr">
-            <a:noFill/>
-            <a:prstDash val="solid"/>
-            <a:round/>
-            <a:headEnd type="none" w="med" len="med"/>
-            <a:tailEnd type="none" w="med" len="med"/>
-          </a:ln>
-          <a:effectLst/>
-        </p:spPr>
-        <p:txBody>
-          <a:bodyPr vert="horz" wrap="square" lIns="91440" tIns="45720" rIns="91440" bIns="45720" numCol="1" rtlCol="0" anchor="t" anchorCtr="0" compatLnSpc="1">
-            <a:prstTxWarp prst="textNoShape">
-              <a:avLst/>
-            </a:prstTxWarp>
-            <a:spAutoFit/>
-          </a:bodyPr>
-          <a:lstStyle/>
-          <a:p>
-            <a:pPr marL="0" marR="0" indent="0" algn="ctr" defTabSz="4389438" rtl="0" eaLnBrk="1" fontAlgn="base" latinLnBrk="0" hangingPunct="1">
-              <a:lnSpc>
-                <a:spcPct val="100000"/>
-              </a:lnSpc>
-              <a:spcBef>
-                <a:spcPct val="0"/>
-              </a:spcBef>
-              <a:spcAft>
-                <a:spcPct val="0"/>
-              </a:spcAft>
-              <a:buClrTx/>
-              <a:buSzTx/>
-              <a:buFontTx/>
-              <a:buNone/>
-              <a:tabLst/>
-            </a:pPr>
-            <a:endParaRPr kumimoji="0" lang="en-US" sz="8600" b="0" i="0" u="none" strike="noStrike" cap="none" normalizeH="0" baseline="0" smtClean="0">
-              <a:ln>
-                <a:noFill/>
-              </a:ln>
-              <a:solidFill>
-                <a:schemeClr val="tx2"/>
-              </a:solidFill>
-              <a:effectLst/>
-              <a:latin typeface="Tahoma" pitchFamily="34" charset="0"/>
-              <a:cs typeface="Arial" charset="0"/>
-            </a:endParaRPr>
-          </a:p>
-        </p:txBody>
-      </p:sp>
-      <p:sp>
-        <p:nvSpPr>
           <p:cNvPr id="112" name="Rounded Rectangle 111"/>
           <p:cNvSpPr/>
           <p:nvPr/>
         </p:nvSpPr>
         <p:spPr bwMode="auto">
           <a:xfrm>
-            <a:off x="3903719" y="18929991"/>
+            <a:off x="3971476" y="20349982"/>
             <a:ext cx="7475490" cy="1191816"/>
           </a:xfrm>
           <a:prstGeom prst="roundRect">
@@ -9734,7 +8734,7 @@
         </p:nvSpPr>
         <p:spPr bwMode="auto">
           <a:xfrm rot="5400000">
-            <a:off x="4983011" y="18053545"/>
+            <a:off x="5050768" y="19473536"/>
             <a:ext cx="919058" cy="688462"/>
           </a:xfrm>
           <a:prstGeom prst="rightArrow">
@@ -9802,7 +8802,7 @@
         </p:nvSpPr>
         <p:spPr bwMode="auto">
           <a:xfrm rot="5400000">
-            <a:off x="9901955" y="18069469"/>
+            <a:off x="9969712" y="19489460"/>
             <a:ext cx="919058" cy="688462"/>
           </a:xfrm>
           <a:prstGeom prst="rightArrow">
@@ -9870,7 +8870,7 @@
         </p:nvSpPr>
         <p:spPr bwMode="auto">
           <a:xfrm>
-            <a:off x="3903719" y="20751535"/>
+            <a:off x="3971476" y="22171526"/>
             <a:ext cx="7475490" cy="1191816"/>
           </a:xfrm>
           <a:prstGeom prst="roundRect">
@@ -9934,17 +8934,6 @@
               </a:rPr>
               <a:t>Use camera/projector geometry to recover point cloud</a:t>
             </a:r>
-            <a:endParaRPr kumimoji="0" lang="en-US" sz="3200" b="0" i="0" u="none" strike="noStrike" cap="none" normalizeH="0" baseline="0" dirty="0" smtClean="0">
-              <a:ln>
-                <a:noFill/>
-              </a:ln>
-              <a:solidFill>
-                <a:schemeClr val="tx2"/>
-              </a:solidFill>
-              <a:effectLst/>
-              <a:latin typeface="Century Schoolbook" pitchFamily="18" charset="0"/>
-              <a:cs typeface="Arial" charset="0"/>
-            </a:endParaRPr>
           </a:p>
         </p:txBody>
       </p:sp>
@@ -9956,7 +8945,7 @@
         </p:nvSpPr>
         <p:spPr bwMode="auto">
           <a:xfrm>
-            <a:off x="3903719" y="22582890"/>
+            <a:off x="3971476" y="24002881"/>
             <a:ext cx="7475490" cy="646986"/>
           </a:xfrm>
           <a:prstGeom prst="roundRect">
@@ -10020,17 +9009,6 @@
               </a:rPr>
               <a:t>Create mesh from point cloud</a:t>
             </a:r>
-            <a:endParaRPr kumimoji="0" lang="en-US" sz="3200" b="0" i="0" u="none" strike="noStrike" cap="none" normalizeH="0" baseline="0" dirty="0" smtClean="0">
-              <a:ln>
-                <a:noFill/>
-              </a:ln>
-              <a:solidFill>
-                <a:schemeClr val="tx2"/>
-              </a:solidFill>
-              <a:effectLst/>
-              <a:latin typeface="Century Schoolbook" pitchFamily="18" charset="0"/>
-              <a:cs typeface="Arial" charset="0"/>
-            </a:endParaRPr>
           </a:p>
         </p:txBody>
       </p:sp>
@@ -10042,7 +9020,7 @@
         </p:nvSpPr>
         <p:spPr bwMode="auto">
           <a:xfrm rot="5400000">
-            <a:off x="7570129" y="20080269"/>
+            <a:off x="7637886" y="21500260"/>
             <a:ext cx="379130" cy="688462"/>
           </a:xfrm>
           <a:prstGeom prst="rightArrow">
@@ -10110,7 +9088,7 @@
         </p:nvSpPr>
         <p:spPr bwMode="auto">
           <a:xfrm rot="5400000">
-            <a:off x="7584644" y="21916327"/>
+            <a:off x="7652401" y="23336318"/>
             <a:ext cx="379130" cy="688462"/>
           </a:xfrm>
           <a:prstGeom prst="rightArrow">
@@ -10179,7 +9157,7 @@
           <p:nvPr/>
         </p:nvPicPr>
         <p:blipFill>
-          <a:blip r:embed="rId12" cstate="print">
+          <a:blip r:embed="rId9" cstate="print">
             <a:extLst>
               <a:ext uri="{28A0092B-C50C-407E-A947-70E740481C1C}">
                 <a14:useLocalDpi xmlns:a14="http://schemas.microsoft.com/office/drawing/2010/main" val="0"/>
@@ -10220,7 +9198,7 @@
           <p:nvPr/>
         </p:nvPicPr>
         <p:blipFill>
-          <a:blip r:embed="rId13" cstate="print">
+          <a:blip r:embed="rId10" cstate="print">
             <a:extLst>
               <a:ext uri="{28A0092B-C50C-407E-A947-70E740481C1C}">
                 <a14:useLocalDpi xmlns:a14="http://schemas.microsoft.com/office/drawing/2010/main" val="0"/>
@@ -10234,7 +9212,7 @@
         </p:blipFill>
         <p:spPr bwMode="auto">
           <a:xfrm>
-            <a:off x="12402258" y="12615889"/>
+            <a:off x="12470015" y="14035880"/>
             <a:ext cx="2003160" cy="1191816"/>
           </a:xfrm>
           <a:prstGeom prst="rect">
@@ -10260,7 +9238,7 @@
         </p:nvSpPr>
         <p:spPr>
           <a:xfrm>
-            <a:off x="14776663" y="7841244"/>
+            <a:off x="14642727" y="16705813"/>
             <a:ext cx="13619773" cy="2862322"/>
           </a:xfrm>
           <a:prstGeom prst="rect">
@@ -10354,7 +9332,7 @@
         </p:nvSpPr>
         <p:spPr>
           <a:xfrm>
-            <a:off x="14834592" y="3900565"/>
+            <a:off x="14875325" y="13101873"/>
             <a:ext cx="5940340" cy="1569660"/>
           </a:xfrm>
           <a:prstGeom prst="rect">
@@ -10421,7 +9399,7 @@
         </p:nvSpPr>
         <p:spPr>
           <a:xfrm>
-            <a:off x="14578324" y="5687755"/>
+            <a:off x="14703595" y="14893235"/>
             <a:ext cx="6452876" cy="1569660"/>
           </a:xfrm>
           <a:prstGeom prst="rect">
@@ -10496,7 +9474,7 @@
           <p:nvPr/>
         </p:nvPicPr>
         <p:blipFill rotWithShape="1">
-          <a:blip r:embed="rId14">
+          <a:blip r:embed="rId11">
             <a:extLst>
               <a:ext uri="{28A0092B-C50C-407E-A947-70E740481C1C}">
                 <a14:useLocalDpi xmlns:a14="http://schemas.microsoft.com/office/drawing/2010/main" val="0"/>
@@ -10508,7 +9486,7 @@
         </p:blipFill>
         <p:spPr bwMode="auto">
           <a:xfrm>
-            <a:off x="20900571" y="3806109"/>
+            <a:off x="20941304" y="13007417"/>
             <a:ext cx="1059544" cy="1675994"/>
           </a:xfrm>
           <a:prstGeom prst="rect">
@@ -10535,11 +9513,11 @@
           <p:nvPr/>
         </p:nvPicPr>
         <p:blipFill>
-          <a:blip r:embed="rId15" cstate="print">
+          <a:blip r:embed="rId12" cstate="print">
             <a:extLst>
               <a:ext uri="{BEBA8EAE-BF5A-486C-A8C5-ECC9F3942E4B}">
                 <a14:imgProps xmlns:a14="http://schemas.microsoft.com/office/drawing/2010/main">
-                  <a14:imgLayer r:embed="rId16">
+                  <a14:imgLayer r:embed="rId13">
                     <a14:imgEffect>
                       <a14:backgroundRemoval t="8136" b="91977" l="5867" r="93667"/>
                     </a14:imgEffect>
@@ -10558,7 +9536,7 @@
         </p:blipFill>
         <p:spPr bwMode="auto">
           <a:xfrm>
-            <a:off x="20436570" y="5681676"/>
+            <a:off x="20650196" y="14801322"/>
             <a:ext cx="2816225" cy="1661573"/>
           </a:xfrm>
           <a:prstGeom prst="rect">
@@ -10584,7 +9562,7 @@
         </p:nvSpPr>
         <p:spPr bwMode="auto">
           <a:xfrm>
-            <a:off x="23169339" y="4341164"/>
+            <a:off x="23399258" y="13542472"/>
             <a:ext cx="379130" cy="688462"/>
           </a:xfrm>
           <a:prstGeom prst="rightArrow">
@@ -10652,7 +9630,7 @@
         </p:nvSpPr>
         <p:spPr bwMode="auto">
           <a:xfrm>
-            <a:off x="23162085" y="6090104"/>
+            <a:off x="23399637" y="15167682"/>
             <a:ext cx="379130" cy="688462"/>
           </a:xfrm>
           <a:prstGeom prst="rightArrow">
@@ -10714,51 +9692,47 @@
       </p:sp>
       <p:grpSp>
         <p:nvGrpSpPr>
-          <p:cNvPr id="24" name="Group 23"/>
+          <p:cNvPr id="28" name="Group 27"/>
           <p:cNvGrpSpPr/>
           <p:nvPr/>
         </p:nvGrpSpPr>
         <p:grpSpPr>
           <a:xfrm>
-            <a:off x="15259050" y="13580042"/>
-            <a:ext cx="4381500" cy="3528822"/>
+            <a:off x="14882477" y="21034308"/>
+            <a:ext cx="9695543" cy="10257651"/>
             <a:chOff x="15259050" y="13580042"/>
-            <a:chExt cx="4381500" cy="3528822"/>
+            <a:chExt cx="9695543" cy="10257651"/>
           </a:xfrm>
         </p:grpSpPr>
         <p:sp>
           <p:nvSpPr>
-            <p:cNvPr id="20" name="Rounded Rectangle 19"/>
+            <p:cNvPr id="109" name="Right Arrow 108"/>
             <p:cNvSpPr/>
             <p:nvPr/>
           </p:nvSpPr>
           <p:spPr bwMode="auto">
-            <a:xfrm>
-              <a:off x="15259050" y="13580042"/>
-              <a:ext cx="4381500" cy="3528822"/>
+            <a:xfrm rot="5400000">
+              <a:off x="17260235" y="17142400"/>
+              <a:ext cx="379130" cy="688462"/>
             </a:xfrm>
-            <a:prstGeom prst="roundRect">
-              <a:avLst/>
+            <a:prstGeom prst="rightArrow">
+              <a:avLst>
+                <a:gd name="adj1" fmla="val 50000"/>
+                <a:gd name="adj2" fmla="val 70964"/>
+              </a:avLst>
             </a:prstGeom>
-            <a:ln>
+            <a:solidFill>
+              <a:srgbClr val="990000"/>
+            </a:solidFill>
+            <a:ln w="127000" cap="flat" cmpd="sng" algn="ctr">
+              <a:noFill/>
+              <a:prstDash val="solid"/>
+              <a:round/>
               <a:headEnd type="none" w="med" len="med"/>
               <a:tailEnd type="none" w="med" len="med"/>
             </a:ln>
+            <a:effectLst/>
           </p:spPr>
-          <p:style>
-            <a:lnRef idx="0">
-              <a:schemeClr val="accent3"/>
-            </a:lnRef>
-            <a:fillRef idx="3">
-              <a:schemeClr val="accent3"/>
-            </a:fillRef>
-            <a:effectRef idx="3">
-              <a:schemeClr val="accent3"/>
-            </a:effectRef>
-            <a:fontRef idx="minor">
-              <a:schemeClr val="lt1"/>
-            </a:fontRef>
-          </p:style>
           <p:txBody>
             <a:bodyPr vert="horz" wrap="square" lIns="91440" tIns="45720" rIns="91440" bIns="45720" numCol="1" rtlCol="0" anchor="t" anchorCtr="0" compatLnSpc="1">
               <a:prstTxWarp prst="textNoShape">
@@ -10798,66 +9772,79 @@
             </a:p>
           </p:txBody>
         </p:sp>
-        <p:sp>
-          <p:nvSpPr>
-            <p:cNvPr id="130" name="Rounded Rectangle 129"/>
-            <p:cNvSpPr/>
+        <p:grpSp>
+          <p:nvGrpSpPr>
+            <p:cNvPr id="24" name="Group 23"/>
+            <p:cNvGrpSpPr/>
             <p:nvPr/>
-          </p:nvSpPr>
-          <p:spPr bwMode="auto">
+          </p:nvGrpSpPr>
+          <p:grpSpPr>
             <a:xfrm>
-              <a:off x="15654076" y="14312728"/>
-              <a:ext cx="3567374" cy="510778"/>
+              <a:off x="15259050" y="13580042"/>
+              <a:ext cx="4381500" cy="3528822"/>
+              <a:chOff x="15259050" y="13580042"/>
+              <a:chExt cx="4381500" cy="3528822"/>
             </a:xfrm>
-            <a:prstGeom prst="roundRect">
-              <a:avLst/>
-            </a:prstGeom>
-            <a:ln>
-              <a:headEnd type="none" w="med" len="med"/>
-              <a:tailEnd type="none" w="med" len="med"/>
-            </a:ln>
-          </p:spPr>
-          <p:style>
-            <a:lnRef idx="0">
-              <a:schemeClr val="accent1"/>
-            </a:lnRef>
-            <a:fillRef idx="3">
-              <a:schemeClr val="accent1"/>
-            </a:fillRef>
-            <a:effectRef idx="3">
-              <a:schemeClr val="accent1"/>
-            </a:effectRef>
-            <a:fontRef idx="minor">
-              <a:schemeClr val="lt1"/>
-            </a:fontRef>
-          </p:style>
-          <p:txBody>
-            <a:bodyPr vert="horz" wrap="square" lIns="91440" tIns="45720" rIns="91440" bIns="45720" numCol="1" rtlCol="0" anchor="t" anchorCtr="0" compatLnSpc="1">
-              <a:prstTxWarp prst="textNoShape">
+          </p:grpSpPr>
+          <p:sp>
+            <p:nvSpPr>
+              <p:cNvPr id="20" name="Rounded Rectangle 19"/>
+              <p:cNvSpPr/>
+              <p:nvPr/>
+            </p:nvSpPr>
+            <p:spPr bwMode="auto">
+              <a:xfrm>
+                <a:off x="15259050" y="13580042"/>
+                <a:ext cx="4381500" cy="3528822"/>
+              </a:xfrm>
+              <a:prstGeom prst="roundRect">
                 <a:avLst/>
-              </a:prstTxWarp>
-              <a:spAutoFit/>
-            </a:bodyPr>
-            <a:lstStyle/>
-            <a:p>
-              <a:pPr marL="0" marR="0" indent="0" algn="ctr" defTabSz="4389438" rtl="0" eaLnBrk="1" fontAlgn="base" latinLnBrk="0" hangingPunct="1">
-                <a:lnSpc>
-                  <a:spcPct val="100000"/>
-                </a:lnSpc>
-                <a:spcBef>
-                  <a:spcPct val="0"/>
-                </a:spcBef>
-                <a:spcAft>
-                  <a:spcPct val="0"/>
-                </a:spcAft>
-                <a:buClrTx/>
-                <a:buSzTx/>
-                <a:buFontTx/>
-                <a:buNone/>
-                <a:tabLst/>
-              </a:pPr>
-              <a:r>
-                <a:rPr kumimoji="0" lang="en-US" sz="2400" b="0" i="0" u="none" strike="noStrike" cap="none" normalizeH="0" baseline="0" dirty="0" smtClean="0">
+              </a:prstGeom>
+              <a:ln>
+                <a:headEnd type="none" w="med" len="med"/>
+                <a:tailEnd type="none" w="med" len="med"/>
+              </a:ln>
+            </p:spPr>
+            <p:style>
+              <a:lnRef idx="0">
+                <a:schemeClr val="accent3"/>
+              </a:lnRef>
+              <a:fillRef idx="3">
+                <a:schemeClr val="accent3"/>
+              </a:fillRef>
+              <a:effectRef idx="3">
+                <a:schemeClr val="accent3"/>
+              </a:effectRef>
+              <a:fontRef idx="minor">
+                <a:schemeClr val="lt1"/>
+              </a:fontRef>
+            </p:style>
+            <p:txBody>
+              <a:bodyPr vert="horz" wrap="square" lIns="91440" tIns="45720" rIns="91440" bIns="45720" numCol="1" rtlCol="0" anchor="t" anchorCtr="0" compatLnSpc="1">
+                <a:prstTxWarp prst="textNoShape">
+                  <a:avLst/>
+                </a:prstTxWarp>
+                <a:spAutoFit/>
+              </a:bodyPr>
+              <a:lstStyle/>
+              <a:p>
+                <a:pPr marL="0" marR="0" indent="0" algn="ctr" defTabSz="4389438" rtl="0" eaLnBrk="1" fontAlgn="base" latinLnBrk="0" hangingPunct="1">
+                  <a:lnSpc>
+                    <a:spcPct val="100000"/>
+                  </a:lnSpc>
+                  <a:spcBef>
+                    <a:spcPct val="0"/>
+                  </a:spcBef>
+                  <a:spcAft>
+                    <a:spcPct val="0"/>
+                  </a:spcAft>
+                  <a:buClrTx/>
+                  <a:buSzTx/>
+                  <a:buFontTx/>
+                  <a:buNone/>
+                  <a:tabLst/>
+                </a:pPr>
+                <a:endParaRPr kumimoji="0" lang="en-US" sz="8600" b="0" i="0" u="none" strike="noStrike" cap="none" normalizeH="0" baseline="0" smtClean="0">
                   <a:ln>
                     <a:noFill/>
                   </a:ln>
@@ -10865,85 +9852,323 @@
                     <a:schemeClr val="tx2"/>
                   </a:solidFill>
                   <a:effectLst/>
+                  <a:latin typeface="Tahoma" pitchFamily="34" charset="0"/>
+                  <a:cs typeface="Arial" charset="0"/>
+                </a:endParaRPr>
+              </a:p>
+            </p:txBody>
+          </p:sp>
+          <p:sp>
+            <p:nvSpPr>
+              <p:cNvPr id="130" name="Rounded Rectangle 129"/>
+              <p:cNvSpPr/>
+              <p:nvPr/>
+            </p:nvSpPr>
+            <p:spPr bwMode="auto">
+              <a:xfrm>
+                <a:off x="15654076" y="14312728"/>
+                <a:ext cx="3567374" cy="510778"/>
+              </a:xfrm>
+              <a:prstGeom prst="roundRect">
+                <a:avLst/>
+              </a:prstGeom>
+              <a:ln>
+                <a:headEnd type="none" w="med" len="med"/>
+                <a:tailEnd type="none" w="med" len="med"/>
+              </a:ln>
+            </p:spPr>
+            <p:style>
+              <a:lnRef idx="0">
+                <a:schemeClr val="accent1"/>
+              </a:lnRef>
+              <a:fillRef idx="3">
+                <a:schemeClr val="accent1"/>
+              </a:fillRef>
+              <a:effectRef idx="3">
+                <a:schemeClr val="accent1"/>
+              </a:effectRef>
+              <a:fontRef idx="minor">
+                <a:schemeClr val="lt1"/>
+              </a:fontRef>
+            </p:style>
+            <p:txBody>
+              <a:bodyPr vert="horz" wrap="square" lIns="91440" tIns="45720" rIns="91440" bIns="45720" numCol="1" rtlCol="0" anchor="t" anchorCtr="0" compatLnSpc="1">
+                <a:prstTxWarp prst="textNoShape">
+                  <a:avLst/>
+                </a:prstTxWarp>
+                <a:spAutoFit/>
+              </a:bodyPr>
+              <a:lstStyle/>
+              <a:p>
+                <a:pPr marL="0" marR="0" indent="0" algn="ctr" defTabSz="4389438" rtl="0" eaLnBrk="1" fontAlgn="base" latinLnBrk="0" hangingPunct="1">
+                  <a:lnSpc>
+                    <a:spcPct val="100000"/>
+                  </a:lnSpc>
+                  <a:spcBef>
+                    <a:spcPct val="0"/>
+                  </a:spcBef>
+                  <a:spcAft>
+                    <a:spcPct val="0"/>
+                  </a:spcAft>
+                  <a:buClrTx/>
+                  <a:buSzTx/>
+                  <a:buFontTx/>
+                  <a:buNone/>
+                  <a:tabLst/>
+                </a:pPr>
+                <a:r>
+                  <a:rPr kumimoji="0" lang="en-US" sz="2400" b="0" i="0" u="none" strike="noStrike" cap="none" normalizeH="0" baseline="0" dirty="0" smtClean="0">
+                    <a:ln>
+                      <a:noFill/>
+                    </a:ln>
+                    <a:solidFill>
+                      <a:schemeClr val="tx2"/>
+                    </a:solidFill>
+                    <a:effectLst/>
+                    <a:latin typeface="Century Schoolbook" pitchFamily="18" charset="0"/>
+                    <a:cs typeface="Arial" charset="0"/>
+                  </a:rPr>
+                  <a:t>Position equipment</a:t>
+                </a:r>
+              </a:p>
+            </p:txBody>
+          </p:sp>
+          <p:sp>
+            <p:nvSpPr>
+              <p:cNvPr id="131" name="Rounded Rectangle 130"/>
+              <p:cNvSpPr/>
+              <p:nvPr/>
+            </p:nvSpPr>
+            <p:spPr bwMode="auto">
+              <a:xfrm>
+                <a:off x="15654076" y="15234748"/>
+                <a:ext cx="3567374" cy="510778"/>
+              </a:xfrm>
+              <a:prstGeom prst="roundRect">
+                <a:avLst/>
+              </a:prstGeom>
+              <a:ln>
+                <a:headEnd type="none" w="med" len="med"/>
+                <a:tailEnd type="none" w="med" len="med"/>
+              </a:ln>
+            </p:spPr>
+            <p:style>
+              <a:lnRef idx="0">
+                <a:schemeClr val="accent1"/>
+              </a:lnRef>
+              <a:fillRef idx="3">
+                <a:schemeClr val="accent1"/>
+              </a:fillRef>
+              <a:effectRef idx="3">
+                <a:schemeClr val="accent1"/>
+              </a:effectRef>
+              <a:fontRef idx="minor">
+                <a:schemeClr val="lt1"/>
+              </a:fontRef>
+            </p:style>
+            <p:txBody>
+              <a:bodyPr vert="horz" wrap="square" lIns="91440" tIns="45720" rIns="91440" bIns="45720" numCol="1" rtlCol="0" anchor="t" anchorCtr="0" compatLnSpc="1">
+                <a:prstTxWarp prst="textNoShape">
+                  <a:avLst/>
+                </a:prstTxWarp>
+                <a:spAutoFit/>
+              </a:bodyPr>
+              <a:lstStyle/>
+              <a:p>
+                <a:pPr marL="0" marR="0" indent="0" algn="ctr" defTabSz="4389438" rtl="0" eaLnBrk="1" fontAlgn="base" latinLnBrk="0" hangingPunct="1">
+                  <a:lnSpc>
+                    <a:spcPct val="100000"/>
+                  </a:lnSpc>
+                  <a:spcBef>
+                    <a:spcPct val="0"/>
+                  </a:spcBef>
+                  <a:spcAft>
+                    <a:spcPct val="0"/>
+                  </a:spcAft>
+                  <a:buClrTx/>
+                  <a:buSzTx/>
+                  <a:buFontTx/>
+                  <a:buNone/>
+                  <a:tabLst/>
+                </a:pPr>
+                <a:r>
+                  <a:rPr kumimoji="0" lang="en-US" sz="2400" b="0" i="0" u="none" strike="noStrike" cap="none" normalizeH="0" baseline="0" dirty="0" smtClean="0">
+                    <a:ln>
+                      <a:noFill/>
+                    </a:ln>
+                    <a:solidFill>
+                      <a:schemeClr val="tx2"/>
+                    </a:solidFill>
+                    <a:effectLst/>
+                    <a:latin typeface="Century Schoolbook" pitchFamily="18" charset="0"/>
+                    <a:cs typeface="Arial" charset="0"/>
+                  </a:rPr>
+                  <a:t>Camera calibration</a:t>
+                </a:r>
+              </a:p>
+            </p:txBody>
+          </p:sp>
+          <p:sp>
+            <p:nvSpPr>
+              <p:cNvPr id="132" name="Rounded Rectangle 131"/>
+              <p:cNvSpPr/>
+              <p:nvPr/>
+            </p:nvSpPr>
+            <p:spPr bwMode="auto">
+              <a:xfrm>
+                <a:off x="15654076" y="16198678"/>
+                <a:ext cx="3567374" cy="510778"/>
+              </a:xfrm>
+              <a:prstGeom prst="roundRect">
+                <a:avLst/>
+              </a:prstGeom>
+              <a:ln>
+                <a:headEnd type="none" w="med" len="med"/>
+                <a:tailEnd type="none" w="med" len="med"/>
+              </a:ln>
+            </p:spPr>
+            <p:style>
+              <a:lnRef idx="0">
+                <a:schemeClr val="accent1"/>
+              </a:lnRef>
+              <a:fillRef idx="3">
+                <a:schemeClr val="accent1"/>
+              </a:fillRef>
+              <a:effectRef idx="3">
+                <a:schemeClr val="accent1"/>
+              </a:effectRef>
+              <a:fontRef idx="minor">
+                <a:schemeClr val="lt1"/>
+              </a:fontRef>
+            </p:style>
+            <p:txBody>
+              <a:bodyPr vert="horz" wrap="square" lIns="91440" tIns="45720" rIns="91440" bIns="45720" numCol="1" rtlCol="0" anchor="t" anchorCtr="0" compatLnSpc="1">
+                <a:prstTxWarp prst="textNoShape">
+                  <a:avLst/>
+                </a:prstTxWarp>
+                <a:spAutoFit/>
+              </a:bodyPr>
+              <a:lstStyle/>
+              <a:p>
+                <a:pPr marL="0" marR="0" indent="0" algn="ctr" defTabSz="4389438" rtl="0" eaLnBrk="1" fontAlgn="base" latinLnBrk="0" hangingPunct="1">
+                  <a:lnSpc>
+                    <a:spcPct val="100000"/>
+                  </a:lnSpc>
+                  <a:spcBef>
+                    <a:spcPct val="0"/>
+                  </a:spcBef>
+                  <a:spcAft>
+                    <a:spcPct val="0"/>
+                  </a:spcAft>
+                  <a:buClrTx/>
+                  <a:buSzTx/>
+                  <a:buFontTx/>
+                  <a:buNone/>
+                  <a:tabLst/>
+                </a:pPr>
+                <a:r>
+                  <a:rPr kumimoji="0" lang="en-US" sz="2400" b="0" i="0" u="none" strike="noStrike" cap="none" normalizeH="0" baseline="0" dirty="0" smtClean="0">
+                    <a:ln>
+                      <a:noFill/>
+                    </a:ln>
+                    <a:solidFill>
+                      <a:schemeClr val="tx2"/>
+                    </a:solidFill>
+                    <a:effectLst/>
+                    <a:latin typeface="Century Schoolbook" pitchFamily="18" charset="0"/>
+                    <a:cs typeface="Arial" charset="0"/>
+                  </a:rPr>
+                  <a:t>Projector calibration</a:t>
+                </a:r>
+              </a:p>
+            </p:txBody>
+          </p:sp>
+          <p:sp>
+            <p:nvSpPr>
+              <p:cNvPr id="19" name="TextBox 18"/>
+              <p:cNvSpPr txBox="1"/>
+              <p:nvPr/>
+            </p:nvSpPr>
+            <p:spPr>
+              <a:xfrm>
+                <a:off x="15259050" y="13609748"/>
+                <a:ext cx="4381500" cy="584775"/>
+              </a:xfrm>
+              <a:prstGeom prst="rect">
+                <a:avLst/>
+              </a:prstGeom>
+              <a:noFill/>
+            </p:spPr>
+            <p:txBody>
+              <a:bodyPr wrap="square" rtlCol="0">
+                <a:spAutoFit/>
+              </a:bodyPr>
+              <a:lstStyle/>
+              <a:p>
+                <a:r>
+                  <a:rPr lang="en-US" sz="3200" dirty="0" smtClean="0">
+                    <a:latin typeface="Century Schoolbook" pitchFamily="18" charset="0"/>
+                  </a:rPr>
+                  <a:t>Setup</a:t>
+                </a:r>
+                <a:endParaRPr lang="en-US" sz="3200" dirty="0">
                   <a:latin typeface="Century Schoolbook" pitchFamily="18" charset="0"/>
-                  <a:cs typeface="Arial" charset="0"/>
-                </a:rPr>
-                <a:t>Position equipment</a:t>
-              </a:r>
-              <a:endParaRPr kumimoji="0" lang="en-US" sz="2400" b="0" i="0" u="none" strike="noStrike" cap="none" normalizeH="0" baseline="0" dirty="0" smtClean="0">
-                <a:ln>
-                  <a:noFill/>
-                </a:ln>
-                <a:solidFill>
-                  <a:schemeClr val="tx2"/>
-                </a:solidFill>
-                <a:effectLst/>
-                <a:latin typeface="Century Schoolbook" pitchFamily="18" charset="0"/>
-                <a:cs typeface="Arial" charset="0"/>
-              </a:endParaRPr>
-            </a:p>
-          </p:txBody>
-        </p:sp>
-        <p:sp>
-          <p:nvSpPr>
-            <p:cNvPr id="131" name="Rounded Rectangle 130"/>
-            <p:cNvSpPr/>
-            <p:nvPr/>
-          </p:nvSpPr>
-          <p:spPr bwMode="auto">
-            <a:xfrm>
-              <a:off x="15654076" y="15234748"/>
-              <a:ext cx="3567374" cy="510778"/>
-            </a:xfrm>
-            <a:prstGeom prst="roundRect">
-              <a:avLst/>
-            </a:prstGeom>
-            <a:ln>
-              <a:headEnd type="none" w="med" len="med"/>
-              <a:tailEnd type="none" w="med" len="med"/>
-            </a:ln>
-          </p:spPr>
-          <p:style>
-            <a:lnRef idx="0">
-              <a:schemeClr val="accent1"/>
-            </a:lnRef>
-            <a:fillRef idx="3">
-              <a:schemeClr val="accent1"/>
-            </a:fillRef>
-            <a:effectRef idx="3">
-              <a:schemeClr val="accent1"/>
-            </a:effectRef>
-            <a:fontRef idx="minor">
-              <a:schemeClr val="lt1"/>
-            </a:fontRef>
-          </p:style>
-          <p:txBody>
-            <a:bodyPr vert="horz" wrap="square" lIns="91440" tIns="45720" rIns="91440" bIns="45720" numCol="1" rtlCol="0" anchor="t" anchorCtr="0" compatLnSpc="1">
-              <a:prstTxWarp prst="textNoShape">
+                </a:endParaRPr>
+              </a:p>
+            </p:txBody>
+          </p:sp>
+          <p:sp>
+            <p:nvSpPr>
+              <p:cNvPr id="22" name="Isosceles Triangle 21"/>
+              <p:cNvSpPr/>
+              <p:nvPr/>
+            </p:nvSpPr>
+            <p:spPr bwMode="auto">
+              <a:xfrm flipV="1">
+                <a:off x="17025316" y="14968301"/>
+                <a:ext cx="848968" cy="151156"/>
+              </a:xfrm>
+              <a:prstGeom prst="triangle">
                 <a:avLst/>
-              </a:prstTxWarp>
-              <a:spAutoFit/>
-            </a:bodyPr>
-            <a:lstStyle/>
-            <a:p>
-              <a:pPr marL="0" marR="0" indent="0" algn="ctr" defTabSz="4389438" rtl="0" eaLnBrk="1" fontAlgn="base" latinLnBrk="0" hangingPunct="1">
-                <a:lnSpc>
-                  <a:spcPct val="100000"/>
-                </a:lnSpc>
-                <a:spcBef>
-                  <a:spcPct val="0"/>
-                </a:spcBef>
-                <a:spcAft>
-                  <a:spcPct val="0"/>
-                </a:spcAft>
-                <a:buClrTx/>
-                <a:buSzTx/>
-                <a:buFontTx/>
-                <a:buNone/>
-                <a:tabLst/>
-              </a:pPr>
-              <a:r>
-                <a:rPr kumimoji="0" lang="en-US" sz="2400" b="0" i="0" u="none" strike="noStrike" cap="none" normalizeH="0" baseline="0" dirty="0" smtClean="0">
+              </a:prstGeom>
+              <a:solidFill>
+                <a:srgbClr val="990000"/>
+              </a:solidFill>
+              <a:ln w="127000" cap="flat" cmpd="sng" algn="ctr">
+                <a:noFill/>
+                <a:prstDash val="solid"/>
+                <a:round/>
+                <a:headEnd type="none" w="med" len="med"/>
+                <a:tailEnd type="none" w="med" len="med"/>
+              </a:ln>
+              <a:effectLst/>
+            </p:spPr>
+            <p:txBody>
+              <a:bodyPr vert="horz" wrap="square" lIns="91440" tIns="45720" rIns="91440" bIns="45720" numCol="1" rtlCol="0" anchor="t" anchorCtr="0" compatLnSpc="1">
+                <a:prstTxWarp prst="textNoShape">
+                  <a:avLst/>
+                </a:prstTxWarp>
+                <a:spAutoFit/>
+              </a:bodyPr>
+              <a:lstStyle/>
+              <a:p>
+                <a:pPr marL="0" marR="0" indent="0" algn="ctr" defTabSz="4389438" rtl="0" eaLnBrk="1" fontAlgn="base" latinLnBrk="0" hangingPunct="1">
+                  <a:lnSpc>
+                    <a:spcPct val="100000"/>
+                  </a:lnSpc>
+                  <a:spcBef>
+                    <a:spcPct val="0"/>
+                  </a:spcBef>
+                  <a:spcAft>
+                    <a:spcPct val="0"/>
+                  </a:spcAft>
+                  <a:buClrTx/>
+                  <a:buSzTx/>
+                  <a:buFontTx/>
+                  <a:buNone/>
+                  <a:tabLst/>
+                </a:pPr>
+                <a:endParaRPr kumimoji="0" lang="en-US" sz="8600" b="0" i="0" u="none" strike="noStrike" cap="none" normalizeH="0" baseline="0" smtClean="0">
                   <a:ln>
                     <a:noFill/>
                   </a:ln>
@@ -10951,85 +10176,64 @@
                     <a:schemeClr val="tx2"/>
                   </a:solidFill>
                   <a:effectLst/>
-                  <a:latin typeface="Century Schoolbook" pitchFamily="18" charset="0"/>
+                  <a:latin typeface="Tahoma" pitchFamily="34" charset="0"/>
                   <a:cs typeface="Arial" charset="0"/>
-                </a:rPr>
-                <a:t>Camera calibration</a:t>
-              </a:r>
-              <a:endParaRPr kumimoji="0" lang="en-US" sz="2400" b="0" i="0" u="none" strike="noStrike" cap="none" normalizeH="0" baseline="0" dirty="0" smtClean="0">
-                <a:ln>
-                  <a:noFill/>
-                </a:ln>
-                <a:solidFill>
-                  <a:schemeClr val="tx2"/>
-                </a:solidFill>
-                <a:effectLst/>
-                <a:latin typeface="Century Schoolbook" pitchFamily="18" charset="0"/>
-                <a:cs typeface="Arial" charset="0"/>
-              </a:endParaRPr>
-            </a:p>
-          </p:txBody>
-        </p:sp>
-        <p:sp>
-          <p:nvSpPr>
-            <p:cNvPr id="132" name="Rounded Rectangle 131"/>
-            <p:cNvSpPr/>
-            <p:nvPr/>
-          </p:nvSpPr>
-          <p:spPr bwMode="auto">
-            <a:xfrm>
-              <a:off x="15654076" y="16198678"/>
-              <a:ext cx="3567374" cy="510778"/>
-            </a:xfrm>
-            <a:prstGeom prst="roundRect">
-              <a:avLst/>
-            </a:prstGeom>
-            <a:ln>
-              <a:headEnd type="none" w="med" len="med"/>
-              <a:tailEnd type="none" w="med" len="med"/>
-            </a:ln>
-          </p:spPr>
-          <p:style>
-            <a:lnRef idx="0">
-              <a:schemeClr val="accent1"/>
-            </a:lnRef>
-            <a:fillRef idx="3">
-              <a:schemeClr val="accent1"/>
-            </a:fillRef>
-            <a:effectRef idx="3">
-              <a:schemeClr val="accent1"/>
-            </a:effectRef>
-            <a:fontRef idx="minor">
-              <a:schemeClr val="lt1"/>
-            </a:fontRef>
-          </p:style>
-          <p:txBody>
-            <a:bodyPr vert="horz" wrap="square" lIns="91440" tIns="45720" rIns="91440" bIns="45720" numCol="1" rtlCol="0" anchor="t" anchorCtr="0" compatLnSpc="1">
-              <a:prstTxWarp prst="textNoShape">
+                </a:endParaRPr>
+              </a:p>
+            </p:txBody>
+          </p:sp>
+          <p:sp>
+            <p:nvSpPr>
+              <p:cNvPr id="138" name="Isosceles Triangle 137"/>
+              <p:cNvSpPr/>
+              <p:nvPr/>
+            </p:nvSpPr>
+            <p:spPr bwMode="auto">
+              <a:xfrm flipV="1">
+                <a:off x="17025316" y="15896502"/>
+                <a:ext cx="848968" cy="151156"/>
+              </a:xfrm>
+              <a:prstGeom prst="triangle">
                 <a:avLst/>
-              </a:prstTxWarp>
-              <a:spAutoFit/>
-            </a:bodyPr>
-            <a:lstStyle/>
-            <a:p>
-              <a:pPr marL="0" marR="0" indent="0" algn="ctr" defTabSz="4389438" rtl="0" eaLnBrk="1" fontAlgn="base" latinLnBrk="0" hangingPunct="1">
-                <a:lnSpc>
-                  <a:spcPct val="100000"/>
-                </a:lnSpc>
-                <a:spcBef>
-                  <a:spcPct val="0"/>
-                </a:spcBef>
-                <a:spcAft>
-                  <a:spcPct val="0"/>
-                </a:spcAft>
-                <a:buClrTx/>
-                <a:buSzTx/>
-                <a:buFontTx/>
-                <a:buNone/>
-                <a:tabLst/>
-              </a:pPr>
-              <a:r>
-                <a:rPr kumimoji="0" lang="en-US" sz="2400" b="0" i="0" u="none" strike="noStrike" cap="none" normalizeH="0" baseline="0" dirty="0" smtClean="0">
+              </a:prstGeom>
+              <a:solidFill>
+                <a:srgbClr val="990000"/>
+              </a:solidFill>
+              <a:ln w="127000" cap="flat" cmpd="sng" algn="ctr">
+                <a:noFill/>
+                <a:prstDash val="solid"/>
+                <a:round/>
+                <a:headEnd type="none" w="med" len="med"/>
+                <a:tailEnd type="none" w="med" len="med"/>
+              </a:ln>
+              <a:effectLst/>
+            </p:spPr>
+            <p:txBody>
+              <a:bodyPr vert="horz" wrap="square" lIns="91440" tIns="45720" rIns="91440" bIns="45720" numCol="1" rtlCol="0" anchor="t" anchorCtr="0" compatLnSpc="1">
+                <a:prstTxWarp prst="textNoShape">
+                  <a:avLst/>
+                </a:prstTxWarp>
+                <a:spAutoFit/>
+              </a:bodyPr>
+              <a:lstStyle/>
+              <a:p>
+                <a:pPr marL="0" marR="0" indent="0" algn="ctr" defTabSz="4389438" rtl="0" eaLnBrk="1" fontAlgn="base" latinLnBrk="0" hangingPunct="1">
+                  <a:lnSpc>
+                    <a:spcPct val="100000"/>
+                  </a:lnSpc>
+                  <a:spcBef>
+                    <a:spcPct val="0"/>
+                  </a:spcBef>
+                  <a:spcAft>
+                    <a:spcPct val="0"/>
+                  </a:spcAft>
+                  <a:buClrTx/>
+                  <a:buSzTx/>
+                  <a:buFontTx/>
+                  <a:buNone/>
+                  <a:tabLst/>
+                </a:pPr>
+                <a:endParaRPr kumimoji="0" lang="en-US" sz="8600" b="0" i="0" u="none" strike="noStrike" cap="none" normalizeH="0" baseline="0" smtClean="0">
                   <a:ln>
                     <a:noFill/>
                   </a:ln>
@@ -11037,72 +10241,981 @@
                     <a:schemeClr val="tx2"/>
                   </a:solidFill>
                   <a:effectLst/>
+                  <a:latin typeface="Tahoma" pitchFamily="34" charset="0"/>
+                  <a:cs typeface="Arial" charset="0"/>
+                </a:endParaRPr>
+              </a:p>
+            </p:txBody>
+          </p:sp>
+        </p:grpSp>
+        <p:grpSp>
+          <p:nvGrpSpPr>
+            <p:cNvPr id="27" name="Group 26"/>
+            <p:cNvGrpSpPr/>
+            <p:nvPr/>
+          </p:nvGrpSpPr>
+          <p:grpSpPr>
+            <a:xfrm>
+              <a:off x="15259050" y="17993360"/>
+              <a:ext cx="4381500" cy="4189479"/>
+              <a:chOff x="15259050" y="18393410"/>
+              <a:chExt cx="4381500" cy="4189479"/>
+            </a:xfrm>
+          </p:grpSpPr>
+          <p:sp>
+            <p:nvSpPr>
+              <p:cNvPr id="149" name="Rounded Rectangle 148"/>
+              <p:cNvSpPr/>
+              <p:nvPr/>
+            </p:nvSpPr>
+            <p:spPr bwMode="auto">
+              <a:xfrm>
+                <a:off x="15259050" y="18393410"/>
+                <a:ext cx="4381500" cy="4189479"/>
+              </a:xfrm>
+              <a:prstGeom prst="roundRect">
+                <a:avLst/>
+              </a:prstGeom>
+              <a:ln>
+                <a:headEnd type="none" w="med" len="med"/>
+                <a:tailEnd type="none" w="med" len="med"/>
+              </a:ln>
+            </p:spPr>
+            <p:style>
+              <a:lnRef idx="0">
+                <a:schemeClr val="accent3"/>
+              </a:lnRef>
+              <a:fillRef idx="3">
+                <a:schemeClr val="accent3"/>
+              </a:fillRef>
+              <a:effectRef idx="3">
+                <a:schemeClr val="accent3"/>
+              </a:effectRef>
+              <a:fontRef idx="minor">
+                <a:schemeClr val="lt1"/>
+              </a:fontRef>
+            </p:style>
+            <p:txBody>
+              <a:bodyPr vert="horz" wrap="square" lIns="91440" tIns="45720" rIns="91440" bIns="45720" numCol="1" rtlCol="0" anchor="t" anchorCtr="0" compatLnSpc="1">
+                <a:prstTxWarp prst="textNoShape">
+                  <a:avLst/>
+                </a:prstTxWarp>
+                <a:spAutoFit/>
+              </a:bodyPr>
+              <a:lstStyle/>
+              <a:p>
+                <a:pPr marL="0" marR="0" indent="0" algn="ctr" defTabSz="4389438" rtl="0" eaLnBrk="1" fontAlgn="base" latinLnBrk="0" hangingPunct="1">
+                  <a:lnSpc>
+                    <a:spcPct val="100000"/>
+                  </a:lnSpc>
+                  <a:spcBef>
+                    <a:spcPct val="0"/>
+                  </a:spcBef>
+                  <a:spcAft>
+                    <a:spcPct val="0"/>
+                  </a:spcAft>
+                  <a:buClrTx/>
+                  <a:buSzTx/>
+                  <a:buFontTx/>
+                  <a:buNone/>
+                  <a:tabLst/>
+                </a:pPr>
+                <a:endParaRPr kumimoji="0" lang="en-US" sz="8600" b="0" i="0" u="none" strike="noStrike" cap="none" normalizeH="0" baseline="0" smtClean="0">
+                  <a:ln>
+                    <a:noFill/>
+                  </a:ln>
+                  <a:solidFill>
+                    <a:schemeClr val="tx2"/>
+                  </a:solidFill>
+                  <a:effectLst/>
+                  <a:latin typeface="Tahoma" pitchFamily="34" charset="0"/>
+                  <a:cs typeface="Arial" charset="0"/>
+                </a:endParaRPr>
+              </a:p>
+            </p:txBody>
+          </p:sp>
+          <p:sp>
+            <p:nvSpPr>
+              <p:cNvPr id="153" name="TextBox 152"/>
+              <p:cNvSpPr txBox="1"/>
+              <p:nvPr/>
+            </p:nvSpPr>
+            <p:spPr>
+              <a:xfrm>
+                <a:off x="15259050" y="18428677"/>
+                <a:ext cx="4381500" cy="694255"/>
+              </a:xfrm>
+              <a:prstGeom prst="rect">
+                <a:avLst/>
+              </a:prstGeom>
+              <a:noFill/>
+            </p:spPr>
+            <p:txBody>
+              <a:bodyPr wrap="square" rtlCol="0">
+                <a:spAutoFit/>
+              </a:bodyPr>
+              <a:lstStyle/>
+              <a:p>
+                <a:r>
+                  <a:rPr lang="en-US" sz="3200" dirty="0" smtClean="0">
+                    <a:latin typeface="Century Schoolbook" pitchFamily="18" charset="0"/>
+                  </a:rPr>
+                  <a:t>Single view</a:t>
+                </a:r>
+                <a:endParaRPr lang="en-US" sz="3200" dirty="0">
                   <a:latin typeface="Century Schoolbook" pitchFamily="18" charset="0"/>
+                </a:endParaRPr>
+              </a:p>
+            </p:txBody>
+          </p:sp>
+          <p:sp>
+            <p:nvSpPr>
+              <p:cNvPr id="150" name="Rounded Rectangle 149"/>
+              <p:cNvSpPr/>
+              <p:nvPr/>
+            </p:nvSpPr>
+            <p:spPr bwMode="auto">
+              <a:xfrm>
+                <a:off x="15654076" y="19107047"/>
+                <a:ext cx="3567374" cy="510778"/>
+              </a:xfrm>
+              <a:prstGeom prst="roundRect">
+                <a:avLst/>
+              </a:prstGeom>
+              <a:ln>
+                <a:headEnd type="none" w="med" len="med"/>
+                <a:tailEnd type="none" w="med" len="med"/>
+              </a:ln>
+            </p:spPr>
+            <p:style>
+              <a:lnRef idx="0">
+                <a:schemeClr val="accent1"/>
+              </a:lnRef>
+              <a:fillRef idx="3">
+                <a:schemeClr val="accent1"/>
+              </a:fillRef>
+              <a:effectRef idx="3">
+                <a:schemeClr val="accent1"/>
+              </a:effectRef>
+              <a:fontRef idx="minor">
+                <a:schemeClr val="lt1"/>
+              </a:fontRef>
+            </p:style>
+            <p:txBody>
+              <a:bodyPr vert="horz" wrap="square" lIns="91440" tIns="45720" rIns="91440" bIns="45720" numCol="1" rtlCol="0" anchor="t" anchorCtr="0" compatLnSpc="1">
+                <a:prstTxWarp prst="textNoShape">
+                  <a:avLst/>
+                </a:prstTxWarp>
+                <a:spAutoFit/>
+              </a:bodyPr>
+              <a:lstStyle/>
+              <a:p>
+                <a:pPr marL="0" marR="0" indent="0" algn="ctr" defTabSz="4389438" rtl="0" eaLnBrk="1" fontAlgn="base" latinLnBrk="0" hangingPunct="1">
+                  <a:lnSpc>
+                    <a:spcPct val="100000"/>
+                  </a:lnSpc>
+                  <a:spcBef>
+                    <a:spcPct val="0"/>
+                  </a:spcBef>
+                  <a:spcAft>
+                    <a:spcPct val="0"/>
+                  </a:spcAft>
+                  <a:buClrTx/>
+                  <a:buSzTx/>
+                  <a:buFontTx/>
+                  <a:buNone/>
+                  <a:tabLst/>
+                </a:pPr>
+                <a:r>
+                  <a:rPr kumimoji="0" lang="en-US" sz="2400" b="0" i="0" u="none" strike="noStrike" cap="none" normalizeH="0" baseline="0" dirty="0" smtClean="0">
+                    <a:ln>
+                      <a:noFill/>
+                    </a:ln>
+                    <a:solidFill>
+                      <a:schemeClr val="tx2"/>
+                    </a:solidFill>
+                    <a:effectLst/>
+                    <a:latin typeface="Century Schoolbook" pitchFamily="18" charset="0"/>
+                    <a:cs typeface="Arial" charset="0"/>
+                  </a:rPr>
+                  <a:t>Data acquisition</a:t>
+                </a:r>
+              </a:p>
+            </p:txBody>
+          </p:sp>
+          <p:sp>
+            <p:nvSpPr>
+              <p:cNvPr id="151" name="Rounded Rectangle 150"/>
+              <p:cNvSpPr/>
+              <p:nvPr/>
+            </p:nvSpPr>
+            <p:spPr bwMode="auto">
+              <a:xfrm>
+                <a:off x="15654076" y="20086217"/>
+                <a:ext cx="3567374" cy="919401"/>
+              </a:xfrm>
+              <a:prstGeom prst="roundRect">
+                <a:avLst/>
+              </a:prstGeom>
+              <a:ln>
+                <a:headEnd type="none" w="med" len="med"/>
+                <a:tailEnd type="none" w="med" len="med"/>
+              </a:ln>
+            </p:spPr>
+            <p:style>
+              <a:lnRef idx="0">
+                <a:schemeClr val="accent1"/>
+              </a:lnRef>
+              <a:fillRef idx="3">
+                <a:schemeClr val="accent1"/>
+              </a:fillRef>
+              <a:effectRef idx="3">
+                <a:schemeClr val="accent1"/>
+              </a:effectRef>
+              <a:fontRef idx="minor">
+                <a:schemeClr val="lt1"/>
+              </a:fontRef>
+            </p:style>
+            <p:txBody>
+              <a:bodyPr vert="horz" wrap="square" lIns="91440" tIns="45720" rIns="91440" bIns="45720" numCol="1" rtlCol="0" anchor="t" anchorCtr="0" compatLnSpc="1">
+                <a:prstTxWarp prst="textNoShape">
+                  <a:avLst/>
+                </a:prstTxWarp>
+                <a:spAutoFit/>
+              </a:bodyPr>
+              <a:lstStyle/>
+              <a:p>
+                <a:pPr marL="0" marR="0" indent="0" algn="ctr" defTabSz="4389438" rtl="0" eaLnBrk="1" fontAlgn="base" latinLnBrk="0" hangingPunct="1">
+                  <a:lnSpc>
+                    <a:spcPct val="100000"/>
+                  </a:lnSpc>
+                  <a:spcBef>
+                    <a:spcPct val="0"/>
+                  </a:spcBef>
+                  <a:spcAft>
+                    <a:spcPct val="0"/>
+                  </a:spcAft>
+                  <a:buClrTx/>
+                  <a:buSzTx/>
+                  <a:buFontTx/>
+                  <a:buNone/>
+                  <a:tabLst/>
+                </a:pPr>
+                <a:r>
+                  <a:rPr kumimoji="0" lang="en-US" sz="2400" b="0" i="0" u="none" strike="noStrike" cap="none" normalizeH="0" baseline="0" dirty="0" smtClean="0">
+                    <a:ln>
+                      <a:noFill/>
+                    </a:ln>
+                    <a:solidFill>
+                      <a:schemeClr val="tx2"/>
+                    </a:solidFill>
+                    <a:effectLst/>
+                    <a:latin typeface="Century Schoolbook" pitchFamily="18" charset="0"/>
+                    <a:cs typeface="Arial" charset="0"/>
+                  </a:rPr>
+                  <a:t>Decoding and triangulation</a:t>
+                </a:r>
+              </a:p>
+            </p:txBody>
+          </p:sp>
+          <p:sp>
+            <p:nvSpPr>
+              <p:cNvPr id="152" name="Rounded Rectangle 151"/>
+              <p:cNvSpPr/>
+              <p:nvPr/>
+            </p:nvSpPr>
+            <p:spPr bwMode="auto">
+              <a:xfrm>
+                <a:off x="15654076" y="21507347"/>
+                <a:ext cx="3567374" cy="510778"/>
+              </a:xfrm>
+              <a:prstGeom prst="roundRect">
+                <a:avLst/>
+              </a:prstGeom>
+              <a:ln>
+                <a:headEnd type="none" w="med" len="med"/>
+                <a:tailEnd type="none" w="med" len="med"/>
+              </a:ln>
+            </p:spPr>
+            <p:style>
+              <a:lnRef idx="0">
+                <a:schemeClr val="accent1"/>
+              </a:lnRef>
+              <a:fillRef idx="3">
+                <a:schemeClr val="accent1"/>
+              </a:fillRef>
+              <a:effectRef idx="3">
+                <a:schemeClr val="accent1"/>
+              </a:effectRef>
+              <a:fontRef idx="minor">
+                <a:schemeClr val="lt1"/>
+              </a:fontRef>
+            </p:style>
+            <p:txBody>
+              <a:bodyPr vert="horz" wrap="square" lIns="91440" tIns="45720" rIns="91440" bIns="45720" numCol="1" rtlCol="0" anchor="t" anchorCtr="0" compatLnSpc="1">
+                <a:prstTxWarp prst="textNoShape">
+                  <a:avLst/>
+                </a:prstTxWarp>
+                <a:spAutoFit/>
+              </a:bodyPr>
+              <a:lstStyle/>
+              <a:p>
+                <a:pPr marL="0" marR="0" indent="0" algn="ctr" defTabSz="4389438" rtl="0" eaLnBrk="1" fontAlgn="base" latinLnBrk="0" hangingPunct="1">
+                  <a:lnSpc>
+                    <a:spcPct val="100000"/>
+                  </a:lnSpc>
+                  <a:spcBef>
+                    <a:spcPct val="0"/>
+                  </a:spcBef>
+                  <a:spcAft>
+                    <a:spcPct val="0"/>
+                  </a:spcAft>
+                  <a:buClrTx/>
+                  <a:buSzTx/>
+                  <a:buFontTx/>
+                  <a:buNone/>
+                  <a:tabLst/>
+                </a:pPr>
+                <a:r>
+                  <a:rPr kumimoji="0" lang="en-US" sz="2400" b="0" i="0" u="none" strike="noStrike" cap="none" normalizeH="0" baseline="0" dirty="0" smtClean="0">
+                    <a:ln>
+                      <a:noFill/>
+                    </a:ln>
+                    <a:solidFill>
+                      <a:schemeClr val="tx2"/>
+                    </a:solidFill>
+                    <a:effectLst/>
+                    <a:latin typeface="Century Schoolbook" pitchFamily="18" charset="0"/>
+                    <a:cs typeface="Arial" charset="0"/>
+                  </a:rPr>
+                  <a:t>Point cloud</a:t>
+                </a:r>
+              </a:p>
+            </p:txBody>
+          </p:sp>
+          <p:sp>
+            <p:nvSpPr>
+              <p:cNvPr id="154" name="Isosceles Triangle 153"/>
+              <p:cNvSpPr/>
+              <p:nvPr/>
+            </p:nvSpPr>
+            <p:spPr bwMode="auto">
+              <a:xfrm flipV="1">
+                <a:off x="17025316" y="19819770"/>
+                <a:ext cx="848968" cy="151156"/>
+              </a:xfrm>
+              <a:prstGeom prst="triangle">
+                <a:avLst/>
+              </a:prstGeom>
+              <a:solidFill>
+                <a:srgbClr val="990000"/>
+              </a:solidFill>
+              <a:ln w="127000" cap="flat" cmpd="sng" algn="ctr">
+                <a:noFill/>
+                <a:prstDash val="solid"/>
+                <a:round/>
+                <a:headEnd type="none" w="med" len="med"/>
+                <a:tailEnd type="none" w="med" len="med"/>
+              </a:ln>
+              <a:effectLst/>
+            </p:spPr>
+            <p:txBody>
+              <a:bodyPr vert="horz" wrap="square" lIns="91440" tIns="45720" rIns="91440" bIns="45720" numCol="1" rtlCol="0" anchor="t" anchorCtr="0" compatLnSpc="1">
+                <a:prstTxWarp prst="textNoShape">
+                  <a:avLst/>
+                </a:prstTxWarp>
+                <a:spAutoFit/>
+              </a:bodyPr>
+              <a:lstStyle/>
+              <a:p>
+                <a:pPr marL="0" marR="0" indent="0" algn="ctr" defTabSz="4389438" rtl="0" eaLnBrk="1" fontAlgn="base" latinLnBrk="0" hangingPunct="1">
+                  <a:lnSpc>
+                    <a:spcPct val="100000"/>
+                  </a:lnSpc>
+                  <a:spcBef>
+                    <a:spcPct val="0"/>
+                  </a:spcBef>
+                  <a:spcAft>
+                    <a:spcPct val="0"/>
+                  </a:spcAft>
+                  <a:buClrTx/>
+                  <a:buSzTx/>
+                  <a:buFontTx/>
+                  <a:buNone/>
+                  <a:tabLst/>
+                </a:pPr>
+                <a:endParaRPr kumimoji="0" lang="en-US" sz="8600" b="0" i="0" u="none" strike="noStrike" cap="none" normalizeH="0" baseline="0" smtClean="0">
+                  <a:ln>
+                    <a:noFill/>
+                  </a:ln>
+                  <a:solidFill>
+                    <a:schemeClr val="tx2"/>
+                  </a:solidFill>
+                  <a:effectLst/>
+                  <a:latin typeface="Tahoma" pitchFamily="34" charset="0"/>
                   <a:cs typeface="Arial" charset="0"/>
-                </a:rPr>
-                <a:t>Projector calibration</a:t>
-              </a:r>
-              <a:endParaRPr kumimoji="0" lang="en-US" sz="2400" b="0" i="0" u="none" strike="noStrike" cap="none" normalizeH="0" baseline="0" dirty="0" smtClean="0">
-                <a:ln>
-                  <a:noFill/>
-                </a:ln>
-                <a:solidFill>
-                  <a:schemeClr val="tx2"/>
-                </a:solidFill>
-                <a:effectLst/>
-                <a:latin typeface="Century Schoolbook" pitchFamily="18" charset="0"/>
-                <a:cs typeface="Arial" charset="0"/>
-              </a:endParaRPr>
-            </a:p>
-          </p:txBody>
-        </p:sp>
+                </a:endParaRPr>
+              </a:p>
+            </p:txBody>
+          </p:sp>
+          <p:sp>
+            <p:nvSpPr>
+              <p:cNvPr id="155" name="Isosceles Triangle 154"/>
+              <p:cNvSpPr/>
+              <p:nvPr/>
+            </p:nvSpPr>
+            <p:spPr bwMode="auto">
+              <a:xfrm flipV="1">
+                <a:off x="17025316" y="21167071"/>
+                <a:ext cx="848968" cy="151156"/>
+              </a:xfrm>
+              <a:prstGeom prst="triangle">
+                <a:avLst/>
+              </a:prstGeom>
+              <a:solidFill>
+                <a:srgbClr val="990000"/>
+              </a:solidFill>
+              <a:ln w="127000" cap="flat" cmpd="sng" algn="ctr">
+                <a:noFill/>
+                <a:prstDash val="solid"/>
+                <a:round/>
+                <a:headEnd type="none" w="med" len="med"/>
+                <a:tailEnd type="none" w="med" len="med"/>
+              </a:ln>
+              <a:effectLst/>
+            </p:spPr>
+            <p:txBody>
+              <a:bodyPr vert="horz" wrap="square" lIns="91440" tIns="45720" rIns="91440" bIns="45720" numCol="1" rtlCol="0" anchor="t" anchorCtr="0" compatLnSpc="1">
+                <a:prstTxWarp prst="textNoShape">
+                  <a:avLst/>
+                </a:prstTxWarp>
+                <a:spAutoFit/>
+              </a:bodyPr>
+              <a:lstStyle/>
+              <a:p>
+                <a:pPr marL="0" marR="0" indent="0" algn="ctr" defTabSz="4389438" rtl="0" eaLnBrk="1" fontAlgn="base" latinLnBrk="0" hangingPunct="1">
+                  <a:lnSpc>
+                    <a:spcPct val="100000"/>
+                  </a:lnSpc>
+                  <a:spcBef>
+                    <a:spcPct val="0"/>
+                  </a:spcBef>
+                  <a:spcAft>
+                    <a:spcPct val="0"/>
+                  </a:spcAft>
+                  <a:buClrTx/>
+                  <a:buSzTx/>
+                  <a:buFontTx/>
+                  <a:buNone/>
+                  <a:tabLst/>
+                </a:pPr>
+                <a:endParaRPr kumimoji="0" lang="en-US" sz="8600" b="0" i="0" u="none" strike="noStrike" cap="none" normalizeH="0" baseline="0" smtClean="0">
+                  <a:ln>
+                    <a:noFill/>
+                  </a:ln>
+                  <a:solidFill>
+                    <a:schemeClr val="tx2"/>
+                  </a:solidFill>
+                  <a:effectLst/>
+                  <a:latin typeface="Tahoma" pitchFamily="34" charset="0"/>
+                  <a:cs typeface="Arial" charset="0"/>
+                </a:endParaRPr>
+              </a:p>
+            </p:txBody>
+          </p:sp>
+        </p:grpSp>
+        <p:grpSp>
+          <p:nvGrpSpPr>
+            <p:cNvPr id="158" name="Group 157"/>
+            <p:cNvGrpSpPr/>
+            <p:nvPr/>
+          </p:nvGrpSpPr>
+          <p:grpSpPr>
+            <a:xfrm>
+              <a:off x="20573093" y="17954171"/>
+              <a:ext cx="4381500" cy="4189479"/>
+              <a:chOff x="15259050" y="18393410"/>
+              <a:chExt cx="4381500" cy="4189479"/>
+            </a:xfrm>
+          </p:grpSpPr>
+          <p:sp>
+            <p:nvSpPr>
+              <p:cNvPr id="159" name="Rounded Rectangle 158"/>
+              <p:cNvSpPr/>
+              <p:nvPr/>
+            </p:nvSpPr>
+            <p:spPr bwMode="auto">
+              <a:xfrm>
+                <a:off x="15259050" y="18393410"/>
+                <a:ext cx="4381500" cy="4189479"/>
+              </a:xfrm>
+              <a:prstGeom prst="roundRect">
+                <a:avLst/>
+              </a:prstGeom>
+              <a:ln>
+                <a:headEnd type="none" w="med" len="med"/>
+                <a:tailEnd type="none" w="med" len="med"/>
+              </a:ln>
+            </p:spPr>
+            <p:style>
+              <a:lnRef idx="0">
+                <a:schemeClr val="accent3"/>
+              </a:lnRef>
+              <a:fillRef idx="3">
+                <a:schemeClr val="accent3"/>
+              </a:fillRef>
+              <a:effectRef idx="3">
+                <a:schemeClr val="accent3"/>
+              </a:effectRef>
+              <a:fontRef idx="minor">
+                <a:schemeClr val="lt1"/>
+              </a:fontRef>
+            </p:style>
+            <p:txBody>
+              <a:bodyPr vert="horz" wrap="square" lIns="91440" tIns="45720" rIns="91440" bIns="45720" numCol="1" rtlCol="0" anchor="t" anchorCtr="0" compatLnSpc="1">
+                <a:prstTxWarp prst="textNoShape">
+                  <a:avLst/>
+                </a:prstTxWarp>
+                <a:spAutoFit/>
+              </a:bodyPr>
+              <a:lstStyle/>
+              <a:p>
+                <a:pPr marL="0" marR="0" indent="0" algn="ctr" defTabSz="4389438" rtl="0" eaLnBrk="1" fontAlgn="base" latinLnBrk="0" hangingPunct="1">
+                  <a:lnSpc>
+                    <a:spcPct val="100000"/>
+                  </a:lnSpc>
+                  <a:spcBef>
+                    <a:spcPct val="0"/>
+                  </a:spcBef>
+                  <a:spcAft>
+                    <a:spcPct val="0"/>
+                  </a:spcAft>
+                  <a:buClrTx/>
+                  <a:buSzTx/>
+                  <a:buFontTx/>
+                  <a:buNone/>
+                  <a:tabLst/>
+                </a:pPr>
+                <a:endParaRPr kumimoji="0" lang="en-US" sz="8600" b="0" i="0" u="none" strike="noStrike" cap="none" normalizeH="0" baseline="0" smtClean="0">
+                  <a:ln>
+                    <a:noFill/>
+                  </a:ln>
+                  <a:solidFill>
+                    <a:schemeClr val="tx2"/>
+                  </a:solidFill>
+                  <a:effectLst/>
+                  <a:latin typeface="Tahoma" pitchFamily="34" charset="0"/>
+                  <a:cs typeface="Arial" charset="0"/>
+                </a:endParaRPr>
+              </a:p>
+            </p:txBody>
+          </p:sp>
+          <p:sp>
+            <p:nvSpPr>
+              <p:cNvPr id="160" name="TextBox 159"/>
+              <p:cNvSpPr txBox="1"/>
+              <p:nvPr/>
+            </p:nvSpPr>
+            <p:spPr>
+              <a:xfrm>
+                <a:off x="15259050" y="18428677"/>
+                <a:ext cx="4381500" cy="584775"/>
+              </a:xfrm>
+              <a:prstGeom prst="rect">
+                <a:avLst/>
+              </a:prstGeom>
+              <a:noFill/>
+            </p:spPr>
+            <p:txBody>
+              <a:bodyPr wrap="square" rtlCol="0">
+                <a:spAutoFit/>
+              </a:bodyPr>
+              <a:lstStyle/>
+              <a:p>
+                <a:r>
+                  <a:rPr lang="en-US" sz="3200" dirty="0" smtClean="0">
+                    <a:latin typeface="Century Schoolbook" pitchFamily="18" charset="0"/>
+                  </a:rPr>
+                  <a:t>Combine views</a:t>
+                </a:r>
+                <a:endParaRPr lang="en-US" sz="3200" dirty="0">
+                  <a:latin typeface="Century Schoolbook" pitchFamily="18" charset="0"/>
+                </a:endParaRPr>
+              </a:p>
+            </p:txBody>
+          </p:sp>
+          <p:sp>
+            <p:nvSpPr>
+              <p:cNvPr id="161" name="Rounded Rectangle 160"/>
+              <p:cNvSpPr/>
+              <p:nvPr/>
+            </p:nvSpPr>
+            <p:spPr bwMode="auto">
+              <a:xfrm>
+                <a:off x="15654076" y="19107047"/>
+                <a:ext cx="3567374" cy="510778"/>
+              </a:xfrm>
+              <a:prstGeom prst="roundRect">
+                <a:avLst/>
+              </a:prstGeom>
+              <a:ln>
+                <a:headEnd type="none" w="med" len="med"/>
+                <a:tailEnd type="none" w="med" len="med"/>
+              </a:ln>
+            </p:spPr>
+            <p:style>
+              <a:lnRef idx="0">
+                <a:schemeClr val="accent1"/>
+              </a:lnRef>
+              <a:fillRef idx="3">
+                <a:schemeClr val="accent1"/>
+              </a:fillRef>
+              <a:effectRef idx="3">
+                <a:schemeClr val="accent1"/>
+              </a:effectRef>
+              <a:fontRef idx="minor">
+                <a:schemeClr val="lt1"/>
+              </a:fontRef>
+            </p:style>
+            <p:txBody>
+              <a:bodyPr vert="horz" wrap="square" lIns="91440" tIns="45720" rIns="91440" bIns="45720" numCol="1" rtlCol="0" anchor="t" anchorCtr="0" compatLnSpc="1">
+                <a:prstTxWarp prst="textNoShape">
+                  <a:avLst/>
+                </a:prstTxWarp>
+                <a:spAutoFit/>
+              </a:bodyPr>
+              <a:lstStyle/>
+              <a:p>
+                <a:pPr marL="0" marR="0" indent="0" algn="ctr" defTabSz="4389438" rtl="0" eaLnBrk="1" fontAlgn="base" latinLnBrk="0" hangingPunct="1">
+                  <a:lnSpc>
+                    <a:spcPct val="100000"/>
+                  </a:lnSpc>
+                  <a:spcBef>
+                    <a:spcPct val="0"/>
+                  </a:spcBef>
+                  <a:spcAft>
+                    <a:spcPct val="0"/>
+                  </a:spcAft>
+                  <a:buClrTx/>
+                  <a:buSzTx/>
+                  <a:buFontTx/>
+                  <a:buNone/>
+                  <a:tabLst/>
+                </a:pPr>
+                <a:r>
+                  <a:rPr kumimoji="0" lang="en-US" sz="2400" b="0" i="0" u="none" strike="noStrike" cap="none" normalizeH="0" baseline="0" dirty="0" smtClean="0">
+                    <a:ln>
+                      <a:noFill/>
+                    </a:ln>
+                    <a:solidFill>
+                      <a:schemeClr val="tx2"/>
+                    </a:solidFill>
+                    <a:effectLst/>
+                    <a:latin typeface="Century Schoolbook" pitchFamily="18" charset="0"/>
+                    <a:cs typeface="Arial" charset="0"/>
+                  </a:rPr>
+                  <a:t>Reposition object</a:t>
+                </a:r>
+              </a:p>
+            </p:txBody>
+          </p:sp>
+          <p:sp>
+            <p:nvSpPr>
+              <p:cNvPr id="162" name="Rounded Rectangle 161"/>
+              <p:cNvSpPr/>
+              <p:nvPr/>
+            </p:nvSpPr>
+            <p:spPr bwMode="auto">
+              <a:xfrm>
+                <a:off x="15654076" y="20086217"/>
+                <a:ext cx="3567374" cy="919401"/>
+              </a:xfrm>
+              <a:prstGeom prst="roundRect">
+                <a:avLst/>
+              </a:prstGeom>
+              <a:ln>
+                <a:headEnd type="none" w="med" len="med"/>
+                <a:tailEnd type="none" w="med" len="med"/>
+              </a:ln>
+            </p:spPr>
+            <p:style>
+              <a:lnRef idx="0">
+                <a:schemeClr val="accent1"/>
+              </a:lnRef>
+              <a:fillRef idx="3">
+                <a:schemeClr val="accent1"/>
+              </a:fillRef>
+              <a:effectRef idx="3">
+                <a:schemeClr val="accent1"/>
+              </a:effectRef>
+              <a:fontRef idx="minor">
+                <a:schemeClr val="lt1"/>
+              </a:fontRef>
+            </p:style>
+            <p:txBody>
+              <a:bodyPr vert="horz" wrap="square" lIns="91440" tIns="45720" rIns="91440" bIns="45720" numCol="1" rtlCol="0" anchor="t" anchorCtr="0" compatLnSpc="1">
+                <a:prstTxWarp prst="textNoShape">
+                  <a:avLst/>
+                </a:prstTxWarp>
+                <a:spAutoFit/>
+              </a:bodyPr>
+              <a:lstStyle/>
+              <a:p>
+                <a:pPr marL="0" marR="0" indent="0" algn="ctr" defTabSz="4389438" rtl="0" eaLnBrk="1" fontAlgn="base" latinLnBrk="0" hangingPunct="1">
+                  <a:lnSpc>
+                    <a:spcPct val="100000"/>
+                  </a:lnSpc>
+                  <a:spcBef>
+                    <a:spcPct val="0"/>
+                  </a:spcBef>
+                  <a:spcAft>
+                    <a:spcPct val="0"/>
+                  </a:spcAft>
+                  <a:buClrTx/>
+                  <a:buSzTx/>
+                  <a:buFontTx/>
+                  <a:buNone/>
+                  <a:tabLst/>
+                </a:pPr>
+                <a:r>
+                  <a:rPr kumimoji="0" lang="en-US" sz="2400" b="0" i="0" u="none" strike="noStrike" cap="none" normalizeH="0" baseline="0" dirty="0" smtClean="0">
+                    <a:ln>
+                      <a:noFill/>
+                    </a:ln>
+                    <a:solidFill>
+                      <a:schemeClr val="tx2"/>
+                    </a:solidFill>
+                    <a:effectLst/>
+                    <a:latin typeface="Century Schoolbook" pitchFamily="18" charset="0"/>
+                    <a:cs typeface="Arial" charset="0"/>
+                  </a:rPr>
+                  <a:t>Calculate new orientation</a:t>
+                </a:r>
+              </a:p>
+            </p:txBody>
+          </p:sp>
+          <p:sp>
+            <p:nvSpPr>
+              <p:cNvPr id="163" name="Rounded Rectangle 162"/>
+              <p:cNvSpPr/>
+              <p:nvPr/>
+            </p:nvSpPr>
+            <p:spPr bwMode="auto">
+              <a:xfrm>
+                <a:off x="15654076" y="21507347"/>
+                <a:ext cx="3567374" cy="510778"/>
+              </a:xfrm>
+              <a:prstGeom prst="roundRect">
+                <a:avLst/>
+              </a:prstGeom>
+              <a:ln>
+                <a:headEnd type="none" w="med" len="med"/>
+                <a:tailEnd type="none" w="med" len="med"/>
+              </a:ln>
+            </p:spPr>
+            <p:style>
+              <a:lnRef idx="0">
+                <a:schemeClr val="accent1"/>
+              </a:lnRef>
+              <a:fillRef idx="3">
+                <a:schemeClr val="accent1"/>
+              </a:fillRef>
+              <a:effectRef idx="3">
+                <a:schemeClr val="accent1"/>
+              </a:effectRef>
+              <a:fontRef idx="minor">
+                <a:schemeClr val="lt1"/>
+              </a:fontRef>
+            </p:style>
+            <p:txBody>
+              <a:bodyPr vert="horz" wrap="square" lIns="91440" tIns="45720" rIns="91440" bIns="45720" numCol="1" rtlCol="0" anchor="t" anchorCtr="0" compatLnSpc="1">
+                <a:prstTxWarp prst="textNoShape">
+                  <a:avLst/>
+                </a:prstTxWarp>
+                <a:spAutoFit/>
+              </a:bodyPr>
+              <a:lstStyle/>
+              <a:p>
+                <a:pPr marL="0" marR="0" indent="0" algn="ctr" defTabSz="4389438" rtl="0" eaLnBrk="1" fontAlgn="base" latinLnBrk="0" hangingPunct="1">
+                  <a:lnSpc>
+                    <a:spcPct val="100000"/>
+                  </a:lnSpc>
+                  <a:spcBef>
+                    <a:spcPct val="0"/>
+                  </a:spcBef>
+                  <a:spcAft>
+                    <a:spcPct val="0"/>
+                  </a:spcAft>
+                  <a:buClrTx/>
+                  <a:buSzTx/>
+                  <a:buFontTx/>
+                  <a:buNone/>
+                  <a:tabLst/>
+                </a:pPr>
+                <a:r>
+                  <a:rPr kumimoji="0" lang="en-US" sz="2400" b="0" i="0" u="none" strike="noStrike" cap="none" normalizeH="0" baseline="0" dirty="0" smtClean="0">
+                    <a:ln>
+                      <a:noFill/>
+                    </a:ln>
+                    <a:solidFill>
+                      <a:schemeClr val="tx2"/>
+                    </a:solidFill>
+                    <a:effectLst/>
+                    <a:latin typeface="Century Schoolbook" pitchFamily="18" charset="0"/>
+                    <a:cs typeface="Arial" charset="0"/>
+                  </a:rPr>
+                  <a:t>Align point clouds</a:t>
+                </a:r>
+              </a:p>
+            </p:txBody>
+          </p:sp>
+          <p:sp>
+            <p:nvSpPr>
+              <p:cNvPr id="164" name="Isosceles Triangle 163"/>
+              <p:cNvSpPr/>
+              <p:nvPr/>
+            </p:nvSpPr>
+            <p:spPr bwMode="auto">
+              <a:xfrm flipV="1">
+                <a:off x="17025316" y="19819770"/>
+                <a:ext cx="848968" cy="151156"/>
+              </a:xfrm>
+              <a:prstGeom prst="triangle">
+                <a:avLst/>
+              </a:prstGeom>
+              <a:solidFill>
+                <a:srgbClr val="990000"/>
+              </a:solidFill>
+              <a:ln w="127000" cap="flat" cmpd="sng" algn="ctr">
+                <a:noFill/>
+                <a:prstDash val="solid"/>
+                <a:round/>
+                <a:headEnd type="none" w="med" len="med"/>
+                <a:tailEnd type="none" w="med" len="med"/>
+              </a:ln>
+              <a:effectLst/>
+            </p:spPr>
+            <p:txBody>
+              <a:bodyPr vert="horz" wrap="square" lIns="91440" tIns="45720" rIns="91440" bIns="45720" numCol="1" rtlCol="0" anchor="t" anchorCtr="0" compatLnSpc="1">
+                <a:prstTxWarp prst="textNoShape">
+                  <a:avLst/>
+                </a:prstTxWarp>
+                <a:spAutoFit/>
+              </a:bodyPr>
+              <a:lstStyle/>
+              <a:p>
+                <a:pPr marL="0" marR="0" indent="0" algn="ctr" defTabSz="4389438" rtl="0" eaLnBrk="1" fontAlgn="base" latinLnBrk="0" hangingPunct="1">
+                  <a:lnSpc>
+                    <a:spcPct val="100000"/>
+                  </a:lnSpc>
+                  <a:spcBef>
+                    <a:spcPct val="0"/>
+                  </a:spcBef>
+                  <a:spcAft>
+                    <a:spcPct val="0"/>
+                  </a:spcAft>
+                  <a:buClrTx/>
+                  <a:buSzTx/>
+                  <a:buFontTx/>
+                  <a:buNone/>
+                  <a:tabLst/>
+                </a:pPr>
+                <a:endParaRPr kumimoji="0" lang="en-US" sz="8600" b="0" i="0" u="none" strike="noStrike" cap="none" normalizeH="0" baseline="0" smtClean="0">
+                  <a:ln>
+                    <a:noFill/>
+                  </a:ln>
+                  <a:solidFill>
+                    <a:schemeClr val="tx2"/>
+                  </a:solidFill>
+                  <a:effectLst/>
+                  <a:latin typeface="Tahoma" pitchFamily="34" charset="0"/>
+                  <a:cs typeface="Arial" charset="0"/>
+                </a:endParaRPr>
+              </a:p>
+            </p:txBody>
+          </p:sp>
+          <p:sp>
+            <p:nvSpPr>
+              <p:cNvPr id="165" name="Isosceles Triangle 164"/>
+              <p:cNvSpPr/>
+              <p:nvPr/>
+            </p:nvSpPr>
+            <p:spPr bwMode="auto">
+              <a:xfrm flipV="1">
+                <a:off x="17025316" y="21167071"/>
+                <a:ext cx="848968" cy="151156"/>
+              </a:xfrm>
+              <a:prstGeom prst="triangle">
+                <a:avLst/>
+              </a:prstGeom>
+              <a:solidFill>
+                <a:srgbClr val="990000"/>
+              </a:solidFill>
+              <a:ln w="127000" cap="flat" cmpd="sng" algn="ctr">
+                <a:noFill/>
+                <a:prstDash val="solid"/>
+                <a:round/>
+                <a:headEnd type="none" w="med" len="med"/>
+                <a:tailEnd type="none" w="med" len="med"/>
+              </a:ln>
+              <a:effectLst/>
+            </p:spPr>
+            <p:txBody>
+              <a:bodyPr vert="horz" wrap="square" lIns="91440" tIns="45720" rIns="91440" bIns="45720" numCol="1" rtlCol="0" anchor="t" anchorCtr="0" compatLnSpc="1">
+                <a:prstTxWarp prst="textNoShape">
+                  <a:avLst/>
+                </a:prstTxWarp>
+                <a:spAutoFit/>
+              </a:bodyPr>
+              <a:lstStyle/>
+              <a:p>
+                <a:pPr marL="0" marR="0" indent="0" algn="ctr" defTabSz="4389438" rtl="0" eaLnBrk="1" fontAlgn="base" latinLnBrk="0" hangingPunct="1">
+                  <a:lnSpc>
+                    <a:spcPct val="100000"/>
+                  </a:lnSpc>
+                  <a:spcBef>
+                    <a:spcPct val="0"/>
+                  </a:spcBef>
+                  <a:spcAft>
+                    <a:spcPct val="0"/>
+                  </a:spcAft>
+                  <a:buClrTx/>
+                  <a:buSzTx/>
+                  <a:buFontTx/>
+                  <a:buNone/>
+                  <a:tabLst/>
+                </a:pPr>
+                <a:endParaRPr kumimoji="0" lang="en-US" sz="8600" b="0" i="0" u="none" strike="noStrike" cap="none" normalizeH="0" baseline="0" smtClean="0">
+                  <a:ln>
+                    <a:noFill/>
+                  </a:ln>
+                  <a:solidFill>
+                    <a:schemeClr val="tx2"/>
+                  </a:solidFill>
+                  <a:effectLst/>
+                  <a:latin typeface="Tahoma" pitchFamily="34" charset="0"/>
+                  <a:cs typeface="Arial" charset="0"/>
+                </a:endParaRPr>
+              </a:p>
+            </p:txBody>
+          </p:sp>
+        </p:grpSp>
         <p:sp>
           <p:nvSpPr>
-            <p:cNvPr id="19" name="TextBox 18"/>
-            <p:cNvSpPr txBox="1"/>
-            <p:nvPr/>
-          </p:nvSpPr>
-          <p:spPr>
-            <a:xfrm>
-              <a:off x="15259050" y="13609748"/>
-              <a:ext cx="4381500" cy="584775"/>
-            </a:xfrm>
-            <a:prstGeom prst="rect">
-              <a:avLst/>
-            </a:prstGeom>
-            <a:noFill/>
-          </p:spPr>
-          <p:txBody>
-            <a:bodyPr wrap="square" rtlCol="0">
-              <a:spAutoFit/>
-            </a:bodyPr>
-            <a:lstStyle/>
-            <a:p>
-              <a:r>
-                <a:rPr lang="en-US" sz="3200" dirty="0" smtClean="0">
-                  <a:latin typeface="Century Schoolbook" pitchFamily="18" charset="0"/>
-                </a:rPr>
-                <a:t>Setup</a:t>
-              </a:r>
-              <a:endParaRPr lang="en-US" sz="3200" dirty="0">
-                <a:latin typeface="Century Schoolbook" pitchFamily="18" charset="0"/>
-              </a:endParaRPr>
-            </a:p>
-          </p:txBody>
-        </p:sp>
-        <p:sp>
-          <p:nvSpPr>
-            <p:cNvPr id="22" name="Isosceles Triangle 21"/>
+            <p:cNvPr id="166" name="Right Arrow 165"/>
             <p:cNvSpPr/>
             <p:nvPr/>
           </p:nvSpPr>
           <p:spPr bwMode="auto">
-            <a:xfrm flipV="1">
-              <a:off x="17025316" y="14968301"/>
-              <a:ext cx="848968" cy="151156"/>
+            <a:xfrm rot="10800000">
+              <a:off x="19884658" y="20407304"/>
+              <a:ext cx="379130" cy="688462"/>
             </a:xfrm>
-            <a:prstGeom prst="triangle">
-              <a:avLst/>
+            <a:prstGeom prst="rightArrow">
+              <a:avLst>
+                <a:gd name="adj1" fmla="val 50000"/>
+                <a:gd name="adj2" fmla="val 70964"/>
+              </a:avLst>
             </a:prstGeom>
             <a:solidFill>
               <a:srgbClr val="990000"/>
@@ -11157,17 +11270,206 @@
         </p:sp>
         <p:sp>
           <p:nvSpPr>
-            <p:cNvPr id="138" name="Isosceles Triangle 137"/>
+            <p:cNvPr id="167" name="Right Arrow 166"/>
             <p:cNvSpPr/>
             <p:nvPr/>
           </p:nvSpPr>
           <p:spPr bwMode="auto">
-            <a:xfrm flipV="1">
-              <a:off x="17025316" y="15896502"/>
-              <a:ext cx="848968" cy="151156"/>
+            <a:xfrm rot="10800000" flipH="1">
+              <a:off x="19918677" y="19075489"/>
+              <a:ext cx="379130" cy="688462"/>
             </a:xfrm>
-            <a:prstGeom prst="triangle">
-              <a:avLst/>
+            <a:prstGeom prst="rightArrow">
+              <a:avLst>
+                <a:gd name="adj1" fmla="val 50000"/>
+                <a:gd name="adj2" fmla="val 70964"/>
+              </a:avLst>
+            </a:prstGeom>
+            <a:solidFill>
+              <a:srgbClr val="990000"/>
+            </a:solidFill>
+            <a:ln w="127000" cap="flat" cmpd="sng" algn="ctr">
+              <a:noFill/>
+              <a:prstDash val="solid"/>
+              <a:round/>
+              <a:headEnd type="none" w="med" len="med"/>
+              <a:tailEnd type="none" w="med" len="med"/>
+            </a:ln>
+            <a:effectLst/>
+          </p:spPr>
+          <p:txBody>
+            <a:bodyPr vert="horz" wrap="square" lIns="91440" tIns="45720" rIns="91440" bIns="45720" numCol="1" rtlCol="0" anchor="t" anchorCtr="0" compatLnSpc="1">
+              <a:prstTxWarp prst="textNoShape">
+                <a:avLst/>
+              </a:prstTxWarp>
+              <a:spAutoFit/>
+            </a:bodyPr>
+            <a:lstStyle/>
+            <a:p>
+              <a:pPr marL="0" marR="0" indent="0" algn="ctr" defTabSz="4389438" rtl="0" eaLnBrk="1" fontAlgn="base" latinLnBrk="0" hangingPunct="1">
+                <a:lnSpc>
+                  <a:spcPct val="100000"/>
+                </a:lnSpc>
+                <a:spcBef>
+                  <a:spcPct val="0"/>
+                </a:spcBef>
+                <a:spcAft>
+                  <a:spcPct val="0"/>
+                </a:spcAft>
+                <a:buClrTx/>
+                <a:buSzTx/>
+                <a:buFontTx/>
+                <a:buNone/>
+                <a:tabLst/>
+              </a:pPr>
+              <a:endParaRPr kumimoji="0" lang="en-US" sz="8600" b="0" i="0" u="none" strike="noStrike" cap="none" normalizeH="0" baseline="0" smtClean="0">
+                <a:ln>
+                  <a:noFill/>
+                </a:ln>
+                <a:solidFill>
+                  <a:schemeClr val="tx2"/>
+                </a:solidFill>
+                <a:effectLst/>
+                <a:latin typeface="Tahoma" pitchFamily="34" charset="0"/>
+                <a:cs typeface="Arial" charset="0"/>
+              </a:endParaRPr>
+            </a:p>
+          </p:txBody>
+        </p:sp>
+        <p:grpSp>
+          <p:nvGrpSpPr>
+            <p:cNvPr id="168" name="Group 167"/>
+            <p:cNvGrpSpPr/>
+            <p:nvPr/>
+          </p:nvGrpSpPr>
+          <p:grpSpPr>
+            <a:xfrm>
+              <a:off x="21932049" y="23064570"/>
+              <a:ext cx="1609166" cy="773123"/>
+              <a:chOff x="15259050" y="18393410"/>
+              <a:chExt cx="4381500" cy="4189479"/>
+            </a:xfrm>
+          </p:grpSpPr>
+          <p:sp>
+            <p:nvSpPr>
+              <p:cNvPr id="169" name="Rounded Rectangle 168"/>
+              <p:cNvSpPr/>
+              <p:nvPr/>
+            </p:nvSpPr>
+            <p:spPr bwMode="auto">
+              <a:xfrm>
+                <a:off x="15259050" y="18393410"/>
+                <a:ext cx="4381500" cy="4189479"/>
+              </a:xfrm>
+              <a:prstGeom prst="roundRect">
+                <a:avLst/>
+              </a:prstGeom>
+              <a:ln>
+                <a:headEnd type="none" w="med" len="med"/>
+                <a:tailEnd type="none" w="med" len="med"/>
+              </a:ln>
+            </p:spPr>
+            <p:style>
+              <a:lnRef idx="0">
+                <a:schemeClr val="accent3"/>
+              </a:lnRef>
+              <a:fillRef idx="3">
+                <a:schemeClr val="accent3"/>
+              </a:fillRef>
+              <a:effectRef idx="3">
+                <a:schemeClr val="accent3"/>
+              </a:effectRef>
+              <a:fontRef idx="minor">
+                <a:schemeClr val="lt1"/>
+              </a:fontRef>
+            </p:style>
+            <p:txBody>
+              <a:bodyPr vert="horz" wrap="square" lIns="91440" tIns="45720" rIns="91440" bIns="45720" numCol="1" rtlCol="0" anchor="t" anchorCtr="0" compatLnSpc="1">
+                <a:prstTxWarp prst="textNoShape">
+                  <a:avLst/>
+                </a:prstTxWarp>
+                <a:spAutoFit/>
+              </a:bodyPr>
+              <a:lstStyle/>
+              <a:p>
+                <a:pPr marL="0" marR="0" indent="0" algn="ctr" defTabSz="4389438" rtl="0" eaLnBrk="1" fontAlgn="base" latinLnBrk="0" hangingPunct="1">
+                  <a:lnSpc>
+                    <a:spcPct val="100000"/>
+                  </a:lnSpc>
+                  <a:spcBef>
+                    <a:spcPct val="0"/>
+                  </a:spcBef>
+                  <a:spcAft>
+                    <a:spcPct val="0"/>
+                  </a:spcAft>
+                  <a:buClrTx/>
+                  <a:buSzTx/>
+                  <a:buFontTx/>
+                  <a:buNone/>
+                  <a:tabLst/>
+                </a:pPr>
+                <a:endParaRPr kumimoji="0" lang="en-US" sz="8600" b="0" i="0" u="none" strike="noStrike" cap="none" normalizeH="0" baseline="0" smtClean="0">
+                  <a:ln>
+                    <a:noFill/>
+                  </a:ln>
+                  <a:solidFill>
+                    <a:schemeClr val="tx2"/>
+                  </a:solidFill>
+                  <a:effectLst/>
+                  <a:latin typeface="Tahoma" pitchFamily="34" charset="0"/>
+                  <a:cs typeface="Arial" charset="0"/>
+                </a:endParaRPr>
+              </a:p>
+            </p:txBody>
+          </p:sp>
+          <p:sp>
+            <p:nvSpPr>
+              <p:cNvPr id="170" name="TextBox 169"/>
+              <p:cNvSpPr txBox="1"/>
+              <p:nvPr/>
+            </p:nvSpPr>
+            <p:spPr>
+              <a:xfrm>
+                <a:off x="15259050" y="18428678"/>
+                <a:ext cx="4381500" cy="1503518"/>
+              </a:xfrm>
+              <a:prstGeom prst="rect">
+                <a:avLst/>
+              </a:prstGeom>
+              <a:noFill/>
+            </p:spPr>
+            <p:txBody>
+              <a:bodyPr wrap="square" rtlCol="0">
+                <a:spAutoFit/>
+              </a:bodyPr>
+              <a:lstStyle/>
+              <a:p>
+                <a:r>
+                  <a:rPr lang="en-US" sz="3200" dirty="0" smtClean="0">
+                    <a:latin typeface="Century Schoolbook" pitchFamily="18" charset="0"/>
+                  </a:rPr>
+                  <a:t>Mesh</a:t>
+                </a:r>
+              </a:p>
+            </p:txBody>
+          </p:sp>
+        </p:grpSp>
+        <p:sp>
+          <p:nvSpPr>
+            <p:cNvPr id="182" name="Right Arrow 181"/>
+            <p:cNvSpPr/>
+            <p:nvPr/>
+          </p:nvSpPr>
+          <p:spPr bwMode="auto">
+            <a:xfrm rot="5400000">
+              <a:off x="22554321" y="22232852"/>
+              <a:ext cx="379130" cy="688462"/>
+            </a:xfrm>
+            <a:prstGeom prst="rightArrow">
+              <a:avLst>
+                <a:gd name="adj1" fmla="val 50000"/>
+                <a:gd name="adj2" fmla="val 70964"/>
+              </a:avLst>
             </a:prstGeom>
             <a:solidFill>
               <a:srgbClr val="990000"/>
@@ -11221,1346 +11523,6 @@
           </p:txBody>
         </p:sp>
       </p:grpSp>
-      <p:grpSp>
-        <p:nvGrpSpPr>
-          <p:cNvPr id="27" name="Group 26"/>
-          <p:cNvGrpSpPr/>
-          <p:nvPr/>
-        </p:nvGrpSpPr>
-        <p:grpSpPr>
-          <a:xfrm>
-            <a:off x="15259050" y="17993360"/>
-            <a:ext cx="4381500" cy="4189479"/>
-            <a:chOff x="15259050" y="18393410"/>
-            <a:chExt cx="4381500" cy="4189479"/>
-          </a:xfrm>
-        </p:grpSpPr>
-        <p:sp>
-          <p:nvSpPr>
-            <p:cNvPr id="149" name="Rounded Rectangle 148"/>
-            <p:cNvSpPr/>
-            <p:nvPr/>
-          </p:nvSpPr>
-          <p:spPr bwMode="auto">
-            <a:xfrm>
-              <a:off x="15259050" y="18393410"/>
-              <a:ext cx="4381500" cy="4189479"/>
-            </a:xfrm>
-            <a:prstGeom prst="roundRect">
-              <a:avLst/>
-            </a:prstGeom>
-            <a:ln>
-              <a:headEnd type="none" w="med" len="med"/>
-              <a:tailEnd type="none" w="med" len="med"/>
-            </a:ln>
-          </p:spPr>
-          <p:style>
-            <a:lnRef idx="0">
-              <a:schemeClr val="accent3"/>
-            </a:lnRef>
-            <a:fillRef idx="3">
-              <a:schemeClr val="accent3"/>
-            </a:fillRef>
-            <a:effectRef idx="3">
-              <a:schemeClr val="accent3"/>
-            </a:effectRef>
-            <a:fontRef idx="minor">
-              <a:schemeClr val="lt1"/>
-            </a:fontRef>
-          </p:style>
-          <p:txBody>
-            <a:bodyPr vert="horz" wrap="square" lIns="91440" tIns="45720" rIns="91440" bIns="45720" numCol="1" rtlCol="0" anchor="t" anchorCtr="0" compatLnSpc="1">
-              <a:prstTxWarp prst="textNoShape">
-                <a:avLst/>
-              </a:prstTxWarp>
-              <a:spAutoFit/>
-            </a:bodyPr>
-            <a:lstStyle/>
-            <a:p>
-              <a:pPr marL="0" marR="0" indent="0" algn="ctr" defTabSz="4389438" rtl="0" eaLnBrk="1" fontAlgn="base" latinLnBrk="0" hangingPunct="1">
-                <a:lnSpc>
-                  <a:spcPct val="100000"/>
-                </a:lnSpc>
-                <a:spcBef>
-                  <a:spcPct val="0"/>
-                </a:spcBef>
-                <a:spcAft>
-                  <a:spcPct val="0"/>
-                </a:spcAft>
-                <a:buClrTx/>
-                <a:buSzTx/>
-                <a:buFontTx/>
-                <a:buNone/>
-                <a:tabLst/>
-              </a:pPr>
-              <a:endParaRPr kumimoji="0" lang="en-US" sz="8600" b="0" i="0" u="none" strike="noStrike" cap="none" normalizeH="0" baseline="0" smtClean="0">
-                <a:ln>
-                  <a:noFill/>
-                </a:ln>
-                <a:solidFill>
-                  <a:schemeClr val="tx2"/>
-                </a:solidFill>
-                <a:effectLst/>
-                <a:latin typeface="Tahoma" pitchFamily="34" charset="0"/>
-                <a:cs typeface="Arial" charset="0"/>
-              </a:endParaRPr>
-            </a:p>
-          </p:txBody>
-        </p:sp>
-        <p:sp>
-          <p:nvSpPr>
-            <p:cNvPr id="153" name="TextBox 152"/>
-            <p:cNvSpPr txBox="1"/>
-            <p:nvPr/>
-          </p:nvSpPr>
-          <p:spPr>
-            <a:xfrm>
-              <a:off x="15259050" y="18428677"/>
-              <a:ext cx="4381500" cy="694255"/>
-            </a:xfrm>
-            <a:prstGeom prst="rect">
-              <a:avLst/>
-            </a:prstGeom>
-            <a:noFill/>
-          </p:spPr>
-          <p:txBody>
-            <a:bodyPr wrap="square" rtlCol="0">
-              <a:spAutoFit/>
-            </a:bodyPr>
-            <a:lstStyle/>
-            <a:p>
-              <a:r>
-                <a:rPr lang="en-US" sz="3200" dirty="0" smtClean="0">
-                  <a:latin typeface="Century Schoolbook" pitchFamily="18" charset="0"/>
-                </a:rPr>
-                <a:t>Single view</a:t>
-              </a:r>
-              <a:endParaRPr lang="en-US" sz="3200" dirty="0">
-                <a:latin typeface="Century Schoolbook" pitchFamily="18" charset="0"/>
-              </a:endParaRPr>
-            </a:p>
-          </p:txBody>
-        </p:sp>
-        <p:sp>
-          <p:nvSpPr>
-            <p:cNvPr id="150" name="Rounded Rectangle 149"/>
-            <p:cNvSpPr/>
-            <p:nvPr/>
-          </p:nvSpPr>
-          <p:spPr bwMode="auto">
-            <a:xfrm>
-              <a:off x="15654076" y="19107047"/>
-              <a:ext cx="3567374" cy="510778"/>
-            </a:xfrm>
-            <a:prstGeom prst="roundRect">
-              <a:avLst/>
-            </a:prstGeom>
-            <a:ln>
-              <a:headEnd type="none" w="med" len="med"/>
-              <a:tailEnd type="none" w="med" len="med"/>
-            </a:ln>
-          </p:spPr>
-          <p:style>
-            <a:lnRef idx="0">
-              <a:schemeClr val="accent1"/>
-            </a:lnRef>
-            <a:fillRef idx="3">
-              <a:schemeClr val="accent1"/>
-            </a:fillRef>
-            <a:effectRef idx="3">
-              <a:schemeClr val="accent1"/>
-            </a:effectRef>
-            <a:fontRef idx="minor">
-              <a:schemeClr val="lt1"/>
-            </a:fontRef>
-          </p:style>
-          <p:txBody>
-            <a:bodyPr vert="horz" wrap="square" lIns="91440" tIns="45720" rIns="91440" bIns="45720" numCol="1" rtlCol="0" anchor="t" anchorCtr="0" compatLnSpc="1">
-              <a:prstTxWarp prst="textNoShape">
-                <a:avLst/>
-              </a:prstTxWarp>
-              <a:spAutoFit/>
-            </a:bodyPr>
-            <a:lstStyle/>
-            <a:p>
-              <a:pPr marL="0" marR="0" indent="0" algn="ctr" defTabSz="4389438" rtl="0" eaLnBrk="1" fontAlgn="base" latinLnBrk="0" hangingPunct="1">
-                <a:lnSpc>
-                  <a:spcPct val="100000"/>
-                </a:lnSpc>
-                <a:spcBef>
-                  <a:spcPct val="0"/>
-                </a:spcBef>
-                <a:spcAft>
-                  <a:spcPct val="0"/>
-                </a:spcAft>
-                <a:buClrTx/>
-                <a:buSzTx/>
-                <a:buFontTx/>
-                <a:buNone/>
-                <a:tabLst/>
-              </a:pPr>
-              <a:r>
-                <a:rPr kumimoji="0" lang="en-US" sz="2400" b="0" i="0" u="none" strike="noStrike" cap="none" normalizeH="0" baseline="0" dirty="0" smtClean="0">
-                  <a:ln>
-                    <a:noFill/>
-                  </a:ln>
-                  <a:solidFill>
-                    <a:schemeClr val="tx2"/>
-                  </a:solidFill>
-                  <a:effectLst/>
-                  <a:latin typeface="Century Schoolbook" pitchFamily="18" charset="0"/>
-                  <a:cs typeface="Arial" charset="0"/>
-                </a:rPr>
-                <a:t>Data acquisition</a:t>
-              </a:r>
-              <a:endParaRPr kumimoji="0" lang="en-US" sz="2400" b="0" i="0" u="none" strike="noStrike" cap="none" normalizeH="0" baseline="0" dirty="0" smtClean="0">
-                <a:ln>
-                  <a:noFill/>
-                </a:ln>
-                <a:solidFill>
-                  <a:schemeClr val="tx2"/>
-                </a:solidFill>
-                <a:effectLst/>
-                <a:latin typeface="Century Schoolbook" pitchFamily="18" charset="0"/>
-                <a:cs typeface="Arial" charset="0"/>
-              </a:endParaRPr>
-            </a:p>
-          </p:txBody>
-        </p:sp>
-        <p:sp>
-          <p:nvSpPr>
-            <p:cNvPr id="151" name="Rounded Rectangle 150"/>
-            <p:cNvSpPr/>
-            <p:nvPr/>
-          </p:nvSpPr>
-          <p:spPr bwMode="auto">
-            <a:xfrm>
-              <a:off x="15654076" y="20086217"/>
-              <a:ext cx="3567374" cy="919401"/>
-            </a:xfrm>
-            <a:prstGeom prst="roundRect">
-              <a:avLst/>
-            </a:prstGeom>
-            <a:ln>
-              <a:headEnd type="none" w="med" len="med"/>
-              <a:tailEnd type="none" w="med" len="med"/>
-            </a:ln>
-          </p:spPr>
-          <p:style>
-            <a:lnRef idx="0">
-              <a:schemeClr val="accent1"/>
-            </a:lnRef>
-            <a:fillRef idx="3">
-              <a:schemeClr val="accent1"/>
-            </a:fillRef>
-            <a:effectRef idx="3">
-              <a:schemeClr val="accent1"/>
-            </a:effectRef>
-            <a:fontRef idx="minor">
-              <a:schemeClr val="lt1"/>
-            </a:fontRef>
-          </p:style>
-          <p:txBody>
-            <a:bodyPr vert="horz" wrap="square" lIns="91440" tIns="45720" rIns="91440" bIns="45720" numCol="1" rtlCol="0" anchor="t" anchorCtr="0" compatLnSpc="1">
-              <a:prstTxWarp prst="textNoShape">
-                <a:avLst/>
-              </a:prstTxWarp>
-              <a:spAutoFit/>
-            </a:bodyPr>
-            <a:lstStyle/>
-            <a:p>
-              <a:pPr marL="0" marR="0" indent="0" algn="ctr" defTabSz="4389438" rtl="0" eaLnBrk="1" fontAlgn="base" latinLnBrk="0" hangingPunct="1">
-                <a:lnSpc>
-                  <a:spcPct val="100000"/>
-                </a:lnSpc>
-                <a:spcBef>
-                  <a:spcPct val="0"/>
-                </a:spcBef>
-                <a:spcAft>
-                  <a:spcPct val="0"/>
-                </a:spcAft>
-                <a:buClrTx/>
-                <a:buSzTx/>
-                <a:buFontTx/>
-                <a:buNone/>
-                <a:tabLst/>
-              </a:pPr>
-              <a:r>
-                <a:rPr kumimoji="0" lang="en-US" sz="2400" b="0" i="0" u="none" strike="noStrike" cap="none" normalizeH="0" baseline="0" dirty="0" smtClean="0">
-                  <a:ln>
-                    <a:noFill/>
-                  </a:ln>
-                  <a:solidFill>
-                    <a:schemeClr val="tx2"/>
-                  </a:solidFill>
-                  <a:effectLst/>
-                  <a:latin typeface="Century Schoolbook" pitchFamily="18" charset="0"/>
-                  <a:cs typeface="Arial" charset="0"/>
-                </a:rPr>
-                <a:t>Decoding and triangulation</a:t>
-              </a:r>
-              <a:endParaRPr kumimoji="0" lang="en-US" sz="2400" b="0" i="0" u="none" strike="noStrike" cap="none" normalizeH="0" baseline="0" dirty="0" smtClean="0">
-                <a:ln>
-                  <a:noFill/>
-                </a:ln>
-                <a:solidFill>
-                  <a:schemeClr val="tx2"/>
-                </a:solidFill>
-                <a:effectLst/>
-                <a:latin typeface="Century Schoolbook" pitchFamily="18" charset="0"/>
-                <a:cs typeface="Arial" charset="0"/>
-              </a:endParaRPr>
-            </a:p>
-          </p:txBody>
-        </p:sp>
-        <p:sp>
-          <p:nvSpPr>
-            <p:cNvPr id="152" name="Rounded Rectangle 151"/>
-            <p:cNvSpPr/>
-            <p:nvPr/>
-          </p:nvSpPr>
-          <p:spPr bwMode="auto">
-            <a:xfrm>
-              <a:off x="15654076" y="21507347"/>
-              <a:ext cx="3567374" cy="510778"/>
-            </a:xfrm>
-            <a:prstGeom prst="roundRect">
-              <a:avLst/>
-            </a:prstGeom>
-            <a:ln>
-              <a:headEnd type="none" w="med" len="med"/>
-              <a:tailEnd type="none" w="med" len="med"/>
-            </a:ln>
-          </p:spPr>
-          <p:style>
-            <a:lnRef idx="0">
-              <a:schemeClr val="accent1"/>
-            </a:lnRef>
-            <a:fillRef idx="3">
-              <a:schemeClr val="accent1"/>
-            </a:fillRef>
-            <a:effectRef idx="3">
-              <a:schemeClr val="accent1"/>
-            </a:effectRef>
-            <a:fontRef idx="minor">
-              <a:schemeClr val="lt1"/>
-            </a:fontRef>
-          </p:style>
-          <p:txBody>
-            <a:bodyPr vert="horz" wrap="square" lIns="91440" tIns="45720" rIns="91440" bIns="45720" numCol="1" rtlCol="0" anchor="t" anchorCtr="0" compatLnSpc="1">
-              <a:prstTxWarp prst="textNoShape">
-                <a:avLst/>
-              </a:prstTxWarp>
-              <a:spAutoFit/>
-            </a:bodyPr>
-            <a:lstStyle/>
-            <a:p>
-              <a:pPr marL="0" marR="0" indent="0" algn="ctr" defTabSz="4389438" rtl="0" eaLnBrk="1" fontAlgn="base" latinLnBrk="0" hangingPunct="1">
-                <a:lnSpc>
-                  <a:spcPct val="100000"/>
-                </a:lnSpc>
-                <a:spcBef>
-                  <a:spcPct val="0"/>
-                </a:spcBef>
-                <a:spcAft>
-                  <a:spcPct val="0"/>
-                </a:spcAft>
-                <a:buClrTx/>
-                <a:buSzTx/>
-                <a:buFontTx/>
-                <a:buNone/>
-                <a:tabLst/>
-              </a:pPr>
-              <a:r>
-                <a:rPr kumimoji="0" lang="en-US" sz="2400" b="0" i="0" u="none" strike="noStrike" cap="none" normalizeH="0" baseline="0" dirty="0" smtClean="0">
-                  <a:ln>
-                    <a:noFill/>
-                  </a:ln>
-                  <a:solidFill>
-                    <a:schemeClr val="tx2"/>
-                  </a:solidFill>
-                  <a:effectLst/>
-                  <a:latin typeface="Century Schoolbook" pitchFamily="18" charset="0"/>
-                  <a:cs typeface="Arial" charset="0"/>
-                </a:rPr>
-                <a:t>Point cloud</a:t>
-              </a:r>
-              <a:endParaRPr kumimoji="0" lang="en-US" sz="2400" b="0" i="0" u="none" strike="noStrike" cap="none" normalizeH="0" baseline="0" dirty="0" smtClean="0">
-                <a:ln>
-                  <a:noFill/>
-                </a:ln>
-                <a:solidFill>
-                  <a:schemeClr val="tx2"/>
-                </a:solidFill>
-                <a:effectLst/>
-                <a:latin typeface="Century Schoolbook" pitchFamily="18" charset="0"/>
-                <a:cs typeface="Arial" charset="0"/>
-              </a:endParaRPr>
-            </a:p>
-          </p:txBody>
-        </p:sp>
-        <p:sp>
-          <p:nvSpPr>
-            <p:cNvPr id="154" name="Isosceles Triangle 153"/>
-            <p:cNvSpPr/>
-            <p:nvPr/>
-          </p:nvSpPr>
-          <p:spPr bwMode="auto">
-            <a:xfrm flipV="1">
-              <a:off x="17025316" y="19819770"/>
-              <a:ext cx="848968" cy="151156"/>
-            </a:xfrm>
-            <a:prstGeom prst="triangle">
-              <a:avLst/>
-            </a:prstGeom>
-            <a:solidFill>
-              <a:srgbClr val="990000"/>
-            </a:solidFill>
-            <a:ln w="127000" cap="flat" cmpd="sng" algn="ctr">
-              <a:noFill/>
-              <a:prstDash val="solid"/>
-              <a:round/>
-              <a:headEnd type="none" w="med" len="med"/>
-              <a:tailEnd type="none" w="med" len="med"/>
-            </a:ln>
-            <a:effectLst/>
-          </p:spPr>
-          <p:txBody>
-            <a:bodyPr vert="horz" wrap="square" lIns="91440" tIns="45720" rIns="91440" bIns="45720" numCol="1" rtlCol="0" anchor="t" anchorCtr="0" compatLnSpc="1">
-              <a:prstTxWarp prst="textNoShape">
-                <a:avLst/>
-              </a:prstTxWarp>
-              <a:spAutoFit/>
-            </a:bodyPr>
-            <a:lstStyle/>
-            <a:p>
-              <a:pPr marL="0" marR="0" indent="0" algn="ctr" defTabSz="4389438" rtl="0" eaLnBrk="1" fontAlgn="base" latinLnBrk="0" hangingPunct="1">
-                <a:lnSpc>
-                  <a:spcPct val="100000"/>
-                </a:lnSpc>
-                <a:spcBef>
-                  <a:spcPct val="0"/>
-                </a:spcBef>
-                <a:spcAft>
-                  <a:spcPct val="0"/>
-                </a:spcAft>
-                <a:buClrTx/>
-                <a:buSzTx/>
-                <a:buFontTx/>
-                <a:buNone/>
-                <a:tabLst/>
-              </a:pPr>
-              <a:endParaRPr kumimoji="0" lang="en-US" sz="8600" b="0" i="0" u="none" strike="noStrike" cap="none" normalizeH="0" baseline="0" smtClean="0">
-                <a:ln>
-                  <a:noFill/>
-                </a:ln>
-                <a:solidFill>
-                  <a:schemeClr val="tx2"/>
-                </a:solidFill>
-                <a:effectLst/>
-                <a:latin typeface="Tahoma" pitchFamily="34" charset="0"/>
-                <a:cs typeface="Arial" charset="0"/>
-              </a:endParaRPr>
-            </a:p>
-          </p:txBody>
-        </p:sp>
-        <p:sp>
-          <p:nvSpPr>
-            <p:cNvPr id="155" name="Isosceles Triangle 154"/>
-            <p:cNvSpPr/>
-            <p:nvPr/>
-          </p:nvSpPr>
-          <p:spPr bwMode="auto">
-            <a:xfrm flipV="1">
-              <a:off x="17025316" y="21167071"/>
-              <a:ext cx="848968" cy="151156"/>
-            </a:xfrm>
-            <a:prstGeom prst="triangle">
-              <a:avLst/>
-            </a:prstGeom>
-            <a:solidFill>
-              <a:srgbClr val="990000"/>
-            </a:solidFill>
-            <a:ln w="127000" cap="flat" cmpd="sng" algn="ctr">
-              <a:noFill/>
-              <a:prstDash val="solid"/>
-              <a:round/>
-              <a:headEnd type="none" w="med" len="med"/>
-              <a:tailEnd type="none" w="med" len="med"/>
-            </a:ln>
-            <a:effectLst/>
-          </p:spPr>
-          <p:txBody>
-            <a:bodyPr vert="horz" wrap="square" lIns="91440" tIns="45720" rIns="91440" bIns="45720" numCol="1" rtlCol="0" anchor="t" anchorCtr="0" compatLnSpc="1">
-              <a:prstTxWarp prst="textNoShape">
-                <a:avLst/>
-              </a:prstTxWarp>
-              <a:spAutoFit/>
-            </a:bodyPr>
-            <a:lstStyle/>
-            <a:p>
-              <a:pPr marL="0" marR="0" indent="0" algn="ctr" defTabSz="4389438" rtl="0" eaLnBrk="1" fontAlgn="base" latinLnBrk="0" hangingPunct="1">
-                <a:lnSpc>
-                  <a:spcPct val="100000"/>
-                </a:lnSpc>
-                <a:spcBef>
-                  <a:spcPct val="0"/>
-                </a:spcBef>
-                <a:spcAft>
-                  <a:spcPct val="0"/>
-                </a:spcAft>
-                <a:buClrTx/>
-                <a:buSzTx/>
-                <a:buFontTx/>
-                <a:buNone/>
-                <a:tabLst/>
-              </a:pPr>
-              <a:endParaRPr kumimoji="0" lang="en-US" sz="8600" b="0" i="0" u="none" strike="noStrike" cap="none" normalizeH="0" baseline="0" smtClean="0">
-                <a:ln>
-                  <a:noFill/>
-                </a:ln>
-                <a:solidFill>
-                  <a:schemeClr val="tx2"/>
-                </a:solidFill>
-                <a:effectLst/>
-                <a:latin typeface="Tahoma" pitchFamily="34" charset="0"/>
-                <a:cs typeface="Arial" charset="0"/>
-              </a:endParaRPr>
-            </a:p>
-          </p:txBody>
-        </p:sp>
-      </p:grpSp>
-      <p:grpSp>
-        <p:nvGrpSpPr>
-          <p:cNvPr id="158" name="Group 157"/>
-          <p:cNvGrpSpPr/>
-          <p:nvPr/>
-        </p:nvGrpSpPr>
-        <p:grpSpPr>
-          <a:xfrm>
-            <a:off x="20573093" y="17954171"/>
-            <a:ext cx="4381500" cy="4189479"/>
-            <a:chOff x="15259050" y="18393410"/>
-            <a:chExt cx="4381500" cy="4189479"/>
-          </a:xfrm>
-        </p:grpSpPr>
-        <p:sp>
-          <p:nvSpPr>
-            <p:cNvPr id="159" name="Rounded Rectangle 158"/>
-            <p:cNvSpPr/>
-            <p:nvPr/>
-          </p:nvSpPr>
-          <p:spPr bwMode="auto">
-            <a:xfrm>
-              <a:off x="15259050" y="18393410"/>
-              <a:ext cx="4381500" cy="4189479"/>
-            </a:xfrm>
-            <a:prstGeom prst="roundRect">
-              <a:avLst/>
-            </a:prstGeom>
-            <a:ln>
-              <a:headEnd type="none" w="med" len="med"/>
-              <a:tailEnd type="none" w="med" len="med"/>
-            </a:ln>
-          </p:spPr>
-          <p:style>
-            <a:lnRef idx="0">
-              <a:schemeClr val="accent3"/>
-            </a:lnRef>
-            <a:fillRef idx="3">
-              <a:schemeClr val="accent3"/>
-            </a:fillRef>
-            <a:effectRef idx="3">
-              <a:schemeClr val="accent3"/>
-            </a:effectRef>
-            <a:fontRef idx="minor">
-              <a:schemeClr val="lt1"/>
-            </a:fontRef>
-          </p:style>
-          <p:txBody>
-            <a:bodyPr vert="horz" wrap="square" lIns="91440" tIns="45720" rIns="91440" bIns="45720" numCol="1" rtlCol="0" anchor="t" anchorCtr="0" compatLnSpc="1">
-              <a:prstTxWarp prst="textNoShape">
-                <a:avLst/>
-              </a:prstTxWarp>
-              <a:spAutoFit/>
-            </a:bodyPr>
-            <a:lstStyle/>
-            <a:p>
-              <a:pPr marL="0" marR="0" indent="0" algn="ctr" defTabSz="4389438" rtl="0" eaLnBrk="1" fontAlgn="base" latinLnBrk="0" hangingPunct="1">
-                <a:lnSpc>
-                  <a:spcPct val="100000"/>
-                </a:lnSpc>
-                <a:spcBef>
-                  <a:spcPct val="0"/>
-                </a:spcBef>
-                <a:spcAft>
-                  <a:spcPct val="0"/>
-                </a:spcAft>
-                <a:buClrTx/>
-                <a:buSzTx/>
-                <a:buFontTx/>
-                <a:buNone/>
-                <a:tabLst/>
-              </a:pPr>
-              <a:endParaRPr kumimoji="0" lang="en-US" sz="8600" b="0" i="0" u="none" strike="noStrike" cap="none" normalizeH="0" baseline="0" smtClean="0">
-                <a:ln>
-                  <a:noFill/>
-                </a:ln>
-                <a:solidFill>
-                  <a:schemeClr val="tx2"/>
-                </a:solidFill>
-                <a:effectLst/>
-                <a:latin typeface="Tahoma" pitchFamily="34" charset="0"/>
-                <a:cs typeface="Arial" charset="0"/>
-              </a:endParaRPr>
-            </a:p>
-          </p:txBody>
-        </p:sp>
-        <p:sp>
-          <p:nvSpPr>
-            <p:cNvPr id="160" name="TextBox 159"/>
-            <p:cNvSpPr txBox="1"/>
-            <p:nvPr/>
-          </p:nvSpPr>
-          <p:spPr>
-            <a:xfrm>
-              <a:off x="15259050" y="18428677"/>
-              <a:ext cx="4381500" cy="584775"/>
-            </a:xfrm>
-            <a:prstGeom prst="rect">
-              <a:avLst/>
-            </a:prstGeom>
-            <a:noFill/>
-          </p:spPr>
-          <p:txBody>
-            <a:bodyPr wrap="square" rtlCol="0">
-              <a:spAutoFit/>
-            </a:bodyPr>
-            <a:lstStyle/>
-            <a:p>
-              <a:r>
-                <a:rPr lang="en-US" sz="3200" dirty="0" smtClean="0">
-                  <a:latin typeface="Century Schoolbook" pitchFamily="18" charset="0"/>
-                </a:rPr>
-                <a:t>Combine views</a:t>
-              </a:r>
-              <a:endParaRPr lang="en-US" sz="3200" dirty="0">
-                <a:latin typeface="Century Schoolbook" pitchFamily="18" charset="0"/>
-              </a:endParaRPr>
-            </a:p>
-          </p:txBody>
-        </p:sp>
-        <p:sp>
-          <p:nvSpPr>
-            <p:cNvPr id="161" name="Rounded Rectangle 160"/>
-            <p:cNvSpPr/>
-            <p:nvPr/>
-          </p:nvSpPr>
-          <p:spPr bwMode="auto">
-            <a:xfrm>
-              <a:off x="15654076" y="19107047"/>
-              <a:ext cx="3567374" cy="510778"/>
-            </a:xfrm>
-            <a:prstGeom prst="roundRect">
-              <a:avLst/>
-            </a:prstGeom>
-            <a:ln>
-              <a:headEnd type="none" w="med" len="med"/>
-              <a:tailEnd type="none" w="med" len="med"/>
-            </a:ln>
-          </p:spPr>
-          <p:style>
-            <a:lnRef idx="0">
-              <a:schemeClr val="accent1"/>
-            </a:lnRef>
-            <a:fillRef idx="3">
-              <a:schemeClr val="accent1"/>
-            </a:fillRef>
-            <a:effectRef idx="3">
-              <a:schemeClr val="accent1"/>
-            </a:effectRef>
-            <a:fontRef idx="minor">
-              <a:schemeClr val="lt1"/>
-            </a:fontRef>
-          </p:style>
-          <p:txBody>
-            <a:bodyPr vert="horz" wrap="square" lIns="91440" tIns="45720" rIns="91440" bIns="45720" numCol="1" rtlCol="0" anchor="t" anchorCtr="0" compatLnSpc="1">
-              <a:prstTxWarp prst="textNoShape">
-                <a:avLst/>
-              </a:prstTxWarp>
-              <a:spAutoFit/>
-            </a:bodyPr>
-            <a:lstStyle/>
-            <a:p>
-              <a:pPr marL="0" marR="0" indent="0" algn="ctr" defTabSz="4389438" rtl="0" eaLnBrk="1" fontAlgn="base" latinLnBrk="0" hangingPunct="1">
-                <a:lnSpc>
-                  <a:spcPct val="100000"/>
-                </a:lnSpc>
-                <a:spcBef>
-                  <a:spcPct val="0"/>
-                </a:spcBef>
-                <a:spcAft>
-                  <a:spcPct val="0"/>
-                </a:spcAft>
-                <a:buClrTx/>
-                <a:buSzTx/>
-                <a:buFontTx/>
-                <a:buNone/>
-                <a:tabLst/>
-              </a:pPr>
-              <a:r>
-                <a:rPr kumimoji="0" lang="en-US" sz="2400" b="0" i="0" u="none" strike="noStrike" cap="none" normalizeH="0" baseline="0" dirty="0" smtClean="0">
-                  <a:ln>
-                    <a:noFill/>
-                  </a:ln>
-                  <a:solidFill>
-                    <a:schemeClr val="tx2"/>
-                  </a:solidFill>
-                  <a:effectLst/>
-                  <a:latin typeface="Century Schoolbook" pitchFamily="18" charset="0"/>
-                  <a:cs typeface="Arial" charset="0"/>
-                </a:rPr>
-                <a:t>Reposition object</a:t>
-              </a:r>
-              <a:endParaRPr kumimoji="0" lang="en-US" sz="2400" b="0" i="0" u="none" strike="noStrike" cap="none" normalizeH="0" baseline="0" dirty="0" smtClean="0">
-                <a:ln>
-                  <a:noFill/>
-                </a:ln>
-                <a:solidFill>
-                  <a:schemeClr val="tx2"/>
-                </a:solidFill>
-                <a:effectLst/>
-                <a:latin typeface="Century Schoolbook" pitchFamily="18" charset="0"/>
-                <a:cs typeface="Arial" charset="0"/>
-              </a:endParaRPr>
-            </a:p>
-          </p:txBody>
-        </p:sp>
-        <p:sp>
-          <p:nvSpPr>
-            <p:cNvPr id="162" name="Rounded Rectangle 161"/>
-            <p:cNvSpPr/>
-            <p:nvPr/>
-          </p:nvSpPr>
-          <p:spPr bwMode="auto">
-            <a:xfrm>
-              <a:off x="15654076" y="20086217"/>
-              <a:ext cx="3567374" cy="919401"/>
-            </a:xfrm>
-            <a:prstGeom prst="roundRect">
-              <a:avLst/>
-            </a:prstGeom>
-            <a:ln>
-              <a:headEnd type="none" w="med" len="med"/>
-              <a:tailEnd type="none" w="med" len="med"/>
-            </a:ln>
-          </p:spPr>
-          <p:style>
-            <a:lnRef idx="0">
-              <a:schemeClr val="accent1"/>
-            </a:lnRef>
-            <a:fillRef idx="3">
-              <a:schemeClr val="accent1"/>
-            </a:fillRef>
-            <a:effectRef idx="3">
-              <a:schemeClr val="accent1"/>
-            </a:effectRef>
-            <a:fontRef idx="minor">
-              <a:schemeClr val="lt1"/>
-            </a:fontRef>
-          </p:style>
-          <p:txBody>
-            <a:bodyPr vert="horz" wrap="square" lIns="91440" tIns="45720" rIns="91440" bIns="45720" numCol="1" rtlCol="0" anchor="t" anchorCtr="0" compatLnSpc="1">
-              <a:prstTxWarp prst="textNoShape">
-                <a:avLst/>
-              </a:prstTxWarp>
-              <a:spAutoFit/>
-            </a:bodyPr>
-            <a:lstStyle/>
-            <a:p>
-              <a:pPr marL="0" marR="0" indent="0" algn="ctr" defTabSz="4389438" rtl="0" eaLnBrk="1" fontAlgn="base" latinLnBrk="0" hangingPunct="1">
-                <a:lnSpc>
-                  <a:spcPct val="100000"/>
-                </a:lnSpc>
-                <a:spcBef>
-                  <a:spcPct val="0"/>
-                </a:spcBef>
-                <a:spcAft>
-                  <a:spcPct val="0"/>
-                </a:spcAft>
-                <a:buClrTx/>
-                <a:buSzTx/>
-                <a:buFontTx/>
-                <a:buNone/>
-                <a:tabLst/>
-              </a:pPr>
-              <a:r>
-                <a:rPr kumimoji="0" lang="en-US" sz="2400" b="0" i="0" u="none" strike="noStrike" cap="none" normalizeH="0" baseline="0" dirty="0" smtClean="0">
-                  <a:ln>
-                    <a:noFill/>
-                  </a:ln>
-                  <a:solidFill>
-                    <a:schemeClr val="tx2"/>
-                  </a:solidFill>
-                  <a:effectLst/>
-                  <a:latin typeface="Century Schoolbook" pitchFamily="18" charset="0"/>
-                  <a:cs typeface="Arial" charset="0"/>
-                </a:rPr>
-                <a:t>Calculate new orientation</a:t>
-              </a:r>
-              <a:endParaRPr kumimoji="0" lang="en-US" sz="2400" b="0" i="0" u="none" strike="noStrike" cap="none" normalizeH="0" baseline="0" dirty="0" smtClean="0">
-                <a:ln>
-                  <a:noFill/>
-                </a:ln>
-                <a:solidFill>
-                  <a:schemeClr val="tx2"/>
-                </a:solidFill>
-                <a:effectLst/>
-                <a:latin typeface="Century Schoolbook" pitchFamily="18" charset="0"/>
-                <a:cs typeface="Arial" charset="0"/>
-              </a:endParaRPr>
-            </a:p>
-          </p:txBody>
-        </p:sp>
-        <p:sp>
-          <p:nvSpPr>
-            <p:cNvPr id="163" name="Rounded Rectangle 162"/>
-            <p:cNvSpPr/>
-            <p:nvPr/>
-          </p:nvSpPr>
-          <p:spPr bwMode="auto">
-            <a:xfrm>
-              <a:off x="15654076" y="21507347"/>
-              <a:ext cx="3567374" cy="510778"/>
-            </a:xfrm>
-            <a:prstGeom prst="roundRect">
-              <a:avLst/>
-            </a:prstGeom>
-            <a:ln>
-              <a:headEnd type="none" w="med" len="med"/>
-              <a:tailEnd type="none" w="med" len="med"/>
-            </a:ln>
-          </p:spPr>
-          <p:style>
-            <a:lnRef idx="0">
-              <a:schemeClr val="accent1"/>
-            </a:lnRef>
-            <a:fillRef idx="3">
-              <a:schemeClr val="accent1"/>
-            </a:fillRef>
-            <a:effectRef idx="3">
-              <a:schemeClr val="accent1"/>
-            </a:effectRef>
-            <a:fontRef idx="minor">
-              <a:schemeClr val="lt1"/>
-            </a:fontRef>
-          </p:style>
-          <p:txBody>
-            <a:bodyPr vert="horz" wrap="square" lIns="91440" tIns="45720" rIns="91440" bIns="45720" numCol="1" rtlCol="0" anchor="t" anchorCtr="0" compatLnSpc="1">
-              <a:prstTxWarp prst="textNoShape">
-                <a:avLst/>
-              </a:prstTxWarp>
-              <a:spAutoFit/>
-            </a:bodyPr>
-            <a:lstStyle/>
-            <a:p>
-              <a:pPr marL="0" marR="0" indent="0" algn="ctr" defTabSz="4389438" rtl="0" eaLnBrk="1" fontAlgn="base" latinLnBrk="0" hangingPunct="1">
-                <a:lnSpc>
-                  <a:spcPct val="100000"/>
-                </a:lnSpc>
-                <a:spcBef>
-                  <a:spcPct val="0"/>
-                </a:spcBef>
-                <a:spcAft>
-                  <a:spcPct val="0"/>
-                </a:spcAft>
-                <a:buClrTx/>
-                <a:buSzTx/>
-                <a:buFontTx/>
-                <a:buNone/>
-                <a:tabLst/>
-              </a:pPr>
-              <a:r>
-                <a:rPr kumimoji="0" lang="en-US" sz="2400" b="0" i="0" u="none" strike="noStrike" cap="none" normalizeH="0" baseline="0" dirty="0" smtClean="0">
-                  <a:ln>
-                    <a:noFill/>
-                  </a:ln>
-                  <a:solidFill>
-                    <a:schemeClr val="tx2"/>
-                  </a:solidFill>
-                  <a:effectLst/>
-                  <a:latin typeface="Century Schoolbook" pitchFamily="18" charset="0"/>
-                  <a:cs typeface="Arial" charset="0"/>
-                </a:rPr>
-                <a:t>Align point clouds</a:t>
-              </a:r>
-              <a:endParaRPr kumimoji="0" lang="en-US" sz="2400" b="0" i="0" u="none" strike="noStrike" cap="none" normalizeH="0" baseline="0" dirty="0" smtClean="0">
-                <a:ln>
-                  <a:noFill/>
-                </a:ln>
-                <a:solidFill>
-                  <a:schemeClr val="tx2"/>
-                </a:solidFill>
-                <a:effectLst/>
-                <a:latin typeface="Century Schoolbook" pitchFamily="18" charset="0"/>
-                <a:cs typeface="Arial" charset="0"/>
-              </a:endParaRPr>
-            </a:p>
-          </p:txBody>
-        </p:sp>
-        <p:sp>
-          <p:nvSpPr>
-            <p:cNvPr id="164" name="Isosceles Triangle 163"/>
-            <p:cNvSpPr/>
-            <p:nvPr/>
-          </p:nvSpPr>
-          <p:spPr bwMode="auto">
-            <a:xfrm flipV="1">
-              <a:off x="17025316" y="19819770"/>
-              <a:ext cx="848968" cy="151156"/>
-            </a:xfrm>
-            <a:prstGeom prst="triangle">
-              <a:avLst/>
-            </a:prstGeom>
-            <a:solidFill>
-              <a:srgbClr val="990000"/>
-            </a:solidFill>
-            <a:ln w="127000" cap="flat" cmpd="sng" algn="ctr">
-              <a:noFill/>
-              <a:prstDash val="solid"/>
-              <a:round/>
-              <a:headEnd type="none" w="med" len="med"/>
-              <a:tailEnd type="none" w="med" len="med"/>
-            </a:ln>
-            <a:effectLst/>
-          </p:spPr>
-          <p:txBody>
-            <a:bodyPr vert="horz" wrap="square" lIns="91440" tIns="45720" rIns="91440" bIns="45720" numCol="1" rtlCol="0" anchor="t" anchorCtr="0" compatLnSpc="1">
-              <a:prstTxWarp prst="textNoShape">
-                <a:avLst/>
-              </a:prstTxWarp>
-              <a:spAutoFit/>
-            </a:bodyPr>
-            <a:lstStyle/>
-            <a:p>
-              <a:pPr marL="0" marR="0" indent="0" algn="ctr" defTabSz="4389438" rtl="0" eaLnBrk="1" fontAlgn="base" latinLnBrk="0" hangingPunct="1">
-                <a:lnSpc>
-                  <a:spcPct val="100000"/>
-                </a:lnSpc>
-                <a:spcBef>
-                  <a:spcPct val="0"/>
-                </a:spcBef>
-                <a:spcAft>
-                  <a:spcPct val="0"/>
-                </a:spcAft>
-                <a:buClrTx/>
-                <a:buSzTx/>
-                <a:buFontTx/>
-                <a:buNone/>
-                <a:tabLst/>
-              </a:pPr>
-              <a:endParaRPr kumimoji="0" lang="en-US" sz="8600" b="0" i="0" u="none" strike="noStrike" cap="none" normalizeH="0" baseline="0" smtClean="0">
-                <a:ln>
-                  <a:noFill/>
-                </a:ln>
-                <a:solidFill>
-                  <a:schemeClr val="tx2"/>
-                </a:solidFill>
-                <a:effectLst/>
-                <a:latin typeface="Tahoma" pitchFamily="34" charset="0"/>
-                <a:cs typeface="Arial" charset="0"/>
-              </a:endParaRPr>
-            </a:p>
-          </p:txBody>
-        </p:sp>
-        <p:sp>
-          <p:nvSpPr>
-            <p:cNvPr id="165" name="Isosceles Triangle 164"/>
-            <p:cNvSpPr/>
-            <p:nvPr/>
-          </p:nvSpPr>
-          <p:spPr bwMode="auto">
-            <a:xfrm flipV="1">
-              <a:off x="17025316" y="21167071"/>
-              <a:ext cx="848968" cy="151156"/>
-            </a:xfrm>
-            <a:prstGeom prst="triangle">
-              <a:avLst/>
-            </a:prstGeom>
-            <a:solidFill>
-              <a:srgbClr val="990000"/>
-            </a:solidFill>
-            <a:ln w="127000" cap="flat" cmpd="sng" algn="ctr">
-              <a:noFill/>
-              <a:prstDash val="solid"/>
-              <a:round/>
-              <a:headEnd type="none" w="med" len="med"/>
-              <a:tailEnd type="none" w="med" len="med"/>
-            </a:ln>
-            <a:effectLst/>
-          </p:spPr>
-          <p:txBody>
-            <a:bodyPr vert="horz" wrap="square" lIns="91440" tIns="45720" rIns="91440" bIns="45720" numCol="1" rtlCol="0" anchor="t" anchorCtr="0" compatLnSpc="1">
-              <a:prstTxWarp prst="textNoShape">
-                <a:avLst/>
-              </a:prstTxWarp>
-              <a:spAutoFit/>
-            </a:bodyPr>
-            <a:lstStyle/>
-            <a:p>
-              <a:pPr marL="0" marR="0" indent="0" algn="ctr" defTabSz="4389438" rtl="0" eaLnBrk="1" fontAlgn="base" latinLnBrk="0" hangingPunct="1">
-                <a:lnSpc>
-                  <a:spcPct val="100000"/>
-                </a:lnSpc>
-                <a:spcBef>
-                  <a:spcPct val="0"/>
-                </a:spcBef>
-                <a:spcAft>
-                  <a:spcPct val="0"/>
-                </a:spcAft>
-                <a:buClrTx/>
-                <a:buSzTx/>
-                <a:buFontTx/>
-                <a:buNone/>
-                <a:tabLst/>
-              </a:pPr>
-              <a:endParaRPr kumimoji="0" lang="en-US" sz="8600" b="0" i="0" u="none" strike="noStrike" cap="none" normalizeH="0" baseline="0" smtClean="0">
-                <a:ln>
-                  <a:noFill/>
-                </a:ln>
-                <a:solidFill>
-                  <a:schemeClr val="tx2"/>
-                </a:solidFill>
-                <a:effectLst/>
-                <a:latin typeface="Tahoma" pitchFamily="34" charset="0"/>
-                <a:cs typeface="Arial" charset="0"/>
-              </a:endParaRPr>
-            </a:p>
-          </p:txBody>
-        </p:sp>
-      </p:grpSp>
-      <p:sp>
-        <p:nvSpPr>
-          <p:cNvPr id="166" name="Right Arrow 165"/>
-          <p:cNvSpPr/>
-          <p:nvPr/>
-        </p:nvSpPr>
-        <p:spPr bwMode="auto">
-          <a:xfrm rot="10800000">
-            <a:off x="19884658" y="20407304"/>
-            <a:ext cx="379130" cy="688462"/>
-          </a:xfrm>
-          <a:prstGeom prst="rightArrow">
-            <a:avLst>
-              <a:gd name="adj1" fmla="val 50000"/>
-              <a:gd name="adj2" fmla="val 70964"/>
-            </a:avLst>
-          </a:prstGeom>
-          <a:solidFill>
-            <a:srgbClr val="990000"/>
-          </a:solidFill>
-          <a:ln w="127000" cap="flat" cmpd="sng" algn="ctr">
-            <a:noFill/>
-            <a:prstDash val="solid"/>
-            <a:round/>
-            <a:headEnd type="none" w="med" len="med"/>
-            <a:tailEnd type="none" w="med" len="med"/>
-          </a:ln>
-          <a:effectLst/>
-        </p:spPr>
-        <p:txBody>
-          <a:bodyPr vert="horz" wrap="square" lIns="91440" tIns="45720" rIns="91440" bIns="45720" numCol="1" rtlCol="0" anchor="t" anchorCtr="0" compatLnSpc="1">
-            <a:prstTxWarp prst="textNoShape">
-              <a:avLst/>
-            </a:prstTxWarp>
-            <a:spAutoFit/>
-          </a:bodyPr>
-          <a:lstStyle/>
-          <a:p>
-            <a:pPr marL="0" marR="0" indent="0" algn="ctr" defTabSz="4389438" rtl="0" eaLnBrk="1" fontAlgn="base" latinLnBrk="0" hangingPunct="1">
-              <a:lnSpc>
-                <a:spcPct val="100000"/>
-              </a:lnSpc>
-              <a:spcBef>
-                <a:spcPct val="0"/>
-              </a:spcBef>
-              <a:spcAft>
-                <a:spcPct val="0"/>
-              </a:spcAft>
-              <a:buClrTx/>
-              <a:buSzTx/>
-              <a:buFontTx/>
-              <a:buNone/>
-              <a:tabLst/>
-            </a:pPr>
-            <a:endParaRPr kumimoji="0" lang="en-US" sz="8600" b="0" i="0" u="none" strike="noStrike" cap="none" normalizeH="0" baseline="0" smtClean="0">
-              <a:ln>
-                <a:noFill/>
-              </a:ln>
-              <a:solidFill>
-                <a:schemeClr val="tx2"/>
-              </a:solidFill>
-              <a:effectLst/>
-              <a:latin typeface="Tahoma" pitchFamily="34" charset="0"/>
-              <a:cs typeface="Arial" charset="0"/>
-            </a:endParaRPr>
-          </a:p>
-        </p:txBody>
-      </p:sp>
-      <p:sp>
-        <p:nvSpPr>
-          <p:cNvPr id="167" name="Right Arrow 166"/>
-          <p:cNvSpPr/>
-          <p:nvPr/>
-        </p:nvSpPr>
-        <p:spPr bwMode="auto">
-          <a:xfrm rot="10800000" flipH="1">
-            <a:off x="19918677" y="19075489"/>
-            <a:ext cx="379130" cy="688462"/>
-          </a:xfrm>
-          <a:prstGeom prst="rightArrow">
-            <a:avLst>
-              <a:gd name="adj1" fmla="val 50000"/>
-              <a:gd name="adj2" fmla="val 70964"/>
-            </a:avLst>
-          </a:prstGeom>
-          <a:solidFill>
-            <a:srgbClr val="990000"/>
-          </a:solidFill>
-          <a:ln w="127000" cap="flat" cmpd="sng" algn="ctr">
-            <a:noFill/>
-            <a:prstDash val="solid"/>
-            <a:round/>
-            <a:headEnd type="none" w="med" len="med"/>
-            <a:tailEnd type="none" w="med" len="med"/>
-          </a:ln>
-          <a:effectLst/>
-        </p:spPr>
-        <p:txBody>
-          <a:bodyPr vert="horz" wrap="square" lIns="91440" tIns="45720" rIns="91440" bIns="45720" numCol="1" rtlCol="0" anchor="t" anchorCtr="0" compatLnSpc="1">
-            <a:prstTxWarp prst="textNoShape">
-              <a:avLst/>
-            </a:prstTxWarp>
-            <a:spAutoFit/>
-          </a:bodyPr>
-          <a:lstStyle/>
-          <a:p>
-            <a:pPr marL="0" marR="0" indent="0" algn="ctr" defTabSz="4389438" rtl="0" eaLnBrk="1" fontAlgn="base" latinLnBrk="0" hangingPunct="1">
-              <a:lnSpc>
-                <a:spcPct val="100000"/>
-              </a:lnSpc>
-              <a:spcBef>
-                <a:spcPct val="0"/>
-              </a:spcBef>
-              <a:spcAft>
-                <a:spcPct val="0"/>
-              </a:spcAft>
-              <a:buClrTx/>
-              <a:buSzTx/>
-              <a:buFontTx/>
-              <a:buNone/>
-              <a:tabLst/>
-            </a:pPr>
-            <a:endParaRPr kumimoji="0" lang="en-US" sz="8600" b="0" i="0" u="none" strike="noStrike" cap="none" normalizeH="0" baseline="0" smtClean="0">
-              <a:ln>
-                <a:noFill/>
-              </a:ln>
-              <a:solidFill>
-                <a:schemeClr val="tx2"/>
-              </a:solidFill>
-              <a:effectLst/>
-              <a:latin typeface="Tahoma" pitchFamily="34" charset="0"/>
-              <a:cs typeface="Arial" charset="0"/>
-            </a:endParaRPr>
-          </a:p>
-        </p:txBody>
-      </p:sp>
-      <p:grpSp>
-        <p:nvGrpSpPr>
-          <p:cNvPr id="168" name="Group 167"/>
-          <p:cNvGrpSpPr/>
-          <p:nvPr/>
-        </p:nvGrpSpPr>
-        <p:grpSpPr>
-          <a:xfrm>
-            <a:off x="21932049" y="23064570"/>
-            <a:ext cx="1609166" cy="773123"/>
-            <a:chOff x="15259050" y="18393410"/>
-            <a:chExt cx="4381500" cy="4189479"/>
-          </a:xfrm>
-        </p:grpSpPr>
-        <p:sp>
-          <p:nvSpPr>
-            <p:cNvPr id="169" name="Rounded Rectangle 168"/>
-            <p:cNvSpPr/>
-            <p:nvPr/>
-          </p:nvSpPr>
-          <p:spPr bwMode="auto">
-            <a:xfrm>
-              <a:off x="15259050" y="18393410"/>
-              <a:ext cx="4381500" cy="4189479"/>
-            </a:xfrm>
-            <a:prstGeom prst="roundRect">
-              <a:avLst/>
-            </a:prstGeom>
-            <a:ln>
-              <a:headEnd type="none" w="med" len="med"/>
-              <a:tailEnd type="none" w="med" len="med"/>
-            </a:ln>
-          </p:spPr>
-          <p:style>
-            <a:lnRef idx="0">
-              <a:schemeClr val="accent3"/>
-            </a:lnRef>
-            <a:fillRef idx="3">
-              <a:schemeClr val="accent3"/>
-            </a:fillRef>
-            <a:effectRef idx="3">
-              <a:schemeClr val="accent3"/>
-            </a:effectRef>
-            <a:fontRef idx="minor">
-              <a:schemeClr val="lt1"/>
-            </a:fontRef>
-          </p:style>
-          <p:txBody>
-            <a:bodyPr vert="horz" wrap="square" lIns="91440" tIns="45720" rIns="91440" bIns="45720" numCol="1" rtlCol="0" anchor="t" anchorCtr="0" compatLnSpc="1">
-              <a:prstTxWarp prst="textNoShape">
-                <a:avLst/>
-              </a:prstTxWarp>
-              <a:spAutoFit/>
-            </a:bodyPr>
-            <a:lstStyle/>
-            <a:p>
-              <a:pPr marL="0" marR="0" indent="0" algn="ctr" defTabSz="4389438" rtl="0" eaLnBrk="1" fontAlgn="base" latinLnBrk="0" hangingPunct="1">
-                <a:lnSpc>
-                  <a:spcPct val="100000"/>
-                </a:lnSpc>
-                <a:spcBef>
-                  <a:spcPct val="0"/>
-                </a:spcBef>
-                <a:spcAft>
-                  <a:spcPct val="0"/>
-                </a:spcAft>
-                <a:buClrTx/>
-                <a:buSzTx/>
-                <a:buFontTx/>
-                <a:buNone/>
-                <a:tabLst/>
-              </a:pPr>
-              <a:endParaRPr kumimoji="0" lang="en-US" sz="8600" b="0" i="0" u="none" strike="noStrike" cap="none" normalizeH="0" baseline="0" smtClean="0">
-                <a:ln>
-                  <a:noFill/>
-                </a:ln>
-                <a:solidFill>
-                  <a:schemeClr val="tx2"/>
-                </a:solidFill>
-                <a:effectLst/>
-                <a:latin typeface="Tahoma" pitchFamily="34" charset="0"/>
-                <a:cs typeface="Arial" charset="0"/>
-              </a:endParaRPr>
-            </a:p>
-          </p:txBody>
-        </p:sp>
-        <p:sp>
-          <p:nvSpPr>
-            <p:cNvPr id="170" name="TextBox 169"/>
-            <p:cNvSpPr txBox="1"/>
-            <p:nvPr/>
-          </p:nvSpPr>
-          <p:spPr>
-            <a:xfrm>
-              <a:off x="15259050" y="18428678"/>
-              <a:ext cx="4381500" cy="1503518"/>
-            </a:xfrm>
-            <a:prstGeom prst="rect">
-              <a:avLst/>
-            </a:prstGeom>
-            <a:noFill/>
-          </p:spPr>
-          <p:txBody>
-            <a:bodyPr wrap="square" rtlCol="0">
-              <a:spAutoFit/>
-            </a:bodyPr>
-            <a:lstStyle/>
-            <a:p>
-              <a:r>
-                <a:rPr lang="en-US" sz="3200" dirty="0" smtClean="0">
-                  <a:latin typeface="Century Schoolbook" pitchFamily="18" charset="0"/>
-                </a:rPr>
-                <a:t>Mesh</a:t>
-              </a:r>
-            </a:p>
-          </p:txBody>
-        </p:sp>
-      </p:grpSp>
-      <p:sp>
-        <p:nvSpPr>
-          <p:cNvPr id="182" name="Right Arrow 181"/>
-          <p:cNvSpPr/>
-          <p:nvPr/>
-        </p:nvSpPr>
-        <p:spPr bwMode="auto">
-          <a:xfrm rot="5400000">
-            <a:off x="22554321" y="22232852"/>
-            <a:ext cx="379130" cy="688462"/>
-          </a:xfrm>
-          <a:prstGeom prst="rightArrow">
-            <a:avLst>
-              <a:gd name="adj1" fmla="val 50000"/>
-              <a:gd name="adj2" fmla="val 70964"/>
-            </a:avLst>
-          </a:prstGeom>
-          <a:solidFill>
-            <a:srgbClr val="990000"/>
-          </a:solidFill>
-          <a:ln w="127000" cap="flat" cmpd="sng" algn="ctr">
-            <a:noFill/>
-            <a:prstDash val="solid"/>
-            <a:round/>
-            <a:headEnd type="none" w="med" len="med"/>
-            <a:tailEnd type="none" w="med" len="med"/>
-          </a:ln>
-          <a:effectLst/>
-        </p:spPr>
-        <p:txBody>
-          <a:bodyPr vert="horz" wrap="square" lIns="91440" tIns="45720" rIns="91440" bIns="45720" numCol="1" rtlCol="0" anchor="t" anchorCtr="0" compatLnSpc="1">
-            <a:prstTxWarp prst="textNoShape">
-              <a:avLst/>
-            </a:prstTxWarp>
-            <a:spAutoFit/>
-          </a:bodyPr>
-          <a:lstStyle/>
-          <a:p>
-            <a:pPr marL="0" marR="0" indent="0" algn="ctr" defTabSz="4389438" rtl="0" eaLnBrk="1" fontAlgn="base" latinLnBrk="0" hangingPunct="1">
-              <a:lnSpc>
-                <a:spcPct val="100000"/>
-              </a:lnSpc>
-              <a:spcBef>
-                <a:spcPct val="0"/>
-              </a:spcBef>
-              <a:spcAft>
-                <a:spcPct val="0"/>
-              </a:spcAft>
-              <a:buClrTx/>
-              <a:buSzTx/>
-              <a:buFontTx/>
-              <a:buNone/>
-              <a:tabLst/>
-            </a:pPr>
-            <a:endParaRPr kumimoji="0" lang="en-US" sz="8600" b="0" i="0" u="none" strike="noStrike" cap="none" normalizeH="0" baseline="0" smtClean="0">
-              <a:ln>
-                <a:noFill/>
-              </a:ln>
-              <a:solidFill>
-                <a:schemeClr val="tx2"/>
-              </a:solidFill>
-              <a:effectLst/>
-              <a:latin typeface="Tahoma" pitchFamily="34" charset="0"/>
-              <a:cs typeface="Arial" charset="0"/>
-            </a:endParaRPr>
-          </a:p>
-        </p:txBody>
-      </p:sp>
       <p:sp>
         <p:nvSpPr>
           <p:cNvPr id="183" name="Line 1789"/>
@@ -12649,6 +11611,1500 @@
           <a:xfrm flipV="1">
             <a:off x="28482021" y="30178772"/>
             <a:ext cx="14013589" cy="0"/>
+          </a:xfrm>
+          <a:prstGeom prst="line">
+            <a:avLst/>
+          </a:prstGeom>
+          <a:noFill/>
+          <a:ln w="127000">
+            <a:solidFill>
+              <a:srgbClr val="990000"/>
+            </a:solidFill>
+            <a:round/>
+            <a:headEnd/>
+            <a:tailEnd/>
+          </a:ln>
+          <a:effectLst/>
+        </p:spPr>
+        <p:txBody>
+          <a:bodyPr wrap="square" lIns="92498" tIns="46249" rIns="92498" bIns="46249">
+            <a:spAutoFit/>
+          </a:bodyPr>
+          <a:lstStyle/>
+          <a:p>
+            <a:pPr algn="just"/>
+            <a:endParaRPr lang="en-US" dirty="0"/>
+          </a:p>
+        </p:txBody>
+      </p:sp>
+      <p:sp>
+        <p:nvSpPr>
+          <p:cNvPr id="133" name="TextBox 132"/>
+          <p:cNvSpPr txBox="1"/>
+          <p:nvPr/>
+        </p:nvSpPr>
+        <p:spPr>
+          <a:xfrm>
+            <a:off x="14602867" y="2704579"/>
+            <a:ext cx="15857203" cy="1938992"/>
+          </a:xfrm>
+          <a:prstGeom prst="rect">
+            <a:avLst/>
+          </a:prstGeom>
+          <a:noFill/>
+        </p:spPr>
+        <p:txBody>
+          <a:bodyPr wrap="square" rtlCol="0">
+            <a:spAutoFit/>
+          </a:bodyPr>
+          <a:lstStyle/>
+          <a:p>
+            <a:r>
+              <a:rPr lang="en-US" sz="4000" dirty="0" smtClean="0">
+                <a:latin typeface="Century Schoolbook" pitchFamily="18" charset="0"/>
+              </a:rPr>
+              <a:t>Ryan Muller and Chris Thomas</a:t>
+            </a:r>
+          </a:p>
+          <a:p>
+            <a:r>
+              <a:rPr lang="en-US" sz="4000" dirty="0" smtClean="0">
+                <a:latin typeface="Century Schoolbook" pitchFamily="18" charset="0"/>
+              </a:rPr>
+              <a:t>Advisor: </a:t>
+            </a:r>
+            <a:r>
+              <a:rPr lang="en-US" sz="4000" dirty="0" err="1" smtClean="0">
+                <a:latin typeface="Century Schoolbook" pitchFamily="18" charset="0"/>
+              </a:rPr>
+              <a:t>Cosme</a:t>
+            </a:r>
+            <a:r>
+              <a:rPr lang="en-US" sz="4000" dirty="0" smtClean="0">
+                <a:latin typeface="Century Schoolbook" pitchFamily="18" charset="0"/>
+              </a:rPr>
+              <a:t> Furlong</a:t>
+            </a:r>
+            <a:br>
+              <a:rPr lang="en-US" sz="4000" dirty="0" smtClean="0">
+                <a:latin typeface="Century Schoolbook" pitchFamily="18" charset="0"/>
+              </a:rPr>
+            </a:br>
+            <a:r>
+              <a:rPr lang="en-US" sz="4000" dirty="0" smtClean="0">
+                <a:latin typeface="Century Schoolbook" pitchFamily="18" charset="0"/>
+              </a:rPr>
+              <a:t>Mechanical Engineering Department</a:t>
+            </a:r>
+            <a:endParaRPr lang="en-US" sz="4000" dirty="0">
+              <a:latin typeface="Century Schoolbook" pitchFamily="18" charset="0"/>
+            </a:endParaRPr>
+          </a:p>
+        </p:txBody>
+      </p:sp>
+      <p:graphicFrame>
+        <p:nvGraphicFramePr>
+          <p:cNvPr id="26" name="Table 25"/>
+          <p:cNvGraphicFramePr>
+            <a:graphicFrameLocks noGrp="1"/>
+          </p:cNvGraphicFramePr>
+          <p:nvPr>
+            <p:extLst>
+              <p:ext uri="{D42A27DB-BD31-4B8C-83A1-F6EECF244321}">
+                <p14:modId xmlns:p14="http://schemas.microsoft.com/office/powerpoint/2010/main" val="1930242836"/>
+              </p:ext>
+            </p:extLst>
+          </p:nvPr>
+        </p:nvGraphicFramePr>
+        <p:xfrm>
+          <a:off x="15285400" y="10461814"/>
+          <a:ext cx="6585553" cy="1419225"/>
+        </p:xfrm>
+        <a:graphic>
+          <a:graphicData uri="http://schemas.openxmlformats.org/drawingml/2006/table">
+            <a:tbl>
+              <a:tblPr/>
+              <a:tblGrid>
+                <a:gridCol w="997182"/>
+                <a:gridCol w="1952814"/>
+                <a:gridCol w="2513728"/>
+                <a:gridCol w="1121829"/>
+              </a:tblGrid>
+              <a:tr h="0">
+                <a:tc>
+                  <a:txBody>
+                    <a:bodyPr/>
+                    <a:lstStyle/>
+                    <a:p>
+                      <a:pPr algn="l" fontAlgn="b"/>
+                      <a:r>
+                        <a:rPr lang="en-US" sz="1800" b="0" i="0" u="none" strike="noStrike" dirty="0">
+                          <a:solidFill>
+                            <a:srgbClr val="000000"/>
+                          </a:solidFill>
+                          <a:effectLst/>
+                          <a:latin typeface="Calibri"/>
+                        </a:rPr>
+                        <a:t> </a:t>
+                      </a:r>
+                      <a:r>
+                        <a:rPr lang="en-US" sz="1800" b="0" i="0" u="none" strike="noStrike" dirty="0" smtClean="0">
+                          <a:solidFill>
+                            <a:srgbClr val="000000"/>
+                          </a:solidFill>
+                          <a:effectLst/>
+                          <a:latin typeface="Calibri"/>
+                        </a:rPr>
+                        <a:t>Axis</a:t>
+                      </a:r>
+                      <a:endParaRPr lang="en-US" sz="1800" b="0" i="0" u="none" strike="noStrike" dirty="0">
+                        <a:solidFill>
+                          <a:srgbClr val="000000"/>
+                        </a:solidFill>
+                        <a:effectLst/>
+                        <a:latin typeface="Calibri"/>
+                      </a:endParaRPr>
+                    </a:p>
+                  </a:txBody>
+                  <a:tcPr marL="9525" marR="9525" marT="9525" marB="0" anchor="b">
+                    <a:lnL w="12700" cap="flat" cmpd="sng" algn="ctr">
+                      <a:solidFill>
+                        <a:srgbClr val="000000"/>
+                      </a:solidFill>
+                      <a:prstDash val="solid"/>
+                      <a:round/>
+                      <a:headEnd type="none" w="med" len="med"/>
+                      <a:tailEnd type="none" w="med" len="med"/>
+                    </a:lnL>
+                    <a:lnR w="6350" cap="flat" cmpd="sng" algn="ctr">
+                      <a:solidFill>
+                        <a:srgbClr val="000000"/>
+                      </a:solidFill>
+                      <a:prstDash val="solid"/>
+                      <a:round/>
+                      <a:headEnd type="none" w="med" len="med"/>
+                      <a:tailEnd type="none" w="med" len="med"/>
+                    </a:lnR>
+                    <a:lnT w="12700" cap="flat" cmpd="sng" algn="ctr">
+                      <a:solidFill>
+                        <a:srgbClr val="000000"/>
+                      </a:solidFill>
+                      <a:prstDash val="solid"/>
+                      <a:round/>
+                      <a:headEnd type="none" w="med" len="med"/>
+                      <a:tailEnd type="none" w="med" len="med"/>
+                    </a:lnT>
+                    <a:lnB w="6350" cap="flat" cmpd="sng" algn="ctr">
+                      <a:solidFill>
+                        <a:srgbClr val="000000"/>
+                      </a:solidFill>
+                      <a:prstDash val="solid"/>
+                      <a:round/>
+                      <a:headEnd type="none" w="med" len="med"/>
+                      <a:tailEnd type="none" w="med" len="med"/>
+                    </a:lnB>
+                  </a:tcPr>
+                </a:tc>
+                <a:tc>
+                  <a:txBody>
+                    <a:bodyPr/>
+                    <a:lstStyle/>
+                    <a:p>
+                      <a:pPr algn="l" fontAlgn="b"/>
+                      <a:r>
+                        <a:rPr lang="en-US" sz="1800" b="0" i="0" u="none" strike="noStrike" dirty="0">
+                          <a:solidFill>
+                            <a:srgbClr val="000000"/>
+                          </a:solidFill>
+                          <a:effectLst/>
+                          <a:latin typeface="Calibri"/>
+                        </a:rPr>
+                        <a:t>Mean Radius(m)</a:t>
+                      </a:r>
+                    </a:p>
+                  </a:txBody>
+                  <a:tcPr marL="9525" marR="9525" marT="9525" marB="0" anchor="b">
+                    <a:lnL w="6350" cap="flat" cmpd="sng" algn="ctr">
+                      <a:solidFill>
+                        <a:srgbClr val="000000"/>
+                      </a:solidFill>
+                      <a:prstDash val="solid"/>
+                      <a:round/>
+                      <a:headEnd type="none" w="med" len="med"/>
+                      <a:tailEnd type="none" w="med" len="med"/>
+                    </a:lnL>
+                    <a:lnR w="6350" cap="flat" cmpd="sng" algn="ctr">
+                      <a:solidFill>
+                        <a:srgbClr val="000000"/>
+                      </a:solidFill>
+                      <a:prstDash val="solid"/>
+                      <a:round/>
+                      <a:headEnd type="none" w="med" len="med"/>
+                      <a:tailEnd type="none" w="med" len="med"/>
+                    </a:lnR>
+                    <a:lnT w="12700" cap="flat" cmpd="sng" algn="ctr">
+                      <a:solidFill>
+                        <a:srgbClr val="000000"/>
+                      </a:solidFill>
+                      <a:prstDash val="solid"/>
+                      <a:round/>
+                      <a:headEnd type="none" w="med" len="med"/>
+                      <a:tailEnd type="none" w="med" len="med"/>
+                    </a:lnT>
+                    <a:lnB w="6350" cap="flat" cmpd="sng" algn="ctr">
+                      <a:solidFill>
+                        <a:srgbClr val="000000"/>
+                      </a:solidFill>
+                      <a:prstDash val="solid"/>
+                      <a:round/>
+                      <a:headEnd type="none" w="med" len="med"/>
+                      <a:tailEnd type="none" w="med" len="med"/>
+                    </a:lnB>
+                  </a:tcPr>
+                </a:tc>
+                <a:tc>
+                  <a:txBody>
+                    <a:bodyPr/>
+                    <a:lstStyle/>
+                    <a:p>
+                      <a:pPr algn="l" fontAlgn="b"/>
+                      <a:r>
+                        <a:rPr lang="en-US" sz="1800" b="0" i="0" u="none" strike="noStrike">
+                          <a:solidFill>
+                            <a:srgbClr val="000000"/>
+                          </a:solidFill>
+                          <a:effectLst/>
+                          <a:latin typeface="Calibri"/>
+                        </a:rPr>
+                        <a:t>Standard Deviation (um)</a:t>
+                      </a:r>
+                    </a:p>
+                  </a:txBody>
+                  <a:tcPr marL="9525" marR="9525" marT="9525" marB="0" anchor="b">
+                    <a:lnL w="6350" cap="flat" cmpd="sng" algn="ctr">
+                      <a:solidFill>
+                        <a:srgbClr val="000000"/>
+                      </a:solidFill>
+                      <a:prstDash val="solid"/>
+                      <a:round/>
+                      <a:headEnd type="none" w="med" len="med"/>
+                      <a:tailEnd type="none" w="med" len="med"/>
+                    </a:lnL>
+                    <a:lnR w="6350" cap="flat" cmpd="sng" algn="ctr">
+                      <a:solidFill>
+                        <a:srgbClr val="000000"/>
+                      </a:solidFill>
+                      <a:prstDash val="solid"/>
+                      <a:round/>
+                      <a:headEnd type="none" w="med" len="med"/>
+                      <a:tailEnd type="none" w="med" len="med"/>
+                    </a:lnR>
+                    <a:lnT w="12700" cap="flat" cmpd="sng" algn="ctr">
+                      <a:solidFill>
+                        <a:srgbClr val="000000"/>
+                      </a:solidFill>
+                      <a:prstDash val="solid"/>
+                      <a:round/>
+                      <a:headEnd type="none" w="med" len="med"/>
+                      <a:tailEnd type="none" w="med" len="med"/>
+                    </a:lnT>
+                    <a:lnB w="6350" cap="flat" cmpd="sng" algn="ctr">
+                      <a:solidFill>
+                        <a:srgbClr val="000000"/>
+                      </a:solidFill>
+                      <a:prstDash val="solid"/>
+                      <a:round/>
+                      <a:headEnd type="none" w="med" len="med"/>
+                      <a:tailEnd type="none" w="med" len="med"/>
+                    </a:lnB>
+                  </a:tcPr>
+                </a:tc>
+                <a:tc>
+                  <a:txBody>
+                    <a:bodyPr/>
+                    <a:lstStyle/>
+                    <a:p>
+                      <a:pPr algn="l" fontAlgn="b"/>
+                      <a:r>
+                        <a:rPr lang="en-US" sz="1800" b="0" i="0" u="none" strike="noStrike">
+                          <a:solidFill>
+                            <a:srgbClr val="000000"/>
+                          </a:solidFill>
+                          <a:effectLst/>
+                          <a:latin typeface="Calibri"/>
+                        </a:rPr>
+                        <a:t>Error (um)</a:t>
+                      </a:r>
+                    </a:p>
+                  </a:txBody>
+                  <a:tcPr marL="9525" marR="9525" marT="9525" marB="0" anchor="b">
+                    <a:lnL w="6350" cap="flat" cmpd="sng" algn="ctr">
+                      <a:solidFill>
+                        <a:srgbClr val="000000"/>
+                      </a:solidFill>
+                      <a:prstDash val="solid"/>
+                      <a:round/>
+                      <a:headEnd type="none" w="med" len="med"/>
+                      <a:tailEnd type="none" w="med" len="med"/>
+                    </a:lnL>
+                    <a:lnR w="12700" cap="flat" cmpd="sng" algn="ctr">
+                      <a:solidFill>
+                        <a:srgbClr val="000000"/>
+                      </a:solidFill>
+                      <a:prstDash val="solid"/>
+                      <a:round/>
+                      <a:headEnd type="none" w="med" len="med"/>
+                      <a:tailEnd type="none" w="med" len="med"/>
+                    </a:lnR>
+                    <a:lnT w="12700" cap="flat" cmpd="sng" algn="ctr">
+                      <a:solidFill>
+                        <a:srgbClr val="000000"/>
+                      </a:solidFill>
+                      <a:prstDash val="solid"/>
+                      <a:round/>
+                      <a:headEnd type="none" w="med" len="med"/>
+                      <a:tailEnd type="none" w="med" len="med"/>
+                    </a:lnT>
+                    <a:lnB w="6350" cap="flat" cmpd="sng" algn="ctr">
+                      <a:solidFill>
+                        <a:srgbClr val="000000"/>
+                      </a:solidFill>
+                      <a:prstDash val="solid"/>
+                      <a:round/>
+                      <a:headEnd type="none" w="med" len="med"/>
+                      <a:tailEnd type="none" w="med" len="med"/>
+                    </a:lnB>
+                  </a:tcPr>
+                </a:tc>
+              </a:tr>
+              <a:tr h="0">
+                <a:tc>
+                  <a:txBody>
+                    <a:bodyPr/>
+                    <a:lstStyle/>
+                    <a:p>
+                      <a:pPr algn="l" fontAlgn="b"/>
+                      <a:r>
+                        <a:rPr lang="en-US" sz="1800" b="0" i="0" u="none" strike="noStrike">
+                          <a:solidFill>
+                            <a:srgbClr val="000000"/>
+                          </a:solidFill>
+                          <a:effectLst/>
+                          <a:latin typeface="Calibri"/>
+                        </a:rPr>
+                        <a:t>x</a:t>
+                      </a:r>
+                    </a:p>
+                  </a:txBody>
+                  <a:tcPr marL="9525" marR="9525" marT="9525" marB="0" anchor="b">
+                    <a:lnL w="12700" cap="flat" cmpd="sng" algn="ctr">
+                      <a:solidFill>
+                        <a:srgbClr val="000000"/>
+                      </a:solidFill>
+                      <a:prstDash val="solid"/>
+                      <a:round/>
+                      <a:headEnd type="none" w="med" len="med"/>
+                      <a:tailEnd type="none" w="med" len="med"/>
+                    </a:lnL>
+                    <a:lnR w="6350" cap="flat" cmpd="sng" algn="ctr">
+                      <a:solidFill>
+                        <a:srgbClr val="000000"/>
+                      </a:solidFill>
+                      <a:prstDash val="solid"/>
+                      <a:round/>
+                      <a:headEnd type="none" w="med" len="med"/>
+                      <a:tailEnd type="none" w="med" len="med"/>
+                    </a:lnR>
+                    <a:lnT w="6350" cap="flat" cmpd="sng" algn="ctr">
+                      <a:solidFill>
+                        <a:srgbClr val="000000"/>
+                      </a:solidFill>
+                      <a:prstDash val="solid"/>
+                      <a:round/>
+                      <a:headEnd type="none" w="med" len="med"/>
+                      <a:tailEnd type="none" w="med" len="med"/>
+                    </a:lnT>
+                    <a:lnB w="6350" cap="flat" cmpd="sng" algn="ctr">
+                      <a:solidFill>
+                        <a:srgbClr val="000000"/>
+                      </a:solidFill>
+                      <a:prstDash val="solid"/>
+                      <a:round/>
+                      <a:headEnd type="none" w="med" len="med"/>
+                      <a:tailEnd type="none" w="med" len="med"/>
+                    </a:lnB>
+                  </a:tcPr>
+                </a:tc>
+                <a:tc>
+                  <a:txBody>
+                    <a:bodyPr/>
+                    <a:lstStyle/>
+                    <a:p>
+                      <a:pPr algn="r" fontAlgn="b"/>
+                      <a:r>
+                        <a:rPr lang="en-US" sz="1800" b="0" i="0" u="none" strike="noStrike" dirty="0" smtClean="0">
+                          <a:solidFill>
+                            <a:srgbClr val="000000"/>
+                          </a:solidFill>
+                          <a:effectLst/>
+                          <a:latin typeface="Calibri"/>
+                        </a:rPr>
+                        <a:t>0.149992</a:t>
+                      </a:r>
+                      <a:endParaRPr lang="en-US" sz="1800" b="0" i="0" u="none" strike="noStrike" dirty="0">
+                        <a:solidFill>
+                          <a:srgbClr val="000000"/>
+                        </a:solidFill>
+                        <a:effectLst/>
+                        <a:latin typeface="Calibri"/>
+                      </a:endParaRPr>
+                    </a:p>
+                  </a:txBody>
+                  <a:tcPr marL="9525" marR="9525" marT="9525" marB="0" anchor="b">
+                    <a:lnL w="6350" cap="flat" cmpd="sng" algn="ctr">
+                      <a:solidFill>
+                        <a:srgbClr val="000000"/>
+                      </a:solidFill>
+                      <a:prstDash val="solid"/>
+                      <a:round/>
+                      <a:headEnd type="none" w="med" len="med"/>
+                      <a:tailEnd type="none" w="med" len="med"/>
+                    </a:lnL>
+                    <a:lnR w="6350" cap="flat" cmpd="sng" algn="ctr">
+                      <a:solidFill>
+                        <a:srgbClr val="000000"/>
+                      </a:solidFill>
+                      <a:prstDash val="solid"/>
+                      <a:round/>
+                      <a:headEnd type="none" w="med" len="med"/>
+                      <a:tailEnd type="none" w="med" len="med"/>
+                    </a:lnR>
+                    <a:lnT w="6350" cap="flat" cmpd="sng" algn="ctr">
+                      <a:solidFill>
+                        <a:srgbClr val="000000"/>
+                      </a:solidFill>
+                      <a:prstDash val="solid"/>
+                      <a:round/>
+                      <a:headEnd type="none" w="med" len="med"/>
+                      <a:tailEnd type="none" w="med" len="med"/>
+                    </a:lnT>
+                    <a:lnB w="6350" cap="flat" cmpd="sng" algn="ctr">
+                      <a:solidFill>
+                        <a:srgbClr val="000000"/>
+                      </a:solidFill>
+                      <a:prstDash val="solid"/>
+                      <a:round/>
+                      <a:headEnd type="none" w="med" len="med"/>
+                      <a:tailEnd type="none" w="med" len="med"/>
+                    </a:lnB>
+                  </a:tcPr>
+                </a:tc>
+                <a:tc>
+                  <a:txBody>
+                    <a:bodyPr/>
+                    <a:lstStyle/>
+                    <a:p>
+                      <a:pPr algn="r" fontAlgn="b"/>
+                      <a:r>
+                        <a:rPr lang="en-US" sz="1800" b="0" i="0" u="none" strike="noStrike" dirty="0" smtClean="0">
+                          <a:solidFill>
+                            <a:srgbClr val="000000"/>
+                          </a:solidFill>
+                          <a:effectLst/>
+                          <a:latin typeface="Calibri"/>
+                        </a:rPr>
+                        <a:t>21.12</a:t>
+                      </a:r>
+                      <a:endParaRPr lang="en-US" sz="1800" b="0" i="0" u="none" strike="noStrike" dirty="0">
+                        <a:solidFill>
+                          <a:srgbClr val="000000"/>
+                        </a:solidFill>
+                        <a:effectLst/>
+                        <a:latin typeface="Calibri"/>
+                      </a:endParaRPr>
+                    </a:p>
+                  </a:txBody>
+                  <a:tcPr marL="9525" marR="9525" marT="9525" marB="0" anchor="b">
+                    <a:lnL w="6350" cap="flat" cmpd="sng" algn="ctr">
+                      <a:solidFill>
+                        <a:srgbClr val="000000"/>
+                      </a:solidFill>
+                      <a:prstDash val="solid"/>
+                      <a:round/>
+                      <a:headEnd type="none" w="med" len="med"/>
+                      <a:tailEnd type="none" w="med" len="med"/>
+                    </a:lnL>
+                    <a:lnR w="6350" cap="flat" cmpd="sng" algn="ctr">
+                      <a:solidFill>
+                        <a:srgbClr val="000000"/>
+                      </a:solidFill>
+                      <a:prstDash val="solid"/>
+                      <a:round/>
+                      <a:headEnd type="none" w="med" len="med"/>
+                      <a:tailEnd type="none" w="med" len="med"/>
+                    </a:lnR>
+                    <a:lnT w="6350" cap="flat" cmpd="sng" algn="ctr">
+                      <a:solidFill>
+                        <a:srgbClr val="000000"/>
+                      </a:solidFill>
+                      <a:prstDash val="solid"/>
+                      <a:round/>
+                      <a:headEnd type="none" w="med" len="med"/>
+                      <a:tailEnd type="none" w="med" len="med"/>
+                    </a:lnT>
+                    <a:lnB w="6350" cap="flat" cmpd="sng" algn="ctr">
+                      <a:solidFill>
+                        <a:srgbClr val="000000"/>
+                      </a:solidFill>
+                      <a:prstDash val="solid"/>
+                      <a:round/>
+                      <a:headEnd type="none" w="med" len="med"/>
+                      <a:tailEnd type="none" w="med" len="med"/>
+                    </a:lnB>
+                  </a:tcPr>
+                </a:tc>
+                <a:tc>
+                  <a:txBody>
+                    <a:bodyPr/>
+                    <a:lstStyle/>
+                    <a:p>
+                      <a:pPr algn="r" fontAlgn="b"/>
+                      <a:r>
+                        <a:rPr lang="en-US" sz="1800" b="0" i="0" u="none" strike="noStrike" dirty="0">
+                          <a:solidFill>
+                            <a:srgbClr val="000000"/>
+                          </a:solidFill>
+                          <a:effectLst/>
+                          <a:latin typeface="Calibri"/>
+                        </a:rPr>
+                        <a:t>-</a:t>
+                      </a:r>
+                      <a:r>
+                        <a:rPr lang="en-US" sz="1800" b="0" i="0" u="none" strike="noStrike" dirty="0" smtClean="0">
+                          <a:solidFill>
+                            <a:srgbClr val="000000"/>
+                          </a:solidFill>
+                          <a:effectLst/>
+                          <a:latin typeface="Calibri"/>
+                        </a:rPr>
+                        <a:t>7.92</a:t>
+                      </a:r>
+                      <a:endParaRPr lang="en-US" sz="1800" b="0" i="0" u="none" strike="noStrike" dirty="0">
+                        <a:solidFill>
+                          <a:srgbClr val="000000"/>
+                        </a:solidFill>
+                        <a:effectLst/>
+                        <a:latin typeface="Calibri"/>
+                      </a:endParaRPr>
+                    </a:p>
+                  </a:txBody>
+                  <a:tcPr marL="9525" marR="9525" marT="9525" marB="0" anchor="b">
+                    <a:lnL w="6350" cap="flat" cmpd="sng" algn="ctr">
+                      <a:solidFill>
+                        <a:srgbClr val="000000"/>
+                      </a:solidFill>
+                      <a:prstDash val="solid"/>
+                      <a:round/>
+                      <a:headEnd type="none" w="med" len="med"/>
+                      <a:tailEnd type="none" w="med" len="med"/>
+                    </a:lnL>
+                    <a:lnR w="12700" cap="flat" cmpd="sng" algn="ctr">
+                      <a:solidFill>
+                        <a:srgbClr val="000000"/>
+                      </a:solidFill>
+                      <a:prstDash val="solid"/>
+                      <a:round/>
+                      <a:headEnd type="none" w="med" len="med"/>
+                      <a:tailEnd type="none" w="med" len="med"/>
+                    </a:lnR>
+                    <a:lnT w="6350" cap="flat" cmpd="sng" algn="ctr">
+                      <a:solidFill>
+                        <a:srgbClr val="000000"/>
+                      </a:solidFill>
+                      <a:prstDash val="solid"/>
+                      <a:round/>
+                      <a:headEnd type="none" w="med" len="med"/>
+                      <a:tailEnd type="none" w="med" len="med"/>
+                    </a:lnT>
+                    <a:lnB w="6350" cap="flat" cmpd="sng" algn="ctr">
+                      <a:solidFill>
+                        <a:srgbClr val="000000"/>
+                      </a:solidFill>
+                      <a:prstDash val="solid"/>
+                      <a:round/>
+                      <a:headEnd type="none" w="med" len="med"/>
+                      <a:tailEnd type="none" w="med" len="med"/>
+                    </a:lnB>
+                  </a:tcPr>
+                </a:tc>
+              </a:tr>
+              <a:tr h="0">
+                <a:tc>
+                  <a:txBody>
+                    <a:bodyPr/>
+                    <a:lstStyle/>
+                    <a:p>
+                      <a:pPr algn="l" fontAlgn="b"/>
+                      <a:r>
+                        <a:rPr lang="en-US" sz="1800" b="0" i="0" u="none" strike="noStrike">
+                          <a:solidFill>
+                            <a:srgbClr val="000000"/>
+                          </a:solidFill>
+                          <a:effectLst/>
+                          <a:latin typeface="Calibri"/>
+                        </a:rPr>
+                        <a:t>y</a:t>
+                      </a:r>
+                    </a:p>
+                  </a:txBody>
+                  <a:tcPr marL="9525" marR="9525" marT="9525" marB="0" anchor="b">
+                    <a:lnL w="12700" cap="flat" cmpd="sng" algn="ctr">
+                      <a:solidFill>
+                        <a:srgbClr val="000000"/>
+                      </a:solidFill>
+                      <a:prstDash val="solid"/>
+                      <a:round/>
+                      <a:headEnd type="none" w="med" len="med"/>
+                      <a:tailEnd type="none" w="med" len="med"/>
+                    </a:lnL>
+                    <a:lnR w="6350" cap="flat" cmpd="sng" algn="ctr">
+                      <a:solidFill>
+                        <a:srgbClr val="000000"/>
+                      </a:solidFill>
+                      <a:prstDash val="solid"/>
+                      <a:round/>
+                      <a:headEnd type="none" w="med" len="med"/>
+                      <a:tailEnd type="none" w="med" len="med"/>
+                    </a:lnR>
+                    <a:lnT w="6350" cap="flat" cmpd="sng" algn="ctr">
+                      <a:solidFill>
+                        <a:srgbClr val="000000"/>
+                      </a:solidFill>
+                      <a:prstDash val="solid"/>
+                      <a:round/>
+                      <a:headEnd type="none" w="med" len="med"/>
+                      <a:tailEnd type="none" w="med" len="med"/>
+                    </a:lnT>
+                    <a:lnB w="6350" cap="flat" cmpd="sng" algn="ctr">
+                      <a:solidFill>
+                        <a:srgbClr val="000000"/>
+                      </a:solidFill>
+                      <a:prstDash val="solid"/>
+                      <a:round/>
+                      <a:headEnd type="none" w="med" len="med"/>
+                      <a:tailEnd type="none" w="med" len="med"/>
+                    </a:lnB>
+                  </a:tcPr>
+                </a:tc>
+                <a:tc>
+                  <a:txBody>
+                    <a:bodyPr/>
+                    <a:lstStyle/>
+                    <a:p>
+                      <a:pPr algn="r" fontAlgn="b"/>
+                      <a:r>
+                        <a:rPr lang="en-US" sz="1800" b="0" i="0" u="none" strike="noStrike" dirty="0" smtClean="0">
+                          <a:solidFill>
+                            <a:srgbClr val="000000"/>
+                          </a:solidFill>
+                          <a:effectLst/>
+                          <a:latin typeface="Calibri"/>
+                        </a:rPr>
+                        <a:t>0.150002</a:t>
+                      </a:r>
+                      <a:endParaRPr lang="en-US" sz="1800" b="0" i="0" u="none" strike="noStrike" dirty="0">
+                        <a:solidFill>
+                          <a:srgbClr val="000000"/>
+                        </a:solidFill>
+                        <a:effectLst/>
+                        <a:latin typeface="Calibri"/>
+                      </a:endParaRPr>
+                    </a:p>
+                  </a:txBody>
+                  <a:tcPr marL="9525" marR="9525" marT="9525" marB="0" anchor="b">
+                    <a:lnL w="6350" cap="flat" cmpd="sng" algn="ctr">
+                      <a:solidFill>
+                        <a:srgbClr val="000000"/>
+                      </a:solidFill>
+                      <a:prstDash val="solid"/>
+                      <a:round/>
+                      <a:headEnd type="none" w="med" len="med"/>
+                      <a:tailEnd type="none" w="med" len="med"/>
+                    </a:lnL>
+                    <a:lnR w="6350" cap="flat" cmpd="sng" algn="ctr">
+                      <a:solidFill>
+                        <a:srgbClr val="000000"/>
+                      </a:solidFill>
+                      <a:prstDash val="solid"/>
+                      <a:round/>
+                      <a:headEnd type="none" w="med" len="med"/>
+                      <a:tailEnd type="none" w="med" len="med"/>
+                    </a:lnR>
+                    <a:lnT w="6350" cap="flat" cmpd="sng" algn="ctr">
+                      <a:solidFill>
+                        <a:srgbClr val="000000"/>
+                      </a:solidFill>
+                      <a:prstDash val="solid"/>
+                      <a:round/>
+                      <a:headEnd type="none" w="med" len="med"/>
+                      <a:tailEnd type="none" w="med" len="med"/>
+                    </a:lnT>
+                    <a:lnB w="6350" cap="flat" cmpd="sng" algn="ctr">
+                      <a:solidFill>
+                        <a:srgbClr val="000000"/>
+                      </a:solidFill>
+                      <a:prstDash val="solid"/>
+                      <a:round/>
+                      <a:headEnd type="none" w="med" len="med"/>
+                      <a:tailEnd type="none" w="med" len="med"/>
+                    </a:lnB>
+                  </a:tcPr>
+                </a:tc>
+                <a:tc>
+                  <a:txBody>
+                    <a:bodyPr/>
+                    <a:lstStyle/>
+                    <a:p>
+                      <a:pPr algn="r" fontAlgn="b"/>
+                      <a:r>
+                        <a:rPr lang="en-US" sz="1800" b="0" i="0" u="none" strike="noStrike" dirty="0" smtClean="0">
+                          <a:solidFill>
+                            <a:srgbClr val="000000"/>
+                          </a:solidFill>
+                          <a:effectLst/>
+                          <a:latin typeface="Calibri"/>
+                        </a:rPr>
+                        <a:t>16.12</a:t>
+                      </a:r>
+                      <a:endParaRPr lang="en-US" sz="1800" b="0" i="0" u="none" strike="noStrike" dirty="0">
+                        <a:solidFill>
+                          <a:srgbClr val="000000"/>
+                        </a:solidFill>
+                        <a:effectLst/>
+                        <a:latin typeface="Calibri"/>
+                      </a:endParaRPr>
+                    </a:p>
+                  </a:txBody>
+                  <a:tcPr marL="9525" marR="9525" marT="9525" marB="0" anchor="b">
+                    <a:lnL w="6350" cap="flat" cmpd="sng" algn="ctr">
+                      <a:solidFill>
+                        <a:srgbClr val="000000"/>
+                      </a:solidFill>
+                      <a:prstDash val="solid"/>
+                      <a:round/>
+                      <a:headEnd type="none" w="med" len="med"/>
+                      <a:tailEnd type="none" w="med" len="med"/>
+                    </a:lnL>
+                    <a:lnR w="6350" cap="flat" cmpd="sng" algn="ctr">
+                      <a:solidFill>
+                        <a:srgbClr val="000000"/>
+                      </a:solidFill>
+                      <a:prstDash val="solid"/>
+                      <a:round/>
+                      <a:headEnd type="none" w="med" len="med"/>
+                      <a:tailEnd type="none" w="med" len="med"/>
+                    </a:lnR>
+                    <a:lnT w="6350" cap="flat" cmpd="sng" algn="ctr">
+                      <a:solidFill>
+                        <a:srgbClr val="000000"/>
+                      </a:solidFill>
+                      <a:prstDash val="solid"/>
+                      <a:round/>
+                      <a:headEnd type="none" w="med" len="med"/>
+                      <a:tailEnd type="none" w="med" len="med"/>
+                    </a:lnT>
+                    <a:lnB w="6350" cap="flat" cmpd="sng" algn="ctr">
+                      <a:solidFill>
+                        <a:srgbClr val="000000"/>
+                      </a:solidFill>
+                      <a:prstDash val="solid"/>
+                      <a:round/>
+                      <a:headEnd type="none" w="med" len="med"/>
+                      <a:tailEnd type="none" w="med" len="med"/>
+                    </a:lnB>
+                  </a:tcPr>
+                </a:tc>
+                <a:tc>
+                  <a:txBody>
+                    <a:bodyPr/>
+                    <a:lstStyle/>
+                    <a:p>
+                      <a:pPr algn="r" fontAlgn="b"/>
+                      <a:r>
+                        <a:rPr lang="en-US" sz="1800" b="0" i="0" u="none" strike="noStrike" dirty="0" smtClean="0">
+                          <a:solidFill>
+                            <a:srgbClr val="000000"/>
+                          </a:solidFill>
+                          <a:effectLst/>
+                          <a:latin typeface="Calibri"/>
+                        </a:rPr>
+                        <a:t>1.94</a:t>
+                      </a:r>
+                      <a:endParaRPr lang="en-US" sz="1800" b="0" i="0" u="none" strike="noStrike" dirty="0">
+                        <a:solidFill>
+                          <a:srgbClr val="000000"/>
+                        </a:solidFill>
+                        <a:effectLst/>
+                        <a:latin typeface="Calibri"/>
+                      </a:endParaRPr>
+                    </a:p>
+                  </a:txBody>
+                  <a:tcPr marL="9525" marR="9525" marT="9525" marB="0" anchor="b">
+                    <a:lnL w="6350" cap="flat" cmpd="sng" algn="ctr">
+                      <a:solidFill>
+                        <a:srgbClr val="000000"/>
+                      </a:solidFill>
+                      <a:prstDash val="solid"/>
+                      <a:round/>
+                      <a:headEnd type="none" w="med" len="med"/>
+                      <a:tailEnd type="none" w="med" len="med"/>
+                    </a:lnL>
+                    <a:lnR w="12700" cap="flat" cmpd="sng" algn="ctr">
+                      <a:solidFill>
+                        <a:srgbClr val="000000"/>
+                      </a:solidFill>
+                      <a:prstDash val="solid"/>
+                      <a:round/>
+                      <a:headEnd type="none" w="med" len="med"/>
+                      <a:tailEnd type="none" w="med" len="med"/>
+                    </a:lnR>
+                    <a:lnT w="6350" cap="flat" cmpd="sng" algn="ctr">
+                      <a:solidFill>
+                        <a:srgbClr val="000000"/>
+                      </a:solidFill>
+                      <a:prstDash val="solid"/>
+                      <a:round/>
+                      <a:headEnd type="none" w="med" len="med"/>
+                      <a:tailEnd type="none" w="med" len="med"/>
+                    </a:lnT>
+                    <a:lnB w="6350" cap="flat" cmpd="sng" algn="ctr">
+                      <a:solidFill>
+                        <a:srgbClr val="000000"/>
+                      </a:solidFill>
+                      <a:prstDash val="solid"/>
+                      <a:round/>
+                      <a:headEnd type="none" w="med" len="med"/>
+                      <a:tailEnd type="none" w="med" len="med"/>
+                    </a:lnB>
+                  </a:tcPr>
+                </a:tc>
+              </a:tr>
+              <a:tr h="0">
+                <a:tc>
+                  <a:txBody>
+                    <a:bodyPr/>
+                    <a:lstStyle/>
+                    <a:p>
+                      <a:pPr algn="l" fontAlgn="b"/>
+                      <a:r>
+                        <a:rPr lang="en-US" sz="1800" b="0" i="0" u="none" strike="noStrike">
+                          <a:solidFill>
+                            <a:srgbClr val="000000"/>
+                          </a:solidFill>
+                          <a:effectLst/>
+                          <a:latin typeface="Calibri"/>
+                        </a:rPr>
+                        <a:t>z</a:t>
+                      </a:r>
+                    </a:p>
+                  </a:txBody>
+                  <a:tcPr marL="9525" marR="9525" marT="9525" marB="0" anchor="b">
+                    <a:lnL w="12700" cap="flat" cmpd="sng" algn="ctr">
+                      <a:solidFill>
+                        <a:srgbClr val="000000"/>
+                      </a:solidFill>
+                      <a:prstDash val="solid"/>
+                      <a:round/>
+                      <a:headEnd type="none" w="med" len="med"/>
+                      <a:tailEnd type="none" w="med" len="med"/>
+                    </a:lnL>
+                    <a:lnR w="6350" cap="flat" cmpd="sng" algn="ctr">
+                      <a:solidFill>
+                        <a:srgbClr val="000000"/>
+                      </a:solidFill>
+                      <a:prstDash val="solid"/>
+                      <a:round/>
+                      <a:headEnd type="none" w="med" len="med"/>
+                      <a:tailEnd type="none" w="med" len="med"/>
+                    </a:lnR>
+                    <a:lnT w="6350" cap="flat" cmpd="sng" algn="ctr">
+                      <a:solidFill>
+                        <a:srgbClr val="000000"/>
+                      </a:solidFill>
+                      <a:prstDash val="solid"/>
+                      <a:round/>
+                      <a:headEnd type="none" w="med" len="med"/>
+                      <a:tailEnd type="none" w="med" len="med"/>
+                    </a:lnT>
+                    <a:lnB w="6350" cap="flat" cmpd="sng" algn="ctr">
+                      <a:solidFill>
+                        <a:srgbClr val="000000"/>
+                      </a:solidFill>
+                      <a:prstDash val="solid"/>
+                      <a:round/>
+                      <a:headEnd type="none" w="med" len="med"/>
+                      <a:tailEnd type="none" w="med" len="med"/>
+                    </a:lnB>
+                  </a:tcPr>
+                </a:tc>
+                <a:tc>
+                  <a:txBody>
+                    <a:bodyPr/>
+                    <a:lstStyle/>
+                    <a:p>
+                      <a:pPr algn="r" fontAlgn="b"/>
+                      <a:r>
+                        <a:rPr lang="en-US" sz="1800" b="0" i="0" u="none" strike="noStrike" dirty="0" smtClean="0">
+                          <a:solidFill>
+                            <a:srgbClr val="000000"/>
+                          </a:solidFill>
+                          <a:effectLst/>
+                          <a:latin typeface="Calibri"/>
+                        </a:rPr>
+                        <a:t>0.149996</a:t>
+                      </a:r>
+                      <a:endParaRPr lang="en-US" sz="1800" b="0" i="0" u="none" strike="noStrike" dirty="0">
+                        <a:solidFill>
+                          <a:srgbClr val="000000"/>
+                        </a:solidFill>
+                        <a:effectLst/>
+                        <a:latin typeface="Calibri"/>
+                      </a:endParaRPr>
+                    </a:p>
+                  </a:txBody>
+                  <a:tcPr marL="9525" marR="9525" marT="9525" marB="0" anchor="b">
+                    <a:lnL w="6350" cap="flat" cmpd="sng" algn="ctr">
+                      <a:solidFill>
+                        <a:srgbClr val="000000"/>
+                      </a:solidFill>
+                      <a:prstDash val="solid"/>
+                      <a:round/>
+                      <a:headEnd type="none" w="med" len="med"/>
+                      <a:tailEnd type="none" w="med" len="med"/>
+                    </a:lnL>
+                    <a:lnR w="6350" cap="flat" cmpd="sng" algn="ctr">
+                      <a:solidFill>
+                        <a:srgbClr val="000000"/>
+                      </a:solidFill>
+                      <a:prstDash val="solid"/>
+                      <a:round/>
+                      <a:headEnd type="none" w="med" len="med"/>
+                      <a:tailEnd type="none" w="med" len="med"/>
+                    </a:lnR>
+                    <a:lnT w="6350" cap="flat" cmpd="sng" algn="ctr">
+                      <a:solidFill>
+                        <a:srgbClr val="000000"/>
+                      </a:solidFill>
+                      <a:prstDash val="solid"/>
+                      <a:round/>
+                      <a:headEnd type="none" w="med" len="med"/>
+                      <a:tailEnd type="none" w="med" len="med"/>
+                    </a:lnT>
+                    <a:lnB w="6350" cap="flat" cmpd="sng" algn="ctr">
+                      <a:solidFill>
+                        <a:srgbClr val="000000"/>
+                      </a:solidFill>
+                      <a:prstDash val="solid"/>
+                      <a:round/>
+                      <a:headEnd type="none" w="med" len="med"/>
+                      <a:tailEnd type="none" w="med" len="med"/>
+                    </a:lnB>
+                  </a:tcPr>
+                </a:tc>
+                <a:tc>
+                  <a:txBody>
+                    <a:bodyPr/>
+                    <a:lstStyle/>
+                    <a:p>
+                      <a:pPr algn="r" fontAlgn="b"/>
+                      <a:r>
+                        <a:rPr lang="en-US" sz="1800" b="0" i="0" u="none" strike="noStrike" dirty="0" smtClean="0">
+                          <a:solidFill>
+                            <a:srgbClr val="000000"/>
+                          </a:solidFill>
+                          <a:effectLst/>
+                          <a:latin typeface="Calibri"/>
+                        </a:rPr>
+                        <a:t>25.00</a:t>
+                      </a:r>
+                      <a:endParaRPr lang="en-US" sz="1800" b="0" i="0" u="none" strike="noStrike" dirty="0">
+                        <a:solidFill>
+                          <a:srgbClr val="000000"/>
+                        </a:solidFill>
+                        <a:effectLst/>
+                        <a:latin typeface="Calibri"/>
+                      </a:endParaRPr>
+                    </a:p>
+                  </a:txBody>
+                  <a:tcPr marL="9525" marR="9525" marT="9525" marB="0" anchor="b">
+                    <a:lnL w="6350" cap="flat" cmpd="sng" algn="ctr">
+                      <a:solidFill>
+                        <a:srgbClr val="000000"/>
+                      </a:solidFill>
+                      <a:prstDash val="solid"/>
+                      <a:round/>
+                      <a:headEnd type="none" w="med" len="med"/>
+                      <a:tailEnd type="none" w="med" len="med"/>
+                    </a:lnL>
+                    <a:lnR w="6350" cap="flat" cmpd="sng" algn="ctr">
+                      <a:solidFill>
+                        <a:srgbClr val="000000"/>
+                      </a:solidFill>
+                      <a:prstDash val="solid"/>
+                      <a:round/>
+                      <a:headEnd type="none" w="med" len="med"/>
+                      <a:tailEnd type="none" w="med" len="med"/>
+                    </a:lnR>
+                    <a:lnT w="6350" cap="flat" cmpd="sng" algn="ctr">
+                      <a:solidFill>
+                        <a:srgbClr val="000000"/>
+                      </a:solidFill>
+                      <a:prstDash val="solid"/>
+                      <a:round/>
+                      <a:headEnd type="none" w="med" len="med"/>
+                      <a:tailEnd type="none" w="med" len="med"/>
+                    </a:lnT>
+                    <a:lnB w="6350" cap="flat" cmpd="sng" algn="ctr">
+                      <a:solidFill>
+                        <a:srgbClr val="000000"/>
+                      </a:solidFill>
+                      <a:prstDash val="solid"/>
+                      <a:round/>
+                      <a:headEnd type="none" w="med" len="med"/>
+                      <a:tailEnd type="none" w="med" len="med"/>
+                    </a:lnB>
+                  </a:tcPr>
+                </a:tc>
+                <a:tc>
+                  <a:txBody>
+                    <a:bodyPr/>
+                    <a:lstStyle/>
+                    <a:p>
+                      <a:pPr algn="r" fontAlgn="b"/>
+                      <a:r>
+                        <a:rPr lang="en-US" sz="1800" b="0" i="0" u="none" strike="noStrike" dirty="0">
+                          <a:solidFill>
+                            <a:srgbClr val="000000"/>
+                          </a:solidFill>
+                          <a:effectLst/>
+                          <a:latin typeface="Calibri"/>
+                        </a:rPr>
+                        <a:t>-</a:t>
+                      </a:r>
+                      <a:r>
+                        <a:rPr lang="en-US" sz="1800" b="0" i="0" u="none" strike="noStrike" dirty="0" smtClean="0">
+                          <a:solidFill>
+                            <a:srgbClr val="000000"/>
+                          </a:solidFill>
+                          <a:effectLst/>
+                          <a:latin typeface="Calibri"/>
+                        </a:rPr>
+                        <a:t>3.62</a:t>
+                      </a:r>
+                      <a:endParaRPr lang="en-US" sz="1800" b="0" i="0" u="none" strike="noStrike" dirty="0">
+                        <a:solidFill>
+                          <a:srgbClr val="000000"/>
+                        </a:solidFill>
+                        <a:effectLst/>
+                        <a:latin typeface="Calibri"/>
+                      </a:endParaRPr>
+                    </a:p>
+                  </a:txBody>
+                  <a:tcPr marL="9525" marR="9525" marT="9525" marB="0" anchor="b">
+                    <a:lnL w="6350" cap="flat" cmpd="sng" algn="ctr">
+                      <a:solidFill>
+                        <a:srgbClr val="000000"/>
+                      </a:solidFill>
+                      <a:prstDash val="solid"/>
+                      <a:round/>
+                      <a:headEnd type="none" w="med" len="med"/>
+                      <a:tailEnd type="none" w="med" len="med"/>
+                    </a:lnL>
+                    <a:lnR w="12700" cap="flat" cmpd="sng" algn="ctr">
+                      <a:solidFill>
+                        <a:srgbClr val="000000"/>
+                      </a:solidFill>
+                      <a:prstDash val="solid"/>
+                      <a:round/>
+                      <a:headEnd type="none" w="med" len="med"/>
+                      <a:tailEnd type="none" w="med" len="med"/>
+                    </a:lnR>
+                    <a:lnT w="6350" cap="flat" cmpd="sng" algn="ctr">
+                      <a:solidFill>
+                        <a:srgbClr val="000000"/>
+                      </a:solidFill>
+                      <a:prstDash val="solid"/>
+                      <a:round/>
+                      <a:headEnd type="none" w="med" len="med"/>
+                      <a:tailEnd type="none" w="med" len="med"/>
+                    </a:lnT>
+                    <a:lnB w="6350" cap="flat" cmpd="sng" algn="ctr">
+                      <a:solidFill>
+                        <a:srgbClr val="000000"/>
+                      </a:solidFill>
+                      <a:prstDash val="solid"/>
+                      <a:round/>
+                      <a:headEnd type="none" w="med" len="med"/>
+                      <a:tailEnd type="none" w="med" len="med"/>
+                    </a:lnB>
+                  </a:tcPr>
+                </a:tc>
+              </a:tr>
+              <a:tr h="0">
+                <a:tc>
+                  <a:txBody>
+                    <a:bodyPr/>
+                    <a:lstStyle/>
+                    <a:p>
+                      <a:pPr algn="l" fontAlgn="b"/>
+                      <a:r>
+                        <a:rPr lang="en-US" sz="1800" b="0" i="0" u="none" strike="noStrike">
+                          <a:solidFill>
+                            <a:srgbClr val="000000"/>
+                          </a:solidFill>
+                          <a:effectLst/>
+                          <a:latin typeface="Calibri"/>
+                        </a:rPr>
+                        <a:t>Mean</a:t>
+                      </a:r>
+                    </a:p>
+                  </a:txBody>
+                  <a:tcPr marL="9525" marR="9525" marT="9525" marB="0" anchor="b">
+                    <a:lnL w="12700" cap="flat" cmpd="sng" algn="ctr">
+                      <a:solidFill>
+                        <a:srgbClr val="000000"/>
+                      </a:solidFill>
+                      <a:prstDash val="solid"/>
+                      <a:round/>
+                      <a:headEnd type="none" w="med" len="med"/>
+                      <a:tailEnd type="none" w="med" len="med"/>
+                    </a:lnL>
+                    <a:lnR w="6350" cap="flat" cmpd="sng" algn="ctr">
+                      <a:solidFill>
+                        <a:srgbClr val="000000"/>
+                      </a:solidFill>
+                      <a:prstDash val="solid"/>
+                      <a:round/>
+                      <a:headEnd type="none" w="med" len="med"/>
+                      <a:tailEnd type="none" w="med" len="med"/>
+                    </a:lnR>
+                    <a:lnT w="6350" cap="flat" cmpd="sng" algn="ctr">
+                      <a:solidFill>
+                        <a:srgbClr val="000000"/>
+                      </a:solidFill>
+                      <a:prstDash val="solid"/>
+                      <a:round/>
+                      <a:headEnd type="none" w="med" len="med"/>
+                      <a:tailEnd type="none" w="med" len="med"/>
+                    </a:lnT>
+                    <a:lnB w="12700" cap="flat" cmpd="sng" algn="ctr">
+                      <a:solidFill>
+                        <a:srgbClr val="000000"/>
+                      </a:solidFill>
+                      <a:prstDash val="solid"/>
+                      <a:round/>
+                      <a:headEnd type="none" w="med" len="med"/>
+                      <a:tailEnd type="none" w="med" len="med"/>
+                    </a:lnB>
+                  </a:tcPr>
+                </a:tc>
+                <a:tc>
+                  <a:txBody>
+                    <a:bodyPr/>
+                    <a:lstStyle/>
+                    <a:p>
+                      <a:pPr algn="r" fontAlgn="b"/>
+                      <a:r>
+                        <a:rPr lang="en-US" sz="1800" b="0" i="0" u="none" strike="noStrike" dirty="0" smtClean="0">
+                          <a:solidFill>
+                            <a:srgbClr val="000000"/>
+                          </a:solidFill>
+                          <a:effectLst/>
+                          <a:latin typeface="Calibri"/>
+                        </a:rPr>
+                        <a:t>0.149997</a:t>
+                      </a:r>
+                      <a:endParaRPr lang="en-US" sz="1800" b="0" i="0" u="none" strike="noStrike" dirty="0">
+                        <a:solidFill>
+                          <a:srgbClr val="000000"/>
+                        </a:solidFill>
+                        <a:effectLst/>
+                        <a:latin typeface="Calibri"/>
+                      </a:endParaRPr>
+                    </a:p>
+                  </a:txBody>
+                  <a:tcPr marL="9525" marR="9525" marT="9525" marB="0" anchor="b">
+                    <a:lnL w="6350" cap="flat" cmpd="sng" algn="ctr">
+                      <a:solidFill>
+                        <a:srgbClr val="000000"/>
+                      </a:solidFill>
+                      <a:prstDash val="solid"/>
+                      <a:round/>
+                      <a:headEnd type="none" w="med" len="med"/>
+                      <a:tailEnd type="none" w="med" len="med"/>
+                    </a:lnL>
+                    <a:lnR w="6350" cap="flat" cmpd="sng" algn="ctr">
+                      <a:solidFill>
+                        <a:srgbClr val="000000"/>
+                      </a:solidFill>
+                      <a:prstDash val="solid"/>
+                      <a:round/>
+                      <a:headEnd type="none" w="med" len="med"/>
+                      <a:tailEnd type="none" w="med" len="med"/>
+                    </a:lnR>
+                    <a:lnT w="6350" cap="flat" cmpd="sng" algn="ctr">
+                      <a:solidFill>
+                        <a:srgbClr val="000000"/>
+                      </a:solidFill>
+                      <a:prstDash val="solid"/>
+                      <a:round/>
+                      <a:headEnd type="none" w="med" len="med"/>
+                      <a:tailEnd type="none" w="med" len="med"/>
+                    </a:lnT>
+                    <a:lnB w="12700" cap="flat" cmpd="sng" algn="ctr">
+                      <a:solidFill>
+                        <a:srgbClr val="000000"/>
+                      </a:solidFill>
+                      <a:prstDash val="solid"/>
+                      <a:round/>
+                      <a:headEnd type="none" w="med" len="med"/>
+                      <a:tailEnd type="none" w="med" len="med"/>
+                    </a:lnB>
+                  </a:tcPr>
+                </a:tc>
+                <a:tc>
+                  <a:txBody>
+                    <a:bodyPr/>
+                    <a:lstStyle/>
+                    <a:p>
+                      <a:pPr algn="r" fontAlgn="b"/>
+                      <a:r>
+                        <a:rPr lang="en-US" sz="1800" b="0" i="0" u="none" strike="noStrike" dirty="0" smtClean="0">
+                          <a:solidFill>
+                            <a:srgbClr val="000000"/>
+                          </a:solidFill>
+                          <a:effectLst/>
+                          <a:latin typeface="Calibri"/>
+                        </a:rPr>
+                        <a:t>20.75</a:t>
+                      </a:r>
+                      <a:endParaRPr lang="en-US" sz="1800" b="0" i="0" u="none" strike="noStrike" dirty="0">
+                        <a:solidFill>
+                          <a:srgbClr val="000000"/>
+                        </a:solidFill>
+                        <a:effectLst/>
+                        <a:latin typeface="Calibri"/>
+                      </a:endParaRPr>
+                    </a:p>
+                  </a:txBody>
+                  <a:tcPr marL="9525" marR="9525" marT="9525" marB="0" anchor="b">
+                    <a:lnL w="6350" cap="flat" cmpd="sng" algn="ctr">
+                      <a:solidFill>
+                        <a:srgbClr val="000000"/>
+                      </a:solidFill>
+                      <a:prstDash val="solid"/>
+                      <a:round/>
+                      <a:headEnd type="none" w="med" len="med"/>
+                      <a:tailEnd type="none" w="med" len="med"/>
+                    </a:lnL>
+                    <a:lnR w="6350" cap="flat" cmpd="sng" algn="ctr">
+                      <a:solidFill>
+                        <a:srgbClr val="000000"/>
+                      </a:solidFill>
+                      <a:prstDash val="solid"/>
+                      <a:round/>
+                      <a:headEnd type="none" w="med" len="med"/>
+                      <a:tailEnd type="none" w="med" len="med"/>
+                    </a:lnR>
+                    <a:lnT w="6350" cap="flat" cmpd="sng" algn="ctr">
+                      <a:solidFill>
+                        <a:srgbClr val="000000"/>
+                      </a:solidFill>
+                      <a:prstDash val="solid"/>
+                      <a:round/>
+                      <a:headEnd type="none" w="med" len="med"/>
+                      <a:tailEnd type="none" w="med" len="med"/>
+                    </a:lnT>
+                    <a:lnB w="12700" cap="flat" cmpd="sng" algn="ctr">
+                      <a:solidFill>
+                        <a:srgbClr val="000000"/>
+                      </a:solidFill>
+                      <a:prstDash val="solid"/>
+                      <a:round/>
+                      <a:headEnd type="none" w="med" len="med"/>
+                      <a:tailEnd type="none" w="med" len="med"/>
+                    </a:lnB>
+                  </a:tcPr>
+                </a:tc>
+                <a:tc>
+                  <a:txBody>
+                    <a:bodyPr/>
+                    <a:lstStyle/>
+                    <a:p>
+                      <a:pPr algn="r" fontAlgn="b"/>
+                      <a:r>
+                        <a:rPr lang="en-US" sz="1800" b="0" i="0" u="none" strike="noStrike" dirty="0">
+                          <a:solidFill>
+                            <a:srgbClr val="000000"/>
+                          </a:solidFill>
+                          <a:effectLst/>
+                          <a:latin typeface="Calibri"/>
+                        </a:rPr>
+                        <a:t>-</a:t>
+                      </a:r>
+                      <a:r>
+                        <a:rPr lang="en-US" sz="1800" b="0" i="0" u="none" strike="noStrike" dirty="0" smtClean="0">
+                          <a:solidFill>
+                            <a:srgbClr val="000000"/>
+                          </a:solidFill>
+                          <a:effectLst/>
+                          <a:latin typeface="Calibri"/>
+                        </a:rPr>
+                        <a:t>3.20</a:t>
+                      </a:r>
+                      <a:endParaRPr lang="en-US" sz="1800" b="0" i="0" u="none" strike="noStrike" dirty="0">
+                        <a:solidFill>
+                          <a:srgbClr val="000000"/>
+                        </a:solidFill>
+                        <a:effectLst/>
+                        <a:latin typeface="Calibri"/>
+                      </a:endParaRPr>
+                    </a:p>
+                  </a:txBody>
+                  <a:tcPr marL="9525" marR="9525" marT="9525" marB="0" anchor="b">
+                    <a:lnL w="6350" cap="flat" cmpd="sng" algn="ctr">
+                      <a:solidFill>
+                        <a:srgbClr val="000000"/>
+                      </a:solidFill>
+                      <a:prstDash val="solid"/>
+                      <a:round/>
+                      <a:headEnd type="none" w="med" len="med"/>
+                      <a:tailEnd type="none" w="med" len="med"/>
+                    </a:lnL>
+                    <a:lnR w="12700" cap="flat" cmpd="sng" algn="ctr">
+                      <a:solidFill>
+                        <a:srgbClr val="000000"/>
+                      </a:solidFill>
+                      <a:prstDash val="solid"/>
+                      <a:round/>
+                      <a:headEnd type="none" w="med" len="med"/>
+                      <a:tailEnd type="none" w="med" len="med"/>
+                    </a:lnR>
+                    <a:lnT w="6350" cap="flat" cmpd="sng" algn="ctr">
+                      <a:solidFill>
+                        <a:srgbClr val="000000"/>
+                      </a:solidFill>
+                      <a:prstDash val="solid"/>
+                      <a:round/>
+                      <a:headEnd type="none" w="med" len="med"/>
+                      <a:tailEnd type="none" w="med" len="med"/>
+                    </a:lnT>
+                    <a:lnB w="12700" cap="flat" cmpd="sng" algn="ctr">
+                      <a:solidFill>
+                        <a:srgbClr val="000000"/>
+                      </a:solidFill>
+                      <a:prstDash val="solid"/>
+                      <a:round/>
+                      <a:headEnd type="none" w="med" len="med"/>
+                      <a:tailEnd type="none" w="med" len="med"/>
+                    </a:lnB>
+                  </a:tcPr>
+                </a:tc>
+              </a:tr>
+            </a:tbl>
+          </a:graphicData>
+        </a:graphic>
+      </p:graphicFrame>
+      <p:sp>
+        <p:nvSpPr>
+          <p:cNvPr id="142" name="Text Box 1949"/>
+          <p:cNvSpPr txBox="1">
+            <a:spLocks noChangeArrowheads="1"/>
+          </p:cNvSpPr>
+          <p:nvPr/>
+        </p:nvSpPr>
+        <p:spPr bwMode="auto">
+          <a:xfrm>
+            <a:off x="14686743" y="4974036"/>
+            <a:ext cx="13858340" cy="585844"/>
+          </a:xfrm>
+          <a:prstGeom prst="rect">
+            <a:avLst/>
+          </a:prstGeom>
+          <a:solidFill>
+            <a:srgbClr val="FF9966">
+              <a:alpha val="46000"/>
+            </a:srgbClr>
+          </a:solidFill>
+          <a:ln w="127000" algn="ctr">
+            <a:noFill/>
+            <a:miter lim="800000"/>
+            <a:headEnd/>
+            <a:tailEnd/>
+          </a:ln>
+          <a:effectLst/>
+        </p:spPr>
+        <p:txBody>
+          <a:bodyPr wrap="square" lIns="92498" tIns="46249" rIns="92498" bIns="46249">
+            <a:spAutoFit/>
+          </a:bodyPr>
+          <a:lstStyle/>
+          <a:p>
+            <a:pPr algn="just" defTabSz="4440274"/>
+            <a:r>
+              <a:rPr lang="en-US" sz="3200" b="1" cap="all" dirty="0" smtClean="0">
+                <a:solidFill>
+                  <a:schemeClr val="tx1"/>
+                </a:solidFill>
+                <a:latin typeface="Times New Roman" pitchFamily="18" charset="0"/>
+              </a:rPr>
+              <a:t>4. Testing the concept through simulation</a:t>
+            </a:r>
+            <a:endParaRPr lang="en-US" sz="3200" b="1" cap="all" dirty="0">
+              <a:solidFill>
+                <a:schemeClr val="tx1"/>
+              </a:solidFill>
+              <a:latin typeface="Times New Roman" pitchFamily="18" charset="0"/>
+            </a:endParaRPr>
+          </a:p>
+        </p:txBody>
+      </p:sp>
+      <p:graphicFrame>
+        <p:nvGraphicFramePr>
+          <p:cNvPr id="143" name="Chart 142"/>
+          <p:cNvGraphicFramePr>
+            <a:graphicFrameLocks/>
+          </p:cNvGraphicFramePr>
+          <p:nvPr>
+            <p:extLst>
+              <p:ext uri="{D42A27DB-BD31-4B8C-83A1-F6EECF244321}">
+                <p14:modId xmlns:p14="http://schemas.microsoft.com/office/powerpoint/2010/main" val="3782762801"/>
+              </p:ext>
+            </p:extLst>
+          </p:nvPr>
+        </p:nvGraphicFramePr>
+        <p:xfrm>
+          <a:off x="15024506" y="6870220"/>
+          <a:ext cx="7033802" cy="3395483"/>
+        </p:xfrm>
+        <a:graphic>
+          <a:graphicData uri="http://schemas.openxmlformats.org/drawingml/2006/chart">
+            <c:chart xmlns:c="http://schemas.openxmlformats.org/drawingml/2006/chart" xmlns:r="http://schemas.openxmlformats.org/officeDocument/2006/relationships" r:id="rId14"/>
+          </a:graphicData>
+        </a:graphic>
+      </p:graphicFrame>
+      <p:sp>
+        <p:nvSpPr>
+          <p:cNvPr id="144" name="Line 1789"/>
+          <p:cNvSpPr>
+            <a:spLocks noChangeShapeType="1"/>
+          </p:cNvSpPr>
+          <p:nvPr/>
+        </p:nvSpPr>
+        <p:spPr bwMode="auto">
+          <a:xfrm flipV="1">
+            <a:off x="14677001" y="12333214"/>
+            <a:ext cx="13868082" cy="6907"/>
           </a:xfrm>
           <a:prstGeom prst="line">
             <a:avLst/>
@@ -14387,285 +14843,4 @@
     </a:bgFillStyleLst>
   </a:fmtScheme>
 </a:themeOverride>
-</file>
-
-<file path=ppt/theme/themeOverride2.xml><?xml version="1.0" encoding="utf-8"?>
-<a:themeOverride xmlns:a="http://schemas.openxmlformats.org/drawingml/2006/main">
-  <a:clrScheme name="Office">
-    <a:dk1>
-      <a:sysClr val="windowText" lastClr="000000"/>
-    </a:dk1>
-    <a:lt1>
-      <a:sysClr val="window" lastClr="FFFFFF"/>
-    </a:lt1>
-    <a:dk2>
-      <a:srgbClr val="1F497D"/>
-    </a:dk2>
-    <a:lt2>
-      <a:srgbClr val="EEECE1"/>
-    </a:lt2>
-    <a:accent1>
-      <a:srgbClr val="4F81BD"/>
-    </a:accent1>
-    <a:accent2>
-      <a:srgbClr val="C0504D"/>
-    </a:accent2>
-    <a:accent3>
-      <a:srgbClr val="9BBB59"/>
-    </a:accent3>
-    <a:accent4>
-      <a:srgbClr val="8064A2"/>
-    </a:accent4>
-    <a:accent5>
-      <a:srgbClr val="4BACC6"/>
-    </a:accent5>
-    <a:accent6>
-      <a:srgbClr val="F79646"/>
-    </a:accent6>
-    <a:hlink>
-      <a:srgbClr val="0000FF"/>
-    </a:hlink>
-    <a:folHlink>
-      <a:srgbClr val="800080"/>
-    </a:folHlink>
-  </a:clrScheme>
-  <a:fontScheme name="Office">
-    <a:majorFont>
-      <a:latin typeface="Cambria"/>
-      <a:ea typeface=""/>
-      <a:cs typeface=""/>
-      <a:font script="Jpan" typeface="ＭＳ Ｐゴシック"/>
-      <a:font script="Hang" typeface="맑은 고딕"/>
-      <a:font script="Hans" typeface="宋体"/>
-      <a:font script="Hant" typeface="新細明體"/>
-      <a:font script="Arab" typeface="Times New Roman"/>
-      <a:font script="Hebr" typeface="Times New Roman"/>
-      <a:font script="Thai" typeface="Tahoma"/>
-      <a:font script="Ethi" typeface="Nyala"/>
-      <a:font script="Beng" typeface="Vrinda"/>
-      <a:font script="Gujr" typeface="Shruti"/>
-      <a:font script="Khmr" typeface="MoolBoran"/>
-      <a:font script="Knda" typeface="Tunga"/>
-      <a:font script="Guru" typeface="Raavi"/>
-      <a:font script="Cans" typeface="Euphemia"/>
-      <a:font script="Cher" typeface="Plantagenet Cherokee"/>
-      <a:font script="Yiii" typeface="Microsoft Yi Baiti"/>
-      <a:font script="Tibt" typeface="Microsoft Himalaya"/>
-      <a:font script="Thaa" typeface="MV Boli"/>
-      <a:font script="Deva" typeface="Mangal"/>
-      <a:font script="Telu" typeface="Gautami"/>
-      <a:font script="Taml" typeface="Latha"/>
-      <a:font script="Syrc" typeface="Estrangelo Edessa"/>
-      <a:font script="Orya" typeface="Kalinga"/>
-      <a:font script="Mlym" typeface="Kartika"/>
-      <a:font script="Laoo" typeface="DokChampa"/>
-      <a:font script="Sinh" typeface="Iskoola Pota"/>
-      <a:font script="Mong" typeface="Mongolian Baiti"/>
-      <a:font script="Viet" typeface="Times New Roman"/>
-      <a:font script="Uigh" typeface="Microsoft Uighur"/>
-      <a:font script="Geor" typeface="Sylfaen"/>
-    </a:majorFont>
-    <a:minorFont>
-      <a:latin typeface="Calibri"/>
-      <a:ea typeface=""/>
-      <a:cs typeface=""/>
-      <a:font script="Jpan" typeface="ＭＳ Ｐゴシック"/>
-      <a:font script="Hang" typeface="맑은 고딕"/>
-      <a:font script="Hans" typeface="宋体"/>
-      <a:font script="Hant" typeface="新細明體"/>
-      <a:font script="Arab" typeface="Arial"/>
-      <a:font script="Hebr" typeface="Arial"/>
-      <a:font script="Thai" typeface="Tahoma"/>
-      <a:font script="Ethi" typeface="Nyala"/>
-      <a:font script="Beng" typeface="Vrinda"/>
-      <a:font script="Gujr" typeface="Shruti"/>
-      <a:font script="Khmr" typeface="DaunPenh"/>
-      <a:font script="Knda" typeface="Tunga"/>
-      <a:font script="Guru" typeface="Raavi"/>
-      <a:font script="Cans" typeface="Euphemia"/>
-      <a:font script="Cher" typeface="Plantagenet Cherokee"/>
-      <a:font script="Yiii" typeface="Microsoft Yi Baiti"/>
-      <a:font script="Tibt" typeface="Microsoft Himalaya"/>
-      <a:font script="Thaa" typeface="MV Boli"/>
-      <a:font script="Deva" typeface="Mangal"/>
-      <a:font script="Telu" typeface="Gautami"/>
-      <a:font script="Taml" typeface="Latha"/>
-      <a:font script="Syrc" typeface="Estrangelo Edessa"/>
-      <a:font script="Orya" typeface="Kalinga"/>
-      <a:font script="Mlym" typeface="Kartika"/>
-      <a:font script="Laoo" typeface="DokChampa"/>
-      <a:font script="Sinh" typeface="Iskoola Pota"/>
-      <a:font script="Mong" typeface="Mongolian Baiti"/>
-      <a:font script="Viet" typeface="Arial"/>
-      <a:font script="Uigh" typeface="Microsoft Uighur"/>
-      <a:font script="Geor" typeface="Sylfaen"/>
-    </a:minorFont>
-  </a:fontScheme>
-  <a:fmtScheme name="Office">
-    <a:fillStyleLst>
-      <a:solidFill>
-        <a:schemeClr val="phClr"/>
-      </a:solidFill>
-      <a:gradFill rotWithShape="1">
-        <a:gsLst>
-          <a:gs pos="0">
-            <a:schemeClr val="phClr">
-              <a:tint val="50000"/>
-              <a:satMod val="300000"/>
-            </a:schemeClr>
-          </a:gs>
-          <a:gs pos="35000">
-            <a:schemeClr val="phClr">
-              <a:tint val="37000"/>
-              <a:satMod val="300000"/>
-            </a:schemeClr>
-          </a:gs>
-          <a:gs pos="100000">
-            <a:schemeClr val="phClr">
-              <a:tint val="15000"/>
-              <a:satMod val="350000"/>
-            </a:schemeClr>
-          </a:gs>
-        </a:gsLst>
-        <a:lin ang="16200000" scaled="1"/>
-      </a:gradFill>
-      <a:gradFill rotWithShape="1">
-        <a:gsLst>
-          <a:gs pos="0">
-            <a:schemeClr val="phClr">
-              <a:shade val="51000"/>
-              <a:satMod val="130000"/>
-            </a:schemeClr>
-          </a:gs>
-          <a:gs pos="80000">
-            <a:schemeClr val="phClr">
-              <a:shade val="93000"/>
-              <a:satMod val="130000"/>
-            </a:schemeClr>
-          </a:gs>
-          <a:gs pos="100000">
-            <a:schemeClr val="phClr">
-              <a:shade val="94000"/>
-              <a:satMod val="135000"/>
-            </a:schemeClr>
-          </a:gs>
-        </a:gsLst>
-        <a:lin ang="16200000" scaled="0"/>
-      </a:gradFill>
-    </a:fillStyleLst>
-    <a:lnStyleLst>
-      <a:ln w="9525" cap="flat" cmpd="sng" algn="ctr">
-        <a:solidFill>
-          <a:schemeClr val="phClr">
-            <a:shade val="95000"/>
-            <a:satMod val="105000"/>
-          </a:schemeClr>
-        </a:solidFill>
-        <a:prstDash val="solid"/>
-      </a:ln>
-      <a:ln w="25400" cap="flat" cmpd="sng" algn="ctr">
-        <a:solidFill>
-          <a:schemeClr val="phClr"/>
-        </a:solidFill>
-        <a:prstDash val="solid"/>
-      </a:ln>
-      <a:ln w="38100" cap="flat" cmpd="sng" algn="ctr">
-        <a:solidFill>
-          <a:schemeClr val="phClr"/>
-        </a:solidFill>
-        <a:prstDash val="solid"/>
-      </a:ln>
-    </a:lnStyleLst>
-    <a:effectStyleLst>
-      <a:effectStyle>
-        <a:effectLst>
-          <a:outerShdw blurRad="40000" dist="20000" dir="5400000" rotWithShape="0">
-            <a:srgbClr val="000000">
-              <a:alpha val="38000"/>
-            </a:srgbClr>
-          </a:outerShdw>
-        </a:effectLst>
-      </a:effectStyle>
-      <a:effectStyle>
-        <a:effectLst>
-          <a:outerShdw blurRad="40000" dist="23000" dir="5400000" rotWithShape="0">
-            <a:srgbClr val="000000">
-              <a:alpha val="35000"/>
-            </a:srgbClr>
-          </a:outerShdw>
-        </a:effectLst>
-      </a:effectStyle>
-      <a:effectStyle>
-        <a:effectLst>
-          <a:outerShdw blurRad="40000" dist="23000" dir="5400000" rotWithShape="0">
-            <a:srgbClr val="000000">
-              <a:alpha val="35000"/>
-            </a:srgbClr>
-          </a:outerShdw>
-        </a:effectLst>
-        <a:scene3d>
-          <a:camera prst="orthographicFront">
-            <a:rot lat="0" lon="0" rev="0"/>
-          </a:camera>
-          <a:lightRig rig="threePt" dir="t">
-            <a:rot lat="0" lon="0" rev="1200000"/>
-          </a:lightRig>
-        </a:scene3d>
-        <a:sp3d>
-          <a:bevelT w="63500" h="25400"/>
-        </a:sp3d>
-      </a:effectStyle>
-    </a:effectStyleLst>
-    <a:bgFillStyleLst>
-      <a:solidFill>
-        <a:schemeClr val="phClr"/>
-      </a:solidFill>
-      <a:gradFill rotWithShape="1">
-        <a:gsLst>
-          <a:gs pos="0">
-            <a:schemeClr val="phClr">
-              <a:tint val="40000"/>
-              <a:satMod val="350000"/>
-            </a:schemeClr>
-          </a:gs>
-          <a:gs pos="40000">
-            <a:schemeClr val="phClr">
-              <a:tint val="45000"/>
-              <a:shade val="99000"/>
-              <a:satMod val="350000"/>
-            </a:schemeClr>
-          </a:gs>
-          <a:gs pos="100000">
-            <a:schemeClr val="phClr">
-              <a:shade val="20000"/>
-              <a:satMod val="255000"/>
-            </a:schemeClr>
-          </a:gs>
-        </a:gsLst>
-        <a:path path="circle">
-          <a:fillToRect l="50000" t="-80000" r="50000" b="180000"/>
-        </a:path>
-      </a:gradFill>
-      <a:gradFill rotWithShape="1">
-        <a:gsLst>
-          <a:gs pos="0">
-            <a:schemeClr val="phClr">
-              <a:tint val="80000"/>
-              <a:satMod val="300000"/>
-            </a:schemeClr>
-          </a:gs>
-          <a:gs pos="100000">
-            <a:schemeClr val="phClr">
-              <a:shade val="30000"/>
-              <a:satMod val="200000"/>
-            </a:schemeClr>
-          </a:gs>
-        </a:gsLst>
-        <a:path path="circle">
-          <a:fillToRect l="50000" t="50000" r="50000" b="50000"/>
-        </a:path>
-      </a:gradFill>
-    </a:bgFillStyleLst>
-  </a:fmtScheme>
-</a:themeOverride>
 </file>
--- a/Fully Reversed Poster.pptx
+++ b/Fully Reversed Poster.pptx
@@ -727,11 +727,11 @@
           <c:showPercent val="0"/>
           <c:showBubbleSize val="0"/>
         </c:dLbls>
-        <c:axId val="74979200"/>
-        <c:axId val="74985472"/>
+        <c:axId val="81468800"/>
+        <c:axId val="81483264"/>
       </c:scatterChart>
       <c:valAx>
-        <c:axId val="74979200"/>
+        <c:axId val="81468800"/>
         <c:scaling>
           <c:orientation val="minMax"/>
         </c:scaling>
@@ -779,12 +779,12 @@
             <a:endParaRPr lang="en-US"/>
           </a:p>
         </c:txPr>
-        <c:crossAx val="74985472"/>
+        <c:crossAx val="81483264"/>
         <c:crosses val="autoZero"/>
         <c:crossBetween val="midCat"/>
       </c:valAx>
       <c:valAx>
-        <c:axId val="74985472"/>
+        <c:axId val="81483264"/>
         <c:scaling>
           <c:orientation val="minMax"/>
         </c:scaling>
@@ -829,13 +829,52 @@
             <a:endParaRPr lang="en-US"/>
           </a:p>
         </c:txPr>
-        <c:crossAx val="74979200"/>
+        <c:crossAx val="81468800"/>
         <c:crosses val="autoZero"/>
         <c:crossBetween val="midCat"/>
       </c:valAx>
     </c:plotArea>
     <c:legend>
       <c:legendPos val="r"/>
+      <c:legendEntry>
+        <c:idx val="0"/>
+        <c:txPr>
+          <a:bodyPr/>
+          <a:lstStyle/>
+          <a:p>
+            <a:pPr>
+              <a:defRPr sz="1800"/>
+            </a:pPr>
+            <a:endParaRPr lang="en-US"/>
+          </a:p>
+        </c:txPr>
+      </c:legendEntry>
+      <c:legendEntry>
+        <c:idx val="1"/>
+        <c:txPr>
+          <a:bodyPr/>
+          <a:lstStyle/>
+          <a:p>
+            <a:pPr>
+              <a:defRPr sz="1800"/>
+            </a:pPr>
+            <a:endParaRPr lang="en-US"/>
+          </a:p>
+        </c:txPr>
+      </c:legendEntry>
+      <c:legendEntry>
+        <c:idx val="2"/>
+        <c:txPr>
+          <a:bodyPr/>
+          <a:lstStyle/>
+          <a:p>
+            <a:pPr>
+              <a:defRPr sz="1800"/>
+            </a:pPr>
+            <a:endParaRPr lang="en-US"/>
+          </a:p>
+        </c:txPr>
+      </c:legendEntry>
       <c:layout/>
       <c:overlay val="0"/>
     </c:legend>
@@ -4883,6 +4922,60 @@
           <a:chExt cx="0" cy="0"/>
         </a:xfrm>
       </p:grpSpPr>
+      <p:sp>
+        <p:nvSpPr>
+          <p:cNvPr id="135" name="Text Box 1949"/>
+          <p:cNvSpPr txBox="1">
+            <a:spLocks noChangeArrowheads="1"/>
+          </p:cNvSpPr>
+          <p:nvPr/>
+        </p:nvSpPr>
+        <p:spPr bwMode="auto">
+          <a:xfrm>
+            <a:off x="975865" y="4450285"/>
+            <a:ext cx="13660171" cy="585844"/>
+          </a:xfrm>
+          <a:prstGeom prst="rect">
+            <a:avLst/>
+          </a:prstGeom>
+          <a:solidFill>
+            <a:srgbClr val="FF9966">
+              <a:alpha val="46000"/>
+            </a:srgbClr>
+          </a:solidFill>
+          <a:ln w="127000" algn="ctr">
+            <a:noFill/>
+            <a:miter lim="800000"/>
+            <a:headEnd/>
+            <a:tailEnd/>
+          </a:ln>
+          <a:effectLst/>
+        </p:spPr>
+        <p:txBody>
+          <a:bodyPr wrap="square" lIns="92498" tIns="46249" rIns="92498" bIns="46249">
+            <a:spAutoFit/>
+          </a:bodyPr>
+          <a:lstStyle/>
+          <a:p>
+            <a:pPr algn="just" defTabSz="4440274"/>
+            <a:r>
+              <a:rPr lang="en-US" sz="3200" b="1" cap="all" dirty="0" smtClean="0">
+                <a:solidFill>
+                  <a:schemeClr val="tx1"/>
+                </a:solidFill>
+                <a:latin typeface="Times New Roman" pitchFamily="18" charset="0"/>
+              </a:rPr>
+              <a:t> Abstract</a:t>
+            </a:r>
+            <a:endParaRPr lang="en-US" sz="3200" b="1" cap="all" dirty="0">
+              <a:solidFill>
+                <a:schemeClr val="tx1"/>
+              </a:solidFill>
+              <a:latin typeface="Times New Roman" pitchFamily="18" charset="0"/>
+            </a:endParaRPr>
+          </a:p>
+        </p:txBody>
+      </p:sp>
       <p:pic>
         <p:nvPicPr>
           <p:cNvPr id="4" name="Picture 3"/>
@@ -4923,7 +5016,7 @@
         </p:nvSpPr>
         <p:spPr bwMode="auto">
           <a:xfrm>
-            <a:off x="944594" y="13267342"/>
+            <a:off x="880121" y="15856144"/>
             <a:ext cx="13712891" cy="585844"/>
           </a:xfrm>
           <a:prstGeom prst="rect">
@@ -5139,8 +5232,8 @@
         </p:nvSpPr>
         <p:spPr bwMode="auto">
           <a:xfrm>
-            <a:off x="14597273" y="4921631"/>
-            <a:ext cx="87049" cy="26958529"/>
+            <a:off x="14602867" y="4385604"/>
+            <a:ext cx="81456" cy="27494557"/>
           </a:xfrm>
           <a:prstGeom prst="line">
             <a:avLst/>
@@ -5211,8 +5304,8 @@
         </p:nvSpPr>
         <p:spPr bwMode="auto">
           <a:xfrm>
-            <a:off x="999375" y="4989051"/>
-            <a:ext cx="13570870" cy="585844"/>
+            <a:off x="967844" y="8581099"/>
+            <a:ext cx="13625168" cy="585844"/>
           </a:xfrm>
           <a:prstGeom prst="rect">
             <a:avLst/>
@@ -5272,8 +5365,8 @@
         </p:blipFill>
         <p:spPr bwMode="auto">
           <a:xfrm>
-            <a:off x="1028247" y="986941"/>
-            <a:ext cx="3252438" cy="1329658"/>
+            <a:off x="1028246" y="986940"/>
+            <a:ext cx="6246574" cy="2553717"/>
           </a:xfrm>
           <a:prstGeom prst="rect">
             <a:avLst/>
@@ -5486,7 +5579,7 @@
         </p:nvSpPr>
         <p:spPr bwMode="auto">
           <a:xfrm flipV="1">
-            <a:off x="1000743" y="4896364"/>
+            <a:off x="969212" y="4360337"/>
             <a:ext cx="41535601" cy="25267"/>
           </a:xfrm>
           <a:prstGeom prst="line">
@@ -5524,8 +5617,8 @@
         </p:nvSpPr>
         <p:spPr bwMode="auto">
           <a:xfrm flipH="1">
-            <a:off x="28482021" y="4921630"/>
-            <a:ext cx="124580" cy="26972641"/>
+            <a:off x="28482020" y="4385604"/>
+            <a:ext cx="111880" cy="27508668"/>
           </a:xfrm>
           <a:prstGeom prst="line">
             <a:avLst/>
@@ -5893,51 +5986,6 @@
       </p:sp>
       <p:sp>
         <p:nvSpPr>
-          <p:cNvPr id="632" name="Rectangle 5"/>
-          <p:cNvSpPr>
-            <a:spLocks noChangeArrowheads="1"/>
-          </p:cNvSpPr>
-          <p:nvPr/>
-        </p:nvSpPr>
-        <p:spPr bwMode="auto">
-          <a:xfrm>
-            <a:off x="10089662" y="5591412"/>
-            <a:ext cx="4316209" cy="1278808"/>
-          </a:xfrm>
-          <a:prstGeom prst="rect">
-            <a:avLst/>
-          </a:prstGeom>
-          <a:noFill/>
-          <a:ln w="9525">
-            <a:noFill/>
-            <a:miter lim="800000"/>
-            <a:headEnd/>
-            <a:tailEnd/>
-          </a:ln>
-          <a:effectLst/>
-        </p:spPr>
-        <p:txBody>
-          <a:bodyPr lIns="120072" tIns="60039" rIns="120072" bIns="60039"/>
-          <a:lstStyle/>
-          <a:p>
-            <a:pPr marL="300183" indent="-300183" algn="just">
-              <a:spcBef>
-                <a:spcPct val="20000"/>
-              </a:spcBef>
-              <a:buClr>
-                <a:srgbClr val="FA1206"/>
-              </a:buClr>
-              <a:buSzPct val="60000"/>
-            </a:pPr>
-            <a:endParaRPr lang="en-US" sz="1800" dirty="0" smtClean="0">
-              <a:latin typeface="Times New Roman" pitchFamily="18" charset="0"/>
-              <a:cs typeface="Times New Roman" pitchFamily="18" charset="0"/>
-            </a:endParaRPr>
-          </a:p>
-        </p:txBody>
-      </p:sp>
-      <p:sp>
-        <p:nvSpPr>
           <p:cNvPr id="12" name="Rectangle 81"/>
           <p:cNvSpPr>
             <a:spLocks noChangeArrowheads="1"/>
@@ -6743,7 +6791,7 @@
         </p:nvSpPr>
         <p:spPr>
           <a:xfrm>
-            <a:off x="944424" y="2418439"/>
+            <a:off x="1233180" y="3500030"/>
             <a:ext cx="6330396" cy="646290"/>
           </a:xfrm>
           <a:prstGeom prst="rect">
@@ -6800,53 +6848,6 @@
               <a:solidFill>
                 <a:srgbClr val="990000"/>
               </a:solidFill>
-            </a:endParaRPr>
-          </a:p>
-        </p:txBody>
-      </p:sp>
-      <p:sp>
-        <p:nvSpPr>
-          <p:cNvPr id="175" name="Rectangle 5"/>
-          <p:cNvSpPr>
-            <a:spLocks noChangeArrowheads="1"/>
-          </p:cNvSpPr>
-          <p:nvPr/>
-        </p:nvSpPr>
-        <p:spPr bwMode="auto">
-          <a:xfrm>
-            <a:off x="3928552" y="6618011"/>
-            <a:ext cx="5341383" cy="1278808"/>
-          </a:xfrm>
-          <a:prstGeom prst="rect">
-            <a:avLst/>
-          </a:prstGeom>
-          <a:noFill/>
-          <a:ln w="9525">
-            <a:noFill/>
-            <a:miter lim="800000"/>
-            <a:headEnd/>
-            <a:tailEnd/>
-          </a:ln>
-          <a:effectLst/>
-        </p:spPr>
-        <p:txBody>
-          <a:bodyPr lIns="120072" tIns="60039" rIns="120072" bIns="60039"/>
-          <a:lstStyle/>
-          <a:p>
-            <a:pPr marL="300183" indent="-300183" algn="just">
-              <a:spcBef>
-                <a:spcPct val="20000"/>
-              </a:spcBef>
-              <a:buClr>
-                <a:schemeClr val="tx1"/>
-              </a:buClr>
-              <a:buSzPct val="60000"/>
-              <a:buFont typeface="Monotype Sorts" pitchFamily="2" charset="2"/>
-              <a:buChar char="l"/>
-            </a:pPr>
-            <a:endParaRPr lang="en-US" sz="1400" dirty="0">
-              <a:latin typeface="Times New Roman" pitchFamily="18" charset="0"/>
-              <a:cs typeface="Times New Roman" pitchFamily="18" charset="0"/>
             </a:endParaRPr>
           </a:p>
         </p:txBody>
@@ -6900,7 +6901,7 @@
         </p:nvSpPr>
         <p:spPr>
           <a:xfrm>
-            <a:off x="1068980" y="5571246"/>
+            <a:off x="1068980" y="9218888"/>
             <a:ext cx="12832303" cy="1569660"/>
           </a:xfrm>
           <a:prstGeom prst="rect">
@@ -6976,7 +6977,7 @@
         </p:blipFill>
         <p:spPr>
           <a:xfrm>
-            <a:off x="11614863" y="21348229"/>
+            <a:off x="11550390" y="23937031"/>
             <a:ext cx="2790906" cy="2838410"/>
           </a:xfrm>
           <a:prstGeom prst="rect">
@@ -7033,8 +7034,8 @@
         </p:nvSpPr>
         <p:spPr>
           <a:xfrm>
-            <a:off x="1132241" y="8021807"/>
-            <a:ext cx="12769042" cy="3416320"/>
+            <a:off x="1035988" y="11621323"/>
+            <a:ext cx="13372713" cy="3416320"/>
           </a:xfrm>
           <a:prstGeom prst="rect">
             <a:avLst/>
@@ -7121,13 +7122,7 @@
               <a:rPr lang="en-US" sz="2400" dirty="0" smtClean="0">
                 <a:latin typeface="Century Schoolbook" pitchFamily="18" charset="0"/>
               </a:rPr>
-              <a:t>he </a:t>
-            </a:r>
-            <a:r>
-              <a:rPr lang="en-US" sz="2400" dirty="0" smtClean="0">
-                <a:latin typeface="Century Schoolbook" pitchFamily="18" charset="0"/>
-              </a:rPr>
-              <a:t>goal of this project is to build a full field-of-view digitization system at significantly lower cost.</a:t>
+              <a:t>he goal of this project is to build a full field-of-view digitization system at significantly lower cost.</a:t>
             </a:r>
             <a:endParaRPr lang="en-US" sz="2400" dirty="0">
               <a:latin typeface="Century Schoolbook" pitchFamily="18" charset="0"/>
@@ -7143,8 +7138,8 @@
         </p:nvSpPr>
         <p:spPr>
           <a:xfrm>
-            <a:off x="15352818" y="5636368"/>
-            <a:ext cx="11630421" cy="1569660"/>
+            <a:off x="14703596" y="5636368"/>
+            <a:ext cx="13778426" cy="1200329"/>
           </a:xfrm>
           <a:prstGeom prst="rect">
             <a:avLst/>
@@ -7165,13 +7160,7 @@
               <a:rPr lang="en-US" sz="2400" dirty="0" smtClean="0">
                 <a:latin typeface="Century Schoolbook" pitchFamily="18" charset="0"/>
               </a:rPr>
-              <a:t>We tested the binary method through simulating using the open-source software POV-Ray</a:t>
-            </a:r>
-            <a:r>
-              <a:rPr lang="en-US" sz="2400" dirty="0" smtClean="0">
-                <a:latin typeface="Century Schoolbook" pitchFamily="18" charset="0"/>
-              </a:rPr>
-              <a:t>.</a:t>
+              <a:t>We tested the binary method through simulating using the open-source software POV-Ray.</a:t>
             </a:r>
             <a:endParaRPr lang="en-US" sz="2400" dirty="0">
               <a:latin typeface="Century Schoolbook" pitchFamily="18" charset="0"/>
@@ -7186,11 +7175,20 @@
               <a:rPr lang="en-US" sz="2400" dirty="0" smtClean="0">
                 <a:latin typeface="Century Schoolbook" pitchFamily="18" charset="0"/>
               </a:rPr>
-              <a:t>A sphere was scanned and radii were fitted to cross sections of the point cloud.</a:t>
-            </a:r>
-            <a:endParaRPr lang="en-US" sz="2400" dirty="0" smtClean="0">
-              <a:latin typeface="Century Schoolbook" pitchFamily="18" charset="0"/>
-            </a:endParaRPr>
+              <a:t>A </a:t>
+            </a:r>
+            <a:r>
+              <a:rPr lang="en-US" sz="2400" dirty="0" smtClean="0">
+                <a:latin typeface="Century Schoolbook" pitchFamily="18" charset="0"/>
+              </a:rPr>
+              <a:t>15 cm radius sphere </a:t>
+            </a:r>
+            <a:r>
+              <a:rPr lang="en-US" sz="2400" dirty="0" smtClean="0">
+                <a:latin typeface="Century Schoolbook" pitchFamily="18" charset="0"/>
+              </a:rPr>
+              <a:t>was scanned and radii were fitted to cross sections of the point cloud.</a:t>
+            </a:r>
           </a:p>
           <a:p>
             <a:pPr marL="342900" indent="-342900" algn="l">
@@ -7213,7 +7211,7 @@
         </p:nvSpPr>
         <p:spPr bwMode="auto">
           <a:xfrm>
-            <a:off x="1014615" y="7253590"/>
+            <a:off x="1014615" y="10965953"/>
             <a:ext cx="13551127" cy="585844"/>
           </a:xfrm>
           <a:prstGeom prst="rect">
@@ -7267,7 +7265,7 @@
         </p:nvSpPr>
         <p:spPr bwMode="auto">
           <a:xfrm flipV="1">
-            <a:off x="896462" y="7183346"/>
+            <a:off x="896462" y="10871646"/>
             <a:ext cx="13739575" cy="8358"/>
           </a:xfrm>
           <a:prstGeom prst="line">
@@ -7305,7 +7303,7 @@
         </p:nvSpPr>
         <p:spPr bwMode="auto">
           <a:xfrm flipV="1">
-            <a:off x="933011" y="13197903"/>
+            <a:off x="868538" y="15786705"/>
             <a:ext cx="13739575" cy="6907"/>
           </a:xfrm>
           <a:prstGeom prst="line">
@@ -7381,7 +7379,7 @@
         </p:nvSpPr>
         <p:spPr bwMode="auto">
           <a:xfrm>
-            <a:off x="28646455" y="4989051"/>
+            <a:off x="28658330" y="4441149"/>
             <a:ext cx="13811232" cy="590192"/>
           </a:xfrm>
           <a:prstGeom prst="rect">
@@ -7535,7 +7533,7 @@
         </p:nvSpPr>
         <p:spPr bwMode="auto">
           <a:xfrm>
-            <a:off x="3151789" y="14035880"/>
+            <a:off x="3087316" y="16624682"/>
             <a:ext cx="4717016" cy="1191816"/>
           </a:xfrm>
           <a:prstGeom prst="roundRect">
@@ -7625,7 +7623,7 @@
         </p:blipFill>
         <p:spPr bwMode="auto">
           <a:xfrm>
-            <a:off x="1082732" y="13949710"/>
+            <a:off x="1018259" y="16538512"/>
             <a:ext cx="1902396" cy="1277986"/>
           </a:xfrm>
           <a:prstGeom prst="rect">
@@ -7651,7 +7649,7 @@
         </p:nvSpPr>
         <p:spPr bwMode="auto">
           <a:xfrm>
-            <a:off x="3151789" y="15741306"/>
+            <a:off x="3087316" y="18330108"/>
             <a:ext cx="4717016" cy="646986"/>
           </a:xfrm>
           <a:prstGeom prst="roundRect">
@@ -7726,7 +7724,7 @@
         </p:nvSpPr>
         <p:spPr bwMode="auto">
           <a:xfrm>
-            <a:off x="3151789" y="16871741"/>
+            <a:off x="3087316" y="19460543"/>
             <a:ext cx="4717016" cy="1191816"/>
           </a:xfrm>
           <a:prstGeom prst="roundRect">
@@ -7801,7 +7799,7 @@
         </p:nvSpPr>
         <p:spPr bwMode="auto">
           <a:xfrm>
-            <a:off x="3151789" y="18586496"/>
+            <a:off x="3087316" y="21175298"/>
             <a:ext cx="4717016" cy="646986"/>
           </a:xfrm>
           <a:prstGeom prst="roundRect">
@@ -7876,7 +7874,7 @@
         </p:nvSpPr>
         <p:spPr bwMode="auto">
           <a:xfrm>
-            <a:off x="8508390" y="14035880"/>
+            <a:off x="8443917" y="16624682"/>
             <a:ext cx="3807133" cy="1191816"/>
           </a:xfrm>
           <a:prstGeom prst="roundRect">
@@ -7976,7 +7974,7 @@
         </p:nvSpPr>
         <p:spPr bwMode="auto">
           <a:xfrm rot="5400000">
-            <a:off x="5320732" y="15160823"/>
+            <a:off x="5256259" y="17749625"/>
             <a:ext cx="379130" cy="688462"/>
           </a:xfrm>
           <a:prstGeom prst="rightArrow">
@@ -8044,7 +8042,7 @@
         </p:nvSpPr>
         <p:spPr bwMode="auto">
           <a:xfrm rot="5400000">
-            <a:off x="5320732" y="16323431"/>
+            <a:off x="5256259" y="18912233"/>
             <a:ext cx="379130" cy="688462"/>
           </a:xfrm>
           <a:prstGeom prst="rightArrow">
@@ -8112,7 +8110,7 @@
         </p:nvSpPr>
         <p:spPr bwMode="auto">
           <a:xfrm rot="5400000">
-            <a:off x="5320732" y="17995059"/>
+            <a:off x="5256259" y="20583861"/>
             <a:ext cx="379130" cy="688462"/>
           </a:xfrm>
           <a:prstGeom prst="rightArrow">
@@ -8180,7 +8178,7 @@
         </p:nvSpPr>
         <p:spPr bwMode="auto">
           <a:xfrm>
-            <a:off x="7969590" y="14311571"/>
+            <a:off x="7905117" y="16900373"/>
             <a:ext cx="379130" cy="688462"/>
           </a:xfrm>
           <a:prstGeom prst="rightArrow">
@@ -8248,7 +8246,7 @@
         </p:nvSpPr>
         <p:spPr bwMode="auto">
           <a:xfrm>
-            <a:off x="8508389" y="15741306"/>
+            <a:off x="8443916" y="18330108"/>
             <a:ext cx="3807134" cy="646986"/>
           </a:xfrm>
           <a:prstGeom prst="roundRect">
@@ -8323,7 +8321,7 @@
         </p:nvSpPr>
         <p:spPr bwMode="auto">
           <a:xfrm>
-            <a:off x="8508389" y="16871741"/>
+            <a:off x="8443916" y="19460543"/>
             <a:ext cx="3807134" cy="646986"/>
           </a:xfrm>
           <a:prstGeom prst="roundRect">
@@ -8398,7 +8396,7 @@
         </p:nvSpPr>
         <p:spPr bwMode="auto">
           <a:xfrm rot="5400000">
-            <a:off x="10222391" y="15160823"/>
+            <a:off x="10157918" y="17749625"/>
             <a:ext cx="379130" cy="688462"/>
           </a:xfrm>
           <a:prstGeom prst="rightArrow">
@@ -8466,7 +8464,7 @@
         </p:nvSpPr>
         <p:spPr bwMode="auto">
           <a:xfrm rot="5400000">
-            <a:off x="10222391" y="16323431"/>
+            <a:off x="10157918" y="18912233"/>
             <a:ext cx="379130" cy="688462"/>
           </a:xfrm>
           <a:prstGeom prst="rightArrow">
@@ -8534,7 +8532,7 @@
         </p:nvSpPr>
         <p:spPr bwMode="auto">
           <a:xfrm>
-            <a:off x="8508390" y="18054666"/>
+            <a:off x="8443917" y="20643468"/>
             <a:ext cx="3807134" cy="1191816"/>
           </a:xfrm>
           <a:prstGeom prst="roundRect">
@@ -8634,7 +8632,7 @@
         </p:nvSpPr>
         <p:spPr bwMode="auto">
           <a:xfrm>
-            <a:off x="3971476" y="20349982"/>
+            <a:off x="3907003" y="22938784"/>
             <a:ext cx="7475490" cy="1191816"/>
           </a:xfrm>
           <a:prstGeom prst="roundRect">
@@ -8734,7 +8732,7 @@
         </p:nvSpPr>
         <p:spPr bwMode="auto">
           <a:xfrm rot="5400000">
-            <a:off x="5050768" y="19473536"/>
+            <a:off x="4986295" y="22062338"/>
             <a:ext cx="919058" cy="688462"/>
           </a:xfrm>
           <a:prstGeom prst="rightArrow">
@@ -8802,7 +8800,7 @@
         </p:nvSpPr>
         <p:spPr bwMode="auto">
           <a:xfrm rot="5400000">
-            <a:off x="9969712" y="19489460"/>
+            <a:off x="9905239" y="22078262"/>
             <a:ext cx="919058" cy="688462"/>
           </a:xfrm>
           <a:prstGeom prst="rightArrow">
@@ -8870,7 +8868,7 @@
         </p:nvSpPr>
         <p:spPr bwMode="auto">
           <a:xfrm>
-            <a:off x="3971476" y="22171526"/>
+            <a:off x="3907003" y="24760328"/>
             <a:ext cx="7475490" cy="1191816"/>
           </a:xfrm>
           <a:prstGeom prst="roundRect">
@@ -8945,7 +8943,7 @@
         </p:nvSpPr>
         <p:spPr bwMode="auto">
           <a:xfrm>
-            <a:off x="3971476" y="24002881"/>
+            <a:off x="3907003" y="26591683"/>
             <a:ext cx="7475490" cy="646986"/>
           </a:xfrm>
           <a:prstGeom prst="roundRect">
@@ -9020,7 +9018,7 @@
         </p:nvSpPr>
         <p:spPr bwMode="auto">
           <a:xfrm rot="5400000">
-            <a:off x="7637886" y="21500260"/>
+            <a:off x="7573413" y="24089062"/>
             <a:ext cx="379130" cy="688462"/>
           </a:xfrm>
           <a:prstGeom prst="rightArrow">
@@ -9088,7 +9086,7 @@
         </p:nvSpPr>
         <p:spPr bwMode="auto">
           <a:xfrm rot="5400000">
-            <a:off x="7652401" y="23336318"/>
+            <a:off x="7587928" y="25925120"/>
             <a:ext cx="379130" cy="688462"/>
           </a:xfrm>
           <a:prstGeom prst="rightArrow">
@@ -9171,7 +9169,7 @@
         </p:blipFill>
         <p:spPr bwMode="auto">
           <a:xfrm>
-            <a:off x="1219326" y="17954171"/>
+            <a:off x="1154853" y="20542973"/>
             <a:ext cx="2478276" cy="3531059"/>
           </a:xfrm>
           <a:prstGeom prst="rect">
@@ -9212,7 +9210,7 @@
         </p:blipFill>
         <p:spPr bwMode="auto">
           <a:xfrm>
-            <a:off x="12470015" y="14035880"/>
+            <a:off x="12405542" y="16624682"/>
             <a:ext cx="2003160" cy="1191816"/>
           </a:xfrm>
           <a:prstGeom prst="rect">
@@ -11646,7 +11644,7 @@
         <p:spPr>
           <a:xfrm>
             <a:off x="14602867" y="2704579"/>
-            <a:ext cx="15857203" cy="1938992"/>
+            <a:ext cx="15857203" cy="1569660"/>
           </a:xfrm>
           <a:prstGeom prst="rect">
             <a:avLst/>
@@ -11660,7 +11658,7 @@
           <a:lstStyle/>
           <a:p>
             <a:r>
-              <a:rPr lang="en-US" sz="4000" dirty="0" smtClean="0">
+              <a:rPr lang="en-US" sz="3200" dirty="0" smtClean="0">
                 <a:latin typeface="Century Schoolbook" pitchFamily="18" charset="0"/>
               </a:rPr>
               <a:t>Ryan Muller and Chris Thomas</a:t>
@@ -11668,35 +11666,35 @@
           </a:p>
           <a:p>
             <a:r>
-              <a:rPr lang="en-US" sz="4000" dirty="0" smtClean="0">
+              <a:rPr lang="en-US" sz="3200" dirty="0" smtClean="0">
                 <a:latin typeface="Century Schoolbook" pitchFamily="18" charset="0"/>
               </a:rPr>
               <a:t>Advisor: </a:t>
             </a:r>
             <a:r>
-              <a:rPr lang="en-US" sz="4000" dirty="0" err="1" smtClean="0">
+              <a:rPr lang="en-US" sz="3200" dirty="0" err="1" smtClean="0">
                 <a:latin typeface="Century Schoolbook" pitchFamily="18" charset="0"/>
               </a:rPr>
               <a:t>Cosme</a:t>
             </a:r>
             <a:r>
-              <a:rPr lang="en-US" sz="4000" dirty="0" smtClean="0">
+              <a:rPr lang="en-US" sz="3200" dirty="0" smtClean="0">
                 <a:latin typeface="Century Schoolbook" pitchFamily="18" charset="0"/>
               </a:rPr>
               <a:t> Furlong</a:t>
             </a:r>
             <a:br>
-              <a:rPr lang="en-US" sz="4000" dirty="0" smtClean="0">
+              <a:rPr lang="en-US" sz="3200" dirty="0" smtClean="0">
                 <a:latin typeface="Century Schoolbook" pitchFamily="18" charset="0"/>
               </a:rPr>
             </a:br>
             <a:r>
-              <a:rPr lang="en-US" sz="4000" dirty="0" smtClean="0">
+              <a:rPr lang="en-US" sz="3200" dirty="0" smtClean="0">
                 <a:latin typeface="Century Schoolbook" pitchFamily="18" charset="0"/>
               </a:rPr>
               <a:t>Mechanical Engineering Department</a:t>
             </a:r>
-            <a:endParaRPr lang="en-US" sz="4000" dirty="0">
+            <a:endParaRPr lang="en-US" sz="3200" dirty="0">
               <a:latin typeface="Century Schoolbook" pitchFamily="18" charset="0"/>
             </a:endParaRPr>
           </a:p>
@@ -13025,7 +13023,7 @@
         </p:nvSpPr>
         <p:spPr bwMode="auto">
           <a:xfrm>
-            <a:off x="14686743" y="4974036"/>
+            <a:off x="14686743" y="4438009"/>
             <a:ext cx="13858340" cy="585844"/>
           </a:xfrm>
           <a:prstGeom prst="rect">
@@ -13078,14 +13076,14 @@
           <p:nvPr>
             <p:extLst>
               <p:ext uri="{D42A27DB-BD31-4B8C-83A1-F6EECF244321}">
-                <p14:modId xmlns:p14="http://schemas.microsoft.com/office/powerpoint/2010/main" val="3782762801"/>
+                <p14:modId xmlns:p14="http://schemas.microsoft.com/office/powerpoint/2010/main" val="3235224074"/>
               </p:ext>
             </p:extLst>
           </p:nvPr>
         </p:nvGraphicFramePr>
         <p:xfrm>
-          <a:off x="15024506" y="6870220"/>
-          <a:ext cx="7033802" cy="3395483"/>
+          <a:off x="14703596" y="6356076"/>
+          <a:ext cx="7747330" cy="3909627"/>
         </p:xfrm>
         <a:graphic>
           <a:graphicData uri="http://schemas.openxmlformats.org/drawingml/2006/chart">
@@ -13128,6 +13126,102 @@
           <a:p>
             <a:pPr algn="just"/>
             <a:endParaRPr lang="en-US" dirty="0"/>
+          </a:p>
+        </p:txBody>
+      </p:sp>
+      <p:sp>
+        <p:nvSpPr>
+          <p:cNvPr id="134" name="Line 1789"/>
+          <p:cNvSpPr>
+            <a:spLocks noChangeShapeType="1"/>
+          </p:cNvSpPr>
+          <p:nvPr/>
+        </p:nvSpPr>
+        <p:spPr bwMode="auto">
+          <a:xfrm flipV="1">
+            <a:off x="920550" y="8500552"/>
+            <a:ext cx="13739575" cy="8358"/>
+          </a:xfrm>
+          <a:prstGeom prst="line">
+            <a:avLst/>
+          </a:prstGeom>
+          <a:noFill/>
+          <a:ln w="127000">
+            <a:solidFill>
+              <a:srgbClr val="990000"/>
+            </a:solidFill>
+            <a:round/>
+            <a:headEnd/>
+            <a:tailEnd/>
+          </a:ln>
+          <a:effectLst/>
+        </p:spPr>
+        <p:txBody>
+          <a:bodyPr wrap="square" lIns="92498" tIns="46249" rIns="92498" bIns="46249">
+            <a:spAutoFit/>
+          </a:bodyPr>
+          <a:lstStyle/>
+          <a:p>
+            <a:pPr algn="just"/>
+            <a:endParaRPr lang="en-US" dirty="0"/>
+          </a:p>
+        </p:txBody>
+      </p:sp>
+      <p:sp>
+        <p:nvSpPr>
+          <p:cNvPr id="136" name="TextBox 135"/>
+          <p:cNvSpPr txBox="1"/>
+          <p:nvPr/>
+        </p:nvSpPr>
+        <p:spPr>
+          <a:xfrm>
+            <a:off x="1014615" y="5036129"/>
+            <a:ext cx="13394087" cy="3785652"/>
+          </a:xfrm>
+          <a:prstGeom prst="rect">
+            <a:avLst/>
+          </a:prstGeom>
+          <a:noFill/>
+        </p:spPr>
+        <p:txBody>
+          <a:bodyPr wrap="square" rtlCol="0">
+            <a:spAutoFit/>
+          </a:bodyPr>
+          <a:lstStyle/>
+          <a:p>
+            <a:pPr algn="l"/>
+            <a:r>
+              <a:rPr lang="en-US" sz="2400" dirty="0" smtClean="0">
+                <a:latin typeface="Times New Roman" pitchFamily="18" charset="0"/>
+                <a:cs typeface="Times New Roman" pitchFamily="18" charset="0"/>
+              </a:rPr>
+              <a:t>	The </a:t>
+            </a:r>
+            <a:r>
+              <a:rPr lang="en-US" sz="2400" dirty="0">
+                <a:latin typeface="Times New Roman" pitchFamily="18" charset="0"/>
+                <a:cs typeface="Times New Roman" pitchFamily="18" charset="0"/>
+              </a:rPr>
+              <a:t>availability of rapid prototyping enhances a designer’s creativity and speed, enabling quicker development of new products. However, because this process relies heavily on computer-aided design (CAD) models it can often be time costly and inefficient when a component is needed urgently in the field. This paper proposes a method to seamlessly integrate the digitization of existing objects with the rapid prototyping process. Our technique makes use of multiple structured-light techniques in conjunction with photogrammetry to build a more efficient means of product development. This combination of methods allows our developed application to rapidly scan an entire object using inexpensive hardware. Single views obtained by projecting binary and sinusoidal patterns are combined using photogrammetric feature tracking to create a computer model of the subject. </a:t>
+            </a:r>
+            <a:endParaRPr lang="en-US" sz="2400" dirty="0">
+              <a:latin typeface="Times New Roman" pitchFamily="18" charset="0"/>
+              <a:cs typeface="Times New Roman" pitchFamily="18" charset="0"/>
+            </a:endParaRPr>
+          </a:p>
+          <a:p>
+            <a:pPr algn="l"/>
+            <a:r>
+              <a:rPr lang="en-US" sz="2400" dirty="0" smtClean="0">
+                <a:latin typeface="Times New Roman" pitchFamily="18" charset="0"/>
+                <a:cs typeface="Times New Roman" pitchFamily="18" charset="0"/>
+              </a:rPr>
+              <a:t>	</a:t>
+            </a:r>
+            <a:endParaRPr lang="en-US" sz="2400" dirty="0">
+              <a:latin typeface="Times New Roman" pitchFamily="18" charset="0"/>
+              <a:cs typeface="Times New Roman" pitchFamily="18" charset="0"/>
+            </a:endParaRPr>
           </a:p>
         </p:txBody>
       </p:sp>

--- a/Fully Reversed Poster.pptx
+++ b/Fully Reversed Poster.pptx
@@ -727,11 +727,11 @@
           <c:showPercent val="0"/>
           <c:showBubbleSize val="0"/>
         </c:dLbls>
-        <c:axId val="81468800"/>
-        <c:axId val="81483264"/>
+        <c:axId val="74395008"/>
+        <c:axId val="74413568"/>
       </c:scatterChart>
       <c:valAx>
-        <c:axId val="81468800"/>
+        <c:axId val="74395008"/>
         <c:scaling>
           <c:orientation val="minMax"/>
         </c:scaling>
@@ -779,12 +779,12 @@
             <a:endParaRPr lang="en-US"/>
           </a:p>
         </c:txPr>
-        <c:crossAx val="81483264"/>
+        <c:crossAx val="74413568"/>
         <c:crosses val="autoZero"/>
         <c:crossBetween val="midCat"/>
       </c:valAx>
       <c:valAx>
-        <c:axId val="81483264"/>
+        <c:axId val="74413568"/>
         <c:scaling>
           <c:orientation val="minMax"/>
         </c:scaling>
@@ -829,7 +829,7 @@
             <a:endParaRPr lang="en-US"/>
           </a:p>
         </c:txPr>
-        <c:crossAx val="81468800"/>
+        <c:crossAx val="74395008"/>
         <c:crosses val="autoZero"/>
         <c:crossBetween val="midCat"/>
       </c:valAx>
@@ -5304,7 +5304,7 @@
         </p:nvSpPr>
         <p:spPr bwMode="auto">
           <a:xfrm>
-            <a:off x="967844" y="8581099"/>
+            <a:off x="967844" y="8923999"/>
             <a:ext cx="13625168" cy="585844"/>
           </a:xfrm>
           <a:prstGeom prst="rect">
@@ -6901,7 +6901,7 @@
         </p:nvSpPr>
         <p:spPr>
           <a:xfrm>
-            <a:off x="1068980" y="9218888"/>
+            <a:off x="1068980" y="9561788"/>
             <a:ext cx="12832303" cy="1569660"/>
           </a:xfrm>
           <a:prstGeom prst="rect">
@@ -7034,8 +7034,8 @@
         </p:nvSpPr>
         <p:spPr>
           <a:xfrm>
-            <a:off x="1035988" y="11621323"/>
-            <a:ext cx="13372713" cy="3416320"/>
+            <a:off x="1035988" y="11964223"/>
+            <a:ext cx="13372713" cy="4154984"/>
           </a:xfrm>
           <a:prstGeom prst="rect">
             <a:avLst/>
@@ -7080,8 +7080,29 @@
               <a:rPr lang="en-US" sz="2400" dirty="0" smtClean="0">
                 <a:latin typeface="Century Schoolbook" pitchFamily="18" charset="0"/>
               </a:rPr>
-              <a:t> 3D scanner to quickly reproduce parts for antique cars whose details have been lost to history.</a:t>
-            </a:r>
+              <a:t> 3D scanner to quickly reproduce parts for antique cars whose details have been lost to history</a:t>
+            </a:r>
+            <a:r>
+              <a:rPr lang="en-US" sz="2400" dirty="0" smtClean="0">
+                <a:latin typeface="Century Schoolbook" pitchFamily="18" charset="0"/>
+              </a:rPr>
+              <a:t>. </a:t>
+            </a:r>
+            <a:r>
+              <a:rPr lang="en-US" sz="2400" dirty="0" smtClean="0">
+                <a:solidFill>
+                  <a:srgbClr val="FF0000"/>
+                </a:solidFill>
+                <a:latin typeface="Century Schoolbook" pitchFamily="18" charset="0"/>
+              </a:rPr>
+              <a:t>(needs a citation)</a:t>
+            </a:r>
+            <a:endParaRPr lang="en-US" sz="2400" dirty="0" smtClean="0">
+              <a:solidFill>
+                <a:srgbClr val="FF0000"/>
+              </a:solidFill>
+              <a:latin typeface="Century Schoolbook" pitchFamily="18" charset="0"/>
+            </a:endParaRPr>
           </a:p>
           <a:p>
             <a:pPr marL="342900" indent="-342900" algn="l">
@@ -7104,8 +7125,35 @@
               <a:rPr lang="en-US" sz="2400" dirty="0" smtClean="0">
                 <a:latin typeface="Century Schoolbook" pitchFamily="18" charset="0"/>
               </a:rPr>
-              <a:t>, for example, costs $2995.</a:t>
-            </a:r>
+              <a:t>, for example, costs $2995</a:t>
+            </a:r>
+            <a:r>
+              <a:rPr lang="en-US" sz="2400" dirty="0" smtClean="0">
+                <a:latin typeface="Century Schoolbook" pitchFamily="18" charset="0"/>
+              </a:rPr>
+              <a:t>. </a:t>
+            </a:r>
+            <a:r>
+              <a:rPr lang="en-US" sz="2400" dirty="0">
+                <a:solidFill>
+                  <a:srgbClr val="FF0000"/>
+                </a:solidFill>
+                <a:latin typeface="Century Schoolbook" pitchFamily="18" charset="0"/>
+              </a:rPr>
+              <a:t>(needs a citation</a:t>
+            </a:r>
+            <a:r>
+              <a:rPr lang="en-US" sz="2400" dirty="0" smtClean="0">
+                <a:solidFill>
+                  <a:srgbClr val="FF0000"/>
+                </a:solidFill>
+                <a:latin typeface="Century Schoolbook" pitchFamily="18" charset="0"/>
+              </a:rPr>
+              <a:t>)</a:t>
+            </a:r>
+            <a:endParaRPr lang="en-US" sz="2400" dirty="0" smtClean="0">
+              <a:latin typeface="Century Schoolbook" pitchFamily="18" charset="0"/>
+            </a:endParaRPr>
           </a:p>
           <a:p>
             <a:pPr marL="342900" indent="-342900" algn="l">
@@ -7122,8 +7170,47 @@
               <a:rPr lang="en-US" sz="2400" dirty="0" smtClean="0">
                 <a:latin typeface="Century Schoolbook" pitchFamily="18" charset="0"/>
               </a:rPr>
-              <a:t>he goal of this project is to build a full field-of-view digitization system at significantly lower cost.</a:t>
-            </a:r>
+              <a:t>he goal of this project is to build a full field-of-view digitization system at significantly lower cost</a:t>
+            </a:r>
+            <a:r>
+              <a:rPr lang="en-US" sz="2400" dirty="0" smtClean="0">
+                <a:latin typeface="Century Schoolbook" pitchFamily="18" charset="0"/>
+              </a:rPr>
+              <a:t>.</a:t>
+            </a:r>
+          </a:p>
+          <a:p>
+            <a:pPr marL="342900" indent="-342900" algn="l">
+              <a:buFont typeface="Arial" pitchFamily="34" charset="0"/>
+              <a:buChar char="•"/>
+            </a:pPr>
+            <a:r>
+              <a:rPr lang="en-US" sz="2400" dirty="0" smtClean="0">
+                <a:latin typeface="Century Schoolbook" pitchFamily="18" charset="0"/>
+              </a:rPr>
+              <a:t>PTI industries is interested in the utilizing the developed system </a:t>
+            </a:r>
+            <a:r>
+              <a:rPr lang="en-US" sz="2400" dirty="0" smtClean="0">
+                <a:solidFill>
+                  <a:srgbClr val="FF0000"/>
+                </a:solidFill>
+                <a:latin typeface="Century Schoolbook" pitchFamily="18" charset="0"/>
+              </a:rPr>
+              <a:t>(what details allowed?)</a:t>
+            </a:r>
+            <a:endParaRPr lang="en-US" sz="2400" dirty="0">
+              <a:solidFill>
+                <a:srgbClr val="FF0000"/>
+              </a:solidFill>
+              <a:latin typeface="Century Schoolbook" pitchFamily="18" charset="0"/>
+            </a:endParaRPr>
+          </a:p>
+          <a:p>
+            <a:pPr marL="342900" indent="-342900" algn="l">
+              <a:buFont typeface="Arial" pitchFamily="34" charset="0"/>
+              <a:buChar char="•"/>
+            </a:pPr>
             <a:endParaRPr lang="en-US" sz="2400" dirty="0">
               <a:latin typeface="Century Schoolbook" pitchFamily="18" charset="0"/>
             </a:endParaRPr>
@@ -7175,19 +7262,7 @@
               <a:rPr lang="en-US" sz="2400" dirty="0" smtClean="0">
                 <a:latin typeface="Century Schoolbook" pitchFamily="18" charset="0"/>
               </a:rPr>
-              <a:t>A </a:t>
-            </a:r>
-            <a:r>
-              <a:rPr lang="en-US" sz="2400" dirty="0" smtClean="0">
-                <a:latin typeface="Century Schoolbook" pitchFamily="18" charset="0"/>
-              </a:rPr>
-              <a:t>15 cm radius sphere </a:t>
-            </a:r>
-            <a:r>
-              <a:rPr lang="en-US" sz="2400" dirty="0" smtClean="0">
-                <a:latin typeface="Century Schoolbook" pitchFamily="18" charset="0"/>
-              </a:rPr>
-              <a:t>was scanned and radii were fitted to cross sections of the point cloud.</a:t>
+              <a:t>A 15 cm radius sphere was scanned and radii were fitted to cross sections of the point cloud.</a:t>
             </a:r>
           </a:p>
           <a:p>
@@ -7211,7 +7286,7 @@
         </p:nvSpPr>
         <p:spPr bwMode="auto">
           <a:xfrm>
-            <a:off x="1014615" y="10965953"/>
+            <a:off x="1014615" y="11284790"/>
             <a:ext cx="13551127" cy="585844"/>
           </a:xfrm>
           <a:prstGeom prst="rect">
@@ -7265,7 +7340,7 @@
         </p:nvSpPr>
         <p:spPr bwMode="auto">
           <a:xfrm flipV="1">
-            <a:off x="896462" y="10871646"/>
+            <a:off x="896462" y="11214546"/>
             <a:ext cx="13739575" cy="8358"/>
           </a:xfrm>
           <a:prstGeom prst="line">
@@ -7341,8 +7416,8 @@
         </p:nvSpPr>
         <p:spPr bwMode="auto">
           <a:xfrm flipV="1">
-            <a:off x="14593012" y="19752601"/>
-            <a:ext cx="14013589" cy="0"/>
+            <a:off x="14593013" y="19752601"/>
+            <a:ext cx="13928116" cy="0"/>
           </a:xfrm>
           <a:prstGeom prst="line">
             <a:avLst/>
@@ -13139,7 +13214,7 @@
         </p:nvSpPr>
         <p:spPr bwMode="auto">
           <a:xfrm flipV="1">
-            <a:off x="920550" y="8500552"/>
+            <a:off x="920550" y="8843452"/>
             <a:ext cx="13739575" cy="8358"/>
           </a:xfrm>
           <a:prstGeom prst="line">
@@ -13195,31 +13270,185 @@
                 <a:latin typeface="Times New Roman" pitchFamily="18" charset="0"/>
                 <a:cs typeface="Times New Roman" pitchFamily="18" charset="0"/>
               </a:rPr>
-              <a:t>	The </a:t>
+              <a:t>	</a:t>
+            </a:r>
+            <a:r>
+              <a:rPr lang="en-US" sz="2400" dirty="0" smtClean="0">
+                <a:latin typeface="Century Schoolbook" pitchFamily="18" charset="0"/>
+                <a:cs typeface="Times New Roman" pitchFamily="18" charset="0"/>
+              </a:rPr>
+              <a:t>The </a:t>
             </a:r>
             <a:r>
               <a:rPr lang="en-US" sz="2400" dirty="0">
-                <a:latin typeface="Times New Roman" pitchFamily="18" charset="0"/>
+                <a:latin typeface="Century Schoolbook" pitchFamily="18" charset="0"/>
                 <a:cs typeface="Times New Roman" pitchFamily="18" charset="0"/>
               </a:rPr>
               <a:t>availability of rapid prototyping enhances a designer’s creativity and speed, enabling quicker development of new products. However, because this process relies heavily on computer-aided design (CAD) models it can often be time costly and inefficient when a component is needed urgently in the field. This paper proposes a method to seamlessly integrate the digitization of existing objects with the rapid prototyping process. Our technique makes use of multiple structured-light techniques in conjunction with photogrammetry to build a more efficient means of product development. This combination of methods allows our developed application to rapidly scan an entire object using inexpensive hardware. Single views obtained by projecting binary and sinusoidal patterns are combined using photogrammetric feature tracking to create a computer model of the subject. </a:t>
             </a:r>
+          </a:p>
+        </p:txBody>
+      </p:sp>
+      <p:sp>
+        <p:nvSpPr>
+          <p:cNvPr id="6" name="TextBox 5"/>
+          <p:cNvSpPr txBox="1"/>
+          <p:nvPr/>
+        </p:nvSpPr>
+        <p:spPr>
+          <a:xfrm>
+            <a:off x="19542103" y="21064014"/>
+            <a:ext cx="8564851" cy="1938992"/>
+          </a:xfrm>
+          <a:prstGeom prst="rect">
+            <a:avLst/>
+          </a:prstGeom>
+          <a:noFill/>
+        </p:spPr>
+        <p:txBody>
+          <a:bodyPr wrap="square" rtlCol="0">
+            <a:spAutoFit/>
+          </a:bodyPr>
+          <a:lstStyle/>
+          <a:p>
+            <a:pPr marL="342900" indent="-342900" algn="l">
+              <a:buFont typeface="Arial" pitchFamily="34" charset="0"/>
+              <a:buChar char="•"/>
+            </a:pPr>
+            <a:r>
+              <a:rPr lang="en-US" sz="2400" dirty="0" smtClean="0">
+                <a:latin typeface="Century Schoolbook" pitchFamily="18" charset="0"/>
+                <a:cs typeface="Times New Roman" pitchFamily="18" charset="0"/>
+              </a:rPr>
+              <a:t>Adjustable mounting allows for triangulation geometry to be chosen based on the parameters of the object to be scanned</a:t>
+            </a:r>
+          </a:p>
+          <a:p>
+            <a:pPr marL="342900" indent="-342900" algn="l">
+              <a:buFont typeface="Arial" pitchFamily="34" charset="0"/>
+              <a:buChar char="•"/>
+            </a:pPr>
+            <a:r>
+              <a:rPr lang="en-US" sz="2400" dirty="0" smtClean="0">
+                <a:latin typeface="Century Schoolbook" pitchFamily="18" charset="0"/>
+                <a:cs typeface="Times New Roman" pitchFamily="18" charset="0"/>
+              </a:rPr>
+              <a:t>Camera and Projector calibration need to be performed each time the triangulation geometry is changed</a:t>
+            </a:r>
             <a:endParaRPr lang="en-US" sz="2400" dirty="0">
-              <a:latin typeface="Times New Roman" pitchFamily="18" charset="0"/>
+              <a:latin typeface="Century Schoolbook" pitchFamily="18" charset="0"/>
               <a:cs typeface="Times New Roman" pitchFamily="18" charset="0"/>
             </a:endParaRPr>
           </a:p>
-          <a:p>
-            <a:pPr algn="l"/>
+        </p:txBody>
+      </p:sp>
+      <p:sp>
+        <p:nvSpPr>
+          <p:cNvPr id="137" name="TextBox 136"/>
+          <p:cNvSpPr txBox="1"/>
+          <p:nvPr/>
+        </p:nvSpPr>
+        <p:spPr>
+          <a:xfrm>
+            <a:off x="19683648" y="23993826"/>
+            <a:ext cx="8564851" cy="1200329"/>
+          </a:xfrm>
+          <a:prstGeom prst="rect">
+            <a:avLst/>
+          </a:prstGeom>
+          <a:noFill/>
+        </p:spPr>
+        <p:txBody>
+          <a:bodyPr wrap="square" rtlCol="0">
+            <a:spAutoFit/>
+          </a:bodyPr>
+          <a:lstStyle/>
+          <a:p>
+            <a:pPr marL="342900" indent="-342900" algn="l">
+              <a:buFont typeface="Arial" pitchFamily="34" charset="0"/>
+              <a:buChar char="•"/>
+            </a:pPr>
             <a:r>
               <a:rPr lang="en-US" sz="2400" dirty="0" smtClean="0">
-                <a:latin typeface="Times New Roman" pitchFamily="18" charset="0"/>
+                <a:latin typeface="Century Schoolbook" pitchFamily="18" charset="0"/>
                 <a:cs typeface="Times New Roman" pitchFamily="18" charset="0"/>
               </a:rPr>
-              <a:t>	</a:t>
+              <a:t>Scanning a single view takes 3-5 seconds</a:t>
+            </a:r>
+          </a:p>
+          <a:p>
+            <a:pPr marL="342900" indent="-342900" algn="l">
+              <a:buFont typeface="Arial" pitchFamily="34" charset="0"/>
+              <a:buChar char="•"/>
+            </a:pPr>
+            <a:r>
+              <a:rPr lang="en-US" sz="2400" dirty="0" smtClean="0">
+                <a:latin typeface="Century Schoolbook" pitchFamily="18" charset="0"/>
+                <a:cs typeface="Times New Roman" pitchFamily="18" charset="0"/>
+              </a:rPr>
+              <a:t>Point clouds are viewable immediately within the developed software</a:t>
             </a:r>
             <a:endParaRPr lang="en-US" sz="2400" dirty="0">
-              <a:latin typeface="Times New Roman" pitchFamily="18" charset="0"/>
+              <a:latin typeface="Century Schoolbook" pitchFamily="18" charset="0"/>
+              <a:cs typeface="Times New Roman" pitchFamily="18" charset="0"/>
+            </a:endParaRPr>
+          </a:p>
+        </p:txBody>
+      </p:sp>
+      <p:sp>
+        <p:nvSpPr>
+          <p:cNvPr id="139" name="TextBox 138"/>
+          <p:cNvSpPr txBox="1"/>
+          <p:nvPr/>
+        </p:nvSpPr>
+        <p:spPr>
+          <a:xfrm>
+            <a:off x="24698862" y="25732917"/>
+            <a:ext cx="3549637" cy="3046988"/>
+          </a:xfrm>
+          <a:prstGeom prst="rect">
+            <a:avLst/>
+          </a:prstGeom>
+          <a:noFill/>
+        </p:spPr>
+        <p:txBody>
+          <a:bodyPr wrap="square" rtlCol="0">
+            <a:spAutoFit/>
+          </a:bodyPr>
+          <a:lstStyle/>
+          <a:p>
+            <a:pPr marL="342900" indent="-342900" algn="l">
+              <a:buFont typeface="Arial" pitchFamily="34" charset="0"/>
+              <a:buChar char="•"/>
+            </a:pPr>
+            <a:r>
+              <a:rPr lang="en-US" sz="2400" dirty="0" smtClean="0">
+                <a:latin typeface="Century Schoolbook" pitchFamily="18" charset="0"/>
+                <a:cs typeface="Times New Roman" pitchFamily="18" charset="0"/>
+              </a:rPr>
+              <a:t>Point cloud views are updated to show the rotation of the object</a:t>
+            </a:r>
+          </a:p>
+          <a:p>
+            <a:pPr marL="342900" indent="-342900" algn="l">
+              <a:buFont typeface="Arial" pitchFamily="34" charset="0"/>
+              <a:buChar char="•"/>
+            </a:pPr>
+            <a:r>
+              <a:rPr lang="en-US" sz="2400" dirty="0" smtClean="0">
+                <a:latin typeface="Century Schoolbook" pitchFamily="18" charset="0"/>
+                <a:cs typeface="Times New Roman" pitchFamily="18" charset="0"/>
+              </a:rPr>
+              <a:t>Holes in data that require additional scans can be seen in the 3D display</a:t>
+            </a:r>
+          </a:p>
+          <a:p>
+            <a:pPr marL="342900" indent="-342900" algn="l">
+              <a:buFont typeface="Arial" pitchFamily="34" charset="0"/>
+              <a:buChar char="•"/>
+            </a:pPr>
+            <a:endParaRPr lang="en-US" sz="2400" dirty="0">
+              <a:latin typeface="Century Schoolbook" pitchFamily="18" charset="0"/>
               <a:cs typeface="Times New Roman" pitchFamily="18" charset="0"/>
             </a:endParaRPr>
           </a:p>

--- a/Fully Reversed Poster.pptx
+++ b/Fully Reversed Poster.pptx
@@ -727,11 +727,11 @@
           <c:showPercent val="0"/>
           <c:showBubbleSize val="0"/>
         </c:dLbls>
-        <c:axId val="74395008"/>
-        <c:axId val="74413568"/>
+        <c:axId val="71392640"/>
+        <c:axId val="71411200"/>
       </c:scatterChart>
       <c:valAx>
-        <c:axId val="74395008"/>
+        <c:axId val="71392640"/>
         <c:scaling>
           <c:orientation val="minMax"/>
         </c:scaling>
@@ -779,12 +779,12 @@
             <a:endParaRPr lang="en-US"/>
           </a:p>
         </c:txPr>
-        <c:crossAx val="74413568"/>
+        <c:crossAx val="71411200"/>
         <c:crosses val="autoZero"/>
         <c:crossBetween val="midCat"/>
       </c:valAx>
       <c:valAx>
-        <c:axId val="74413568"/>
+        <c:axId val="71411200"/>
         <c:scaling>
           <c:orientation val="minMax"/>
         </c:scaling>
@@ -829,7 +829,7 @@
             <a:endParaRPr lang="en-US"/>
           </a:p>
         </c:txPr>
-        <c:crossAx val="74395008"/>
+        <c:crossAx val="71392640"/>
         <c:crosses val="autoZero"/>
         <c:crossBetween val="midCat"/>
       </c:valAx>
@@ -4976,36 +4976,6 @@
           </a:p>
         </p:txBody>
       </p:sp>
-      <p:pic>
-        <p:nvPicPr>
-          <p:cNvPr id="4" name="Picture 3"/>
-          <p:cNvPicPr>
-            <a:picLocks noChangeAspect="1"/>
-          </p:cNvPicPr>
-          <p:nvPr/>
-        </p:nvPicPr>
-        <p:blipFill>
-          <a:blip r:embed="rId3">
-            <a:extLst>
-              <a:ext uri="{28A0092B-C50C-407E-A947-70E740481C1C}">
-                <a14:useLocalDpi xmlns:a14="http://schemas.microsoft.com/office/drawing/2010/main" val="0"/>
-              </a:ext>
-            </a:extLst>
-          </a:blip>
-          <a:stretch>
-            <a:fillRect/>
-          </a:stretch>
-        </p:blipFill>
-        <p:spPr>
-          <a:xfrm>
-            <a:off x="23966075" y="12928527"/>
-            <a:ext cx="4579008" cy="3866354"/>
-          </a:xfrm>
-          <a:prstGeom prst="rect">
-            <a:avLst/>
-          </a:prstGeom>
-        </p:spPr>
-      </p:pic>
       <p:sp>
         <p:nvSpPr>
           <p:cNvPr id="76" name="Text Box 1949"/>
@@ -5124,7 +5094,7 @@
         </p:nvSpPr>
         <p:spPr bwMode="auto">
           <a:xfrm>
-            <a:off x="28544311" y="12649967"/>
+            <a:off x="28544311" y="17442679"/>
             <a:ext cx="13951299" cy="585844"/>
           </a:xfrm>
           <a:prstGeom prst="rect">
@@ -5357,7 +5327,7 @@
           <p:nvPr/>
         </p:nvPicPr>
         <p:blipFill>
-          <a:blip r:embed="rId4" cstate="print"/>
+          <a:blip r:embed="rId3" cstate="print"/>
           <a:srcRect l="6177" t="6903" r="6480" b="14189"/>
           <a:stretch>
             <a:fillRect/>
@@ -5653,7 +5623,7 @@
           <p:nvPr/>
         </p:nvPicPr>
         <p:blipFill>
-          <a:blip r:embed="rId5" cstate="print"/>
+          <a:blip r:embed="rId4" cstate="print"/>
           <a:srcRect/>
           <a:stretch>
             <a:fillRect/>
@@ -6964,7 +6934,7 @@
           <p:nvPr/>
         </p:nvPicPr>
         <p:blipFill>
-          <a:blip r:embed="rId6">
+          <a:blip r:embed="rId5">
             <a:extLst>
               <a:ext uri="{28A0092B-C50C-407E-A947-70E740481C1C}">
                 <a14:useLocalDpi xmlns:a14="http://schemas.microsoft.com/office/drawing/2010/main" val="0"/>
@@ -6994,7 +6964,7 @@
           <p:nvPr/>
         </p:nvPicPr>
         <p:blipFill>
-          <a:blip r:embed="rId7">
+          <a:blip r:embed="rId6">
             <a:extLst>
               <a:ext uri="{28A0092B-C50C-407E-A947-70E740481C1C}">
                 <a14:useLocalDpi xmlns:a14="http://schemas.microsoft.com/office/drawing/2010/main" val="0"/>
@@ -7080,13 +7050,7 @@
               <a:rPr lang="en-US" sz="2400" dirty="0" smtClean="0">
                 <a:latin typeface="Century Schoolbook" pitchFamily="18" charset="0"/>
               </a:rPr>
-              <a:t> 3D scanner to quickly reproduce parts for antique cars whose details have been lost to history</a:t>
-            </a:r>
-            <a:r>
-              <a:rPr lang="en-US" sz="2400" dirty="0" smtClean="0">
-                <a:latin typeface="Century Schoolbook" pitchFamily="18" charset="0"/>
-              </a:rPr>
-              <a:t>. </a:t>
+              <a:t> 3D scanner to quickly reproduce parts for antique cars whose details have been lost to history. </a:t>
             </a:r>
             <a:r>
               <a:rPr lang="en-US" sz="2400" dirty="0" smtClean="0">
@@ -7097,12 +7061,6 @@
               </a:rPr>
               <a:t>(needs a citation)</a:t>
             </a:r>
-            <a:endParaRPr lang="en-US" sz="2400" dirty="0" smtClean="0">
-              <a:solidFill>
-                <a:srgbClr val="FF0000"/>
-              </a:solidFill>
-              <a:latin typeface="Century Schoolbook" pitchFamily="18" charset="0"/>
-            </a:endParaRPr>
           </a:p>
           <a:p>
             <a:pPr marL="342900" indent="-342900" algn="l">
@@ -7125,13 +7083,7 @@
               <a:rPr lang="en-US" sz="2400" dirty="0" smtClean="0">
                 <a:latin typeface="Century Schoolbook" pitchFamily="18" charset="0"/>
               </a:rPr>
-              <a:t>, for example, costs $2995</a:t>
-            </a:r>
-            <a:r>
-              <a:rPr lang="en-US" sz="2400" dirty="0" smtClean="0">
-                <a:latin typeface="Century Schoolbook" pitchFamily="18" charset="0"/>
-              </a:rPr>
-              <a:t>. </a:t>
+              <a:t>, for example, costs $2995. </a:t>
             </a:r>
             <a:r>
               <a:rPr lang="en-US" sz="2400" dirty="0">
@@ -7170,13 +7122,7 @@
               <a:rPr lang="en-US" sz="2400" dirty="0" smtClean="0">
                 <a:latin typeface="Century Schoolbook" pitchFamily="18" charset="0"/>
               </a:rPr>
-              <a:t>he goal of this project is to build a full field-of-view digitization system at significantly lower cost</a:t>
-            </a:r>
-            <a:r>
-              <a:rPr lang="en-US" sz="2400" dirty="0" smtClean="0">
-                <a:latin typeface="Century Schoolbook" pitchFamily="18" charset="0"/>
-              </a:rPr>
-              <a:t>.</a:t>
+              <a:t>he goal of this project is to build a full field-of-view digitization system at significantly lower cost.</a:t>
             </a:r>
           </a:p>
           <a:p>
@@ -7684,7 +7630,7 @@
           <p:nvPr/>
         </p:nvPicPr>
         <p:blipFill>
-          <a:blip r:embed="rId8" cstate="print">
+          <a:blip r:embed="rId7" cstate="print">
             <a:extLst>
               <a:ext uri="{28A0092B-C50C-407E-A947-70E740481C1C}">
                 <a14:useLocalDpi xmlns:a14="http://schemas.microsoft.com/office/drawing/2010/main" val="0"/>
@@ -9230,7 +9176,7 @@
           <p:nvPr/>
         </p:nvPicPr>
         <p:blipFill>
-          <a:blip r:embed="rId9" cstate="print">
+          <a:blip r:embed="rId8" cstate="print">
             <a:extLst>
               <a:ext uri="{28A0092B-C50C-407E-A947-70E740481C1C}">
                 <a14:useLocalDpi xmlns:a14="http://schemas.microsoft.com/office/drawing/2010/main" val="0"/>
@@ -9271,7 +9217,7 @@
           <p:nvPr/>
         </p:nvPicPr>
         <p:blipFill>
-          <a:blip r:embed="rId10" cstate="print">
+          <a:blip r:embed="rId9" cstate="print">
             <a:extLst>
               <a:ext uri="{28A0092B-C50C-407E-A947-70E740481C1C}">
                 <a14:useLocalDpi xmlns:a14="http://schemas.microsoft.com/office/drawing/2010/main" val="0"/>
@@ -9534,231 +9480,6 @@
             </a:r>
             <a:endParaRPr lang="en-US" sz="3200" dirty="0">
               <a:latin typeface="Century Schoolbook" pitchFamily="18" charset="0"/>
-            </a:endParaRPr>
-          </a:p>
-        </p:txBody>
-      </p:sp>
-      <p:pic>
-        <p:nvPicPr>
-          <p:cNvPr id="1039" name="Picture 15" descr="https://github.com/ryanthejuggler/fully-reversed/blob/master/img/webcam.jpg?raw=true"/>
-          <p:cNvPicPr>
-            <a:picLocks noChangeAspect="1" noChangeArrowheads="1"/>
-          </p:cNvPicPr>
-          <p:nvPr/>
-        </p:nvPicPr>
-        <p:blipFill rotWithShape="1">
-          <a:blip r:embed="rId11">
-            <a:extLst>
-              <a:ext uri="{28A0092B-C50C-407E-A947-70E740481C1C}">
-                <a14:useLocalDpi xmlns:a14="http://schemas.microsoft.com/office/drawing/2010/main" val="0"/>
-              </a:ext>
-            </a:extLst>
-          </a:blip>
-          <a:srcRect l="16157" r="20625"/>
-          <a:stretch/>
-        </p:blipFill>
-        <p:spPr bwMode="auto">
-          <a:xfrm>
-            <a:off x="20941304" y="13007417"/>
-            <a:ext cx="1059544" cy="1675994"/>
-          </a:xfrm>
-          <a:prstGeom prst="rect">
-            <a:avLst/>
-          </a:prstGeom>
-          <a:noFill/>
-          <a:extLst>
-            <a:ext uri="{909E8E84-426E-40DD-AFC4-6F175D3DCCD1}">
-              <a14:hiddenFill xmlns:a14="http://schemas.microsoft.com/office/drawing/2010/main">
-                <a:solidFill>
-                  <a:srgbClr val="FFFFFF"/>
-                </a:solidFill>
-              </a14:hiddenFill>
-            </a:ext>
-          </a:extLst>
-        </p:spPr>
-      </p:pic>
-      <p:pic>
-        <p:nvPicPr>
-          <p:cNvPr id="1041" name="Picture 17" descr="https://github.com/ryanthejuggler/fully-reversed/blob/master/img/projector.jpg?raw=true"/>
-          <p:cNvPicPr>
-            <a:picLocks noChangeAspect="1" noChangeArrowheads="1"/>
-          </p:cNvPicPr>
-          <p:nvPr/>
-        </p:nvPicPr>
-        <p:blipFill>
-          <a:blip r:embed="rId12" cstate="print">
-            <a:extLst>
-              <a:ext uri="{BEBA8EAE-BF5A-486C-A8C5-ECC9F3942E4B}">
-                <a14:imgProps xmlns:a14="http://schemas.microsoft.com/office/drawing/2010/main">
-                  <a14:imgLayer r:embed="rId13">
-                    <a14:imgEffect>
-                      <a14:backgroundRemoval t="8136" b="91977" l="5867" r="93667"/>
-                    </a14:imgEffect>
-                  </a14:imgLayer>
-                </a14:imgProps>
-              </a:ext>
-              <a:ext uri="{28A0092B-C50C-407E-A947-70E740481C1C}">
-                <a14:useLocalDpi xmlns:a14="http://schemas.microsoft.com/office/drawing/2010/main" val="0"/>
-              </a:ext>
-            </a:extLst>
-          </a:blip>
-          <a:srcRect/>
-          <a:stretch>
-            <a:fillRect/>
-          </a:stretch>
-        </p:blipFill>
-        <p:spPr bwMode="auto">
-          <a:xfrm>
-            <a:off x="20650196" y="14801322"/>
-            <a:ext cx="2816225" cy="1661573"/>
-          </a:xfrm>
-          <a:prstGeom prst="rect">
-            <a:avLst/>
-          </a:prstGeom>
-          <a:noFill/>
-          <a:extLst>
-            <a:ext uri="{909E8E84-426E-40DD-AFC4-6F175D3DCCD1}">
-              <a14:hiddenFill xmlns:a14="http://schemas.microsoft.com/office/drawing/2010/main">
-                <a:solidFill>
-                  <a:srgbClr val="FFFFFF"/>
-                </a:solidFill>
-              </a14:hiddenFill>
-            </a:ext>
-          </a:extLst>
-        </p:spPr>
-      </p:pic>
-      <p:sp>
-        <p:nvSpPr>
-          <p:cNvPr id="128" name="Right Arrow 127"/>
-          <p:cNvSpPr/>
-          <p:nvPr/>
-        </p:nvSpPr>
-        <p:spPr bwMode="auto">
-          <a:xfrm>
-            <a:off x="23399258" y="13542472"/>
-            <a:ext cx="379130" cy="688462"/>
-          </a:xfrm>
-          <a:prstGeom prst="rightArrow">
-            <a:avLst>
-              <a:gd name="adj1" fmla="val 50000"/>
-              <a:gd name="adj2" fmla="val 70964"/>
-            </a:avLst>
-          </a:prstGeom>
-          <a:solidFill>
-            <a:srgbClr val="990000"/>
-          </a:solidFill>
-          <a:ln w="127000" cap="flat" cmpd="sng" algn="ctr">
-            <a:noFill/>
-            <a:prstDash val="solid"/>
-            <a:round/>
-            <a:headEnd type="none" w="med" len="med"/>
-            <a:tailEnd type="none" w="med" len="med"/>
-          </a:ln>
-          <a:effectLst/>
-        </p:spPr>
-        <p:txBody>
-          <a:bodyPr vert="horz" wrap="square" lIns="91440" tIns="45720" rIns="91440" bIns="45720" numCol="1" rtlCol="0" anchor="t" anchorCtr="0" compatLnSpc="1">
-            <a:prstTxWarp prst="textNoShape">
-              <a:avLst/>
-            </a:prstTxWarp>
-            <a:spAutoFit/>
-          </a:bodyPr>
-          <a:lstStyle/>
-          <a:p>
-            <a:pPr marL="0" marR="0" indent="0" algn="ctr" defTabSz="4389438" rtl="0" eaLnBrk="1" fontAlgn="base" latinLnBrk="0" hangingPunct="1">
-              <a:lnSpc>
-                <a:spcPct val="100000"/>
-              </a:lnSpc>
-              <a:spcBef>
-                <a:spcPct val="0"/>
-              </a:spcBef>
-              <a:spcAft>
-                <a:spcPct val="0"/>
-              </a:spcAft>
-              <a:buClrTx/>
-              <a:buSzTx/>
-              <a:buFontTx/>
-              <a:buNone/>
-              <a:tabLst/>
-            </a:pPr>
-            <a:endParaRPr kumimoji="0" lang="en-US" sz="8600" b="0" i="0" u="none" strike="noStrike" cap="none" normalizeH="0" baseline="0" smtClean="0">
-              <a:ln>
-                <a:noFill/>
-              </a:ln>
-              <a:solidFill>
-                <a:schemeClr val="tx2"/>
-              </a:solidFill>
-              <a:effectLst/>
-              <a:latin typeface="Tahoma" pitchFamily="34" charset="0"/>
-              <a:cs typeface="Arial" charset="0"/>
-            </a:endParaRPr>
-          </a:p>
-        </p:txBody>
-      </p:sp>
-      <p:sp>
-        <p:nvSpPr>
-          <p:cNvPr id="129" name="Right Arrow 128"/>
-          <p:cNvSpPr/>
-          <p:nvPr/>
-        </p:nvSpPr>
-        <p:spPr bwMode="auto">
-          <a:xfrm>
-            <a:off x="23399637" y="15167682"/>
-            <a:ext cx="379130" cy="688462"/>
-          </a:xfrm>
-          <a:prstGeom prst="rightArrow">
-            <a:avLst>
-              <a:gd name="adj1" fmla="val 50000"/>
-              <a:gd name="adj2" fmla="val 70964"/>
-            </a:avLst>
-          </a:prstGeom>
-          <a:solidFill>
-            <a:srgbClr val="990000"/>
-          </a:solidFill>
-          <a:ln w="127000" cap="flat" cmpd="sng" algn="ctr">
-            <a:noFill/>
-            <a:prstDash val="solid"/>
-            <a:round/>
-            <a:headEnd type="none" w="med" len="med"/>
-            <a:tailEnd type="none" w="med" len="med"/>
-          </a:ln>
-          <a:effectLst/>
-        </p:spPr>
-        <p:txBody>
-          <a:bodyPr vert="horz" wrap="square" lIns="91440" tIns="45720" rIns="91440" bIns="45720" numCol="1" rtlCol="0" anchor="t" anchorCtr="0" compatLnSpc="1">
-            <a:prstTxWarp prst="textNoShape">
-              <a:avLst/>
-            </a:prstTxWarp>
-            <a:spAutoFit/>
-          </a:bodyPr>
-          <a:lstStyle/>
-          <a:p>
-            <a:pPr marL="0" marR="0" indent="0" algn="ctr" defTabSz="4389438" rtl="0" eaLnBrk="1" fontAlgn="base" latinLnBrk="0" hangingPunct="1">
-              <a:lnSpc>
-                <a:spcPct val="100000"/>
-              </a:lnSpc>
-              <a:spcBef>
-                <a:spcPct val="0"/>
-              </a:spcBef>
-              <a:spcAft>
-                <a:spcPct val="0"/>
-              </a:spcAft>
-              <a:buClrTx/>
-              <a:buSzTx/>
-              <a:buFontTx/>
-              <a:buNone/>
-              <a:tabLst/>
-            </a:pPr>
-            <a:endParaRPr kumimoji="0" lang="en-US" sz="8600" b="0" i="0" u="none" strike="noStrike" cap="none" normalizeH="0" baseline="0" smtClean="0">
-              <a:ln>
-                <a:noFill/>
-              </a:ln>
-              <a:solidFill>
-                <a:schemeClr val="tx2"/>
-              </a:solidFill>
-              <a:effectLst/>
-              <a:latin typeface="Tahoma" pitchFamily="34" charset="0"/>
-              <a:cs typeface="Arial" charset="0"/>
             </a:endParaRPr>
           </a:p>
         </p:txBody>
@@ -11606,7 +11327,7 @@
         </p:nvSpPr>
         <p:spPr bwMode="auto">
           <a:xfrm flipV="1">
-            <a:off x="28540879" y="12649967"/>
+            <a:off x="28540879" y="17442679"/>
             <a:ext cx="14013589" cy="0"/>
           </a:xfrm>
           <a:prstGeom prst="line">
@@ -13151,18 +12872,18 @@
           <p:nvPr>
             <p:extLst>
               <p:ext uri="{D42A27DB-BD31-4B8C-83A1-F6EECF244321}">
-                <p14:modId xmlns:p14="http://schemas.microsoft.com/office/powerpoint/2010/main" val="3235224074"/>
+                <p14:modId xmlns:p14="http://schemas.microsoft.com/office/powerpoint/2010/main" val="9527987"/>
               </p:ext>
             </p:extLst>
           </p:nvPr>
         </p:nvGraphicFramePr>
         <p:xfrm>
-          <a:off x="14703596" y="6356076"/>
+          <a:off x="14639940" y="6436991"/>
           <a:ext cx="7747330" cy="3909627"/>
         </p:xfrm>
         <a:graphic>
           <a:graphicData uri="http://schemas.openxmlformats.org/drawingml/2006/chart">
-            <c:chart xmlns:c="http://schemas.openxmlformats.org/drawingml/2006/chart" xmlns:r="http://schemas.openxmlformats.org/officeDocument/2006/relationships" r:id="rId14"/>
+            <c:chart xmlns:c="http://schemas.openxmlformats.org/drawingml/2006/chart" xmlns:r="http://schemas.openxmlformats.org/officeDocument/2006/relationships" r:id="rId10"/>
           </a:graphicData>
         </a:graphic>
       </p:graphicFrame>
@@ -13454,6 +13175,285 @@
           </a:p>
         </p:txBody>
       </p:sp>
+      <p:grpSp>
+        <p:nvGrpSpPr>
+          <p:cNvPr id="7" name="Group 6"/>
+          <p:cNvGrpSpPr/>
+          <p:nvPr/>
+        </p:nvGrpSpPr>
+        <p:grpSpPr>
+          <a:xfrm>
+            <a:off x="20650196" y="12955671"/>
+            <a:ext cx="7806631" cy="3507224"/>
+            <a:chOff x="20650196" y="12955671"/>
+            <a:chExt cx="7806631" cy="3507224"/>
+          </a:xfrm>
+        </p:grpSpPr>
+        <p:pic>
+          <p:nvPicPr>
+            <p:cNvPr id="1039" name="Picture 15" descr="https://github.com/ryanthejuggler/fully-reversed/blob/master/img/webcam.jpg?raw=true"/>
+            <p:cNvPicPr>
+              <a:picLocks noChangeAspect="1" noChangeArrowheads="1"/>
+            </p:cNvPicPr>
+            <p:nvPr/>
+          </p:nvPicPr>
+          <p:blipFill rotWithShape="1">
+            <a:blip r:embed="rId11">
+              <a:extLst>
+                <a:ext uri="{28A0092B-C50C-407E-A947-70E740481C1C}">
+                  <a14:useLocalDpi xmlns:a14="http://schemas.microsoft.com/office/drawing/2010/main" val="0"/>
+                </a:ext>
+              </a:extLst>
+            </a:blip>
+            <a:srcRect l="16157" r="20625"/>
+            <a:stretch/>
+          </p:blipFill>
+          <p:spPr bwMode="auto">
+            <a:xfrm>
+              <a:off x="20941304" y="13007417"/>
+              <a:ext cx="1059544" cy="1675994"/>
+            </a:xfrm>
+            <a:prstGeom prst="rect">
+              <a:avLst/>
+            </a:prstGeom>
+            <a:noFill/>
+            <a:extLst>
+              <a:ext uri="{909E8E84-426E-40DD-AFC4-6F175D3DCCD1}">
+                <a14:hiddenFill xmlns:a14="http://schemas.microsoft.com/office/drawing/2010/main">
+                  <a:solidFill>
+                    <a:srgbClr val="FFFFFF"/>
+                  </a:solidFill>
+                </a14:hiddenFill>
+              </a:ext>
+            </a:extLst>
+          </p:spPr>
+        </p:pic>
+        <p:pic>
+          <p:nvPicPr>
+            <p:cNvPr id="1041" name="Picture 17" descr="https://github.com/ryanthejuggler/fully-reversed/blob/master/img/projector.jpg?raw=true"/>
+            <p:cNvPicPr>
+              <a:picLocks noChangeAspect="1" noChangeArrowheads="1"/>
+            </p:cNvPicPr>
+            <p:nvPr/>
+          </p:nvPicPr>
+          <p:blipFill>
+            <a:blip r:embed="rId12" cstate="print">
+              <a:extLst>
+                <a:ext uri="{BEBA8EAE-BF5A-486C-A8C5-ECC9F3942E4B}">
+                  <a14:imgProps xmlns:a14="http://schemas.microsoft.com/office/drawing/2010/main">
+                    <a14:imgLayer r:embed="rId13">
+                      <a14:imgEffect>
+                        <a14:backgroundRemoval t="8136" b="91977" l="5867" r="93667"/>
+                      </a14:imgEffect>
+                    </a14:imgLayer>
+                  </a14:imgProps>
+                </a:ext>
+                <a:ext uri="{28A0092B-C50C-407E-A947-70E740481C1C}">
+                  <a14:useLocalDpi xmlns:a14="http://schemas.microsoft.com/office/drawing/2010/main" val="0"/>
+                </a:ext>
+              </a:extLst>
+            </a:blip>
+            <a:srcRect/>
+            <a:stretch>
+              <a:fillRect/>
+            </a:stretch>
+          </p:blipFill>
+          <p:spPr bwMode="auto">
+            <a:xfrm>
+              <a:off x="20650196" y="14801322"/>
+              <a:ext cx="2816225" cy="1661573"/>
+            </a:xfrm>
+            <a:prstGeom prst="rect">
+              <a:avLst/>
+            </a:prstGeom>
+            <a:noFill/>
+            <a:extLst>
+              <a:ext uri="{909E8E84-426E-40DD-AFC4-6F175D3DCCD1}">
+                <a14:hiddenFill xmlns:a14="http://schemas.microsoft.com/office/drawing/2010/main">
+                  <a:solidFill>
+                    <a:srgbClr val="FFFFFF"/>
+                  </a:solidFill>
+                </a14:hiddenFill>
+              </a:ext>
+            </a:extLst>
+          </p:spPr>
+        </p:pic>
+        <p:sp>
+          <p:nvSpPr>
+            <p:cNvPr id="128" name="Right Arrow 127"/>
+            <p:cNvSpPr/>
+            <p:nvPr/>
+          </p:nvSpPr>
+          <p:spPr bwMode="auto">
+            <a:xfrm>
+              <a:off x="22989355" y="13542472"/>
+              <a:ext cx="379130" cy="688462"/>
+            </a:xfrm>
+            <a:prstGeom prst="rightArrow">
+              <a:avLst>
+                <a:gd name="adj1" fmla="val 50000"/>
+                <a:gd name="adj2" fmla="val 70964"/>
+              </a:avLst>
+            </a:prstGeom>
+            <a:solidFill>
+              <a:srgbClr val="990000"/>
+            </a:solidFill>
+            <a:ln w="127000" cap="flat" cmpd="sng" algn="ctr">
+              <a:noFill/>
+              <a:prstDash val="solid"/>
+              <a:round/>
+              <a:headEnd type="none" w="med" len="med"/>
+              <a:tailEnd type="none" w="med" len="med"/>
+            </a:ln>
+            <a:effectLst/>
+          </p:spPr>
+          <p:txBody>
+            <a:bodyPr vert="horz" wrap="square" lIns="91440" tIns="45720" rIns="91440" bIns="45720" numCol="1" rtlCol="0" anchor="t" anchorCtr="0" compatLnSpc="1">
+              <a:prstTxWarp prst="textNoShape">
+                <a:avLst/>
+              </a:prstTxWarp>
+              <a:spAutoFit/>
+            </a:bodyPr>
+            <a:lstStyle/>
+            <a:p>
+              <a:pPr marL="0" marR="0" indent="0" algn="ctr" defTabSz="4389438" rtl="0" eaLnBrk="1" fontAlgn="base" latinLnBrk="0" hangingPunct="1">
+                <a:lnSpc>
+                  <a:spcPct val="100000"/>
+                </a:lnSpc>
+                <a:spcBef>
+                  <a:spcPct val="0"/>
+                </a:spcBef>
+                <a:spcAft>
+                  <a:spcPct val="0"/>
+                </a:spcAft>
+                <a:buClrTx/>
+                <a:buSzTx/>
+                <a:buFontTx/>
+                <a:buNone/>
+                <a:tabLst/>
+              </a:pPr>
+              <a:endParaRPr kumimoji="0" lang="en-US" sz="8600" b="0" i="0" u="none" strike="noStrike" cap="none" normalizeH="0" baseline="0" smtClean="0">
+                <a:ln>
+                  <a:noFill/>
+                </a:ln>
+                <a:solidFill>
+                  <a:schemeClr val="tx2"/>
+                </a:solidFill>
+                <a:effectLst/>
+                <a:latin typeface="Tahoma" pitchFamily="34" charset="0"/>
+                <a:cs typeface="Arial" charset="0"/>
+              </a:endParaRPr>
+            </a:p>
+          </p:txBody>
+        </p:sp>
+        <p:pic>
+          <p:nvPicPr>
+            <p:cNvPr id="1026" name="Picture 2" descr="D:\Downloads\cad-render.png"/>
+            <p:cNvPicPr>
+              <a:picLocks noChangeAspect="1" noChangeArrowheads="1"/>
+            </p:cNvPicPr>
+            <p:nvPr/>
+          </p:nvPicPr>
+          <p:blipFill rotWithShape="1">
+            <a:blip r:embed="rId14">
+              <a:extLst>
+                <a:ext uri="{28A0092B-C50C-407E-A947-70E740481C1C}">
+                  <a14:useLocalDpi xmlns:a14="http://schemas.microsoft.com/office/drawing/2010/main" val="0"/>
+                </a:ext>
+              </a:extLst>
+            </a:blip>
+            <a:srcRect l="12676" t="23413" r="10406" b="11415"/>
+            <a:stretch/>
+          </p:blipFill>
+          <p:spPr bwMode="auto">
+            <a:xfrm>
+              <a:off x="23358969" y="12955671"/>
+              <a:ext cx="5097858" cy="3455479"/>
+            </a:xfrm>
+            <a:prstGeom prst="rect">
+              <a:avLst/>
+            </a:prstGeom>
+            <a:noFill/>
+            <a:extLst>
+              <a:ext uri="{909E8E84-426E-40DD-AFC4-6F175D3DCCD1}">
+                <a14:hiddenFill xmlns:a14="http://schemas.microsoft.com/office/drawing/2010/main">
+                  <a:solidFill>
+                    <a:srgbClr val="FFFFFF"/>
+                  </a:solidFill>
+                </a14:hiddenFill>
+              </a:ext>
+            </a:extLst>
+          </p:spPr>
+        </p:pic>
+        <p:sp>
+          <p:nvSpPr>
+            <p:cNvPr id="129" name="Right Arrow 128"/>
+            <p:cNvSpPr/>
+            <p:nvPr/>
+          </p:nvSpPr>
+          <p:spPr bwMode="auto">
+            <a:xfrm rot="20469181">
+              <a:off x="23684647" y="15156921"/>
+              <a:ext cx="1786744" cy="362175"/>
+            </a:xfrm>
+            <a:prstGeom prst="rightArrow">
+              <a:avLst>
+                <a:gd name="adj1" fmla="val 50000"/>
+                <a:gd name="adj2" fmla="val 70964"/>
+              </a:avLst>
+            </a:prstGeom>
+            <a:solidFill>
+              <a:srgbClr val="990000"/>
+            </a:solidFill>
+            <a:ln w="127000" cap="flat" cmpd="sng" algn="ctr">
+              <a:noFill/>
+              <a:prstDash val="solid"/>
+              <a:round/>
+              <a:headEnd type="none" w="med" len="med"/>
+              <a:tailEnd type="none" w="med" len="med"/>
+            </a:ln>
+            <a:effectLst/>
+          </p:spPr>
+          <p:txBody>
+            <a:bodyPr vert="horz" wrap="square" lIns="91440" tIns="45720" rIns="91440" bIns="45720" numCol="1" rtlCol="0" anchor="t" anchorCtr="0" compatLnSpc="1">
+              <a:prstTxWarp prst="textNoShape">
+                <a:avLst/>
+              </a:prstTxWarp>
+              <a:spAutoFit/>
+            </a:bodyPr>
+            <a:lstStyle/>
+            <a:p>
+              <a:pPr marL="0" marR="0" indent="0" algn="ctr" defTabSz="4389438" rtl="0" eaLnBrk="1" fontAlgn="base" latinLnBrk="0" hangingPunct="1">
+                <a:lnSpc>
+                  <a:spcPct val="100000"/>
+                </a:lnSpc>
+                <a:spcBef>
+                  <a:spcPct val="0"/>
+                </a:spcBef>
+                <a:spcAft>
+                  <a:spcPct val="0"/>
+                </a:spcAft>
+                <a:buClrTx/>
+                <a:buSzTx/>
+                <a:buFontTx/>
+                <a:buNone/>
+                <a:tabLst/>
+              </a:pPr>
+              <a:endParaRPr kumimoji="0" lang="en-US" sz="8600" b="0" i="0" u="none" strike="noStrike" cap="none" normalizeH="0" baseline="0" smtClean="0">
+                <a:ln>
+                  <a:noFill/>
+                </a:ln>
+                <a:solidFill>
+                  <a:schemeClr val="tx2"/>
+                </a:solidFill>
+                <a:effectLst/>
+                <a:latin typeface="Tahoma" pitchFamily="34" charset="0"/>
+                <a:cs typeface="Arial" charset="0"/>
+              </a:endParaRPr>
+            </a:p>
+          </p:txBody>
+        </p:sp>
+      </p:grpSp>
     </p:spTree>
     <p:extLst>
       <p:ext uri="{BB962C8B-B14F-4D97-AF65-F5344CB8AC3E}">

--- a/Fully Reversed Poster.pptx
+++ b/Fully Reversed Poster.pptx
@@ -727,11 +727,11 @@
           <c:showPercent val="0"/>
           <c:showBubbleSize val="0"/>
         </c:dLbls>
-        <c:axId val="71392640"/>
-        <c:axId val="71411200"/>
+        <c:axId val="74710400"/>
+        <c:axId val="78644736"/>
       </c:scatterChart>
       <c:valAx>
-        <c:axId val="71392640"/>
+        <c:axId val="74710400"/>
         <c:scaling>
           <c:orientation val="minMax"/>
         </c:scaling>
@@ -779,12 +779,12 @@
             <a:endParaRPr lang="en-US"/>
           </a:p>
         </c:txPr>
-        <c:crossAx val="71411200"/>
+        <c:crossAx val="78644736"/>
         <c:crosses val="autoZero"/>
         <c:crossBetween val="midCat"/>
       </c:valAx>
       <c:valAx>
-        <c:axId val="71411200"/>
+        <c:axId val="78644736"/>
         <c:scaling>
           <c:orientation val="minMax"/>
         </c:scaling>
@@ -829,7 +829,7 @@
             <a:endParaRPr lang="en-US"/>
           </a:p>
         </c:txPr>
-        <c:crossAx val="71392640"/>
+        <c:crossAx val="74710400"/>
         <c:crosses val="autoZero"/>
         <c:crossBetween val="midCat"/>
       </c:valAx>
@@ -4986,7 +4986,7 @@
         </p:nvSpPr>
         <p:spPr bwMode="auto">
           <a:xfrm>
-            <a:off x="880121" y="15856144"/>
+            <a:off x="880121" y="16529908"/>
             <a:ext cx="13712891" cy="585844"/>
           </a:xfrm>
           <a:prstGeom prst="rect">
@@ -6947,7 +6947,7 @@
         </p:blipFill>
         <p:spPr>
           <a:xfrm>
-            <a:off x="11550390" y="23937031"/>
+            <a:off x="11550390" y="24610795"/>
             <a:ext cx="2790906" cy="2838410"/>
           </a:xfrm>
           <a:prstGeom prst="rect">
@@ -7050,102 +7050,15 @@
               <a:rPr lang="en-US" sz="2400" dirty="0" smtClean="0">
                 <a:latin typeface="Century Schoolbook" pitchFamily="18" charset="0"/>
               </a:rPr>
-              <a:t> 3D scanner to quickly reproduce parts for antique cars whose details have been lost to history. </a:t>
-            </a:r>
-            <a:r>
-              <a:rPr lang="en-US" sz="2400" dirty="0" smtClean="0">
-                <a:solidFill>
-                  <a:srgbClr val="FF0000"/>
-                </a:solidFill>
-                <a:latin typeface="Century Schoolbook" pitchFamily="18" charset="0"/>
-              </a:rPr>
-              <a:t>(needs a citation)</a:t>
-            </a:r>
-          </a:p>
-          <a:p>
-            <a:pPr marL="342900" indent="-342900" algn="l">
-              <a:buFont typeface="Arial" pitchFamily="34" charset="0"/>
-              <a:buChar char="•"/>
-            </a:pPr>
+              <a:t> 3D scanner to quickly reproduce parts for antique cars whose details have been lost to history</a:t>
+            </a:r>
             <a:r>
               <a:rPr lang="en-US" sz="2400" dirty="0" smtClean="0">
                 <a:latin typeface="Century Schoolbook" pitchFamily="18" charset="0"/>
               </a:rPr>
-              <a:t>However, current scanners on the market are costly—the </a:t>
-            </a:r>
-            <a:r>
-              <a:rPr lang="en-US" sz="2400" dirty="0" err="1" smtClean="0">
-                <a:latin typeface="Century Schoolbook" pitchFamily="18" charset="0"/>
-              </a:rPr>
-              <a:t>NextEngine</a:t>
-            </a:r>
-            <a:r>
-              <a:rPr lang="en-US" sz="2400" dirty="0" smtClean="0">
-                <a:latin typeface="Century Schoolbook" pitchFamily="18" charset="0"/>
-              </a:rPr>
-              <a:t>, for example, costs $2995. </a:t>
-            </a:r>
-            <a:r>
-              <a:rPr lang="en-US" sz="2400" dirty="0">
-                <a:solidFill>
-                  <a:srgbClr val="FF0000"/>
-                </a:solidFill>
-                <a:latin typeface="Century Schoolbook" pitchFamily="18" charset="0"/>
-              </a:rPr>
-              <a:t>(needs a citation</a:t>
-            </a:r>
-            <a:r>
-              <a:rPr lang="en-US" sz="2400" dirty="0" smtClean="0">
-                <a:solidFill>
-                  <a:srgbClr val="FF0000"/>
-                </a:solidFill>
-                <a:latin typeface="Century Schoolbook" pitchFamily="18" charset="0"/>
-              </a:rPr>
-              <a:t>)</a:t>
+              <a:t>.</a:t>
             </a:r>
             <a:endParaRPr lang="en-US" sz="2400" dirty="0" smtClean="0">
-              <a:latin typeface="Century Schoolbook" pitchFamily="18" charset="0"/>
-            </a:endParaRPr>
-          </a:p>
-          <a:p>
-            <a:pPr marL="342900" indent="-342900" algn="l">
-              <a:buFont typeface="Arial" pitchFamily="34" charset="0"/>
-              <a:buChar char="•"/>
-            </a:pPr>
-            <a:r>
-              <a:rPr lang="en-US" sz="2400" dirty="0">
-                <a:latin typeface="Century Schoolbook" pitchFamily="18" charset="0"/>
-              </a:rPr>
-              <a:t>T</a:t>
-            </a:r>
-            <a:r>
-              <a:rPr lang="en-US" sz="2400" dirty="0" smtClean="0">
-                <a:latin typeface="Century Schoolbook" pitchFamily="18" charset="0"/>
-              </a:rPr>
-              <a:t>he goal of this project is to build a full field-of-view digitization system at significantly lower cost.</a:t>
-            </a:r>
-          </a:p>
-          <a:p>
-            <a:pPr marL="342900" indent="-342900" algn="l">
-              <a:buFont typeface="Arial" pitchFamily="34" charset="0"/>
-              <a:buChar char="•"/>
-            </a:pPr>
-            <a:r>
-              <a:rPr lang="en-US" sz="2400" dirty="0" smtClean="0">
-                <a:latin typeface="Century Schoolbook" pitchFamily="18" charset="0"/>
-              </a:rPr>
-              <a:t>PTI industries is interested in the utilizing the developed system </a:t>
-            </a:r>
-            <a:r>
-              <a:rPr lang="en-US" sz="2400" dirty="0" smtClean="0">
-                <a:solidFill>
-                  <a:srgbClr val="FF0000"/>
-                </a:solidFill>
-                <a:latin typeface="Century Schoolbook" pitchFamily="18" charset="0"/>
-              </a:rPr>
-              <a:t>(what details allowed?)</a:t>
-            </a:r>
-            <a:endParaRPr lang="en-US" sz="2400" dirty="0">
               <a:solidFill>
                 <a:srgbClr val="FF0000"/>
               </a:solidFill>
@@ -7157,6 +7070,63 @@
               <a:buFont typeface="Arial" pitchFamily="34" charset="0"/>
               <a:buChar char="•"/>
             </a:pPr>
+            <a:r>
+              <a:rPr lang="en-US" sz="2400" dirty="0" smtClean="0">
+                <a:latin typeface="Century Schoolbook" pitchFamily="18" charset="0"/>
+              </a:rPr>
+              <a:t>However, current scanners on the market are costly—the </a:t>
+            </a:r>
+            <a:r>
+              <a:rPr lang="en-US" sz="2400" dirty="0" err="1" smtClean="0">
+                <a:latin typeface="Century Schoolbook" pitchFamily="18" charset="0"/>
+              </a:rPr>
+              <a:t>NextEngine</a:t>
+            </a:r>
+            <a:r>
+              <a:rPr lang="en-US" sz="2400" dirty="0" smtClean="0">
+                <a:latin typeface="Century Schoolbook" pitchFamily="18" charset="0"/>
+              </a:rPr>
+              <a:t>, for example, costs $2995. </a:t>
+            </a:r>
+            <a:endParaRPr lang="en-US" sz="2400" dirty="0" smtClean="0">
+              <a:latin typeface="Century Schoolbook" pitchFamily="18" charset="0"/>
+            </a:endParaRPr>
+          </a:p>
+          <a:p>
+            <a:pPr marL="342900" indent="-342900" algn="l">
+              <a:buFont typeface="Arial" pitchFamily="34" charset="0"/>
+              <a:buChar char="•"/>
+            </a:pPr>
+            <a:r>
+              <a:rPr lang="en-US" sz="2400" dirty="0" smtClean="0">
+                <a:latin typeface="Century Schoolbook" pitchFamily="18" charset="0"/>
+              </a:rPr>
+              <a:t>The goal of this project is to build a full field-of-view digitization system at significantly lower cost.</a:t>
+            </a:r>
+          </a:p>
+          <a:p>
+            <a:pPr marL="342900" indent="-342900" algn="l">
+              <a:buFont typeface="Arial" pitchFamily="34" charset="0"/>
+              <a:buChar char="•"/>
+            </a:pPr>
+            <a:r>
+              <a:rPr lang="en-US" sz="2400" dirty="0" smtClean="0">
+                <a:latin typeface="Century Schoolbook" pitchFamily="18" charset="0"/>
+              </a:rPr>
+              <a:t>PTI Industries </a:t>
+            </a:r>
+            <a:r>
+              <a:rPr lang="en-US" sz="2400" dirty="0" smtClean="0">
+                <a:latin typeface="Century Schoolbook" pitchFamily="18" charset="0"/>
+              </a:rPr>
+              <a:t>is interested in the utilizing the developed </a:t>
+            </a:r>
+            <a:r>
+              <a:rPr lang="en-US" sz="2400" dirty="0" smtClean="0">
+                <a:latin typeface="Century Schoolbook" pitchFamily="18" charset="0"/>
+              </a:rPr>
+              <a:t>system to obtain 3D shape data for a patented repair process.</a:t>
+            </a:r>
             <a:endParaRPr lang="en-US" sz="2400" dirty="0">
               <a:latin typeface="Century Schoolbook" pitchFamily="18" charset="0"/>
             </a:endParaRPr>
@@ -7171,7 +7141,7 @@
         </p:nvSpPr>
         <p:spPr>
           <a:xfrm>
-            <a:off x="14703596" y="5636368"/>
+            <a:off x="14647154" y="5179168"/>
             <a:ext cx="13778426" cy="1200329"/>
           </a:xfrm>
           <a:prstGeom prst="rect">
@@ -7324,7 +7294,7 @@
         </p:nvSpPr>
         <p:spPr bwMode="auto">
           <a:xfrm flipV="1">
-            <a:off x="868538" y="15786705"/>
+            <a:off x="868538" y="16460469"/>
             <a:ext cx="13739575" cy="6907"/>
           </a:xfrm>
           <a:prstGeom prst="line">
@@ -7502,7 +7472,7 @@
         </p:nvSpPr>
         <p:spPr bwMode="auto">
           <a:xfrm>
-            <a:off x="28606601" y="28660357"/>
+            <a:off x="28606601" y="28588168"/>
             <a:ext cx="13830151" cy="585844"/>
           </a:xfrm>
           <a:prstGeom prst="rect">
@@ -7554,7 +7524,7 @@
         </p:nvSpPr>
         <p:spPr bwMode="auto">
           <a:xfrm>
-            <a:off x="3087316" y="16624682"/>
+            <a:off x="3087316" y="17298446"/>
             <a:ext cx="4717016" cy="1191816"/>
           </a:xfrm>
           <a:prstGeom prst="roundRect">
@@ -7644,7 +7614,7 @@
         </p:blipFill>
         <p:spPr bwMode="auto">
           <a:xfrm>
-            <a:off x="1018259" y="16538512"/>
+            <a:off x="1018259" y="17212276"/>
             <a:ext cx="1902396" cy="1277986"/>
           </a:xfrm>
           <a:prstGeom prst="rect">
@@ -7670,7 +7640,7 @@
         </p:nvSpPr>
         <p:spPr bwMode="auto">
           <a:xfrm>
-            <a:off x="3087316" y="18330108"/>
+            <a:off x="3087316" y="19003872"/>
             <a:ext cx="4717016" cy="646986"/>
           </a:xfrm>
           <a:prstGeom prst="roundRect">
@@ -7745,7 +7715,7 @@
         </p:nvSpPr>
         <p:spPr bwMode="auto">
           <a:xfrm>
-            <a:off x="3087316" y="19460543"/>
+            <a:off x="3087316" y="20134307"/>
             <a:ext cx="4717016" cy="1191816"/>
           </a:xfrm>
           <a:prstGeom prst="roundRect">
@@ -7820,7 +7790,7 @@
         </p:nvSpPr>
         <p:spPr bwMode="auto">
           <a:xfrm>
-            <a:off x="3087316" y="21175298"/>
+            <a:off x="3087316" y="21849062"/>
             <a:ext cx="4717016" cy="646986"/>
           </a:xfrm>
           <a:prstGeom prst="roundRect">
@@ -7895,7 +7865,7 @@
         </p:nvSpPr>
         <p:spPr bwMode="auto">
           <a:xfrm>
-            <a:off x="8443917" y="16624682"/>
+            <a:off x="8443917" y="17298446"/>
             <a:ext cx="3807133" cy="1191816"/>
           </a:xfrm>
           <a:prstGeom prst="roundRect">
@@ -7995,7 +7965,7 @@
         </p:nvSpPr>
         <p:spPr bwMode="auto">
           <a:xfrm rot="5400000">
-            <a:off x="5256259" y="17749625"/>
+            <a:off x="5256259" y="18423389"/>
             <a:ext cx="379130" cy="688462"/>
           </a:xfrm>
           <a:prstGeom prst="rightArrow">
@@ -8063,7 +8033,7 @@
         </p:nvSpPr>
         <p:spPr bwMode="auto">
           <a:xfrm rot="5400000">
-            <a:off x="5256259" y="18912233"/>
+            <a:off x="5256259" y="19585997"/>
             <a:ext cx="379130" cy="688462"/>
           </a:xfrm>
           <a:prstGeom prst="rightArrow">
@@ -8131,7 +8101,7 @@
         </p:nvSpPr>
         <p:spPr bwMode="auto">
           <a:xfrm rot="5400000">
-            <a:off x="5256259" y="20583861"/>
+            <a:off x="5256259" y="21257625"/>
             <a:ext cx="379130" cy="688462"/>
           </a:xfrm>
           <a:prstGeom prst="rightArrow">
@@ -8199,7 +8169,7 @@
         </p:nvSpPr>
         <p:spPr bwMode="auto">
           <a:xfrm>
-            <a:off x="7905117" y="16900373"/>
+            <a:off x="7905117" y="17574137"/>
             <a:ext cx="379130" cy="688462"/>
           </a:xfrm>
           <a:prstGeom prst="rightArrow">
@@ -8267,7 +8237,7 @@
         </p:nvSpPr>
         <p:spPr bwMode="auto">
           <a:xfrm>
-            <a:off x="8443916" y="18330108"/>
+            <a:off x="8443916" y="19003872"/>
             <a:ext cx="3807134" cy="646986"/>
           </a:xfrm>
           <a:prstGeom prst="roundRect">
@@ -8342,7 +8312,7 @@
         </p:nvSpPr>
         <p:spPr bwMode="auto">
           <a:xfrm>
-            <a:off x="8443916" y="19460543"/>
+            <a:off x="8443916" y="20134307"/>
             <a:ext cx="3807134" cy="646986"/>
           </a:xfrm>
           <a:prstGeom prst="roundRect">
@@ -8417,7 +8387,7 @@
         </p:nvSpPr>
         <p:spPr bwMode="auto">
           <a:xfrm rot="5400000">
-            <a:off x="10157918" y="17749625"/>
+            <a:off x="10157918" y="18423389"/>
             <a:ext cx="379130" cy="688462"/>
           </a:xfrm>
           <a:prstGeom prst="rightArrow">
@@ -8485,7 +8455,7 @@
         </p:nvSpPr>
         <p:spPr bwMode="auto">
           <a:xfrm rot="5400000">
-            <a:off x="10157918" y="18912233"/>
+            <a:off x="10157918" y="19585997"/>
             <a:ext cx="379130" cy="688462"/>
           </a:xfrm>
           <a:prstGeom prst="rightArrow">
@@ -8553,7 +8523,7 @@
         </p:nvSpPr>
         <p:spPr bwMode="auto">
           <a:xfrm>
-            <a:off x="8443917" y="20643468"/>
+            <a:off x="8443917" y="21317232"/>
             <a:ext cx="3807134" cy="1191816"/>
           </a:xfrm>
           <a:prstGeom prst="roundRect">
@@ -8653,7 +8623,7 @@
         </p:nvSpPr>
         <p:spPr bwMode="auto">
           <a:xfrm>
-            <a:off x="3907003" y="22938784"/>
+            <a:off x="3907003" y="23612548"/>
             <a:ext cx="7475490" cy="1191816"/>
           </a:xfrm>
           <a:prstGeom prst="roundRect">
@@ -8753,7 +8723,7 @@
         </p:nvSpPr>
         <p:spPr bwMode="auto">
           <a:xfrm rot="5400000">
-            <a:off x="4986295" y="22062338"/>
+            <a:off x="4986295" y="22736102"/>
             <a:ext cx="919058" cy="688462"/>
           </a:xfrm>
           <a:prstGeom prst="rightArrow">
@@ -8821,7 +8791,7 @@
         </p:nvSpPr>
         <p:spPr bwMode="auto">
           <a:xfrm rot="5400000">
-            <a:off x="9905239" y="22078262"/>
+            <a:off x="9905239" y="22752026"/>
             <a:ext cx="919058" cy="688462"/>
           </a:xfrm>
           <a:prstGeom prst="rightArrow">
@@ -8889,7 +8859,7 @@
         </p:nvSpPr>
         <p:spPr bwMode="auto">
           <a:xfrm>
-            <a:off x="3907003" y="24760328"/>
+            <a:off x="3907003" y="25434092"/>
             <a:ext cx="7475490" cy="1191816"/>
           </a:xfrm>
           <a:prstGeom prst="roundRect">
@@ -8964,7 +8934,7 @@
         </p:nvSpPr>
         <p:spPr bwMode="auto">
           <a:xfrm>
-            <a:off x="3907003" y="26591683"/>
+            <a:off x="3907003" y="27265447"/>
             <a:ext cx="7475490" cy="646986"/>
           </a:xfrm>
           <a:prstGeom prst="roundRect">
@@ -9039,7 +9009,7 @@
         </p:nvSpPr>
         <p:spPr bwMode="auto">
           <a:xfrm rot="5400000">
-            <a:off x="7573413" y="24089062"/>
+            <a:off x="7573413" y="24762826"/>
             <a:ext cx="379130" cy="688462"/>
           </a:xfrm>
           <a:prstGeom prst="rightArrow">
@@ -9107,7 +9077,7 @@
         </p:nvSpPr>
         <p:spPr bwMode="auto">
           <a:xfrm rot="5400000">
-            <a:off x="7587928" y="25925120"/>
+            <a:off x="7587928" y="26598884"/>
             <a:ext cx="379130" cy="688462"/>
           </a:xfrm>
           <a:prstGeom prst="rightArrow">
@@ -9190,7 +9160,7 @@
         </p:blipFill>
         <p:spPr bwMode="auto">
           <a:xfrm>
-            <a:off x="1154853" y="20542973"/>
+            <a:off x="1154853" y="21216737"/>
             <a:ext cx="2478276" cy="3531059"/>
           </a:xfrm>
           <a:prstGeom prst="rect">
@@ -9231,7 +9201,7 @@
         </p:blipFill>
         <p:spPr bwMode="auto">
           <a:xfrm>
-            <a:off x="12405542" y="16624682"/>
+            <a:off x="12405542" y="17298446"/>
             <a:ext cx="2003160" cy="1191816"/>
           </a:xfrm>
           <a:prstGeom prst="rect">
@@ -9258,7 +9228,7 @@
         <p:spPr>
           <a:xfrm>
             <a:off x="14642727" y="16705813"/>
-            <a:ext cx="13619773" cy="2862322"/>
+            <a:ext cx="13619773" cy="1938992"/>
           </a:xfrm>
           <a:prstGeom prst="rect">
             <a:avLst/>
@@ -9273,42 +9243,46 @@
           <a:p>
             <a:pPr algn="l"/>
             <a:r>
-              <a:rPr lang="en-US" sz="3600" dirty="0" smtClean="0">
+              <a:rPr lang="en-US" sz="2400" dirty="0" smtClean="0">
                 <a:latin typeface="Century Schoolbook" pitchFamily="18" charset="0"/>
               </a:rPr>
-              <a:t>Cameras: 2 </a:t>
-            </a:r>
-            <a:r>
-              <a:rPr lang="en-US" sz="3600" dirty="0" smtClean="0"/>
-              <a:t>× </a:t>
-            </a:r>
-            <a:r>
-              <a:rPr lang="en-US" sz="3600" dirty="0" smtClean="0">
+              <a:t>Cameras: 2 × Logitech C905 Webcam			</a:t>
+            </a:r>
+            <a:r>
+              <a:rPr lang="en-US" sz="2400" dirty="0" smtClean="0">
                 <a:latin typeface="Century Schoolbook" pitchFamily="18" charset="0"/>
               </a:rPr>
-              <a:t>Logitech C905 Webcam			$100</a:t>
+              <a:t>	$</a:t>
+            </a:r>
+            <a:r>
+              <a:rPr lang="en-US" sz="2400" dirty="0" smtClean="0">
+                <a:latin typeface="Century Schoolbook" pitchFamily="18" charset="0"/>
+              </a:rPr>
+              <a:t>100</a:t>
             </a:r>
           </a:p>
           <a:p>
             <a:pPr algn="l"/>
             <a:r>
-              <a:rPr lang="en-US" sz="3600" dirty="0" smtClean="0">
+              <a:rPr lang="en-US" sz="2400" dirty="0" smtClean="0">
                 <a:latin typeface="Century Schoolbook" pitchFamily="18" charset="0"/>
               </a:rPr>
               <a:t>Projector: 1 </a:t>
             </a:r>
             <a:r>
-              <a:rPr lang="en-US" sz="3600" dirty="0"/>
+              <a:rPr lang="en-US" sz="2400" dirty="0">
+                <a:latin typeface="Century Schoolbook" pitchFamily="18" charset="0"/>
+              </a:rPr>
               <a:t>× </a:t>
             </a:r>
             <a:r>
-              <a:rPr lang="en-US" sz="3600" dirty="0" err="1" smtClean="0">
+              <a:rPr lang="en-US" sz="2400" dirty="0" err="1" smtClean="0">
                 <a:latin typeface="Century Schoolbook" pitchFamily="18" charset="0"/>
               </a:rPr>
               <a:t>Optoma</a:t>
             </a:r>
             <a:r>
-              <a:rPr lang="en-US" sz="3600" dirty="0" smtClean="0">
+              <a:rPr lang="en-US" sz="2400" dirty="0" smtClean="0">
                 <a:latin typeface="Century Schoolbook" pitchFamily="18" charset="0"/>
               </a:rPr>
               <a:t> PK201 Pico				$250</a:t>
@@ -9317,7 +9291,7 @@
           <a:p>
             <a:pPr algn="l"/>
             <a:r>
-              <a:rPr lang="en-US" sz="3600" dirty="0" smtClean="0">
+              <a:rPr lang="en-US" sz="2400" dirty="0" smtClean="0">
                 <a:latin typeface="Century Schoolbook" pitchFamily="18" charset="0"/>
               </a:rPr>
               <a:t>Parts: Rapid-prototyped from ABS				$  10</a:t>
@@ -9326,7 +9300,7 @@
           <a:p>
             <a:pPr algn="l"/>
             <a:r>
-              <a:rPr lang="en-US" sz="3600" u="sng" dirty="0" smtClean="0">
+              <a:rPr lang="en-US" sz="2400" u="sng" dirty="0" smtClean="0">
                 <a:latin typeface="Century Schoolbook" pitchFamily="18" charset="0"/>
               </a:rPr>
               <a:t>Beam: Aluminum L-beam						$    6</a:t>
@@ -9335,10 +9309,22 @@
           <a:p>
             <a:pPr algn="l"/>
             <a:r>
-              <a:rPr lang="en-US" sz="3600" dirty="0" smtClean="0">
+              <a:rPr lang="en-US" sz="2400" dirty="0" smtClean="0">
                 <a:latin typeface="Century Schoolbook" pitchFamily="18" charset="0"/>
               </a:rPr>
-              <a:t>Total cost:									$366</a:t>
+              <a:t>Total cost:								</a:t>
+            </a:r>
+            <a:r>
+              <a:rPr lang="en-US" sz="2400" dirty="0" smtClean="0">
+                <a:latin typeface="Century Schoolbook" pitchFamily="18" charset="0"/>
+              </a:rPr>
+              <a:t>$</a:t>
+            </a:r>
+            <a:r>
+              <a:rPr lang="en-US" sz="2400" dirty="0" smtClean="0">
+                <a:latin typeface="Century Schoolbook" pitchFamily="18" charset="0"/>
+              </a:rPr>
+              <a:t>366</a:t>
             </a:r>
           </a:p>
         </p:txBody>
@@ -9352,7 +9338,7 @@
         <p:spPr>
           <a:xfrm>
             <a:off x="14875325" y="13101873"/>
-            <a:ext cx="5940340" cy="1569660"/>
+            <a:ext cx="5940340" cy="1200329"/>
           </a:xfrm>
           <a:prstGeom prst="rect">
             <a:avLst/>
@@ -9365,8 +9351,9 @@
           </a:bodyPr>
           <a:lstStyle/>
           <a:p>
-            <a:r>
-              <a:rPr lang="en-US" sz="3200" b="1" dirty="0" smtClean="0">
+            <a:pPr algn="l"/>
+            <a:r>
+              <a:rPr lang="en-US" sz="2400" b="1" dirty="0" smtClean="0">
                 <a:effectLst>
                   <a:outerShdw blurRad="38100" dist="38100" dir="2700000" algn="tl">
                     <a:srgbClr val="000000">
@@ -9380,31 +9367,32 @@
             </a:r>
           </a:p>
           <a:p>
-            <a:r>
-              <a:rPr lang="en-US" sz="3200" dirty="0">
+            <a:pPr algn="l"/>
+            <a:r>
+              <a:rPr lang="en-US" sz="2400" dirty="0">
                 <a:latin typeface="Century Schoolbook" pitchFamily="18" charset="0"/>
               </a:rPr>
               <a:t>2 MP, 2.8</a:t>
             </a:r>
             <a:r>
-              <a:rPr lang="el-GR" sz="3200" dirty="0">
+              <a:rPr lang="el-GR" sz="2400" dirty="0">
                 <a:latin typeface="Century Schoolbook" pitchFamily="18" charset="0"/>
               </a:rPr>
               <a:t>μ</a:t>
             </a:r>
             <a:r>
-              <a:rPr lang="en-US" sz="3200" dirty="0">
+              <a:rPr lang="en-US" sz="2400" dirty="0">
                 <a:latin typeface="Century Schoolbook" pitchFamily="18" charset="0"/>
               </a:rPr>
               <a:t>m cell size, 50 mm min. focal </a:t>
             </a:r>
             <a:r>
-              <a:rPr lang="en-US" sz="3200" dirty="0" smtClean="0">
+              <a:rPr lang="en-US" sz="2400" dirty="0" smtClean="0">
                 <a:latin typeface="Century Schoolbook" pitchFamily="18" charset="0"/>
               </a:rPr>
               <a:t>length</a:t>
             </a:r>
-            <a:endParaRPr lang="en-US" sz="3200" dirty="0">
+            <a:endParaRPr lang="en-US" sz="2400" dirty="0">
               <a:latin typeface="Century Schoolbook" pitchFamily="18" charset="0"/>
             </a:endParaRPr>
           </a:p>
@@ -9419,7 +9407,7 @@
         <p:spPr>
           <a:xfrm>
             <a:off x="14703595" y="14893235"/>
-            <a:ext cx="6452876" cy="1569660"/>
+            <a:ext cx="6452876" cy="1200329"/>
           </a:xfrm>
           <a:prstGeom prst="rect">
             <a:avLst/>
@@ -9432,8 +9420,9 @@
           </a:bodyPr>
           <a:lstStyle/>
           <a:p>
-            <a:r>
-              <a:rPr lang="en-US" sz="3200" b="1" dirty="0" err="1" smtClean="0">
+            <a:pPr algn="l"/>
+            <a:r>
+              <a:rPr lang="en-US" sz="2400" b="1" dirty="0" err="1" smtClean="0">
                 <a:effectLst>
                   <a:outerShdw blurRad="38100" dist="38100" dir="2700000" algn="tl">
                     <a:srgbClr val="000000">
@@ -9446,7 +9435,7 @@
               <a:t>Optoma</a:t>
             </a:r>
             <a:r>
-              <a:rPr lang="en-US" sz="3200" b="1" dirty="0" smtClean="0">
+              <a:rPr lang="en-US" sz="2400" b="1" dirty="0" smtClean="0">
                 <a:effectLst>
                   <a:outerShdw blurRad="38100" dist="38100" dir="2700000" algn="tl">
                     <a:srgbClr val="000000">
@@ -9460,25 +9449,26 @@
             </a:r>
           </a:p>
           <a:p>
-            <a:r>
-              <a:rPr lang="en-US" sz="3200" dirty="0" smtClean="0">
+            <a:pPr algn="l"/>
+            <a:r>
+              <a:rPr lang="en-US" sz="2400" dirty="0" smtClean="0">
                 <a:latin typeface="Century Schoolbook" pitchFamily="18" charset="0"/>
               </a:rPr>
               <a:t>854 </a:t>
             </a:r>
             <a:r>
-              <a:rPr lang="en-US" sz="3200" dirty="0" err="1" smtClean="0">
+              <a:rPr lang="en-US" sz="2400" dirty="0" err="1" smtClean="0">
                 <a:latin typeface="Century Schoolbook" pitchFamily="18" charset="0"/>
               </a:rPr>
               <a:t>px</a:t>
             </a:r>
             <a:r>
-              <a:rPr lang="en-US" sz="3200" dirty="0" smtClean="0">
+              <a:rPr lang="en-US" sz="2400" dirty="0" smtClean="0">
                 <a:latin typeface="Century Schoolbook" pitchFamily="18" charset="0"/>
               </a:rPr>
               <a:t> horizontal resolution, DLP projection, throw ratio 2.2</a:t>
             </a:r>
-            <a:endParaRPr lang="en-US" sz="3200" dirty="0">
+            <a:endParaRPr lang="en-US" sz="2400" dirty="0">
               <a:latin typeface="Century Schoolbook" pitchFamily="18" charset="0"/>
             </a:endParaRPr>
           </a:p>
@@ -11365,7 +11355,7 @@
         </p:nvSpPr>
         <p:spPr bwMode="auto">
           <a:xfrm flipV="1">
-            <a:off x="28521128" y="28678427"/>
+            <a:off x="28521128" y="28606238"/>
             <a:ext cx="14013589" cy="0"/>
           </a:xfrm>
           <a:prstGeom prst="line">
@@ -12985,7 +12975,7 @@
           </a:bodyPr>
           <a:lstStyle/>
           <a:p>
-            <a:pPr algn="l"/>
+            <a:pPr algn="just"/>
             <a:r>
               <a:rPr lang="en-US" sz="2400" dirty="0" smtClean="0">
                 <a:latin typeface="Times New Roman" pitchFamily="18" charset="0"/>
@@ -12998,14 +12988,14 @@
                 <a:latin typeface="Century Schoolbook" pitchFamily="18" charset="0"/>
                 <a:cs typeface="Times New Roman" pitchFamily="18" charset="0"/>
               </a:rPr>
-              <a:t>The </a:t>
+              <a:t>The availability of rapid prototyping enhances a designer’s creativity and speed, enabling quicker development of new products. However, because this process relies heavily on computer-aided design (CAD) models it can often be time costly and inefficient when a component is needed urgently in the field. This paper proposes a method to seamlessly integrate the digitization of existing objects with the rapid prototyping process. Our technique makes use of multiple structured-light techniques in conjunction with photogrammetry to build a more efficient means of product </a:t>
             </a:r>
             <a:r>
               <a:rPr lang="en-US" sz="2400" dirty="0">
                 <a:latin typeface="Century Schoolbook" pitchFamily="18" charset="0"/>
                 <a:cs typeface="Times New Roman" pitchFamily="18" charset="0"/>
               </a:rPr>
-              <a:t>availability of rapid prototyping enhances a designer’s creativity and speed, enabling quicker development of new products. However, because this process relies heavily on computer-aided design (CAD) models it can often be time costly and inefficient when a component is needed urgently in the field. This paper proposes a method to seamlessly integrate the digitization of existing objects with the rapid prototyping process. Our technique makes use of multiple structured-light techniques in conjunction with photogrammetry to build a more efficient means of product development. This combination of methods allows our developed application to rapidly scan an entire object using inexpensive hardware. Single views obtained by projecting binary and sinusoidal patterns are combined using photogrammetric feature tracking to create a computer model of the subject. </a:t>
+              <a:t>development. This combination of methods allows our developed application to rapidly scan an entire object using inexpensive hardware. Single views obtained by projecting binary and sinusoidal patterns are combined using photogrammetric feature tracking to create a computer model of the subject. </a:t>
             </a:r>
           </a:p>
         </p:txBody>
@@ -13054,7 +13044,21 @@
                 <a:latin typeface="Century Schoolbook" pitchFamily="18" charset="0"/>
                 <a:cs typeface="Times New Roman" pitchFamily="18" charset="0"/>
               </a:rPr>
-              <a:t>Camera and Projector calibration need to be performed each time the triangulation geometry is changed</a:t>
+              <a:t>Camera and </a:t>
+            </a:r>
+            <a:r>
+              <a:rPr lang="en-US" sz="2400" dirty="0" smtClean="0">
+                <a:latin typeface="Century Schoolbook" pitchFamily="18" charset="0"/>
+                <a:cs typeface="Times New Roman" pitchFamily="18" charset="0"/>
+              </a:rPr>
+              <a:t>projector </a:t>
+            </a:r>
+            <a:r>
+              <a:rPr lang="en-US" sz="2400" dirty="0" smtClean="0">
+                <a:latin typeface="Century Schoolbook" pitchFamily="18" charset="0"/>
+                <a:cs typeface="Times New Roman" pitchFamily="18" charset="0"/>
+              </a:rPr>
+              <a:t>calibration need to be performed each time the triangulation geometry is changed</a:t>
             </a:r>
             <a:endParaRPr lang="en-US" sz="2400" dirty="0">
               <a:latin typeface="Century Schoolbook" pitchFamily="18" charset="0"/>
@@ -13094,7 +13098,28 @@
                 <a:latin typeface="Century Schoolbook" pitchFamily="18" charset="0"/>
                 <a:cs typeface="Times New Roman" pitchFamily="18" charset="0"/>
               </a:rPr>
-              <a:t>Scanning a single view takes 3-5 seconds</a:t>
+              <a:t>Scanning a single view takes </a:t>
+            </a:r>
+            <a:r>
+              <a:rPr lang="en-US" sz="2400" dirty="0" smtClean="0">
+                <a:latin typeface="Century Schoolbook" pitchFamily="18" charset="0"/>
+                <a:cs typeface="Times New Roman" pitchFamily="18" charset="0"/>
+              </a:rPr>
+              <a:t>5-8</a:t>
+            </a:r>
+            <a:r>
+              <a:rPr lang="en-US" sz="2400" dirty="0" smtClean="0">
+                <a:latin typeface="Century Schoolbook" pitchFamily="18" charset="0"/>
+                <a:cs typeface="Times New Roman" pitchFamily="18" charset="0"/>
+              </a:rPr>
+              <a:t> </a:t>
+            </a:r>
+            <a:r>
+              <a:rPr lang="en-US" sz="2400" dirty="0" smtClean="0">
+                <a:latin typeface="Century Schoolbook" pitchFamily="18" charset="0"/>
+                <a:cs typeface="Times New Roman" pitchFamily="18" charset="0"/>
+              </a:rPr>
+              <a:t>seconds</a:t>
             </a:r>
           </a:p>
           <a:p>
@@ -13177,7 +13202,7 @@
       </p:sp>
       <p:grpSp>
         <p:nvGrpSpPr>
-          <p:cNvPr id="7" name="Group 6"/>
+          <p:cNvPr id="4" name="Group 3"/>
           <p:cNvGrpSpPr/>
           <p:nvPr/>
         </p:nvGrpSpPr>
@@ -13393,7 +13418,7 @@
           </p:nvSpPr>
           <p:spPr bwMode="auto">
             <a:xfrm rot="20469181">
-              <a:off x="23684647" y="15156921"/>
+              <a:off x="23369569" y="15415732"/>
               <a:ext cx="1786744" cy="362175"/>
             </a:xfrm>
             <a:prstGeom prst="rightArrow">
@@ -13454,6 +13479,57 @@
           </p:txBody>
         </p:sp>
       </p:grpSp>
+      <p:sp>
+        <p:nvSpPr>
+          <p:cNvPr id="141" name="TextBox 140"/>
+          <p:cNvSpPr txBox="1"/>
+          <p:nvPr/>
+        </p:nvSpPr>
+        <p:spPr>
+          <a:xfrm>
+            <a:off x="28606601" y="29200352"/>
+            <a:ext cx="12254128" cy="830997"/>
+          </a:xfrm>
+          <a:prstGeom prst="rect">
+            <a:avLst/>
+          </a:prstGeom>
+          <a:noFill/>
+        </p:spPr>
+        <p:txBody>
+          <a:bodyPr wrap="square" rtlCol="0">
+            <a:spAutoFit/>
+          </a:bodyPr>
+          <a:lstStyle/>
+          <a:p>
+            <a:pPr algn="l"/>
+            <a:r>
+              <a:rPr lang="en-US" sz="2400" dirty="0" smtClean="0">
+                <a:latin typeface="Century Schoolbook" pitchFamily="18" charset="0"/>
+                <a:cs typeface="Times New Roman" pitchFamily="18" charset="0"/>
+              </a:rPr>
+              <a:t>The team would like to thank Ellery Harrington, Ivo </a:t>
+            </a:r>
+            <a:r>
+              <a:rPr lang="en-US" sz="2400" dirty="0" err="1" smtClean="0">
+                <a:latin typeface="Century Schoolbook" pitchFamily="18" charset="0"/>
+                <a:cs typeface="Times New Roman" pitchFamily="18" charset="0"/>
+              </a:rPr>
+              <a:t>Dobrev</a:t>
+            </a:r>
+            <a:r>
+              <a:rPr lang="en-US" sz="2400" dirty="0" smtClean="0">
+                <a:latin typeface="Century Schoolbook" pitchFamily="18" charset="0"/>
+                <a:cs typeface="Times New Roman" pitchFamily="18" charset="0"/>
+              </a:rPr>
+              <a:t>, and everyone else in the CHSLT lab for all assistance they have provided throughout the project.</a:t>
+            </a:r>
+            <a:endParaRPr lang="en-US" sz="2400" dirty="0">
+              <a:latin typeface="Century Schoolbook" pitchFamily="18" charset="0"/>
+              <a:cs typeface="Times New Roman" pitchFamily="18" charset="0"/>
+            </a:endParaRPr>
+          </a:p>
+        </p:txBody>
+      </p:sp>
     </p:spTree>
     <p:extLst>
       <p:ext uri="{BB962C8B-B14F-4D97-AF65-F5344CB8AC3E}">
